--- a/Docs/House Prices.pptx
+++ b/Docs/House Prices.pptx
@@ -11,11 +11,16 @@
     <p:sldId id="259" r:id="rId5"/>
     <p:sldId id="260" r:id="rId6"/>
     <p:sldId id="261" r:id="rId7"/>
-    <p:sldId id="263" r:id="rId8"/>
+    <p:sldId id="267" r:id="rId8"/>
     <p:sldId id="264" r:id="rId9"/>
     <p:sldId id="262" r:id="rId10"/>
     <p:sldId id="265" r:id="rId11"/>
     <p:sldId id="266" r:id="rId12"/>
+    <p:sldId id="268" r:id="rId13"/>
+    <p:sldId id="269" r:id="rId14"/>
+    <p:sldId id="270" r:id="rId15"/>
+    <p:sldId id="271" r:id="rId16"/>
+    <p:sldId id="272" r:id="rId17"/>
   </p:sldIdLst>
   <p:sldSz cx="12192000" cy="6858000"/>
   <p:notesSz cx="6858000" cy="9144000"/>
@@ -114,6 +119,11 @@
       </a:defRPr>
     </a:lvl9pPr>
   </p:defaultTextStyle>
+  <p:extLst>
+    <p:ext uri="{EFAFB233-063F-42B5-8137-9DF3F51BA10A}">
+      <p15:sldGuideLst xmlns:p15="http://schemas.microsoft.com/office/powerpoint/2012/main"/>
+    </p:ext>
+  </p:extLst>
 </p:presentation>
 </file>
 
@@ -7690,7 +7700,7 @@
             </a:pPr>
             <a:r>
               <a:rPr lang="es-GT" dirty="0"/>
-              <a:t>RODRIGO ALBERTO CORDERO ALVAREZ	17001922</a:t>
+              <a:t>RODRIGO ALBERTO CORDERO ALVAREZ		17001922</a:t>
             </a:r>
             <a:endParaRPr lang="en-US" dirty="0"/>
           </a:p>
@@ -7701,7 +7711,7 @@
             </a:pPr>
             <a:r>
               <a:rPr lang="es-GT" dirty="0"/>
-              <a:t>MARCELO ALFREDO DEL ÁGUILA MORAGA	17001380</a:t>
+              <a:t>MARCELO ALFREDO DEL ÁGUILA MORAGA		17001380</a:t>
             </a:r>
             <a:endParaRPr lang="en-US" dirty="0"/>
           </a:p>
@@ -7712,7 +7722,7 @@
             </a:pPr>
             <a:r>
               <a:rPr lang="es-GT" dirty="0"/>
-              <a:t>KEVIN JOSÉ HERNÁNDEZ MARROQUÍN	17001095</a:t>
+              <a:t>KEVIN JOSÉ HERNÁNDEZ MARROQUÍN			17001095</a:t>
             </a:r>
             <a:endParaRPr lang="en-US" dirty="0"/>
           </a:p>
@@ -10635,8 +10645,8 @@
         </p:nvSpPr>
         <p:spPr>
           <a:xfrm>
-            <a:off x="535525" y="624110"/>
-            <a:ext cx="4623955" cy="1280890"/>
+            <a:off x="543585" y="777895"/>
+            <a:ext cx="4552611" cy="709390"/>
           </a:xfrm>
         </p:spPr>
         <p:txBody>
@@ -10646,18 +10656,17 @@
           <a:lstStyle/>
           <a:p>
             <a:r>
-              <a:rPr lang="en-US"/>
+              <a:rPr lang="en-US" sz="2800" b="1" dirty="0"/>
               <a:t>Redes </a:t>
             </a:r>
             <a:r>
-              <a:rPr lang="es-GT"/>
+              <a:rPr lang="es-GT" sz="2800" b="1" dirty="0"/>
               <a:t>neuronales </a:t>
             </a:r>
             <a:r>
-              <a:rPr lang="en-US"/>
+              <a:rPr lang="en-US" sz="2800" b="1" dirty="0"/>
               <a:t> </a:t>
             </a:r>
-            <a:endParaRPr lang="en-US" dirty="0"/>
           </a:p>
         </p:txBody>
       </p:sp>
@@ -10717,7 +10726,7 @@
       </p:sp>
       <p:sp>
         <p:nvSpPr>
-          <p:cNvPr id="14" name="Content Placeholder 13">
+          <p:cNvPr id="14" name="Intro" hidden="1">
             <a:extLst>
               <a:ext uri="{FF2B5EF4-FFF2-40B4-BE49-F238E27FC236}">
                 <a16:creationId xmlns:a16="http://schemas.microsoft.com/office/drawing/2014/main" id="{DDA536EB-FB86-45CC-B56C-0FF6F71235A0}"/>
@@ -10733,7 +10742,7 @@
         </p:nvSpPr>
         <p:spPr>
           <a:xfrm>
-            <a:off x="531812" y="2133600"/>
+            <a:off x="531548" y="1327558"/>
             <a:ext cx="4625882" cy="3777622"/>
           </a:xfrm>
         </p:spPr>
@@ -10744,34 +10753,33 @@
           <a:lstStyle/>
           <a:p>
             <a:r>
-              <a:rPr lang="en-US" dirty="0"/>
+              <a:rPr lang="en-US" sz="2200" dirty="0"/>
               <a:t>TensorFlow</a:t>
             </a:r>
           </a:p>
           <a:p>
             <a:r>
-              <a:rPr lang="es-GT"/>
+              <a:rPr lang="es-GT" sz="2200" dirty="0"/>
               <a:t>Arma de doble filo</a:t>
             </a:r>
           </a:p>
           <a:p>
             <a:r>
-              <a:rPr lang="es-GT"/>
+              <a:rPr lang="es-GT" sz="2200" dirty="0"/>
               <a:t>Arquitectura </a:t>
             </a:r>
           </a:p>
           <a:p>
             <a:r>
-              <a:rPr lang="es-GT"/>
+              <a:rPr lang="es-GT" sz="2200" dirty="0"/>
               <a:t>Complejidad </a:t>
             </a:r>
           </a:p>
           <a:p>
             <a:r>
-              <a:rPr lang="es-GT"/>
+              <a:rPr lang="es-GT" sz="2200" dirty="0"/>
               <a:t>Optimización </a:t>
             </a:r>
-            <a:endParaRPr lang="es-GT" dirty="0"/>
           </a:p>
         </p:txBody>
       </p:sp>
@@ -10804,8 +10812,8 @@
         </p:blipFill>
         <p:spPr bwMode="auto">
           <a:xfrm>
-            <a:off x="619267" y="4395822"/>
-            <a:ext cx="3906202" cy="1669043"/>
+            <a:off x="7559504" y="2620811"/>
+            <a:ext cx="4164593" cy="1779448"/>
           </a:xfrm>
           <a:prstGeom prst="rect">
             <a:avLst/>
@@ -10822,10 +10830,2259 @@
           </a:extLst>
         </p:spPr>
       </p:pic>
+      <p:sp>
+        <p:nvSpPr>
+          <p:cNvPr id="44" name="Title 1">
+            <a:extLst>
+              <a:ext uri="{FF2B5EF4-FFF2-40B4-BE49-F238E27FC236}">
+                <a16:creationId xmlns:a16="http://schemas.microsoft.com/office/drawing/2014/main" id="{E9BBFCF7-9B7E-485D-B7C8-05D465E180D0}"/>
+              </a:ext>
+            </a:extLst>
+          </p:cNvPr>
+          <p:cNvSpPr txBox="1">
+            <a:spLocks/>
+          </p:cNvSpPr>
+          <p:nvPr/>
+        </p:nvSpPr>
+        <p:spPr>
+          <a:xfrm>
+            <a:off x="536050" y="176437"/>
+            <a:ext cx="3588800" cy="709390"/>
+          </a:xfrm>
+          <a:prstGeom prst="rect">
+            <a:avLst/>
+          </a:prstGeom>
+        </p:spPr>
+        <p:txBody>
+          <a:bodyPr vert="horz" lIns="91440" tIns="45720" rIns="91440" bIns="45720" rtlCol="0" anchor="t">
+            <a:normAutofit/>
+          </a:bodyPr>
+          <a:lstStyle>
+            <a:lvl1pPr algn="l" defTabSz="457200" rtl="0" eaLnBrk="1" latinLnBrk="0" hangingPunct="1">
+              <a:spcBef>
+                <a:spcPct val="0"/>
+              </a:spcBef>
+              <a:buNone/>
+              <a:defRPr sz="3600" kern="1200">
+                <a:solidFill>
+                  <a:schemeClr val="tx1">
+                    <a:lumMod val="85000"/>
+                    <a:lumOff val="15000"/>
+                  </a:schemeClr>
+                </a:solidFill>
+                <a:latin typeface="+mj-lt"/>
+                <a:ea typeface="+mj-ea"/>
+                <a:cs typeface="+mj-cs"/>
+              </a:defRPr>
+            </a:lvl1pPr>
+            <a:lvl2pPr eaLnBrk="1" hangingPunct="1">
+              <a:defRPr>
+                <a:solidFill>
+                  <a:schemeClr val="tx2"/>
+                </a:solidFill>
+              </a:defRPr>
+            </a:lvl2pPr>
+            <a:lvl3pPr eaLnBrk="1" hangingPunct="1">
+              <a:defRPr>
+                <a:solidFill>
+                  <a:schemeClr val="tx2"/>
+                </a:solidFill>
+              </a:defRPr>
+            </a:lvl3pPr>
+            <a:lvl4pPr eaLnBrk="1" hangingPunct="1">
+              <a:defRPr>
+                <a:solidFill>
+                  <a:schemeClr val="tx2"/>
+                </a:solidFill>
+              </a:defRPr>
+            </a:lvl4pPr>
+            <a:lvl5pPr eaLnBrk="1" hangingPunct="1">
+              <a:defRPr>
+                <a:solidFill>
+                  <a:schemeClr val="tx2"/>
+                </a:solidFill>
+              </a:defRPr>
+            </a:lvl5pPr>
+            <a:lvl6pPr eaLnBrk="1" hangingPunct="1">
+              <a:defRPr>
+                <a:solidFill>
+                  <a:schemeClr val="tx2"/>
+                </a:solidFill>
+              </a:defRPr>
+            </a:lvl6pPr>
+            <a:lvl7pPr eaLnBrk="1" hangingPunct="1">
+              <a:defRPr>
+                <a:solidFill>
+                  <a:schemeClr val="tx2"/>
+                </a:solidFill>
+              </a:defRPr>
+            </a:lvl7pPr>
+            <a:lvl8pPr eaLnBrk="1" hangingPunct="1">
+              <a:defRPr>
+                <a:solidFill>
+                  <a:schemeClr val="tx2"/>
+                </a:solidFill>
+              </a:defRPr>
+            </a:lvl8pPr>
+            <a:lvl9pPr eaLnBrk="1" hangingPunct="1">
+              <a:defRPr>
+                <a:solidFill>
+                  <a:schemeClr val="tx2"/>
+                </a:solidFill>
+              </a:defRPr>
+            </a:lvl9pPr>
+          </a:lstStyle>
+          <a:p>
+            <a:r>
+              <a:rPr lang="es-GT" b="1" dirty="0"/>
+              <a:t>Resultados</a:t>
+            </a:r>
+          </a:p>
+        </p:txBody>
+      </p:sp>
+      <p:sp>
+        <p:nvSpPr>
+          <p:cNvPr id="46" name="MejorModelo">
+            <a:extLst>
+              <a:ext uri="{FF2B5EF4-FFF2-40B4-BE49-F238E27FC236}">
+                <a16:creationId xmlns:a16="http://schemas.microsoft.com/office/drawing/2014/main" id="{337CE776-36E4-4B61-8BA0-7E6909ECDC55}"/>
+              </a:ext>
+            </a:extLst>
+          </p:cNvPr>
+          <p:cNvSpPr txBox="1">
+            <a:spLocks/>
+          </p:cNvSpPr>
+          <p:nvPr/>
+        </p:nvSpPr>
+        <p:spPr>
+          <a:xfrm>
+            <a:off x="525739" y="1345380"/>
+            <a:ext cx="7929530" cy="5436420"/>
+          </a:xfrm>
+          <a:prstGeom prst="rect">
+            <a:avLst/>
+          </a:prstGeom>
+        </p:spPr>
+        <p:txBody>
+          <a:bodyPr vert="horz" lIns="91440" tIns="45720" rIns="91440" bIns="45720" rtlCol="0">
+            <a:normAutofit/>
+          </a:bodyPr>
+          <a:lstStyle>
+            <a:lvl1pPr marL="342900" indent="-342900" algn="l" defTabSz="457200" rtl="0" eaLnBrk="1" latinLnBrk="0" hangingPunct="1">
+              <a:spcBef>
+                <a:spcPts val="1000"/>
+              </a:spcBef>
+              <a:spcAft>
+                <a:spcPts val="0"/>
+              </a:spcAft>
+              <a:buClr>
+                <a:schemeClr val="accent1"/>
+              </a:buClr>
+              <a:buFont typeface="Wingdings 3" charset="2"/>
+              <a:buChar char=""/>
+              <a:defRPr sz="1800" kern="1200">
+                <a:solidFill>
+                  <a:schemeClr val="tx1">
+                    <a:lumMod val="75000"/>
+                    <a:lumOff val="25000"/>
+                  </a:schemeClr>
+                </a:solidFill>
+                <a:latin typeface="+mn-lt"/>
+                <a:ea typeface="+mn-ea"/>
+                <a:cs typeface="+mn-cs"/>
+              </a:defRPr>
+            </a:lvl1pPr>
+            <a:lvl2pPr marL="742950" indent="-285750" algn="l" defTabSz="457200" rtl="0" eaLnBrk="1" latinLnBrk="0" hangingPunct="1">
+              <a:spcBef>
+                <a:spcPts val="1000"/>
+              </a:spcBef>
+              <a:spcAft>
+                <a:spcPts val="0"/>
+              </a:spcAft>
+              <a:buClr>
+                <a:schemeClr val="accent1"/>
+              </a:buClr>
+              <a:buFont typeface="Wingdings 3" charset="2"/>
+              <a:buChar char=""/>
+              <a:defRPr sz="1600" kern="1200">
+                <a:solidFill>
+                  <a:schemeClr val="tx1">
+                    <a:lumMod val="75000"/>
+                    <a:lumOff val="25000"/>
+                  </a:schemeClr>
+                </a:solidFill>
+                <a:latin typeface="+mn-lt"/>
+                <a:ea typeface="+mn-ea"/>
+                <a:cs typeface="+mn-cs"/>
+              </a:defRPr>
+            </a:lvl2pPr>
+            <a:lvl3pPr marL="1143000" indent="-228600" algn="l" defTabSz="457200" rtl="0" eaLnBrk="1" latinLnBrk="0" hangingPunct="1">
+              <a:spcBef>
+                <a:spcPts val="1000"/>
+              </a:spcBef>
+              <a:spcAft>
+                <a:spcPts val="0"/>
+              </a:spcAft>
+              <a:buClr>
+                <a:schemeClr val="accent1"/>
+              </a:buClr>
+              <a:buFont typeface="Wingdings 3" charset="2"/>
+              <a:buChar char=""/>
+              <a:defRPr sz="1400" kern="1200">
+                <a:solidFill>
+                  <a:schemeClr val="tx1">
+                    <a:lumMod val="75000"/>
+                    <a:lumOff val="25000"/>
+                  </a:schemeClr>
+                </a:solidFill>
+                <a:latin typeface="+mn-lt"/>
+                <a:ea typeface="+mn-ea"/>
+                <a:cs typeface="+mn-cs"/>
+              </a:defRPr>
+            </a:lvl3pPr>
+            <a:lvl4pPr marL="1600200" indent="-228600" algn="l" defTabSz="457200" rtl="0" eaLnBrk="1" latinLnBrk="0" hangingPunct="1">
+              <a:spcBef>
+                <a:spcPts val="1000"/>
+              </a:spcBef>
+              <a:spcAft>
+                <a:spcPts val="0"/>
+              </a:spcAft>
+              <a:buClr>
+                <a:schemeClr val="accent1"/>
+              </a:buClr>
+              <a:buFont typeface="Wingdings 3" charset="2"/>
+              <a:buChar char=""/>
+              <a:defRPr sz="1200" kern="1200">
+                <a:solidFill>
+                  <a:schemeClr val="tx1">
+                    <a:lumMod val="75000"/>
+                    <a:lumOff val="25000"/>
+                  </a:schemeClr>
+                </a:solidFill>
+                <a:latin typeface="+mn-lt"/>
+                <a:ea typeface="+mn-ea"/>
+                <a:cs typeface="+mn-cs"/>
+              </a:defRPr>
+            </a:lvl4pPr>
+            <a:lvl5pPr marL="2057400" indent="-228600" algn="l" defTabSz="457200" rtl="0" eaLnBrk="1" latinLnBrk="0" hangingPunct="1">
+              <a:spcBef>
+                <a:spcPts val="1000"/>
+              </a:spcBef>
+              <a:spcAft>
+                <a:spcPts val="0"/>
+              </a:spcAft>
+              <a:buClr>
+                <a:schemeClr val="accent1"/>
+              </a:buClr>
+              <a:buFont typeface="Wingdings 3" charset="2"/>
+              <a:buChar char=""/>
+              <a:defRPr sz="1200" kern="1200">
+                <a:solidFill>
+                  <a:schemeClr val="tx1">
+                    <a:lumMod val="75000"/>
+                    <a:lumOff val="25000"/>
+                  </a:schemeClr>
+                </a:solidFill>
+                <a:latin typeface="+mn-lt"/>
+                <a:ea typeface="+mn-ea"/>
+                <a:cs typeface="+mn-cs"/>
+              </a:defRPr>
+            </a:lvl5pPr>
+            <a:lvl6pPr marL="2514600" indent="-228600" algn="l" defTabSz="457200" rtl="0" eaLnBrk="1" latinLnBrk="0" hangingPunct="1">
+              <a:spcBef>
+                <a:spcPts val="1000"/>
+              </a:spcBef>
+              <a:spcAft>
+                <a:spcPts val="0"/>
+              </a:spcAft>
+              <a:buClr>
+                <a:schemeClr val="accent1"/>
+              </a:buClr>
+              <a:buFont typeface="Wingdings 3" charset="2"/>
+              <a:buChar char=""/>
+              <a:defRPr sz="1200" kern="1200">
+                <a:solidFill>
+                  <a:schemeClr val="tx1">
+                    <a:lumMod val="75000"/>
+                    <a:lumOff val="25000"/>
+                  </a:schemeClr>
+                </a:solidFill>
+                <a:latin typeface="+mn-lt"/>
+                <a:ea typeface="+mn-ea"/>
+                <a:cs typeface="+mn-cs"/>
+              </a:defRPr>
+            </a:lvl6pPr>
+            <a:lvl7pPr marL="2971800" indent="-228600" algn="l" defTabSz="457200" rtl="0" eaLnBrk="1" latinLnBrk="0" hangingPunct="1">
+              <a:spcBef>
+                <a:spcPts val="1000"/>
+              </a:spcBef>
+              <a:spcAft>
+                <a:spcPts val="0"/>
+              </a:spcAft>
+              <a:buClr>
+                <a:schemeClr val="accent1"/>
+              </a:buClr>
+              <a:buFont typeface="Wingdings 3" charset="2"/>
+              <a:buChar char=""/>
+              <a:defRPr sz="1200" kern="1200">
+                <a:solidFill>
+                  <a:schemeClr val="tx1">
+                    <a:lumMod val="75000"/>
+                    <a:lumOff val="25000"/>
+                  </a:schemeClr>
+                </a:solidFill>
+                <a:latin typeface="+mn-lt"/>
+                <a:ea typeface="+mn-ea"/>
+                <a:cs typeface="+mn-cs"/>
+              </a:defRPr>
+            </a:lvl7pPr>
+            <a:lvl8pPr marL="3429000" indent="-228600" algn="l" defTabSz="457200" rtl="0" eaLnBrk="1" latinLnBrk="0" hangingPunct="1">
+              <a:spcBef>
+                <a:spcPts val="1000"/>
+              </a:spcBef>
+              <a:spcAft>
+                <a:spcPts val="0"/>
+              </a:spcAft>
+              <a:buClr>
+                <a:schemeClr val="accent1"/>
+              </a:buClr>
+              <a:buFont typeface="Wingdings 3" charset="2"/>
+              <a:buChar char=""/>
+              <a:defRPr sz="1200" kern="1200">
+                <a:solidFill>
+                  <a:schemeClr val="tx1">
+                    <a:lumMod val="75000"/>
+                    <a:lumOff val="25000"/>
+                  </a:schemeClr>
+                </a:solidFill>
+                <a:latin typeface="+mn-lt"/>
+                <a:ea typeface="+mn-ea"/>
+                <a:cs typeface="+mn-cs"/>
+              </a:defRPr>
+            </a:lvl8pPr>
+            <a:lvl9pPr marL="3886200" indent="-228600" algn="l" defTabSz="457200" rtl="0" eaLnBrk="1" latinLnBrk="0" hangingPunct="1">
+              <a:spcBef>
+                <a:spcPts val="1000"/>
+              </a:spcBef>
+              <a:spcAft>
+                <a:spcPts val="0"/>
+              </a:spcAft>
+              <a:buClr>
+                <a:schemeClr val="accent1"/>
+              </a:buClr>
+              <a:buFont typeface="Wingdings 3" charset="2"/>
+              <a:buChar char=""/>
+              <a:defRPr sz="1200" kern="1200">
+                <a:solidFill>
+                  <a:schemeClr val="tx1">
+                    <a:lumMod val="75000"/>
+                    <a:lumOff val="25000"/>
+                  </a:schemeClr>
+                </a:solidFill>
+                <a:latin typeface="+mn-lt"/>
+                <a:ea typeface="+mn-ea"/>
+                <a:cs typeface="+mn-cs"/>
+              </a:defRPr>
+            </a:lvl9pPr>
+          </a:lstStyle>
+          <a:p>
+            <a:r>
+              <a:rPr lang="es-GT" sz="2400" b="1" dirty="0"/>
+              <a:t>Modelo 74:</a:t>
+            </a:r>
+            <a:endParaRPr lang="en-US" sz="2400" dirty="0"/>
+          </a:p>
+          <a:p>
+            <a:pPr lvl="1">
+              <a:buFont typeface="Wingdings" panose="05000000000000000000" pitchFamily="2" charset="2"/>
+              <a:buChar char="§"/>
+            </a:pPr>
+            <a:r>
+              <a:rPr lang="es-GT" sz="2200" dirty="0" err="1"/>
+              <a:t>Hidden</a:t>
+            </a:r>
+            <a:r>
+              <a:rPr lang="es-GT" sz="2200" dirty="0"/>
+              <a:t> </a:t>
+            </a:r>
+            <a:r>
+              <a:rPr lang="es-GT" sz="2200" dirty="0" err="1"/>
+              <a:t>Layers</a:t>
+            </a:r>
+            <a:r>
+              <a:rPr lang="es-GT" sz="2200" dirty="0"/>
+              <a:t>: 6</a:t>
+            </a:r>
+            <a:endParaRPr lang="en-US" sz="2200" dirty="0"/>
+          </a:p>
+          <a:p>
+            <a:pPr lvl="1">
+              <a:buFont typeface="Wingdings" panose="05000000000000000000" pitchFamily="2" charset="2"/>
+              <a:buChar char="§"/>
+            </a:pPr>
+            <a:r>
+              <a:rPr lang="es-GT" sz="2200" dirty="0"/>
+              <a:t>Número de neuronas por capa: </a:t>
+            </a:r>
+          </a:p>
+          <a:p>
+            <a:pPr lvl="2">
+              <a:buFont typeface="Wingdings" panose="05000000000000000000" pitchFamily="2" charset="2"/>
+              <a:buChar char="q"/>
+            </a:pPr>
+            <a:r>
+              <a:rPr lang="en-US" sz="2200" dirty="0"/>
+              <a:t>[512, 256, 256, 256, 256, 128, 1]</a:t>
+            </a:r>
+          </a:p>
+          <a:p>
+            <a:pPr lvl="1">
+              <a:buFont typeface="Wingdings" panose="05000000000000000000" pitchFamily="2" charset="2"/>
+              <a:buChar char="§"/>
+            </a:pPr>
+            <a:r>
+              <a:rPr lang="es-GT" sz="2200" dirty="0" err="1"/>
+              <a:t>Threshold</a:t>
+            </a:r>
+            <a:r>
+              <a:rPr lang="es-GT" sz="2200" dirty="0"/>
+              <a:t>: 0.1</a:t>
+            </a:r>
+            <a:endParaRPr lang="en-US" sz="2200" dirty="0"/>
+          </a:p>
+          <a:p>
+            <a:pPr lvl="1">
+              <a:buFont typeface="Wingdings" panose="05000000000000000000" pitchFamily="2" charset="2"/>
+              <a:buChar char="§"/>
+            </a:pPr>
+            <a:r>
+              <a:rPr lang="es-GT" sz="2200" dirty="0" err="1"/>
+              <a:t>Epochs</a:t>
+            </a:r>
+            <a:r>
+              <a:rPr lang="es-GT" sz="2200" dirty="0"/>
+              <a:t>: 475</a:t>
+            </a:r>
+            <a:endParaRPr lang="en-US" sz="2200" dirty="0"/>
+          </a:p>
+          <a:p>
+            <a:pPr lvl="1">
+              <a:buFont typeface="Wingdings" panose="05000000000000000000" pitchFamily="2" charset="2"/>
+              <a:buChar char="§"/>
+            </a:pPr>
+            <a:r>
+              <a:rPr lang="es-GT" sz="2200" dirty="0" err="1"/>
+              <a:t>Batch</a:t>
+            </a:r>
+            <a:r>
+              <a:rPr lang="es-GT" sz="2200" dirty="0"/>
+              <a:t> </a:t>
+            </a:r>
+            <a:r>
+              <a:rPr lang="es-GT" sz="2200" dirty="0" err="1"/>
+              <a:t>Size</a:t>
+            </a:r>
+            <a:r>
+              <a:rPr lang="es-GT" sz="2200" dirty="0"/>
+              <a:t>: 32</a:t>
+            </a:r>
+            <a:endParaRPr lang="en-US" sz="2200" dirty="0"/>
+          </a:p>
+          <a:p>
+            <a:pPr lvl="1">
+              <a:buFont typeface="Wingdings" panose="05000000000000000000" pitchFamily="2" charset="2"/>
+              <a:buChar char="§"/>
+            </a:pPr>
+            <a:r>
+              <a:rPr lang="es-GT" sz="2200" dirty="0"/>
+              <a:t>Optimizador: </a:t>
+            </a:r>
+            <a:r>
+              <a:rPr lang="es-GT" sz="2200" dirty="0" err="1"/>
+              <a:t>Adamax</a:t>
+            </a:r>
+            <a:endParaRPr lang="en-US" sz="2200" dirty="0"/>
+          </a:p>
+          <a:p>
+            <a:pPr lvl="1">
+              <a:buFont typeface="Wingdings" panose="05000000000000000000" pitchFamily="2" charset="2"/>
+              <a:buChar char="§"/>
+            </a:pPr>
+            <a:r>
+              <a:rPr lang="es-GT" sz="2200" dirty="0"/>
+              <a:t>Métricas: Mae</a:t>
+            </a:r>
+            <a:endParaRPr lang="en-US" sz="2200" dirty="0"/>
+          </a:p>
+          <a:p>
+            <a:pPr lvl="1">
+              <a:buFont typeface="Wingdings" panose="05000000000000000000" pitchFamily="2" charset="2"/>
+              <a:buChar char="§"/>
+            </a:pPr>
+            <a:r>
+              <a:rPr lang="es-GT" sz="2200" dirty="0" err="1"/>
+              <a:t>Loss</a:t>
+            </a:r>
+            <a:r>
+              <a:rPr lang="es-GT" sz="2200" dirty="0"/>
+              <a:t>: 0.07929326593875885</a:t>
+            </a:r>
+            <a:endParaRPr lang="en-US" sz="2200" dirty="0"/>
+          </a:p>
+          <a:p>
+            <a:pPr lvl="1">
+              <a:buFont typeface="Wingdings" panose="05000000000000000000" pitchFamily="2" charset="2"/>
+              <a:buChar char="§"/>
+            </a:pPr>
+            <a:r>
+              <a:rPr lang="es-GT" sz="2200" dirty="0" err="1"/>
+              <a:t>Kaggle</a:t>
+            </a:r>
+            <a:r>
+              <a:rPr lang="es-GT" sz="2200" dirty="0"/>
+              <a:t> Score: </a:t>
+            </a:r>
+            <a:r>
+              <a:rPr lang="es-GT" sz="2200" b="1" dirty="0"/>
+              <a:t>0.13637</a:t>
+            </a:r>
+            <a:endParaRPr lang="en-US" sz="2200" b="1" dirty="0"/>
+          </a:p>
+        </p:txBody>
+      </p:sp>
     </p:spTree>
     <p:extLst>
       <p:ext uri="{BB962C8B-B14F-4D97-AF65-F5344CB8AC3E}">
         <p14:creationId xmlns:p14="http://schemas.microsoft.com/office/powerpoint/2010/main" val="3512708883"/>
+      </p:ext>
+    </p:extLst>
+  </p:cSld>
+  <p:clrMapOvr>
+    <a:masterClrMapping/>
+  </p:clrMapOvr>
+  <p:timing>
+    <p:tnLst>
+      <p:par>
+        <p:cTn id="1" dur="indefinite" restart="never" nodeType="tmRoot">
+          <p:childTnLst>
+            <p:seq concurrent="1" nextAc="seek">
+              <p:cTn id="2" dur="indefinite" nodeType="mainSeq">
+                <p:childTnLst>
+                  <p:par>
+                    <p:cTn id="3" fill="hold">
+                      <p:stCondLst>
+                        <p:cond delay="indefinite"/>
+                      </p:stCondLst>
+                      <p:childTnLst>
+                        <p:par>
+                          <p:cTn id="4" fill="hold">
+                            <p:stCondLst>
+                              <p:cond delay="0"/>
+                            </p:stCondLst>
+                            <p:childTnLst>
+                              <p:par>
+                                <p:cTn id="5" presetID="10" presetClass="entr" presetSubtype="0" fill="hold" nodeType="clickEffect">
+                                  <p:stCondLst>
+                                    <p:cond delay="0"/>
+                                  </p:stCondLst>
+                                  <p:childTnLst>
+                                    <p:set>
+                                      <p:cBhvr>
+                                        <p:cTn id="6" dur="1" fill="hold">
+                                          <p:stCondLst>
+                                            <p:cond delay="0"/>
+                                          </p:stCondLst>
+                                        </p:cTn>
+                                        <p:tgtEl>
+                                          <p:spTgt spid="46">
+                                            <p:txEl>
+                                              <p:pRg st="0" end="0"/>
+                                            </p:txEl>
+                                          </p:spTgt>
+                                        </p:tgtEl>
+                                        <p:attrNameLst>
+                                          <p:attrName>style.visibility</p:attrName>
+                                        </p:attrNameLst>
+                                      </p:cBhvr>
+                                      <p:to>
+                                        <p:strVal val="visible"/>
+                                      </p:to>
+                                    </p:set>
+                                    <p:animEffect transition="in" filter="fade">
+                                      <p:cBhvr>
+                                        <p:cTn id="7" dur="500"/>
+                                        <p:tgtEl>
+                                          <p:spTgt spid="46">
+                                            <p:txEl>
+                                              <p:pRg st="0" end="0"/>
+                                            </p:txEl>
+                                          </p:spTgt>
+                                        </p:tgtEl>
+                                      </p:cBhvr>
+                                    </p:animEffect>
+                                  </p:childTnLst>
+                                </p:cTn>
+                              </p:par>
+                            </p:childTnLst>
+                          </p:cTn>
+                        </p:par>
+                        <p:par>
+                          <p:cTn id="8" fill="hold">
+                            <p:stCondLst>
+                              <p:cond delay="500"/>
+                            </p:stCondLst>
+                            <p:childTnLst>
+                              <p:par>
+                                <p:cTn id="9" presetID="10" presetClass="entr" presetSubtype="0" fill="hold" nodeType="afterEffect">
+                                  <p:stCondLst>
+                                    <p:cond delay="0"/>
+                                  </p:stCondLst>
+                                  <p:childTnLst>
+                                    <p:set>
+                                      <p:cBhvr>
+                                        <p:cTn id="10" dur="1" fill="hold">
+                                          <p:stCondLst>
+                                            <p:cond delay="0"/>
+                                          </p:stCondLst>
+                                        </p:cTn>
+                                        <p:tgtEl>
+                                          <p:spTgt spid="46">
+                                            <p:txEl>
+                                              <p:pRg st="1" end="1"/>
+                                            </p:txEl>
+                                          </p:spTgt>
+                                        </p:tgtEl>
+                                        <p:attrNameLst>
+                                          <p:attrName>style.visibility</p:attrName>
+                                        </p:attrNameLst>
+                                      </p:cBhvr>
+                                      <p:to>
+                                        <p:strVal val="visible"/>
+                                      </p:to>
+                                    </p:set>
+                                    <p:animEffect transition="in" filter="fade">
+                                      <p:cBhvr>
+                                        <p:cTn id="11" dur="500"/>
+                                        <p:tgtEl>
+                                          <p:spTgt spid="46">
+                                            <p:txEl>
+                                              <p:pRg st="1" end="1"/>
+                                            </p:txEl>
+                                          </p:spTgt>
+                                        </p:tgtEl>
+                                      </p:cBhvr>
+                                    </p:animEffect>
+                                  </p:childTnLst>
+                                </p:cTn>
+                              </p:par>
+                            </p:childTnLst>
+                          </p:cTn>
+                        </p:par>
+                        <p:par>
+                          <p:cTn id="12" fill="hold">
+                            <p:stCondLst>
+                              <p:cond delay="1000"/>
+                            </p:stCondLst>
+                            <p:childTnLst>
+                              <p:par>
+                                <p:cTn id="13" presetID="10" presetClass="entr" presetSubtype="0" fill="hold" nodeType="afterEffect">
+                                  <p:stCondLst>
+                                    <p:cond delay="0"/>
+                                  </p:stCondLst>
+                                  <p:childTnLst>
+                                    <p:set>
+                                      <p:cBhvr>
+                                        <p:cTn id="14" dur="1" fill="hold">
+                                          <p:stCondLst>
+                                            <p:cond delay="0"/>
+                                          </p:stCondLst>
+                                        </p:cTn>
+                                        <p:tgtEl>
+                                          <p:spTgt spid="46">
+                                            <p:txEl>
+                                              <p:pRg st="2" end="2"/>
+                                            </p:txEl>
+                                          </p:spTgt>
+                                        </p:tgtEl>
+                                        <p:attrNameLst>
+                                          <p:attrName>style.visibility</p:attrName>
+                                        </p:attrNameLst>
+                                      </p:cBhvr>
+                                      <p:to>
+                                        <p:strVal val="visible"/>
+                                      </p:to>
+                                    </p:set>
+                                    <p:animEffect transition="in" filter="fade">
+                                      <p:cBhvr>
+                                        <p:cTn id="15" dur="500"/>
+                                        <p:tgtEl>
+                                          <p:spTgt spid="46">
+                                            <p:txEl>
+                                              <p:pRg st="2" end="2"/>
+                                            </p:txEl>
+                                          </p:spTgt>
+                                        </p:tgtEl>
+                                      </p:cBhvr>
+                                    </p:animEffect>
+                                  </p:childTnLst>
+                                </p:cTn>
+                              </p:par>
+                            </p:childTnLst>
+                          </p:cTn>
+                        </p:par>
+                        <p:par>
+                          <p:cTn id="16" fill="hold">
+                            <p:stCondLst>
+                              <p:cond delay="1500"/>
+                            </p:stCondLst>
+                            <p:childTnLst>
+                              <p:par>
+                                <p:cTn id="17" presetID="10" presetClass="entr" presetSubtype="0" fill="hold" nodeType="afterEffect">
+                                  <p:stCondLst>
+                                    <p:cond delay="0"/>
+                                  </p:stCondLst>
+                                  <p:childTnLst>
+                                    <p:set>
+                                      <p:cBhvr>
+                                        <p:cTn id="18" dur="1" fill="hold">
+                                          <p:stCondLst>
+                                            <p:cond delay="0"/>
+                                          </p:stCondLst>
+                                        </p:cTn>
+                                        <p:tgtEl>
+                                          <p:spTgt spid="46">
+                                            <p:txEl>
+                                              <p:pRg st="3" end="3"/>
+                                            </p:txEl>
+                                          </p:spTgt>
+                                        </p:tgtEl>
+                                        <p:attrNameLst>
+                                          <p:attrName>style.visibility</p:attrName>
+                                        </p:attrNameLst>
+                                      </p:cBhvr>
+                                      <p:to>
+                                        <p:strVal val="visible"/>
+                                      </p:to>
+                                    </p:set>
+                                    <p:animEffect transition="in" filter="fade">
+                                      <p:cBhvr>
+                                        <p:cTn id="19" dur="500"/>
+                                        <p:tgtEl>
+                                          <p:spTgt spid="46">
+                                            <p:txEl>
+                                              <p:pRg st="3" end="3"/>
+                                            </p:txEl>
+                                          </p:spTgt>
+                                        </p:tgtEl>
+                                      </p:cBhvr>
+                                    </p:animEffect>
+                                  </p:childTnLst>
+                                </p:cTn>
+                              </p:par>
+                            </p:childTnLst>
+                          </p:cTn>
+                        </p:par>
+                        <p:par>
+                          <p:cTn id="20" fill="hold">
+                            <p:stCondLst>
+                              <p:cond delay="2000"/>
+                            </p:stCondLst>
+                            <p:childTnLst>
+                              <p:par>
+                                <p:cTn id="21" presetID="10" presetClass="entr" presetSubtype="0" fill="hold" nodeType="afterEffect">
+                                  <p:stCondLst>
+                                    <p:cond delay="0"/>
+                                  </p:stCondLst>
+                                  <p:childTnLst>
+                                    <p:set>
+                                      <p:cBhvr>
+                                        <p:cTn id="22" dur="1" fill="hold">
+                                          <p:stCondLst>
+                                            <p:cond delay="0"/>
+                                          </p:stCondLst>
+                                        </p:cTn>
+                                        <p:tgtEl>
+                                          <p:spTgt spid="46">
+                                            <p:txEl>
+                                              <p:pRg st="4" end="4"/>
+                                            </p:txEl>
+                                          </p:spTgt>
+                                        </p:tgtEl>
+                                        <p:attrNameLst>
+                                          <p:attrName>style.visibility</p:attrName>
+                                        </p:attrNameLst>
+                                      </p:cBhvr>
+                                      <p:to>
+                                        <p:strVal val="visible"/>
+                                      </p:to>
+                                    </p:set>
+                                    <p:animEffect transition="in" filter="fade">
+                                      <p:cBhvr>
+                                        <p:cTn id="23" dur="500"/>
+                                        <p:tgtEl>
+                                          <p:spTgt spid="46">
+                                            <p:txEl>
+                                              <p:pRg st="4" end="4"/>
+                                            </p:txEl>
+                                          </p:spTgt>
+                                        </p:tgtEl>
+                                      </p:cBhvr>
+                                    </p:animEffect>
+                                  </p:childTnLst>
+                                </p:cTn>
+                              </p:par>
+                            </p:childTnLst>
+                          </p:cTn>
+                        </p:par>
+                        <p:par>
+                          <p:cTn id="24" fill="hold">
+                            <p:stCondLst>
+                              <p:cond delay="2500"/>
+                            </p:stCondLst>
+                            <p:childTnLst>
+                              <p:par>
+                                <p:cTn id="25" presetID="10" presetClass="entr" presetSubtype="0" fill="hold" nodeType="afterEffect">
+                                  <p:stCondLst>
+                                    <p:cond delay="0"/>
+                                  </p:stCondLst>
+                                  <p:childTnLst>
+                                    <p:set>
+                                      <p:cBhvr>
+                                        <p:cTn id="26" dur="1" fill="hold">
+                                          <p:stCondLst>
+                                            <p:cond delay="0"/>
+                                          </p:stCondLst>
+                                        </p:cTn>
+                                        <p:tgtEl>
+                                          <p:spTgt spid="46">
+                                            <p:txEl>
+                                              <p:pRg st="5" end="5"/>
+                                            </p:txEl>
+                                          </p:spTgt>
+                                        </p:tgtEl>
+                                        <p:attrNameLst>
+                                          <p:attrName>style.visibility</p:attrName>
+                                        </p:attrNameLst>
+                                      </p:cBhvr>
+                                      <p:to>
+                                        <p:strVal val="visible"/>
+                                      </p:to>
+                                    </p:set>
+                                    <p:animEffect transition="in" filter="fade">
+                                      <p:cBhvr>
+                                        <p:cTn id="27" dur="500"/>
+                                        <p:tgtEl>
+                                          <p:spTgt spid="46">
+                                            <p:txEl>
+                                              <p:pRg st="5" end="5"/>
+                                            </p:txEl>
+                                          </p:spTgt>
+                                        </p:tgtEl>
+                                      </p:cBhvr>
+                                    </p:animEffect>
+                                  </p:childTnLst>
+                                </p:cTn>
+                              </p:par>
+                            </p:childTnLst>
+                          </p:cTn>
+                        </p:par>
+                        <p:par>
+                          <p:cTn id="28" fill="hold">
+                            <p:stCondLst>
+                              <p:cond delay="3000"/>
+                            </p:stCondLst>
+                            <p:childTnLst>
+                              <p:par>
+                                <p:cTn id="29" presetID="10" presetClass="entr" presetSubtype="0" fill="hold" nodeType="afterEffect">
+                                  <p:stCondLst>
+                                    <p:cond delay="0"/>
+                                  </p:stCondLst>
+                                  <p:childTnLst>
+                                    <p:set>
+                                      <p:cBhvr>
+                                        <p:cTn id="30" dur="1" fill="hold">
+                                          <p:stCondLst>
+                                            <p:cond delay="0"/>
+                                          </p:stCondLst>
+                                        </p:cTn>
+                                        <p:tgtEl>
+                                          <p:spTgt spid="46">
+                                            <p:txEl>
+                                              <p:pRg st="6" end="6"/>
+                                            </p:txEl>
+                                          </p:spTgt>
+                                        </p:tgtEl>
+                                        <p:attrNameLst>
+                                          <p:attrName>style.visibility</p:attrName>
+                                        </p:attrNameLst>
+                                      </p:cBhvr>
+                                      <p:to>
+                                        <p:strVal val="visible"/>
+                                      </p:to>
+                                    </p:set>
+                                    <p:animEffect transition="in" filter="fade">
+                                      <p:cBhvr>
+                                        <p:cTn id="31" dur="500"/>
+                                        <p:tgtEl>
+                                          <p:spTgt spid="46">
+                                            <p:txEl>
+                                              <p:pRg st="6" end="6"/>
+                                            </p:txEl>
+                                          </p:spTgt>
+                                        </p:tgtEl>
+                                      </p:cBhvr>
+                                    </p:animEffect>
+                                  </p:childTnLst>
+                                </p:cTn>
+                              </p:par>
+                            </p:childTnLst>
+                          </p:cTn>
+                        </p:par>
+                        <p:par>
+                          <p:cTn id="32" fill="hold">
+                            <p:stCondLst>
+                              <p:cond delay="3500"/>
+                            </p:stCondLst>
+                            <p:childTnLst>
+                              <p:par>
+                                <p:cTn id="33" presetID="10" presetClass="entr" presetSubtype="0" fill="hold" nodeType="afterEffect">
+                                  <p:stCondLst>
+                                    <p:cond delay="0"/>
+                                  </p:stCondLst>
+                                  <p:childTnLst>
+                                    <p:set>
+                                      <p:cBhvr>
+                                        <p:cTn id="34" dur="1" fill="hold">
+                                          <p:stCondLst>
+                                            <p:cond delay="0"/>
+                                          </p:stCondLst>
+                                        </p:cTn>
+                                        <p:tgtEl>
+                                          <p:spTgt spid="46">
+                                            <p:txEl>
+                                              <p:pRg st="7" end="7"/>
+                                            </p:txEl>
+                                          </p:spTgt>
+                                        </p:tgtEl>
+                                        <p:attrNameLst>
+                                          <p:attrName>style.visibility</p:attrName>
+                                        </p:attrNameLst>
+                                      </p:cBhvr>
+                                      <p:to>
+                                        <p:strVal val="visible"/>
+                                      </p:to>
+                                    </p:set>
+                                    <p:animEffect transition="in" filter="fade">
+                                      <p:cBhvr>
+                                        <p:cTn id="35" dur="500"/>
+                                        <p:tgtEl>
+                                          <p:spTgt spid="46">
+                                            <p:txEl>
+                                              <p:pRg st="7" end="7"/>
+                                            </p:txEl>
+                                          </p:spTgt>
+                                        </p:tgtEl>
+                                      </p:cBhvr>
+                                    </p:animEffect>
+                                  </p:childTnLst>
+                                </p:cTn>
+                              </p:par>
+                            </p:childTnLst>
+                          </p:cTn>
+                        </p:par>
+                        <p:par>
+                          <p:cTn id="36" fill="hold">
+                            <p:stCondLst>
+                              <p:cond delay="4000"/>
+                            </p:stCondLst>
+                            <p:childTnLst>
+                              <p:par>
+                                <p:cTn id="37" presetID="10" presetClass="entr" presetSubtype="0" fill="hold" nodeType="afterEffect">
+                                  <p:stCondLst>
+                                    <p:cond delay="0"/>
+                                  </p:stCondLst>
+                                  <p:childTnLst>
+                                    <p:set>
+                                      <p:cBhvr>
+                                        <p:cTn id="38" dur="1" fill="hold">
+                                          <p:stCondLst>
+                                            <p:cond delay="0"/>
+                                          </p:stCondLst>
+                                        </p:cTn>
+                                        <p:tgtEl>
+                                          <p:spTgt spid="46">
+                                            <p:txEl>
+                                              <p:pRg st="8" end="8"/>
+                                            </p:txEl>
+                                          </p:spTgt>
+                                        </p:tgtEl>
+                                        <p:attrNameLst>
+                                          <p:attrName>style.visibility</p:attrName>
+                                        </p:attrNameLst>
+                                      </p:cBhvr>
+                                      <p:to>
+                                        <p:strVal val="visible"/>
+                                      </p:to>
+                                    </p:set>
+                                    <p:animEffect transition="in" filter="fade">
+                                      <p:cBhvr>
+                                        <p:cTn id="39" dur="500"/>
+                                        <p:tgtEl>
+                                          <p:spTgt spid="46">
+                                            <p:txEl>
+                                              <p:pRg st="8" end="8"/>
+                                            </p:txEl>
+                                          </p:spTgt>
+                                        </p:tgtEl>
+                                      </p:cBhvr>
+                                    </p:animEffect>
+                                  </p:childTnLst>
+                                </p:cTn>
+                              </p:par>
+                            </p:childTnLst>
+                          </p:cTn>
+                        </p:par>
+                        <p:par>
+                          <p:cTn id="40" fill="hold">
+                            <p:stCondLst>
+                              <p:cond delay="4500"/>
+                            </p:stCondLst>
+                            <p:childTnLst>
+                              <p:par>
+                                <p:cTn id="41" presetID="10" presetClass="entr" presetSubtype="0" fill="hold" nodeType="afterEffect">
+                                  <p:stCondLst>
+                                    <p:cond delay="0"/>
+                                  </p:stCondLst>
+                                  <p:childTnLst>
+                                    <p:set>
+                                      <p:cBhvr>
+                                        <p:cTn id="42" dur="1" fill="hold">
+                                          <p:stCondLst>
+                                            <p:cond delay="0"/>
+                                          </p:stCondLst>
+                                        </p:cTn>
+                                        <p:tgtEl>
+                                          <p:spTgt spid="46">
+                                            <p:txEl>
+                                              <p:pRg st="9" end="9"/>
+                                            </p:txEl>
+                                          </p:spTgt>
+                                        </p:tgtEl>
+                                        <p:attrNameLst>
+                                          <p:attrName>style.visibility</p:attrName>
+                                        </p:attrNameLst>
+                                      </p:cBhvr>
+                                      <p:to>
+                                        <p:strVal val="visible"/>
+                                      </p:to>
+                                    </p:set>
+                                    <p:animEffect transition="in" filter="fade">
+                                      <p:cBhvr>
+                                        <p:cTn id="43" dur="500"/>
+                                        <p:tgtEl>
+                                          <p:spTgt spid="46">
+                                            <p:txEl>
+                                              <p:pRg st="9" end="9"/>
+                                            </p:txEl>
+                                          </p:spTgt>
+                                        </p:tgtEl>
+                                      </p:cBhvr>
+                                    </p:animEffect>
+                                  </p:childTnLst>
+                                </p:cTn>
+                              </p:par>
+                            </p:childTnLst>
+                          </p:cTn>
+                        </p:par>
+                        <p:par>
+                          <p:cTn id="44" fill="hold">
+                            <p:stCondLst>
+                              <p:cond delay="5000"/>
+                            </p:stCondLst>
+                            <p:childTnLst>
+                              <p:par>
+                                <p:cTn id="45" presetID="10" presetClass="entr" presetSubtype="0" fill="hold" nodeType="afterEffect">
+                                  <p:stCondLst>
+                                    <p:cond delay="0"/>
+                                  </p:stCondLst>
+                                  <p:childTnLst>
+                                    <p:set>
+                                      <p:cBhvr>
+                                        <p:cTn id="46" dur="1" fill="hold">
+                                          <p:stCondLst>
+                                            <p:cond delay="0"/>
+                                          </p:stCondLst>
+                                        </p:cTn>
+                                        <p:tgtEl>
+                                          <p:spTgt spid="46">
+                                            <p:txEl>
+                                              <p:pRg st="10" end="10"/>
+                                            </p:txEl>
+                                          </p:spTgt>
+                                        </p:tgtEl>
+                                        <p:attrNameLst>
+                                          <p:attrName>style.visibility</p:attrName>
+                                        </p:attrNameLst>
+                                      </p:cBhvr>
+                                      <p:to>
+                                        <p:strVal val="visible"/>
+                                      </p:to>
+                                    </p:set>
+                                    <p:animEffect transition="in" filter="fade">
+                                      <p:cBhvr>
+                                        <p:cTn id="47" dur="500"/>
+                                        <p:tgtEl>
+                                          <p:spTgt spid="46">
+                                            <p:txEl>
+                                              <p:pRg st="10" end="10"/>
+                                            </p:txEl>
+                                          </p:spTgt>
+                                        </p:tgtEl>
+                                      </p:cBhvr>
+                                    </p:animEffect>
+                                  </p:childTnLst>
+                                </p:cTn>
+                              </p:par>
+                            </p:childTnLst>
+                          </p:cTn>
+                        </p:par>
+                      </p:childTnLst>
+                    </p:cTn>
+                  </p:par>
+                </p:childTnLst>
+              </p:cTn>
+              <p:prevCondLst>
+                <p:cond evt="onPrev" delay="0">
+                  <p:tgtEl>
+                    <p:sldTgt/>
+                  </p:tgtEl>
+                </p:cond>
+              </p:prevCondLst>
+              <p:nextCondLst>
+                <p:cond evt="onNext" delay="0">
+                  <p:tgtEl>
+                    <p:sldTgt/>
+                  </p:tgtEl>
+                </p:cond>
+              </p:nextCondLst>
+            </p:seq>
+          </p:childTnLst>
+        </p:cTn>
+      </p:par>
+    </p:tnLst>
+  </p:timing>
+</p:sld>
+</file>
+
+<file path=ppt/slides/slide12.xml><?xml version="1.0" encoding="utf-8"?>
+<p:sld xmlns:a="http://schemas.openxmlformats.org/drawingml/2006/main" xmlns:r="http://schemas.openxmlformats.org/officeDocument/2006/relationships" xmlns:p="http://schemas.openxmlformats.org/presentationml/2006/main">
+  <p:cSld>
+    <p:spTree>
+      <p:nvGrpSpPr>
+        <p:cNvPr id="1" name=""/>
+        <p:cNvGrpSpPr/>
+        <p:nvPr/>
+      </p:nvGrpSpPr>
+      <p:grpSpPr>
+        <a:xfrm>
+          <a:off x="0" y="0"/>
+          <a:ext cx="0" cy="0"/>
+          <a:chOff x="0" y="0"/>
+          <a:chExt cx="0" cy="0"/>
+        </a:xfrm>
+      </p:grpSpPr>
+      <p:sp>
+        <p:nvSpPr>
+          <p:cNvPr id="2" name="Title 1">
+            <a:extLst>
+              <a:ext uri="{FF2B5EF4-FFF2-40B4-BE49-F238E27FC236}">
+                <a16:creationId xmlns:a16="http://schemas.microsoft.com/office/drawing/2014/main" id="{F926ECA3-47AD-4885-A6D2-762F0D1A99AA}"/>
+              </a:ext>
+            </a:extLst>
+          </p:cNvPr>
+          <p:cNvSpPr>
+            <a:spLocks noGrp="1"/>
+          </p:cNvSpPr>
+          <p:nvPr>
+            <p:ph type="title"/>
+          </p:nvPr>
+        </p:nvSpPr>
+        <p:spPr>
+          <a:xfrm>
+            <a:off x="2592925" y="624110"/>
+            <a:ext cx="8911687" cy="661765"/>
+          </a:xfrm>
+        </p:spPr>
+        <p:txBody>
+          <a:bodyPr/>
+          <a:lstStyle/>
+          <a:p>
+            <a:r>
+              <a:rPr lang="es-GT" b="1" dirty="0"/>
+              <a:t>Mejor Modelo</a:t>
+            </a:r>
+          </a:p>
+        </p:txBody>
+      </p:sp>
+      <p:sp>
+        <p:nvSpPr>
+          <p:cNvPr id="5" name="Content Placeholder 4">
+            <a:extLst>
+              <a:ext uri="{FF2B5EF4-FFF2-40B4-BE49-F238E27FC236}">
+                <a16:creationId xmlns:a16="http://schemas.microsoft.com/office/drawing/2014/main" id="{8D8B1593-9A83-40D9-B5D1-CEAC770547F2}"/>
+              </a:ext>
+            </a:extLst>
+          </p:cNvPr>
+          <p:cNvSpPr>
+            <a:spLocks noGrp="1"/>
+          </p:cNvSpPr>
+          <p:nvPr>
+            <p:ph idx="1"/>
+          </p:nvPr>
+        </p:nvSpPr>
+        <p:spPr>
+          <a:xfrm>
+            <a:off x="2589212" y="1540189"/>
+            <a:ext cx="8915400" cy="661765"/>
+          </a:xfrm>
+        </p:spPr>
+        <p:txBody>
+          <a:bodyPr>
+            <a:normAutofit/>
+          </a:bodyPr>
+          <a:lstStyle/>
+          <a:p>
+            <a:r>
+              <a:rPr lang="es-GT" sz="2200" dirty="0"/>
+              <a:t>Redes Neuronales: modelo 74</a:t>
+            </a:r>
+            <a:endParaRPr lang="en-US" sz="2200" dirty="0"/>
+          </a:p>
+        </p:txBody>
+      </p:sp>
+      <p:sp>
+        <p:nvSpPr>
+          <p:cNvPr id="9" name="Content Placeholder 4">
+            <a:extLst>
+              <a:ext uri="{FF2B5EF4-FFF2-40B4-BE49-F238E27FC236}">
+                <a16:creationId xmlns:a16="http://schemas.microsoft.com/office/drawing/2014/main" id="{CE51EFFE-68BB-4F5D-B7FE-FC1BAD821A3B}"/>
+              </a:ext>
+            </a:extLst>
+          </p:cNvPr>
+          <p:cNvSpPr txBox="1">
+            <a:spLocks/>
+          </p:cNvSpPr>
+          <p:nvPr/>
+        </p:nvSpPr>
+        <p:spPr>
+          <a:xfrm>
+            <a:off x="2589212" y="4656047"/>
+            <a:ext cx="8915400" cy="661765"/>
+          </a:xfrm>
+          <a:prstGeom prst="rect">
+            <a:avLst/>
+          </a:prstGeom>
+        </p:spPr>
+        <p:txBody>
+          <a:bodyPr vert="horz" lIns="91440" tIns="45720" rIns="91440" bIns="45720" rtlCol="0">
+            <a:normAutofit/>
+          </a:bodyPr>
+          <a:lstStyle>
+            <a:lvl1pPr marL="342900" indent="-342900" algn="l" defTabSz="457200" rtl="0" eaLnBrk="1" latinLnBrk="0" hangingPunct="1">
+              <a:spcBef>
+                <a:spcPts val="1000"/>
+              </a:spcBef>
+              <a:spcAft>
+                <a:spcPts val="0"/>
+              </a:spcAft>
+              <a:buClr>
+                <a:schemeClr val="accent1"/>
+              </a:buClr>
+              <a:buFont typeface="Wingdings 3" charset="2"/>
+              <a:buChar char=""/>
+              <a:defRPr sz="1800" kern="1200">
+                <a:solidFill>
+                  <a:schemeClr val="tx1">
+                    <a:lumMod val="75000"/>
+                    <a:lumOff val="25000"/>
+                  </a:schemeClr>
+                </a:solidFill>
+                <a:latin typeface="+mn-lt"/>
+                <a:ea typeface="+mn-ea"/>
+                <a:cs typeface="+mn-cs"/>
+              </a:defRPr>
+            </a:lvl1pPr>
+            <a:lvl2pPr marL="742950" indent="-285750" algn="l" defTabSz="457200" rtl="0" eaLnBrk="1" latinLnBrk="0" hangingPunct="1">
+              <a:spcBef>
+                <a:spcPts val="1000"/>
+              </a:spcBef>
+              <a:spcAft>
+                <a:spcPts val="0"/>
+              </a:spcAft>
+              <a:buClr>
+                <a:schemeClr val="accent1"/>
+              </a:buClr>
+              <a:buFont typeface="Wingdings 3" charset="2"/>
+              <a:buChar char=""/>
+              <a:defRPr sz="1600" kern="1200">
+                <a:solidFill>
+                  <a:schemeClr val="tx1">
+                    <a:lumMod val="75000"/>
+                    <a:lumOff val="25000"/>
+                  </a:schemeClr>
+                </a:solidFill>
+                <a:latin typeface="+mn-lt"/>
+                <a:ea typeface="+mn-ea"/>
+                <a:cs typeface="+mn-cs"/>
+              </a:defRPr>
+            </a:lvl2pPr>
+            <a:lvl3pPr marL="1143000" indent="-228600" algn="l" defTabSz="457200" rtl="0" eaLnBrk="1" latinLnBrk="0" hangingPunct="1">
+              <a:spcBef>
+                <a:spcPts val="1000"/>
+              </a:spcBef>
+              <a:spcAft>
+                <a:spcPts val="0"/>
+              </a:spcAft>
+              <a:buClr>
+                <a:schemeClr val="accent1"/>
+              </a:buClr>
+              <a:buFont typeface="Wingdings 3" charset="2"/>
+              <a:buChar char=""/>
+              <a:defRPr sz="1400" kern="1200">
+                <a:solidFill>
+                  <a:schemeClr val="tx1">
+                    <a:lumMod val="75000"/>
+                    <a:lumOff val="25000"/>
+                  </a:schemeClr>
+                </a:solidFill>
+                <a:latin typeface="+mn-lt"/>
+                <a:ea typeface="+mn-ea"/>
+                <a:cs typeface="+mn-cs"/>
+              </a:defRPr>
+            </a:lvl3pPr>
+            <a:lvl4pPr marL="1600200" indent="-228600" algn="l" defTabSz="457200" rtl="0" eaLnBrk="1" latinLnBrk="0" hangingPunct="1">
+              <a:spcBef>
+                <a:spcPts val="1000"/>
+              </a:spcBef>
+              <a:spcAft>
+                <a:spcPts val="0"/>
+              </a:spcAft>
+              <a:buClr>
+                <a:schemeClr val="accent1"/>
+              </a:buClr>
+              <a:buFont typeface="Wingdings 3" charset="2"/>
+              <a:buChar char=""/>
+              <a:defRPr sz="1200" kern="1200">
+                <a:solidFill>
+                  <a:schemeClr val="tx1">
+                    <a:lumMod val="75000"/>
+                    <a:lumOff val="25000"/>
+                  </a:schemeClr>
+                </a:solidFill>
+                <a:latin typeface="+mn-lt"/>
+                <a:ea typeface="+mn-ea"/>
+                <a:cs typeface="+mn-cs"/>
+              </a:defRPr>
+            </a:lvl4pPr>
+            <a:lvl5pPr marL="2057400" indent="-228600" algn="l" defTabSz="457200" rtl="0" eaLnBrk="1" latinLnBrk="0" hangingPunct="1">
+              <a:spcBef>
+                <a:spcPts val="1000"/>
+              </a:spcBef>
+              <a:spcAft>
+                <a:spcPts val="0"/>
+              </a:spcAft>
+              <a:buClr>
+                <a:schemeClr val="accent1"/>
+              </a:buClr>
+              <a:buFont typeface="Wingdings 3" charset="2"/>
+              <a:buChar char=""/>
+              <a:defRPr sz="1200" kern="1200">
+                <a:solidFill>
+                  <a:schemeClr val="tx1">
+                    <a:lumMod val="75000"/>
+                    <a:lumOff val="25000"/>
+                  </a:schemeClr>
+                </a:solidFill>
+                <a:latin typeface="+mn-lt"/>
+                <a:ea typeface="+mn-ea"/>
+                <a:cs typeface="+mn-cs"/>
+              </a:defRPr>
+            </a:lvl5pPr>
+            <a:lvl6pPr marL="2514600" indent="-228600" algn="l" defTabSz="457200" rtl="0" eaLnBrk="1" latinLnBrk="0" hangingPunct="1">
+              <a:spcBef>
+                <a:spcPts val="1000"/>
+              </a:spcBef>
+              <a:spcAft>
+                <a:spcPts val="0"/>
+              </a:spcAft>
+              <a:buClr>
+                <a:schemeClr val="accent1"/>
+              </a:buClr>
+              <a:buFont typeface="Wingdings 3" charset="2"/>
+              <a:buChar char=""/>
+              <a:defRPr sz="1200" kern="1200">
+                <a:solidFill>
+                  <a:schemeClr val="tx1">
+                    <a:lumMod val="75000"/>
+                    <a:lumOff val="25000"/>
+                  </a:schemeClr>
+                </a:solidFill>
+                <a:latin typeface="+mn-lt"/>
+                <a:ea typeface="+mn-ea"/>
+                <a:cs typeface="+mn-cs"/>
+              </a:defRPr>
+            </a:lvl6pPr>
+            <a:lvl7pPr marL="2971800" indent="-228600" algn="l" defTabSz="457200" rtl="0" eaLnBrk="1" latinLnBrk="0" hangingPunct="1">
+              <a:spcBef>
+                <a:spcPts val="1000"/>
+              </a:spcBef>
+              <a:spcAft>
+                <a:spcPts val="0"/>
+              </a:spcAft>
+              <a:buClr>
+                <a:schemeClr val="accent1"/>
+              </a:buClr>
+              <a:buFont typeface="Wingdings 3" charset="2"/>
+              <a:buChar char=""/>
+              <a:defRPr sz="1200" kern="1200">
+                <a:solidFill>
+                  <a:schemeClr val="tx1">
+                    <a:lumMod val="75000"/>
+                    <a:lumOff val="25000"/>
+                  </a:schemeClr>
+                </a:solidFill>
+                <a:latin typeface="+mn-lt"/>
+                <a:ea typeface="+mn-ea"/>
+                <a:cs typeface="+mn-cs"/>
+              </a:defRPr>
+            </a:lvl7pPr>
+            <a:lvl8pPr marL="3429000" indent="-228600" algn="l" defTabSz="457200" rtl="0" eaLnBrk="1" latinLnBrk="0" hangingPunct="1">
+              <a:spcBef>
+                <a:spcPts val="1000"/>
+              </a:spcBef>
+              <a:spcAft>
+                <a:spcPts val="0"/>
+              </a:spcAft>
+              <a:buClr>
+                <a:schemeClr val="accent1"/>
+              </a:buClr>
+              <a:buFont typeface="Wingdings 3" charset="2"/>
+              <a:buChar char=""/>
+              <a:defRPr sz="1200" kern="1200">
+                <a:solidFill>
+                  <a:schemeClr val="tx1">
+                    <a:lumMod val="75000"/>
+                    <a:lumOff val="25000"/>
+                  </a:schemeClr>
+                </a:solidFill>
+                <a:latin typeface="+mn-lt"/>
+                <a:ea typeface="+mn-ea"/>
+                <a:cs typeface="+mn-cs"/>
+              </a:defRPr>
+            </a:lvl8pPr>
+            <a:lvl9pPr marL="3886200" indent="-228600" algn="l" defTabSz="457200" rtl="0" eaLnBrk="1" latinLnBrk="0" hangingPunct="1">
+              <a:spcBef>
+                <a:spcPts val="1000"/>
+              </a:spcBef>
+              <a:spcAft>
+                <a:spcPts val="0"/>
+              </a:spcAft>
+              <a:buClr>
+                <a:schemeClr val="accent1"/>
+              </a:buClr>
+              <a:buFont typeface="Wingdings 3" charset="2"/>
+              <a:buChar char=""/>
+              <a:defRPr sz="1200" kern="1200">
+                <a:solidFill>
+                  <a:schemeClr val="tx1">
+                    <a:lumMod val="75000"/>
+                    <a:lumOff val="25000"/>
+                  </a:schemeClr>
+                </a:solidFill>
+                <a:latin typeface="+mn-lt"/>
+                <a:ea typeface="+mn-ea"/>
+                <a:cs typeface="+mn-cs"/>
+              </a:defRPr>
+            </a:lvl9pPr>
+          </a:lstStyle>
+          <a:p>
+            <a:pPr marL="0" indent="0">
+              <a:buNone/>
+            </a:pPr>
+            <a:r>
+              <a:rPr lang="es-GT" sz="2200" dirty="0"/>
+              <a:t>&lt;Insertar Imagen de posición en la tabla&gt;</a:t>
+            </a:r>
+            <a:endParaRPr lang="en-US" sz="2200" dirty="0"/>
+          </a:p>
+        </p:txBody>
+      </p:sp>
+    </p:spTree>
+    <p:extLst>
+      <p:ext uri="{BB962C8B-B14F-4D97-AF65-F5344CB8AC3E}">
+        <p14:creationId xmlns:p14="http://schemas.microsoft.com/office/powerpoint/2010/main" val="2327754553"/>
+      </p:ext>
+    </p:extLst>
+  </p:cSld>
+  <p:clrMapOvr>
+    <a:masterClrMapping/>
+  </p:clrMapOvr>
+  <p:timing>
+    <p:tnLst>
+      <p:par>
+        <p:cTn id="1" dur="indefinite" restart="never" nodeType="tmRoot">
+          <p:childTnLst>
+            <p:seq concurrent="1" nextAc="seek">
+              <p:cTn id="2" dur="indefinite" nodeType="mainSeq">
+                <p:childTnLst>
+                  <p:par>
+                    <p:cTn id="3" fill="hold">
+                      <p:stCondLst>
+                        <p:cond delay="indefinite"/>
+                      </p:stCondLst>
+                      <p:childTnLst>
+                        <p:par>
+                          <p:cTn id="4" fill="hold">
+                            <p:stCondLst>
+                              <p:cond delay="0"/>
+                            </p:stCondLst>
+                            <p:childTnLst>
+                              <p:par>
+                                <p:cTn id="5" presetID="10" presetClass="entr" presetSubtype="0" fill="hold" nodeType="clickEffect">
+                                  <p:stCondLst>
+                                    <p:cond delay="0"/>
+                                  </p:stCondLst>
+                                  <p:childTnLst>
+                                    <p:set>
+                                      <p:cBhvr>
+                                        <p:cTn id="6" dur="1" fill="hold">
+                                          <p:stCondLst>
+                                            <p:cond delay="0"/>
+                                          </p:stCondLst>
+                                        </p:cTn>
+                                        <p:tgtEl>
+                                          <p:spTgt spid="5">
+                                            <p:txEl>
+                                              <p:pRg st="0" end="0"/>
+                                            </p:txEl>
+                                          </p:spTgt>
+                                        </p:tgtEl>
+                                        <p:attrNameLst>
+                                          <p:attrName>style.visibility</p:attrName>
+                                        </p:attrNameLst>
+                                      </p:cBhvr>
+                                      <p:to>
+                                        <p:strVal val="visible"/>
+                                      </p:to>
+                                    </p:set>
+                                    <p:animEffect transition="in" filter="fade">
+                                      <p:cBhvr>
+                                        <p:cTn id="7" dur="500"/>
+                                        <p:tgtEl>
+                                          <p:spTgt spid="5">
+                                            <p:txEl>
+                                              <p:pRg st="0" end="0"/>
+                                            </p:txEl>
+                                          </p:spTgt>
+                                        </p:tgtEl>
+                                      </p:cBhvr>
+                                    </p:animEffect>
+                                  </p:childTnLst>
+                                </p:cTn>
+                              </p:par>
+                            </p:childTnLst>
+                          </p:cTn>
+                        </p:par>
+                      </p:childTnLst>
+                    </p:cTn>
+                  </p:par>
+                  <p:par>
+                    <p:cTn id="8" fill="hold">
+                      <p:stCondLst>
+                        <p:cond delay="indefinite"/>
+                      </p:stCondLst>
+                      <p:childTnLst>
+                        <p:par>
+                          <p:cTn id="9" fill="hold">
+                            <p:stCondLst>
+                              <p:cond delay="0"/>
+                            </p:stCondLst>
+                            <p:childTnLst>
+                              <p:par>
+                                <p:cTn id="10" presetID="10" presetClass="entr" presetSubtype="0" fill="hold" nodeType="clickEffect">
+                                  <p:stCondLst>
+                                    <p:cond delay="0"/>
+                                  </p:stCondLst>
+                                  <p:childTnLst>
+                                    <p:set>
+                                      <p:cBhvr>
+                                        <p:cTn id="11" dur="1" fill="hold">
+                                          <p:stCondLst>
+                                            <p:cond delay="0"/>
+                                          </p:stCondLst>
+                                        </p:cTn>
+                                        <p:tgtEl>
+                                          <p:spTgt spid="9">
+                                            <p:txEl>
+                                              <p:pRg st="0" end="0"/>
+                                            </p:txEl>
+                                          </p:spTgt>
+                                        </p:tgtEl>
+                                        <p:attrNameLst>
+                                          <p:attrName>style.visibility</p:attrName>
+                                        </p:attrNameLst>
+                                      </p:cBhvr>
+                                      <p:to>
+                                        <p:strVal val="visible"/>
+                                      </p:to>
+                                    </p:set>
+                                    <p:animEffect transition="in" filter="fade">
+                                      <p:cBhvr>
+                                        <p:cTn id="12" dur="500"/>
+                                        <p:tgtEl>
+                                          <p:spTgt spid="9">
+                                            <p:txEl>
+                                              <p:pRg st="0" end="0"/>
+                                            </p:txEl>
+                                          </p:spTgt>
+                                        </p:tgtEl>
+                                      </p:cBhvr>
+                                    </p:animEffect>
+                                  </p:childTnLst>
+                                </p:cTn>
+                              </p:par>
+                            </p:childTnLst>
+                          </p:cTn>
+                        </p:par>
+                      </p:childTnLst>
+                    </p:cTn>
+                  </p:par>
+                </p:childTnLst>
+              </p:cTn>
+              <p:prevCondLst>
+                <p:cond evt="onPrev" delay="0">
+                  <p:tgtEl>
+                    <p:sldTgt/>
+                  </p:tgtEl>
+                </p:cond>
+              </p:prevCondLst>
+              <p:nextCondLst>
+                <p:cond evt="onNext" delay="0">
+                  <p:tgtEl>
+                    <p:sldTgt/>
+                  </p:tgtEl>
+                </p:cond>
+              </p:nextCondLst>
+            </p:seq>
+          </p:childTnLst>
+        </p:cTn>
+      </p:par>
+    </p:tnLst>
+  </p:timing>
+</p:sld>
+</file>
+
+<file path=ppt/slides/slide13.xml><?xml version="1.0" encoding="utf-8"?>
+<p:sld xmlns:a="http://schemas.openxmlformats.org/drawingml/2006/main" xmlns:r="http://schemas.openxmlformats.org/officeDocument/2006/relationships" xmlns:p="http://schemas.openxmlformats.org/presentationml/2006/main">
+  <p:cSld>
+    <p:spTree>
+      <p:nvGrpSpPr>
+        <p:cNvPr id="1" name=""/>
+        <p:cNvGrpSpPr/>
+        <p:nvPr/>
+      </p:nvGrpSpPr>
+      <p:grpSpPr>
+        <a:xfrm>
+          <a:off x="0" y="0"/>
+          <a:ext cx="0" cy="0"/>
+          <a:chOff x="0" y="0"/>
+          <a:chExt cx="0" cy="0"/>
+        </a:xfrm>
+      </p:grpSpPr>
+      <p:sp>
+        <p:nvSpPr>
+          <p:cNvPr id="2" name="Title 1">
+            <a:extLst>
+              <a:ext uri="{FF2B5EF4-FFF2-40B4-BE49-F238E27FC236}">
+                <a16:creationId xmlns:a16="http://schemas.microsoft.com/office/drawing/2014/main" id="{F926ECA3-47AD-4885-A6D2-762F0D1A99AA}"/>
+              </a:ext>
+            </a:extLst>
+          </p:cNvPr>
+          <p:cNvSpPr>
+            <a:spLocks noGrp="1"/>
+          </p:cNvSpPr>
+          <p:nvPr>
+            <p:ph type="title"/>
+          </p:nvPr>
+        </p:nvSpPr>
+        <p:spPr/>
+        <p:txBody>
+          <a:bodyPr/>
+          <a:lstStyle/>
+          <a:p>
+            <a:r>
+              <a:rPr lang="es-GT" b="1" dirty="0"/>
+              <a:t>Interpretación de los Resultados</a:t>
+            </a:r>
+          </a:p>
+        </p:txBody>
+      </p:sp>
+      <p:sp>
+        <p:nvSpPr>
+          <p:cNvPr id="4" name="Content Placeholder 3">
+            <a:extLst>
+              <a:ext uri="{FF2B5EF4-FFF2-40B4-BE49-F238E27FC236}">
+                <a16:creationId xmlns:a16="http://schemas.microsoft.com/office/drawing/2014/main" id="{1A7A7F90-A949-49BC-B232-990A6C5FAD9B}"/>
+              </a:ext>
+            </a:extLst>
+          </p:cNvPr>
+          <p:cNvSpPr>
+            <a:spLocks noGrp="1"/>
+          </p:cNvSpPr>
+          <p:nvPr>
+            <p:ph idx="1"/>
+          </p:nvPr>
+        </p:nvSpPr>
+        <p:spPr/>
+        <p:txBody>
+          <a:bodyPr/>
+          <a:lstStyle/>
+          <a:p>
+            <a:endParaRPr lang="en-US"/>
+          </a:p>
+        </p:txBody>
+      </p:sp>
+    </p:spTree>
+    <p:extLst>
+      <p:ext uri="{BB962C8B-B14F-4D97-AF65-F5344CB8AC3E}">
+        <p14:creationId xmlns:p14="http://schemas.microsoft.com/office/powerpoint/2010/main" val="2079396290"/>
+      </p:ext>
+    </p:extLst>
+  </p:cSld>
+  <p:clrMapOvr>
+    <a:masterClrMapping/>
+  </p:clrMapOvr>
+</p:sld>
+</file>
+
+<file path=ppt/slides/slide14.xml><?xml version="1.0" encoding="utf-8"?>
+<p:sld xmlns:a="http://schemas.openxmlformats.org/drawingml/2006/main" xmlns:r="http://schemas.openxmlformats.org/officeDocument/2006/relationships" xmlns:p="http://schemas.openxmlformats.org/presentationml/2006/main">
+  <p:cSld>
+    <p:spTree>
+      <p:nvGrpSpPr>
+        <p:cNvPr id="1" name=""/>
+        <p:cNvGrpSpPr/>
+        <p:nvPr/>
+      </p:nvGrpSpPr>
+      <p:grpSpPr>
+        <a:xfrm>
+          <a:off x="0" y="0"/>
+          <a:ext cx="0" cy="0"/>
+          <a:chOff x="0" y="0"/>
+          <a:chExt cx="0" cy="0"/>
+        </a:xfrm>
+      </p:grpSpPr>
+      <p:sp>
+        <p:nvSpPr>
+          <p:cNvPr id="2" name="Title 1">
+            <a:extLst>
+              <a:ext uri="{FF2B5EF4-FFF2-40B4-BE49-F238E27FC236}">
+                <a16:creationId xmlns:a16="http://schemas.microsoft.com/office/drawing/2014/main" id="{F926ECA3-47AD-4885-A6D2-762F0D1A99AA}"/>
+              </a:ext>
+            </a:extLst>
+          </p:cNvPr>
+          <p:cNvSpPr>
+            <a:spLocks noGrp="1"/>
+          </p:cNvSpPr>
+          <p:nvPr>
+            <p:ph type="title"/>
+          </p:nvPr>
+        </p:nvSpPr>
+        <p:spPr/>
+        <p:txBody>
+          <a:bodyPr/>
+          <a:lstStyle/>
+          <a:p>
+            <a:r>
+              <a:rPr lang="es-GT" b="1" dirty="0"/>
+              <a:t>Conclusiones</a:t>
+            </a:r>
+          </a:p>
+        </p:txBody>
+      </p:sp>
+      <p:sp>
+        <p:nvSpPr>
+          <p:cNvPr id="4" name="Content Placeholder 3">
+            <a:extLst>
+              <a:ext uri="{FF2B5EF4-FFF2-40B4-BE49-F238E27FC236}">
+                <a16:creationId xmlns:a16="http://schemas.microsoft.com/office/drawing/2014/main" id="{1A7A7F90-A949-49BC-B232-990A6C5FAD9B}"/>
+              </a:ext>
+            </a:extLst>
+          </p:cNvPr>
+          <p:cNvSpPr>
+            <a:spLocks noGrp="1"/>
+          </p:cNvSpPr>
+          <p:nvPr>
+            <p:ph idx="1"/>
+          </p:nvPr>
+        </p:nvSpPr>
+        <p:spPr>
+          <a:xfrm>
+            <a:off x="2589212" y="1619250"/>
+            <a:ext cx="8915400" cy="3777622"/>
+          </a:xfrm>
+        </p:spPr>
+        <p:txBody>
+          <a:bodyPr>
+            <a:normAutofit/>
+          </a:bodyPr>
+          <a:lstStyle/>
+          <a:p>
+            <a:r>
+              <a:rPr lang="es-GT" sz="2200" b="1" dirty="0"/>
+              <a:t>Análisis de Datos</a:t>
+            </a:r>
+            <a:endParaRPr lang="es-GT" sz="2200" dirty="0"/>
+          </a:p>
+          <a:p>
+            <a:r>
+              <a:rPr lang="es-GT" sz="2200" b="1" dirty="0" err="1"/>
+              <a:t>Feature</a:t>
+            </a:r>
+            <a:r>
+              <a:rPr lang="es-GT" sz="2200" b="1" dirty="0"/>
+              <a:t> </a:t>
+            </a:r>
+            <a:r>
+              <a:rPr lang="es-GT" sz="2200" b="1" dirty="0" err="1"/>
+              <a:t>Engineering</a:t>
+            </a:r>
+            <a:endParaRPr lang="es-GT" sz="2200" dirty="0"/>
+          </a:p>
+          <a:p>
+            <a:r>
+              <a:rPr lang="es-GT" sz="2200" dirty="0"/>
+              <a:t>Optimizar es difícil</a:t>
+            </a:r>
+          </a:p>
+          <a:p>
+            <a:r>
+              <a:rPr lang="es-GT" sz="2200" dirty="0"/>
+              <a:t>Una ‘mejora’ no implica mejores resultados</a:t>
+            </a:r>
+          </a:p>
+          <a:p>
+            <a:endParaRPr lang="es-GT" sz="2200" dirty="0"/>
+          </a:p>
+          <a:p>
+            <a:endParaRPr lang="en-US" sz="2200" dirty="0"/>
+          </a:p>
+        </p:txBody>
+      </p:sp>
+    </p:spTree>
+    <p:extLst>
+      <p:ext uri="{BB962C8B-B14F-4D97-AF65-F5344CB8AC3E}">
+        <p14:creationId xmlns:p14="http://schemas.microsoft.com/office/powerpoint/2010/main" val="2462038136"/>
+      </p:ext>
+    </p:extLst>
+  </p:cSld>
+  <p:clrMapOvr>
+    <a:masterClrMapping/>
+  </p:clrMapOvr>
+  <p:timing>
+    <p:tnLst>
+      <p:par>
+        <p:cTn id="1" dur="indefinite" restart="never" nodeType="tmRoot">
+          <p:childTnLst>
+            <p:seq concurrent="1" nextAc="seek">
+              <p:cTn id="2" dur="indefinite" nodeType="mainSeq">
+                <p:childTnLst>
+                  <p:par>
+                    <p:cTn id="3" fill="hold">
+                      <p:stCondLst>
+                        <p:cond delay="indefinite"/>
+                      </p:stCondLst>
+                      <p:childTnLst>
+                        <p:par>
+                          <p:cTn id="4" fill="hold">
+                            <p:stCondLst>
+                              <p:cond delay="0"/>
+                            </p:stCondLst>
+                            <p:childTnLst>
+                              <p:par>
+                                <p:cTn id="5" presetID="10" presetClass="entr" presetSubtype="0" fill="hold" nodeType="clickEffect">
+                                  <p:stCondLst>
+                                    <p:cond delay="0"/>
+                                  </p:stCondLst>
+                                  <p:childTnLst>
+                                    <p:set>
+                                      <p:cBhvr>
+                                        <p:cTn id="6" dur="1" fill="hold">
+                                          <p:stCondLst>
+                                            <p:cond delay="0"/>
+                                          </p:stCondLst>
+                                        </p:cTn>
+                                        <p:tgtEl>
+                                          <p:spTgt spid="4">
+                                            <p:txEl>
+                                              <p:pRg st="0" end="0"/>
+                                            </p:txEl>
+                                          </p:spTgt>
+                                        </p:tgtEl>
+                                        <p:attrNameLst>
+                                          <p:attrName>style.visibility</p:attrName>
+                                        </p:attrNameLst>
+                                      </p:cBhvr>
+                                      <p:to>
+                                        <p:strVal val="visible"/>
+                                      </p:to>
+                                    </p:set>
+                                    <p:animEffect transition="in" filter="fade">
+                                      <p:cBhvr>
+                                        <p:cTn id="7" dur="500"/>
+                                        <p:tgtEl>
+                                          <p:spTgt spid="4">
+                                            <p:txEl>
+                                              <p:pRg st="0" end="0"/>
+                                            </p:txEl>
+                                          </p:spTgt>
+                                        </p:tgtEl>
+                                      </p:cBhvr>
+                                    </p:animEffect>
+                                  </p:childTnLst>
+                                </p:cTn>
+                              </p:par>
+                            </p:childTnLst>
+                          </p:cTn>
+                        </p:par>
+                      </p:childTnLst>
+                    </p:cTn>
+                  </p:par>
+                  <p:par>
+                    <p:cTn id="8" fill="hold">
+                      <p:stCondLst>
+                        <p:cond delay="indefinite"/>
+                      </p:stCondLst>
+                      <p:childTnLst>
+                        <p:par>
+                          <p:cTn id="9" fill="hold">
+                            <p:stCondLst>
+                              <p:cond delay="0"/>
+                            </p:stCondLst>
+                            <p:childTnLst>
+                              <p:par>
+                                <p:cTn id="10" presetID="10" presetClass="entr" presetSubtype="0" fill="hold" nodeType="clickEffect">
+                                  <p:stCondLst>
+                                    <p:cond delay="0"/>
+                                  </p:stCondLst>
+                                  <p:childTnLst>
+                                    <p:set>
+                                      <p:cBhvr>
+                                        <p:cTn id="11" dur="1" fill="hold">
+                                          <p:stCondLst>
+                                            <p:cond delay="0"/>
+                                          </p:stCondLst>
+                                        </p:cTn>
+                                        <p:tgtEl>
+                                          <p:spTgt spid="4">
+                                            <p:txEl>
+                                              <p:pRg st="1" end="1"/>
+                                            </p:txEl>
+                                          </p:spTgt>
+                                        </p:tgtEl>
+                                        <p:attrNameLst>
+                                          <p:attrName>style.visibility</p:attrName>
+                                        </p:attrNameLst>
+                                      </p:cBhvr>
+                                      <p:to>
+                                        <p:strVal val="visible"/>
+                                      </p:to>
+                                    </p:set>
+                                    <p:animEffect transition="in" filter="fade">
+                                      <p:cBhvr>
+                                        <p:cTn id="12" dur="500"/>
+                                        <p:tgtEl>
+                                          <p:spTgt spid="4">
+                                            <p:txEl>
+                                              <p:pRg st="1" end="1"/>
+                                            </p:txEl>
+                                          </p:spTgt>
+                                        </p:tgtEl>
+                                      </p:cBhvr>
+                                    </p:animEffect>
+                                  </p:childTnLst>
+                                </p:cTn>
+                              </p:par>
+                            </p:childTnLst>
+                          </p:cTn>
+                        </p:par>
+                      </p:childTnLst>
+                    </p:cTn>
+                  </p:par>
+                  <p:par>
+                    <p:cTn id="13" fill="hold">
+                      <p:stCondLst>
+                        <p:cond delay="indefinite"/>
+                      </p:stCondLst>
+                      <p:childTnLst>
+                        <p:par>
+                          <p:cTn id="14" fill="hold">
+                            <p:stCondLst>
+                              <p:cond delay="0"/>
+                            </p:stCondLst>
+                            <p:childTnLst>
+                              <p:par>
+                                <p:cTn id="15" presetID="10" presetClass="entr" presetSubtype="0" fill="hold" nodeType="clickEffect">
+                                  <p:stCondLst>
+                                    <p:cond delay="0"/>
+                                  </p:stCondLst>
+                                  <p:childTnLst>
+                                    <p:set>
+                                      <p:cBhvr>
+                                        <p:cTn id="16" dur="1" fill="hold">
+                                          <p:stCondLst>
+                                            <p:cond delay="0"/>
+                                          </p:stCondLst>
+                                        </p:cTn>
+                                        <p:tgtEl>
+                                          <p:spTgt spid="4">
+                                            <p:txEl>
+                                              <p:pRg st="2" end="2"/>
+                                            </p:txEl>
+                                          </p:spTgt>
+                                        </p:tgtEl>
+                                        <p:attrNameLst>
+                                          <p:attrName>style.visibility</p:attrName>
+                                        </p:attrNameLst>
+                                      </p:cBhvr>
+                                      <p:to>
+                                        <p:strVal val="visible"/>
+                                      </p:to>
+                                    </p:set>
+                                    <p:animEffect transition="in" filter="fade">
+                                      <p:cBhvr>
+                                        <p:cTn id="17" dur="500"/>
+                                        <p:tgtEl>
+                                          <p:spTgt spid="4">
+                                            <p:txEl>
+                                              <p:pRg st="2" end="2"/>
+                                            </p:txEl>
+                                          </p:spTgt>
+                                        </p:tgtEl>
+                                      </p:cBhvr>
+                                    </p:animEffect>
+                                  </p:childTnLst>
+                                </p:cTn>
+                              </p:par>
+                            </p:childTnLst>
+                          </p:cTn>
+                        </p:par>
+                      </p:childTnLst>
+                    </p:cTn>
+                  </p:par>
+                  <p:par>
+                    <p:cTn id="18" fill="hold">
+                      <p:stCondLst>
+                        <p:cond delay="indefinite"/>
+                      </p:stCondLst>
+                      <p:childTnLst>
+                        <p:par>
+                          <p:cTn id="19" fill="hold">
+                            <p:stCondLst>
+                              <p:cond delay="0"/>
+                            </p:stCondLst>
+                            <p:childTnLst>
+                              <p:par>
+                                <p:cTn id="20" presetID="10" presetClass="entr" presetSubtype="0" fill="hold" nodeType="clickEffect">
+                                  <p:stCondLst>
+                                    <p:cond delay="0"/>
+                                  </p:stCondLst>
+                                  <p:childTnLst>
+                                    <p:set>
+                                      <p:cBhvr>
+                                        <p:cTn id="21" dur="1" fill="hold">
+                                          <p:stCondLst>
+                                            <p:cond delay="0"/>
+                                          </p:stCondLst>
+                                        </p:cTn>
+                                        <p:tgtEl>
+                                          <p:spTgt spid="4">
+                                            <p:txEl>
+                                              <p:pRg st="3" end="3"/>
+                                            </p:txEl>
+                                          </p:spTgt>
+                                        </p:tgtEl>
+                                        <p:attrNameLst>
+                                          <p:attrName>style.visibility</p:attrName>
+                                        </p:attrNameLst>
+                                      </p:cBhvr>
+                                      <p:to>
+                                        <p:strVal val="visible"/>
+                                      </p:to>
+                                    </p:set>
+                                    <p:animEffect transition="in" filter="fade">
+                                      <p:cBhvr>
+                                        <p:cTn id="22" dur="500"/>
+                                        <p:tgtEl>
+                                          <p:spTgt spid="4">
+                                            <p:txEl>
+                                              <p:pRg st="3" end="3"/>
+                                            </p:txEl>
+                                          </p:spTgt>
+                                        </p:tgtEl>
+                                      </p:cBhvr>
+                                    </p:animEffect>
+                                  </p:childTnLst>
+                                </p:cTn>
+                              </p:par>
+                            </p:childTnLst>
+                          </p:cTn>
+                        </p:par>
+                      </p:childTnLst>
+                    </p:cTn>
+                  </p:par>
+                </p:childTnLst>
+              </p:cTn>
+              <p:prevCondLst>
+                <p:cond evt="onPrev" delay="0">
+                  <p:tgtEl>
+                    <p:sldTgt/>
+                  </p:tgtEl>
+                </p:cond>
+              </p:prevCondLst>
+              <p:nextCondLst>
+                <p:cond evt="onNext" delay="0">
+                  <p:tgtEl>
+                    <p:sldTgt/>
+                  </p:tgtEl>
+                </p:cond>
+              </p:nextCondLst>
+            </p:seq>
+          </p:childTnLst>
+        </p:cTn>
+      </p:par>
+    </p:tnLst>
+  </p:timing>
+</p:sld>
+</file>
+
+<file path=ppt/slides/slide15.xml><?xml version="1.0" encoding="utf-8"?>
+<p:sld xmlns:a="http://schemas.openxmlformats.org/drawingml/2006/main" xmlns:r="http://schemas.openxmlformats.org/officeDocument/2006/relationships" xmlns:p="http://schemas.openxmlformats.org/presentationml/2006/main">
+  <p:cSld>
+    <p:spTree>
+      <p:nvGrpSpPr>
+        <p:cNvPr id="1" name=""/>
+        <p:cNvGrpSpPr/>
+        <p:nvPr/>
+      </p:nvGrpSpPr>
+      <p:grpSpPr>
+        <a:xfrm>
+          <a:off x="0" y="0"/>
+          <a:ext cx="0" cy="0"/>
+          <a:chOff x="0" y="0"/>
+          <a:chExt cx="0" cy="0"/>
+        </a:xfrm>
+      </p:grpSpPr>
+      <p:sp>
+        <p:nvSpPr>
+          <p:cNvPr id="2" name="Title 1">
+            <a:extLst>
+              <a:ext uri="{FF2B5EF4-FFF2-40B4-BE49-F238E27FC236}">
+                <a16:creationId xmlns:a16="http://schemas.microsoft.com/office/drawing/2014/main" id="{F926ECA3-47AD-4885-A6D2-762F0D1A99AA}"/>
+              </a:ext>
+            </a:extLst>
+          </p:cNvPr>
+          <p:cNvSpPr>
+            <a:spLocks noGrp="1"/>
+          </p:cNvSpPr>
+          <p:nvPr>
+            <p:ph type="title"/>
+          </p:nvPr>
+        </p:nvSpPr>
+        <p:spPr>
+          <a:xfrm>
+            <a:off x="4405655" y="1870480"/>
+            <a:ext cx="8915399" cy="3117040"/>
+          </a:xfrm>
+        </p:spPr>
+        <p:txBody>
+          <a:bodyPr/>
+          <a:lstStyle/>
+          <a:p>
+            <a:r>
+              <a:rPr lang="es-GT" b="1" dirty="0"/>
+              <a:t>¿Preguntas?</a:t>
+            </a:r>
+          </a:p>
+        </p:txBody>
+      </p:sp>
+    </p:spTree>
+    <p:extLst>
+      <p:ext uri="{BB962C8B-B14F-4D97-AF65-F5344CB8AC3E}">
+        <p14:creationId xmlns:p14="http://schemas.microsoft.com/office/powerpoint/2010/main" val="3082339157"/>
+      </p:ext>
+    </p:extLst>
+  </p:cSld>
+  <p:clrMapOvr>
+    <a:masterClrMapping/>
+  </p:clrMapOvr>
+</p:sld>
+</file>
+
+<file path=ppt/slides/slide16.xml><?xml version="1.0" encoding="utf-8"?>
+<p:sld xmlns:a="http://schemas.openxmlformats.org/drawingml/2006/main" xmlns:r="http://schemas.openxmlformats.org/officeDocument/2006/relationships" xmlns:p="http://schemas.openxmlformats.org/presentationml/2006/main">
+  <p:cSld>
+    <p:spTree>
+      <p:nvGrpSpPr>
+        <p:cNvPr id="1" name=""/>
+        <p:cNvGrpSpPr/>
+        <p:nvPr/>
+      </p:nvGrpSpPr>
+      <p:grpSpPr>
+        <a:xfrm>
+          <a:off x="0" y="0"/>
+          <a:ext cx="0" cy="0"/>
+          <a:chOff x="0" y="0"/>
+          <a:chExt cx="0" cy="0"/>
+        </a:xfrm>
+      </p:grpSpPr>
+      <p:sp>
+        <p:nvSpPr>
+          <p:cNvPr id="2" name="Title 1">
+            <a:extLst>
+              <a:ext uri="{FF2B5EF4-FFF2-40B4-BE49-F238E27FC236}">
+                <a16:creationId xmlns:a16="http://schemas.microsoft.com/office/drawing/2014/main" id="{F926ECA3-47AD-4885-A6D2-762F0D1A99AA}"/>
+              </a:ext>
+            </a:extLst>
+          </p:cNvPr>
+          <p:cNvSpPr>
+            <a:spLocks noGrp="1"/>
+          </p:cNvSpPr>
+          <p:nvPr>
+            <p:ph type="title"/>
+          </p:nvPr>
+        </p:nvSpPr>
+        <p:spPr>
+          <a:xfrm>
+            <a:off x="2626282" y="1870480"/>
+            <a:ext cx="8915399" cy="3117040"/>
+          </a:xfrm>
+        </p:spPr>
+        <p:txBody>
+          <a:bodyPr/>
+          <a:lstStyle/>
+          <a:p>
+            <a:r>
+              <a:rPr lang="es-GT" b="1" dirty="0"/>
+              <a:t>¡Gracias por su atención!</a:t>
+            </a:r>
+          </a:p>
+        </p:txBody>
+      </p:sp>
+    </p:spTree>
+    <p:extLst>
+      <p:ext uri="{BB962C8B-B14F-4D97-AF65-F5344CB8AC3E}">
+        <p14:creationId xmlns:p14="http://schemas.microsoft.com/office/powerpoint/2010/main" val="3887903441"/>
       </p:ext>
     </p:extLst>
   </p:cSld>
@@ -10874,7 +13131,7 @@
           <a:lstStyle/>
           <a:p>
             <a:r>
-              <a:rPr lang="es-GT" dirty="0"/>
+              <a:rPr lang="es-GT" b="1" dirty="0"/>
               <a:t>Agenda</a:t>
             </a:r>
           </a:p>
@@ -10896,88 +13153,65 @@
             <p:ph idx="1"/>
           </p:nvPr>
         </p:nvSpPr>
-        <p:spPr/>
+        <p:spPr>
+          <a:xfrm>
+            <a:off x="2589212" y="1664605"/>
+            <a:ext cx="8915400" cy="5793470"/>
+          </a:xfrm>
+        </p:spPr>
         <p:txBody>
-          <a:bodyPr/>
+          <a:bodyPr>
+            <a:noAutofit/>
+          </a:bodyPr>
           <a:lstStyle/>
           <a:p>
             <a:r>
-              <a:rPr lang="es-GT" dirty="0"/>
+              <a:rPr lang="es-GT" sz="2200" dirty="0"/>
               <a:t>Introducción</a:t>
             </a:r>
           </a:p>
           <a:p>
             <a:r>
-              <a:rPr lang="es-GT" dirty="0"/>
+              <a:rPr lang="es-GT" sz="2200" dirty="0"/>
               <a:t>El Problema</a:t>
             </a:r>
           </a:p>
           <a:p>
             <a:r>
-              <a:rPr lang="es-GT" dirty="0"/>
+              <a:rPr lang="es-GT" sz="2200" dirty="0"/>
               <a:t>Información y supuestos</a:t>
             </a:r>
           </a:p>
           <a:p>
             <a:r>
-              <a:rPr lang="es-GT" dirty="0"/>
-              <a:t>Modelos y procedimientos que se utilizaron</a:t>
+              <a:rPr lang="es-GT" sz="2200" dirty="0"/>
+              <a:t>Modelos Utilizados</a:t>
             </a:r>
           </a:p>
           <a:p>
             <a:r>
-              <a:rPr lang="es-GT" dirty="0"/>
-              <a:t>Limpieza ,Encoding y Normalización</a:t>
+              <a:rPr lang="es-GT" sz="2200" dirty="0"/>
+              <a:t>Metodología</a:t>
             </a:r>
           </a:p>
           <a:p>
             <a:r>
-              <a:rPr lang="es-GT" dirty="0"/>
-              <a:t> Selección de variables importantes</a:t>
+              <a:rPr lang="en-US" sz="2200" dirty="0" err="1"/>
+              <a:t>Resultados</a:t>
+            </a:r>
+            <a:endParaRPr lang="en-US" sz="2200" dirty="0"/>
+          </a:p>
+          <a:p>
+            <a:r>
+              <a:rPr lang="es-GT" sz="2200" dirty="0"/>
+              <a:t>Conclusiones</a:t>
             </a:r>
           </a:p>
           <a:p>
             <a:r>
-              <a:rPr lang="en-US" dirty="0" err="1"/>
-              <a:t>Regresiones</a:t>
+              <a:rPr lang="es-GT" sz="2200" dirty="0"/>
+              <a:t>Preguntas</a:t>
             </a:r>
-            <a:r>
-              <a:rPr lang="en-US" dirty="0"/>
-              <a:t> </a:t>
-            </a:r>
-            <a:r>
-              <a:rPr lang="en-US" dirty="0" err="1"/>
-              <a:t>lineales</a:t>
-            </a:r>
-            <a:r>
-              <a:rPr lang="en-US" dirty="0"/>
-              <a:t> y </a:t>
-            </a:r>
-            <a:r>
-              <a:rPr lang="en-US" dirty="0" err="1"/>
-              <a:t>polinómicas</a:t>
-            </a:r>
-            <a:endParaRPr lang="en-US" dirty="0"/>
-          </a:p>
-          <a:p>
-            <a:r>
-              <a:rPr lang="en-US" dirty="0"/>
-              <a:t>XGBoost</a:t>
-            </a:r>
-          </a:p>
-          <a:p>
-            <a:r>
-              <a:rPr lang="en-US" dirty="0"/>
-              <a:t>Redes </a:t>
-            </a:r>
-            <a:r>
-              <a:rPr lang="en-US" dirty="0" err="1"/>
-              <a:t>Neuronales</a:t>
-            </a:r>
-            <a:endParaRPr lang="es-GT" dirty="0"/>
-          </a:p>
-          <a:p>
-            <a:endParaRPr lang="es-GT" dirty="0"/>
           </a:p>
         </p:txBody>
       </p:sp>
@@ -11033,7 +13267,7 @@
           <a:lstStyle/>
           <a:p>
             <a:r>
-              <a:rPr lang="es-GT" dirty="0"/>
+              <a:rPr lang="es-GT" b="1" dirty="0"/>
               <a:t>Introducción</a:t>
             </a:r>
           </a:p>
@@ -11055,25 +13289,32 @@
             <p:ph idx="1"/>
           </p:nvPr>
         </p:nvSpPr>
-        <p:spPr/>
+        <p:spPr>
+          <a:xfrm>
+            <a:off x="2592925" y="1714500"/>
+            <a:ext cx="8915400" cy="3777622"/>
+          </a:xfrm>
+        </p:spPr>
         <p:txBody>
-          <a:bodyPr/>
+          <a:bodyPr>
+            <a:normAutofit/>
+          </a:bodyPr>
           <a:lstStyle/>
           <a:p>
             <a:r>
-              <a:rPr lang="es-GT" dirty="0"/>
+              <a:rPr lang="es-GT" sz="2200" dirty="0"/>
               <a:t>Tecnología Actual</a:t>
             </a:r>
           </a:p>
           <a:p>
             <a:r>
-              <a:rPr lang="es-GT" dirty="0"/>
+              <a:rPr lang="es-GT" sz="2200" dirty="0"/>
               <a:t>Regresiones</a:t>
             </a:r>
           </a:p>
           <a:p>
             <a:r>
-              <a:rPr lang="es-GT" dirty="0"/>
+              <a:rPr lang="es-GT" sz="2200" dirty="0"/>
               <a:t>Modelos de predicción</a:t>
             </a:r>
           </a:p>
@@ -11081,7 +13322,7 @@
             <a:pPr marL="0" indent="0">
               <a:buNone/>
             </a:pPr>
-            <a:endParaRPr lang="es-GT" dirty="0"/>
+            <a:endParaRPr lang="es-GT" sz="2200" dirty="0"/>
           </a:p>
         </p:txBody>
       </p:sp>
@@ -11095,6 +13336,219 @@
   <p:clrMapOvr>
     <a:masterClrMapping/>
   </p:clrMapOvr>
+  <p:timing>
+    <p:tnLst>
+      <p:par>
+        <p:cTn id="1" dur="indefinite" restart="never" nodeType="tmRoot">
+          <p:childTnLst>
+            <p:seq concurrent="1" nextAc="seek">
+              <p:cTn id="2" dur="indefinite" nodeType="mainSeq">
+                <p:childTnLst>
+                  <p:par>
+                    <p:cTn id="3" fill="hold">
+                      <p:stCondLst>
+                        <p:cond delay="indefinite"/>
+                      </p:stCondLst>
+                      <p:childTnLst>
+                        <p:par>
+                          <p:cTn id="4" fill="hold">
+                            <p:stCondLst>
+                              <p:cond delay="0"/>
+                            </p:stCondLst>
+                            <p:childTnLst>
+                              <p:par>
+                                <p:cTn id="5" presetID="10" presetClass="entr" presetSubtype="0" fill="hold" nodeType="clickEffect">
+                                  <p:stCondLst>
+                                    <p:cond delay="0"/>
+                                  </p:stCondLst>
+                                  <p:childTnLst>
+                                    <p:set>
+                                      <p:cBhvr>
+                                        <p:cTn id="6" dur="1" fill="hold">
+                                          <p:stCondLst>
+                                            <p:cond delay="0"/>
+                                          </p:stCondLst>
+                                        </p:cTn>
+                                        <p:tgtEl>
+                                          <p:spTgt spid="3">
+                                            <p:txEl>
+                                              <p:pRg st="0" end="0"/>
+                                            </p:txEl>
+                                          </p:spTgt>
+                                        </p:tgtEl>
+                                        <p:attrNameLst>
+                                          <p:attrName>style.visibility</p:attrName>
+                                        </p:attrNameLst>
+                                      </p:cBhvr>
+                                      <p:to>
+                                        <p:strVal val="visible"/>
+                                      </p:to>
+                                    </p:set>
+                                    <p:animEffect transition="in" filter="fade">
+                                      <p:cBhvr>
+                                        <p:cTn id="7" dur="500"/>
+                                        <p:tgtEl>
+                                          <p:spTgt spid="3">
+                                            <p:txEl>
+                                              <p:pRg st="0" end="0"/>
+                                            </p:txEl>
+                                          </p:spTgt>
+                                        </p:tgtEl>
+                                      </p:cBhvr>
+                                    </p:animEffect>
+                                  </p:childTnLst>
+                                </p:cTn>
+                              </p:par>
+                            </p:childTnLst>
+                          </p:cTn>
+                        </p:par>
+                      </p:childTnLst>
+                    </p:cTn>
+                  </p:par>
+                  <p:par>
+                    <p:cTn id="8" fill="hold">
+                      <p:stCondLst>
+                        <p:cond delay="indefinite"/>
+                      </p:stCondLst>
+                      <p:childTnLst>
+                        <p:par>
+                          <p:cTn id="9" fill="hold">
+                            <p:stCondLst>
+                              <p:cond delay="0"/>
+                            </p:stCondLst>
+                            <p:childTnLst>
+                              <p:par>
+                                <p:cTn id="10" presetID="10" presetClass="entr" presetSubtype="0" fill="hold" nodeType="clickEffect">
+                                  <p:stCondLst>
+                                    <p:cond delay="0"/>
+                                  </p:stCondLst>
+                                  <p:childTnLst>
+                                    <p:set>
+                                      <p:cBhvr>
+                                        <p:cTn id="11" dur="1" fill="hold">
+                                          <p:stCondLst>
+                                            <p:cond delay="0"/>
+                                          </p:stCondLst>
+                                        </p:cTn>
+                                        <p:tgtEl>
+                                          <p:spTgt spid="3">
+                                            <p:txEl>
+                                              <p:pRg st="1" end="1"/>
+                                            </p:txEl>
+                                          </p:spTgt>
+                                        </p:tgtEl>
+                                        <p:attrNameLst>
+                                          <p:attrName>style.visibility</p:attrName>
+                                        </p:attrNameLst>
+                                      </p:cBhvr>
+                                      <p:to>
+                                        <p:strVal val="visible"/>
+                                      </p:to>
+                                    </p:set>
+                                    <p:animEffect transition="in" filter="fade">
+                                      <p:cBhvr>
+                                        <p:cTn id="12" dur="500"/>
+                                        <p:tgtEl>
+                                          <p:spTgt spid="3">
+                                            <p:txEl>
+                                              <p:pRg st="1" end="1"/>
+                                            </p:txEl>
+                                          </p:spTgt>
+                                        </p:tgtEl>
+                                      </p:cBhvr>
+                                    </p:animEffect>
+                                  </p:childTnLst>
+                                </p:cTn>
+                              </p:par>
+                            </p:childTnLst>
+                          </p:cTn>
+                        </p:par>
+                      </p:childTnLst>
+                    </p:cTn>
+                  </p:par>
+                  <p:par>
+                    <p:cTn id="13" fill="hold">
+                      <p:stCondLst>
+                        <p:cond delay="indefinite"/>
+                      </p:stCondLst>
+                      <p:childTnLst>
+                        <p:par>
+                          <p:cTn id="14" fill="hold">
+                            <p:stCondLst>
+                              <p:cond delay="0"/>
+                            </p:stCondLst>
+                            <p:childTnLst>
+                              <p:par>
+                                <p:cTn id="15" presetID="10" presetClass="entr" presetSubtype="0" fill="hold" nodeType="clickEffect">
+                                  <p:stCondLst>
+                                    <p:cond delay="0"/>
+                                  </p:stCondLst>
+                                  <p:childTnLst>
+                                    <p:set>
+                                      <p:cBhvr>
+                                        <p:cTn id="16" dur="1" fill="hold">
+                                          <p:stCondLst>
+                                            <p:cond delay="0"/>
+                                          </p:stCondLst>
+                                        </p:cTn>
+                                        <p:tgtEl>
+                                          <p:spTgt spid="3">
+                                            <p:txEl>
+                                              <p:pRg st="2" end="2"/>
+                                            </p:txEl>
+                                          </p:spTgt>
+                                        </p:tgtEl>
+                                        <p:attrNameLst>
+                                          <p:attrName>style.visibility</p:attrName>
+                                        </p:attrNameLst>
+                                      </p:cBhvr>
+                                      <p:to>
+                                        <p:strVal val="visible"/>
+                                      </p:to>
+                                    </p:set>
+                                    <p:animEffect transition="in" filter="fade">
+                                      <p:cBhvr>
+                                        <p:cTn id="17" dur="500"/>
+                                        <p:tgtEl>
+                                          <p:spTgt spid="3">
+                                            <p:txEl>
+                                              <p:pRg st="2" end="2"/>
+                                            </p:txEl>
+                                          </p:spTgt>
+                                        </p:tgtEl>
+                                      </p:cBhvr>
+                                    </p:animEffect>
+                                  </p:childTnLst>
+                                </p:cTn>
+                              </p:par>
+                            </p:childTnLst>
+                          </p:cTn>
+                        </p:par>
+                      </p:childTnLst>
+                    </p:cTn>
+                  </p:par>
+                </p:childTnLst>
+              </p:cTn>
+              <p:prevCondLst>
+                <p:cond evt="onPrev" delay="0">
+                  <p:tgtEl>
+                    <p:sldTgt/>
+                  </p:tgtEl>
+                </p:cond>
+              </p:prevCondLst>
+              <p:nextCondLst>
+                <p:cond evt="onNext" delay="0">
+                  <p:tgtEl>
+                    <p:sldTgt/>
+                  </p:tgtEl>
+                </p:cond>
+              </p:nextCondLst>
+            </p:seq>
+          </p:childTnLst>
+        </p:cTn>
+      </p:par>
+    </p:tnLst>
+  </p:timing>
 </p:sld>
 </file>
 
@@ -11137,7 +13591,7 @@
           <a:lstStyle/>
           <a:p>
             <a:r>
-              <a:rPr lang="es-GT" dirty="0"/>
+              <a:rPr lang="es-GT" b="1" dirty="0"/>
               <a:t>El Problema</a:t>
             </a:r>
           </a:p>
@@ -11145,7 +13599,7 @@
       </p:sp>
       <p:sp>
         <p:nvSpPr>
-          <p:cNvPr id="3" name="Content Placeholder 2">
+          <p:cNvPr id="3" name="Situacion">
             <a:extLst>
               <a:ext uri="{FF2B5EF4-FFF2-40B4-BE49-F238E27FC236}">
                 <a16:creationId xmlns:a16="http://schemas.microsoft.com/office/drawing/2014/main" id="{1531340B-4D13-45FC-B22E-85ABDF923D16}"/>
@@ -11159,26 +13613,688 @@
             <p:ph idx="1"/>
           </p:nvPr>
         </p:nvSpPr>
-        <p:spPr/>
+        <p:spPr>
+          <a:xfrm>
+            <a:off x="2592925" y="1672701"/>
+            <a:ext cx="7617041" cy="2712868"/>
+          </a:xfrm>
+        </p:spPr>
         <p:txBody>
-          <a:bodyPr/>
+          <a:bodyPr>
+            <a:noAutofit/>
+          </a:bodyPr>
           <a:lstStyle/>
           <a:p>
+            <a:pPr algn="just"/>
             <a:r>
-              <a:rPr lang="es-GT" dirty="0"/>
-              <a:t>Situación por enfrentarse</a:t>
+              <a:rPr lang="es-GT" sz="2200" dirty="0"/>
+              <a:t>Situación por enfrentarse:</a:t>
             </a:r>
           </a:p>
           <a:p>
+            <a:pPr lvl="1" algn="just">
+              <a:buFont typeface="Wingdings" panose="05000000000000000000" pitchFamily="2" charset="2"/>
+              <a:buChar char="q"/>
+            </a:pPr>
             <a:r>
-              <a:rPr lang="es-GT" dirty="0"/>
-              <a:t>Problemas potencial al iniciar</a:t>
+              <a:rPr lang="es-GT" sz="2200" dirty="0"/>
+              <a:t>Anhelo de una casa</a:t>
             </a:r>
           </a:p>
           <a:p>
+            <a:pPr lvl="1" algn="just">
+              <a:buFont typeface="Wingdings" panose="05000000000000000000" pitchFamily="2" charset="2"/>
+              <a:buChar char="q"/>
+            </a:pPr>
             <a:r>
-              <a:rPr lang="es-GT" dirty="0"/>
-              <a:t>Objetivos </a:t>
+              <a:rPr lang="es-GT" sz="2200" dirty="0"/>
+              <a:t>Casa ideal = ¡Costos elevados!</a:t>
+            </a:r>
+          </a:p>
+          <a:p>
+            <a:pPr lvl="1" algn="just">
+              <a:buFont typeface="Wingdings" panose="05000000000000000000" pitchFamily="2" charset="2"/>
+              <a:buChar char="q"/>
+            </a:pPr>
+            <a:r>
+              <a:rPr lang="es-GT" sz="2200" dirty="0"/>
+              <a:t>Costo depende más de lo que creemos</a:t>
+            </a:r>
+          </a:p>
+          <a:p>
+            <a:pPr lvl="1" algn="just">
+              <a:buFont typeface="Wingdings" panose="05000000000000000000" pitchFamily="2" charset="2"/>
+              <a:buChar char="q"/>
+            </a:pPr>
+            <a:r>
+              <a:rPr lang="es-GT" sz="2200" dirty="0"/>
+              <a:t>Número de cuartos, número de pisos, etc.</a:t>
+            </a:r>
+          </a:p>
+          <a:p>
+            <a:pPr lvl="1" algn="just">
+              <a:buFont typeface="Wingdings" panose="05000000000000000000" pitchFamily="2" charset="2"/>
+              <a:buChar char="q"/>
+            </a:pPr>
+            <a:r>
+              <a:rPr lang="es-GT" sz="2200" dirty="0"/>
+              <a:t>¡Competencia En </a:t>
+            </a:r>
+            <a:r>
+              <a:rPr lang="es-GT" sz="2200" dirty="0" err="1"/>
+              <a:t>Kaggle</a:t>
+            </a:r>
+            <a:r>
+              <a:rPr lang="es-GT" sz="2200" dirty="0"/>
+              <a:t>!</a:t>
+            </a:r>
+          </a:p>
+        </p:txBody>
+      </p:sp>
+      <p:pic>
+        <p:nvPicPr>
+          <p:cNvPr id="7" name="KaggleLogo" descr="A close up of a logo&#10;&#10;Description automatically generated">
+            <a:extLst>
+              <a:ext uri="{FF2B5EF4-FFF2-40B4-BE49-F238E27FC236}">
+                <a16:creationId xmlns:a16="http://schemas.microsoft.com/office/drawing/2014/main" id="{E3CF3E6B-B2BC-4EDB-8550-FE5A531F4DB2}"/>
+              </a:ext>
+            </a:extLst>
+          </p:cNvPr>
+          <p:cNvPicPr>
+            <a:picLocks noChangeAspect="1"/>
+          </p:cNvPicPr>
+          <p:nvPr/>
+        </p:nvPicPr>
+        <p:blipFill>
+          <a:blip r:embed="rId2"/>
+          <a:stretch>
+            <a:fillRect/>
+          </a:stretch>
+        </p:blipFill>
+        <p:spPr>
+          <a:xfrm>
+            <a:off x="2261813" y="4538118"/>
+            <a:ext cx="3572895" cy="1792083"/>
+          </a:xfrm>
+          <a:prstGeom prst="rect">
+            <a:avLst/>
+          </a:prstGeom>
+        </p:spPr>
+      </p:pic>
+      <p:pic>
+        <p:nvPicPr>
+          <p:cNvPr id="9" name="CasaAnimada" descr="A picture containing table, green, white, room&#10;&#10;Description automatically generated">
+            <a:extLst>
+              <a:ext uri="{FF2B5EF4-FFF2-40B4-BE49-F238E27FC236}">
+                <a16:creationId xmlns:a16="http://schemas.microsoft.com/office/drawing/2014/main" id="{8F1AAE0F-2C4A-4BE6-8B55-3A0ECB269DB8}"/>
+              </a:ext>
+            </a:extLst>
+          </p:cNvPr>
+          <p:cNvPicPr>
+            <a:picLocks noChangeAspect="1"/>
+          </p:cNvPicPr>
+          <p:nvPr/>
+        </p:nvPicPr>
+        <p:blipFill>
+          <a:blip r:embed="rId3"/>
+          <a:stretch>
+            <a:fillRect/>
+          </a:stretch>
+        </p:blipFill>
+        <p:spPr>
+          <a:xfrm>
+            <a:off x="8427562" y="4538117"/>
+            <a:ext cx="2011867" cy="1792083"/>
+          </a:xfrm>
+          <a:prstGeom prst="rect">
+            <a:avLst/>
+          </a:prstGeom>
+        </p:spPr>
+      </p:pic>
+      <p:sp>
+        <p:nvSpPr>
+          <p:cNvPr id="11" name="Objetivo">
+            <a:extLst>
+              <a:ext uri="{FF2B5EF4-FFF2-40B4-BE49-F238E27FC236}">
+                <a16:creationId xmlns:a16="http://schemas.microsoft.com/office/drawing/2014/main" id="{3E17FE22-77BA-4BE3-BE85-08410394ADE4}"/>
+              </a:ext>
+            </a:extLst>
+          </p:cNvPr>
+          <p:cNvSpPr txBox="1">
+            <a:spLocks/>
+          </p:cNvSpPr>
+          <p:nvPr/>
+        </p:nvSpPr>
+        <p:spPr>
+          <a:xfrm>
+            <a:off x="2592926" y="1672701"/>
+            <a:ext cx="5836700" cy="1146699"/>
+          </a:xfrm>
+          <a:prstGeom prst="rect">
+            <a:avLst/>
+          </a:prstGeom>
+        </p:spPr>
+        <p:txBody>
+          <a:bodyPr vert="horz" lIns="91440" tIns="45720" rIns="91440" bIns="45720" rtlCol="0">
+            <a:noAutofit/>
+          </a:bodyPr>
+          <a:lstStyle>
+            <a:lvl1pPr marL="342900" indent="-342900" algn="l" defTabSz="457200" rtl="0" eaLnBrk="1" latinLnBrk="0" hangingPunct="1">
+              <a:spcBef>
+                <a:spcPts val="1000"/>
+              </a:spcBef>
+              <a:spcAft>
+                <a:spcPts val="0"/>
+              </a:spcAft>
+              <a:buClr>
+                <a:schemeClr val="accent1"/>
+              </a:buClr>
+              <a:buFont typeface="Wingdings 3" charset="2"/>
+              <a:buChar char=""/>
+              <a:defRPr sz="1800" kern="1200">
+                <a:solidFill>
+                  <a:schemeClr val="tx1">
+                    <a:lumMod val="75000"/>
+                    <a:lumOff val="25000"/>
+                  </a:schemeClr>
+                </a:solidFill>
+                <a:latin typeface="+mn-lt"/>
+                <a:ea typeface="+mn-ea"/>
+                <a:cs typeface="+mn-cs"/>
+              </a:defRPr>
+            </a:lvl1pPr>
+            <a:lvl2pPr marL="742950" indent="-285750" algn="l" defTabSz="457200" rtl="0" eaLnBrk="1" latinLnBrk="0" hangingPunct="1">
+              <a:spcBef>
+                <a:spcPts val="1000"/>
+              </a:spcBef>
+              <a:spcAft>
+                <a:spcPts val="0"/>
+              </a:spcAft>
+              <a:buClr>
+                <a:schemeClr val="accent1"/>
+              </a:buClr>
+              <a:buFont typeface="Wingdings 3" charset="2"/>
+              <a:buChar char=""/>
+              <a:defRPr sz="1600" kern="1200">
+                <a:solidFill>
+                  <a:schemeClr val="tx1">
+                    <a:lumMod val="75000"/>
+                    <a:lumOff val="25000"/>
+                  </a:schemeClr>
+                </a:solidFill>
+                <a:latin typeface="+mn-lt"/>
+                <a:ea typeface="+mn-ea"/>
+                <a:cs typeface="+mn-cs"/>
+              </a:defRPr>
+            </a:lvl2pPr>
+            <a:lvl3pPr marL="1143000" indent="-228600" algn="l" defTabSz="457200" rtl="0" eaLnBrk="1" latinLnBrk="0" hangingPunct="1">
+              <a:spcBef>
+                <a:spcPts val="1000"/>
+              </a:spcBef>
+              <a:spcAft>
+                <a:spcPts val="0"/>
+              </a:spcAft>
+              <a:buClr>
+                <a:schemeClr val="accent1"/>
+              </a:buClr>
+              <a:buFont typeface="Wingdings 3" charset="2"/>
+              <a:buChar char=""/>
+              <a:defRPr sz="1400" kern="1200">
+                <a:solidFill>
+                  <a:schemeClr val="tx1">
+                    <a:lumMod val="75000"/>
+                    <a:lumOff val="25000"/>
+                  </a:schemeClr>
+                </a:solidFill>
+                <a:latin typeface="+mn-lt"/>
+                <a:ea typeface="+mn-ea"/>
+                <a:cs typeface="+mn-cs"/>
+              </a:defRPr>
+            </a:lvl3pPr>
+            <a:lvl4pPr marL="1600200" indent="-228600" algn="l" defTabSz="457200" rtl="0" eaLnBrk="1" latinLnBrk="0" hangingPunct="1">
+              <a:spcBef>
+                <a:spcPts val="1000"/>
+              </a:spcBef>
+              <a:spcAft>
+                <a:spcPts val="0"/>
+              </a:spcAft>
+              <a:buClr>
+                <a:schemeClr val="accent1"/>
+              </a:buClr>
+              <a:buFont typeface="Wingdings 3" charset="2"/>
+              <a:buChar char=""/>
+              <a:defRPr sz="1200" kern="1200">
+                <a:solidFill>
+                  <a:schemeClr val="tx1">
+                    <a:lumMod val="75000"/>
+                    <a:lumOff val="25000"/>
+                  </a:schemeClr>
+                </a:solidFill>
+                <a:latin typeface="+mn-lt"/>
+                <a:ea typeface="+mn-ea"/>
+                <a:cs typeface="+mn-cs"/>
+              </a:defRPr>
+            </a:lvl4pPr>
+            <a:lvl5pPr marL="2057400" indent="-228600" algn="l" defTabSz="457200" rtl="0" eaLnBrk="1" latinLnBrk="0" hangingPunct="1">
+              <a:spcBef>
+                <a:spcPts val="1000"/>
+              </a:spcBef>
+              <a:spcAft>
+                <a:spcPts val="0"/>
+              </a:spcAft>
+              <a:buClr>
+                <a:schemeClr val="accent1"/>
+              </a:buClr>
+              <a:buFont typeface="Wingdings 3" charset="2"/>
+              <a:buChar char=""/>
+              <a:defRPr sz="1200" kern="1200">
+                <a:solidFill>
+                  <a:schemeClr val="tx1">
+                    <a:lumMod val="75000"/>
+                    <a:lumOff val="25000"/>
+                  </a:schemeClr>
+                </a:solidFill>
+                <a:latin typeface="+mn-lt"/>
+                <a:ea typeface="+mn-ea"/>
+                <a:cs typeface="+mn-cs"/>
+              </a:defRPr>
+            </a:lvl5pPr>
+            <a:lvl6pPr marL="2514600" indent="-228600" algn="l" defTabSz="457200" rtl="0" eaLnBrk="1" latinLnBrk="0" hangingPunct="1">
+              <a:spcBef>
+                <a:spcPts val="1000"/>
+              </a:spcBef>
+              <a:spcAft>
+                <a:spcPts val="0"/>
+              </a:spcAft>
+              <a:buClr>
+                <a:schemeClr val="accent1"/>
+              </a:buClr>
+              <a:buFont typeface="Wingdings 3" charset="2"/>
+              <a:buChar char=""/>
+              <a:defRPr sz="1200" kern="1200">
+                <a:solidFill>
+                  <a:schemeClr val="tx1">
+                    <a:lumMod val="75000"/>
+                    <a:lumOff val="25000"/>
+                  </a:schemeClr>
+                </a:solidFill>
+                <a:latin typeface="+mn-lt"/>
+                <a:ea typeface="+mn-ea"/>
+                <a:cs typeface="+mn-cs"/>
+              </a:defRPr>
+            </a:lvl6pPr>
+            <a:lvl7pPr marL="2971800" indent="-228600" algn="l" defTabSz="457200" rtl="0" eaLnBrk="1" latinLnBrk="0" hangingPunct="1">
+              <a:spcBef>
+                <a:spcPts val="1000"/>
+              </a:spcBef>
+              <a:spcAft>
+                <a:spcPts val="0"/>
+              </a:spcAft>
+              <a:buClr>
+                <a:schemeClr val="accent1"/>
+              </a:buClr>
+              <a:buFont typeface="Wingdings 3" charset="2"/>
+              <a:buChar char=""/>
+              <a:defRPr sz="1200" kern="1200">
+                <a:solidFill>
+                  <a:schemeClr val="tx1">
+                    <a:lumMod val="75000"/>
+                    <a:lumOff val="25000"/>
+                  </a:schemeClr>
+                </a:solidFill>
+                <a:latin typeface="+mn-lt"/>
+                <a:ea typeface="+mn-ea"/>
+                <a:cs typeface="+mn-cs"/>
+              </a:defRPr>
+            </a:lvl7pPr>
+            <a:lvl8pPr marL="3429000" indent="-228600" algn="l" defTabSz="457200" rtl="0" eaLnBrk="1" latinLnBrk="0" hangingPunct="1">
+              <a:spcBef>
+                <a:spcPts val="1000"/>
+              </a:spcBef>
+              <a:spcAft>
+                <a:spcPts val="0"/>
+              </a:spcAft>
+              <a:buClr>
+                <a:schemeClr val="accent1"/>
+              </a:buClr>
+              <a:buFont typeface="Wingdings 3" charset="2"/>
+              <a:buChar char=""/>
+              <a:defRPr sz="1200" kern="1200">
+                <a:solidFill>
+                  <a:schemeClr val="tx1">
+                    <a:lumMod val="75000"/>
+                    <a:lumOff val="25000"/>
+                  </a:schemeClr>
+                </a:solidFill>
+                <a:latin typeface="+mn-lt"/>
+                <a:ea typeface="+mn-ea"/>
+                <a:cs typeface="+mn-cs"/>
+              </a:defRPr>
+            </a:lvl8pPr>
+            <a:lvl9pPr marL="3886200" indent="-228600" algn="l" defTabSz="457200" rtl="0" eaLnBrk="1" latinLnBrk="0" hangingPunct="1">
+              <a:spcBef>
+                <a:spcPts val="1000"/>
+              </a:spcBef>
+              <a:spcAft>
+                <a:spcPts val="0"/>
+              </a:spcAft>
+              <a:buClr>
+                <a:schemeClr val="accent1"/>
+              </a:buClr>
+              <a:buFont typeface="Wingdings 3" charset="2"/>
+              <a:buChar char=""/>
+              <a:defRPr sz="1200" kern="1200">
+                <a:solidFill>
+                  <a:schemeClr val="tx1">
+                    <a:lumMod val="75000"/>
+                    <a:lumOff val="25000"/>
+                  </a:schemeClr>
+                </a:solidFill>
+                <a:latin typeface="+mn-lt"/>
+                <a:ea typeface="+mn-ea"/>
+                <a:cs typeface="+mn-cs"/>
+              </a:defRPr>
+            </a:lvl9pPr>
+          </a:lstStyle>
+          <a:p>
+            <a:pPr algn="just"/>
+            <a:r>
+              <a:rPr lang="es-GT" sz="2200" dirty="0"/>
+              <a:t>Objetivo:</a:t>
+            </a:r>
+          </a:p>
+          <a:p>
+            <a:pPr lvl="1" algn="just">
+              <a:buFont typeface="Wingdings" panose="05000000000000000000" pitchFamily="2" charset="2"/>
+              <a:buChar char="q"/>
+            </a:pPr>
+            <a:r>
+              <a:rPr lang="es-GT" sz="2200" dirty="0"/>
+              <a:t>Predecir costo</a:t>
+            </a:r>
+          </a:p>
+        </p:txBody>
+      </p:sp>
+      <p:sp>
+        <p:nvSpPr>
+          <p:cNvPr id="12" name="Retos">
+            <a:extLst>
+              <a:ext uri="{FF2B5EF4-FFF2-40B4-BE49-F238E27FC236}">
+                <a16:creationId xmlns:a16="http://schemas.microsoft.com/office/drawing/2014/main" id="{A69DFE94-7719-498C-A202-11801DBA2534}"/>
+              </a:ext>
+            </a:extLst>
+          </p:cNvPr>
+          <p:cNvSpPr txBox="1">
+            <a:spLocks/>
+          </p:cNvSpPr>
+          <p:nvPr/>
+        </p:nvSpPr>
+        <p:spPr>
+          <a:xfrm>
+            <a:off x="2592925" y="3429000"/>
+            <a:ext cx="5836700" cy="2114550"/>
+          </a:xfrm>
+          <a:prstGeom prst="rect">
+            <a:avLst/>
+          </a:prstGeom>
+        </p:spPr>
+        <p:txBody>
+          <a:bodyPr vert="horz" lIns="91440" tIns="45720" rIns="91440" bIns="45720" rtlCol="0">
+            <a:noAutofit/>
+          </a:bodyPr>
+          <a:lstStyle>
+            <a:lvl1pPr marL="342900" indent="-342900" algn="l" defTabSz="457200" rtl="0" eaLnBrk="1" latinLnBrk="0" hangingPunct="1">
+              <a:spcBef>
+                <a:spcPts val="1000"/>
+              </a:spcBef>
+              <a:spcAft>
+                <a:spcPts val="0"/>
+              </a:spcAft>
+              <a:buClr>
+                <a:schemeClr val="accent1"/>
+              </a:buClr>
+              <a:buFont typeface="Wingdings 3" charset="2"/>
+              <a:buChar char=""/>
+              <a:defRPr sz="1800" kern="1200">
+                <a:solidFill>
+                  <a:schemeClr val="tx1">
+                    <a:lumMod val="75000"/>
+                    <a:lumOff val="25000"/>
+                  </a:schemeClr>
+                </a:solidFill>
+                <a:latin typeface="+mn-lt"/>
+                <a:ea typeface="+mn-ea"/>
+                <a:cs typeface="+mn-cs"/>
+              </a:defRPr>
+            </a:lvl1pPr>
+            <a:lvl2pPr marL="742950" indent="-285750" algn="l" defTabSz="457200" rtl="0" eaLnBrk="1" latinLnBrk="0" hangingPunct="1">
+              <a:spcBef>
+                <a:spcPts val="1000"/>
+              </a:spcBef>
+              <a:spcAft>
+                <a:spcPts val="0"/>
+              </a:spcAft>
+              <a:buClr>
+                <a:schemeClr val="accent1"/>
+              </a:buClr>
+              <a:buFont typeface="Wingdings 3" charset="2"/>
+              <a:buChar char=""/>
+              <a:defRPr sz="1600" kern="1200">
+                <a:solidFill>
+                  <a:schemeClr val="tx1">
+                    <a:lumMod val="75000"/>
+                    <a:lumOff val="25000"/>
+                  </a:schemeClr>
+                </a:solidFill>
+                <a:latin typeface="+mn-lt"/>
+                <a:ea typeface="+mn-ea"/>
+                <a:cs typeface="+mn-cs"/>
+              </a:defRPr>
+            </a:lvl2pPr>
+            <a:lvl3pPr marL="1143000" indent="-228600" algn="l" defTabSz="457200" rtl="0" eaLnBrk="1" latinLnBrk="0" hangingPunct="1">
+              <a:spcBef>
+                <a:spcPts val="1000"/>
+              </a:spcBef>
+              <a:spcAft>
+                <a:spcPts val="0"/>
+              </a:spcAft>
+              <a:buClr>
+                <a:schemeClr val="accent1"/>
+              </a:buClr>
+              <a:buFont typeface="Wingdings 3" charset="2"/>
+              <a:buChar char=""/>
+              <a:defRPr sz="1400" kern="1200">
+                <a:solidFill>
+                  <a:schemeClr val="tx1">
+                    <a:lumMod val="75000"/>
+                    <a:lumOff val="25000"/>
+                  </a:schemeClr>
+                </a:solidFill>
+                <a:latin typeface="+mn-lt"/>
+                <a:ea typeface="+mn-ea"/>
+                <a:cs typeface="+mn-cs"/>
+              </a:defRPr>
+            </a:lvl3pPr>
+            <a:lvl4pPr marL="1600200" indent="-228600" algn="l" defTabSz="457200" rtl="0" eaLnBrk="1" latinLnBrk="0" hangingPunct="1">
+              <a:spcBef>
+                <a:spcPts val="1000"/>
+              </a:spcBef>
+              <a:spcAft>
+                <a:spcPts val="0"/>
+              </a:spcAft>
+              <a:buClr>
+                <a:schemeClr val="accent1"/>
+              </a:buClr>
+              <a:buFont typeface="Wingdings 3" charset="2"/>
+              <a:buChar char=""/>
+              <a:defRPr sz="1200" kern="1200">
+                <a:solidFill>
+                  <a:schemeClr val="tx1">
+                    <a:lumMod val="75000"/>
+                    <a:lumOff val="25000"/>
+                  </a:schemeClr>
+                </a:solidFill>
+                <a:latin typeface="+mn-lt"/>
+                <a:ea typeface="+mn-ea"/>
+                <a:cs typeface="+mn-cs"/>
+              </a:defRPr>
+            </a:lvl4pPr>
+            <a:lvl5pPr marL="2057400" indent="-228600" algn="l" defTabSz="457200" rtl="0" eaLnBrk="1" latinLnBrk="0" hangingPunct="1">
+              <a:spcBef>
+                <a:spcPts val="1000"/>
+              </a:spcBef>
+              <a:spcAft>
+                <a:spcPts val="0"/>
+              </a:spcAft>
+              <a:buClr>
+                <a:schemeClr val="accent1"/>
+              </a:buClr>
+              <a:buFont typeface="Wingdings 3" charset="2"/>
+              <a:buChar char=""/>
+              <a:defRPr sz="1200" kern="1200">
+                <a:solidFill>
+                  <a:schemeClr val="tx1">
+                    <a:lumMod val="75000"/>
+                    <a:lumOff val="25000"/>
+                  </a:schemeClr>
+                </a:solidFill>
+                <a:latin typeface="+mn-lt"/>
+                <a:ea typeface="+mn-ea"/>
+                <a:cs typeface="+mn-cs"/>
+              </a:defRPr>
+            </a:lvl5pPr>
+            <a:lvl6pPr marL="2514600" indent="-228600" algn="l" defTabSz="457200" rtl="0" eaLnBrk="1" latinLnBrk="0" hangingPunct="1">
+              <a:spcBef>
+                <a:spcPts val="1000"/>
+              </a:spcBef>
+              <a:spcAft>
+                <a:spcPts val="0"/>
+              </a:spcAft>
+              <a:buClr>
+                <a:schemeClr val="accent1"/>
+              </a:buClr>
+              <a:buFont typeface="Wingdings 3" charset="2"/>
+              <a:buChar char=""/>
+              <a:defRPr sz="1200" kern="1200">
+                <a:solidFill>
+                  <a:schemeClr val="tx1">
+                    <a:lumMod val="75000"/>
+                    <a:lumOff val="25000"/>
+                  </a:schemeClr>
+                </a:solidFill>
+                <a:latin typeface="+mn-lt"/>
+                <a:ea typeface="+mn-ea"/>
+                <a:cs typeface="+mn-cs"/>
+              </a:defRPr>
+            </a:lvl6pPr>
+            <a:lvl7pPr marL="2971800" indent="-228600" algn="l" defTabSz="457200" rtl="0" eaLnBrk="1" latinLnBrk="0" hangingPunct="1">
+              <a:spcBef>
+                <a:spcPts val="1000"/>
+              </a:spcBef>
+              <a:spcAft>
+                <a:spcPts val="0"/>
+              </a:spcAft>
+              <a:buClr>
+                <a:schemeClr val="accent1"/>
+              </a:buClr>
+              <a:buFont typeface="Wingdings 3" charset="2"/>
+              <a:buChar char=""/>
+              <a:defRPr sz="1200" kern="1200">
+                <a:solidFill>
+                  <a:schemeClr val="tx1">
+                    <a:lumMod val="75000"/>
+                    <a:lumOff val="25000"/>
+                  </a:schemeClr>
+                </a:solidFill>
+                <a:latin typeface="+mn-lt"/>
+                <a:ea typeface="+mn-ea"/>
+                <a:cs typeface="+mn-cs"/>
+              </a:defRPr>
+            </a:lvl7pPr>
+            <a:lvl8pPr marL="3429000" indent="-228600" algn="l" defTabSz="457200" rtl="0" eaLnBrk="1" latinLnBrk="0" hangingPunct="1">
+              <a:spcBef>
+                <a:spcPts val="1000"/>
+              </a:spcBef>
+              <a:spcAft>
+                <a:spcPts val="0"/>
+              </a:spcAft>
+              <a:buClr>
+                <a:schemeClr val="accent1"/>
+              </a:buClr>
+              <a:buFont typeface="Wingdings 3" charset="2"/>
+              <a:buChar char=""/>
+              <a:defRPr sz="1200" kern="1200">
+                <a:solidFill>
+                  <a:schemeClr val="tx1">
+                    <a:lumMod val="75000"/>
+                    <a:lumOff val="25000"/>
+                  </a:schemeClr>
+                </a:solidFill>
+                <a:latin typeface="+mn-lt"/>
+                <a:ea typeface="+mn-ea"/>
+                <a:cs typeface="+mn-cs"/>
+              </a:defRPr>
+            </a:lvl8pPr>
+            <a:lvl9pPr marL="3886200" indent="-228600" algn="l" defTabSz="457200" rtl="0" eaLnBrk="1" latinLnBrk="0" hangingPunct="1">
+              <a:spcBef>
+                <a:spcPts val="1000"/>
+              </a:spcBef>
+              <a:spcAft>
+                <a:spcPts val="0"/>
+              </a:spcAft>
+              <a:buClr>
+                <a:schemeClr val="accent1"/>
+              </a:buClr>
+              <a:buFont typeface="Wingdings 3" charset="2"/>
+              <a:buChar char=""/>
+              <a:defRPr sz="1200" kern="1200">
+                <a:solidFill>
+                  <a:schemeClr val="tx1">
+                    <a:lumMod val="75000"/>
+                    <a:lumOff val="25000"/>
+                  </a:schemeClr>
+                </a:solidFill>
+                <a:latin typeface="+mn-lt"/>
+                <a:ea typeface="+mn-ea"/>
+                <a:cs typeface="+mn-cs"/>
+              </a:defRPr>
+            </a:lvl9pPr>
+          </a:lstStyle>
+          <a:p>
+            <a:pPr algn="just"/>
+            <a:r>
+              <a:rPr lang="es-GT" sz="2200" dirty="0"/>
+              <a:t>Retos:</a:t>
+            </a:r>
+          </a:p>
+          <a:p>
+            <a:pPr lvl="1" algn="just">
+              <a:buFont typeface="Wingdings" panose="05000000000000000000" pitchFamily="2" charset="2"/>
+              <a:buChar char="q"/>
+            </a:pPr>
+            <a:r>
+              <a:rPr lang="es-GT" sz="2200" dirty="0"/>
+              <a:t>Conocimiento</a:t>
+            </a:r>
+          </a:p>
+          <a:p>
+            <a:pPr lvl="1" algn="just">
+              <a:buFont typeface="Wingdings" panose="05000000000000000000" pitchFamily="2" charset="2"/>
+              <a:buChar char="q"/>
+            </a:pPr>
+            <a:r>
+              <a:rPr lang="es-GT" sz="2200" dirty="0"/>
+              <a:t>Competencia</a:t>
+            </a:r>
+          </a:p>
+          <a:p>
+            <a:pPr lvl="1" algn="just">
+              <a:buFont typeface="Wingdings" panose="05000000000000000000" pitchFamily="2" charset="2"/>
+              <a:buChar char="q"/>
+            </a:pPr>
+            <a:r>
+              <a:rPr lang="es-GT" sz="2200" dirty="0"/>
+              <a:t>Equipo</a:t>
             </a:r>
           </a:p>
         </p:txBody>
@@ -11193,6 +14309,1307 @@
   <p:clrMapOvr>
     <a:masterClrMapping/>
   </p:clrMapOvr>
+  <p:timing>
+    <p:tnLst>
+      <p:par>
+        <p:cTn id="1" dur="indefinite" restart="never" nodeType="tmRoot">
+          <p:childTnLst>
+            <p:seq concurrent="1" nextAc="seek">
+              <p:cTn id="2" dur="indefinite" nodeType="mainSeq">
+                <p:childTnLst>
+                  <p:par>
+                    <p:cTn id="3" fill="hold">
+                      <p:stCondLst>
+                        <p:cond delay="indefinite"/>
+                      </p:stCondLst>
+                      <p:childTnLst>
+                        <p:par>
+                          <p:cTn id="4" fill="hold">
+                            <p:stCondLst>
+                              <p:cond delay="0"/>
+                            </p:stCondLst>
+                            <p:childTnLst>
+                              <p:par>
+                                <p:cTn id="5" presetID="10" presetClass="entr" presetSubtype="0" fill="hold" grpId="0" nodeType="clickEffect">
+                                  <p:stCondLst>
+                                    <p:cond delay="0"/>
+                                  </p:stCondLst>
+                                  <p:childTnLst>
+                                    <p:set>
+                                      <p:cBhvr>
+                                        <p:cTn id="6" dur="1" fill="hold">
+                                          <p:stCondLst>
+                                            <p:cond delay="0"/>
+                                          </p:stCondLst>
+                                        </p:cTn>
+                                        <p:tgtEl>
+                                          <p:spTgt spid="3">
+                                            <p:txEl>
+                                              <p:pRg st="0" end="0"/>
+                                            </p:txEl>
+                                          </p:spTgt>
+                                        </p:tgtEl>
+                                        <p:attrNameLst>
+                                          <p:attrName>style.visibility</p:attrName>
+                                        </p:attrNameLst>
+                                      </p:cBhvr>
+                                      <p:to>
+                                        <p:strVal val="visible"/>
+                                      </p:to>
+                                    </p:set>
+                                    <p:animEffect transition="in" filter="fade">
+                                      <p:cBhvr>
+                                        <p:cTn id="7" dur="500"/>
+                                        <p:tgtEl>
+                                          <p:spTgt spid="3">
+                                            <p:txEl>
+                                              <p:pRg st="0" end="0"/>
+                                            </p:txEl>
+                                          </p:spTgt>
+                                        </p:tgtEl>
+                                      </p:cBhvr>
+                                    </p:animEffect>
+                                  </p:childTnLst>
+                                </p:cTn>
+                              </p:par>
+                            </p:childTnLst>
+                          </p:cTn>
+                        </p:par>
+                      </p:childTnLst>
+                    </p:cTn>
+                  </p:par>
+                  <p:par>
+                    <p:cTn id="8" fill="hold">
+                      <p:stCondLst>
+                        <p:cond delay="indefinite"/>
+                      </p:stCondLst>
+                      <p:childTnLst>
+                        <p:par>
+                          <p:cTn id="9" fill="hold">
+                            <p:stCondLst>
+                              <p:cond delay="0"/>
+                            </p:stCondLst>
+                            <p:childTnLst>
+                              <p:par>
+                                <p:cTn id="10" presetID="10" presetClass="entr" presetSubtype="0" fill="hold" grpId="0" nodeType="clickEffect">
+                                  <p:stCondLst>
+                                    <p:cond delay="0"/>
+                                  </p:stCondLst>
+                                  <p:childTnLst>
+                                    <p:set>
+                                      <p:cBhvr>
+                                        <p:cTn id="11" dur="1" fill="hold">
+                                          <p:stCondLst>
+                                            <p:cond delay="0"/>
+                                          </p:stCondLst>
+                                        </p:cTn>
+                                        <p:tgtEl>
+                                          <p:spTgt spid="3">
+                                            <p:txEl>
+                                              <p:pRg st="1" end="1"/>
+                                            </p:txEl>
+                                          </p:spTgt>
+                                        </p:tgtEl>
+                                        <p:attrNameLst>
+                                          <p:attrName>style.visibility</p:attrName>
+                                        </p:attrNameLst>
+                                      </p:cBhvr>
+                                      <p:to>
+                                        <p:strVal val="visible"/>
+                                      </p:to>
+                                    </p:set>
+                                    <p:animEffect transition="in" filter="fade">
+                                      <p:cBhvr>
+                                        <p:cTn id="12" dur="500"/>
+                                        <p:tgtEl>
+                                          <p:spTgt spid="3">
+                                            <p:txEl>
+                                              <p:pRg st="1" end="1"/>
+                                            </p:txEl>
+                                          </p:spTgt>
+                                        </p:tgtEl>
+                                      </p:cBhvr>
+                                    </p:animEffect>
+                                  </p:childTnLst>
+                                </p:cTn>
+                              </p:par>
+                              <p:par>
+                                <p:cTn id="13" presetID="26" presetClass="entr" presetSubtype="0" fill="hold" nodeType="withEffect">
+                                  <p:stCondLst>
+                                    <p:cond delay="0"/>
+                                  </p:stCondLst>
+                                  <p:childTnLst>
+                                    <p:set>
+                                      <p:cBhvr>
+                                        <p:cTn id="14" dur="1" fill="hold">
+                                          <p:stCondLst>
+                                            <p:cond delay="0"/>
+                                          </p:stCondLst>
+                                        </p:cTn>
+                                        <p:tgtEl>
+                                          <p:spTgt spid="9"/>
+                                        </p:tgtEl>
+                                        <p:attrNameLst>
+                                          <p:attrName>style.visibility</p:attrName>
+                                        </p:attrNameLst>
+                                      </p:cBhvr>
+                                      <p:to>
+                                        <p:strVal val="visible"/>
+                                      </p:to>
+                                    </p:set>
+                                    <p:animEffect transition="in" filter="wipe(down)">
+                                      <p:cBhvr>
+                                        <p:cTn id="15" dur="580">
+                                          <p:stCondLst>
+                                            <p:cond delay="0"/>
+                                          </p:stCondLst>
+                                        </p:cTn>
+                                        <p:tgtEl>
+                                          <p:spTgt spid="9"/>
+                                        </p:tgtEl>
+                                      </p:cBhvr>
+                                    </p:animEffect>
+                                    <p:anim calcmode="lin" valueType="num">
+                                      <p:cBhvr>
+                                        <p:cTn id="16" dur="1822" tmFilter="0,0; 0.14,0.36; 0.43,0.73; 0.71,0.91; 1.0,1.0">
+                                          <p:stCondLst>
+                                            <p:cond delay="0"/>
+                                          </p:stCondLst>
+                                        </p:cTn>
+                                        <p:tgtEl>
+                                          <p:spTgt spid="9"/>
+                                        </p:tgtEl>
+                                        <p:attrNameLst>
+                                          <p:attrName>ppt_x</p:attrName>
+                                        </p:attrNameLst>
+                                      </p:cBhvr>
+                                      <p:tavLst>
+                                        <p:tav tm="0">
+                                          <p:val>
+                                            <p:strVal val="#ppt_x-0.25"/>
+                                          </p:val>
+                                        </p:tav>
+                                        <p:tav tm="100000">
+                                          <p:val>
+                                            <p:strVal val="#ppt_x"/>
+                                          </p:val>
+                                        </p:tav>
+                                      </p:tavLst>
+                                    </p:anim>
+                                    <p:anim calcmode="lin" valueType="num">
+                                      <p:cBhvr>
+                                        <p:cTn id="17" dur="664" tmFilter="0.0,0.0; 0.25,0.07; 0.50,0.2; 0.75,0.467; 1.0,1.0">
+                                          <p:stCondLst>
+                                            <p:cond delay="0"/>
+                                          </p:stCondLst>
+                                        </p:cTn>
+                                        <p:tgtEl>
+                                          <p:spTgt spid="9"/>
+                                        </p:tgtEl>
+                                        <p:attrNameLst>
+                                          <p:attrName>ppt_y</p:attrName>
+                                        </p:attrNameLst>
+                                      </p:cBhvr>
+                                      <p:tavLst>
+                                        <p:tav tm="0" fmla="#ppt_y-sin(pi*$)/3">
+                                          <p:val>
+                                            <p:fltVal val="0.5"/>
+                                          </p:val>
+                                        </p:tav>
+                                        <p:tav tm="100000">
+                                          <p:val>
+                                            <p:fltVal val="1"/>
+                                          </p:val>
+                                        </p:tav>
+                                      </p:tavLst>
+                                    </p:anim>
+                                    <p:anim calcmode="lin" valueType="num">
+                                      <p:cBhvr>
+                                        <p:cTn id="18" dur="664" tmFilter="0, 0; 0.125,0.2665; 0.25,0.4; 0.375,0.465; 0.5,0.5;  0.625,0.535; 0.75,0.6; 0.875,0.7335; 1,1">
+                                          <p:stCondLst>
+                                            <p:cond delay="664"/>
+                                          </p:stCondLst>
+                                        </p:cTn>
+                                        <p:tgtEl>
+                                          <p:spTgt spid="9"/>
+                                        </p:tgtEl>
+                                        <p:attrNameLst>
+                                          <p:attrName>ppt_y</p:attrName>
+                                        </p:attrNameLst>
+                                      </p:cBhvr>
+                                      <p:tavLst>
+                                        <p:tav tm="0" fmla="#ppt_y-sin(pi*$)/9">
+                                          <p:val>
+                                            <p:fltVal val="0"/>
+                                          </p:val>
+                                        </p:tav>
+                                        <p:tav tm="100000">
+                                          <p:val>
+                                            <p:fltVal val="1"/>
+                                          </p:val>
+                                        </p:tav>
+                                      </p:tavLst>
+                                    </p:anim>
+                                    <p:anim calcmode="lin" valueType="num">
+                                      <p:cBhvr>
+                                        <p:cTn id="19" dur="332" tmFilter="0, 0; 0.125,0.2665; 0.25,0.4; 0.375,0.465; 0.5,0.5;  0.625,0.535; 0.75,0.6; 0.875,0.7335; 1,1">
+                                          <p:stCondLst>
+                                            <p:cond delay="1324"/>
+                                          </p:stCondLst>
+                                        </p:cTn>
+                                        <p:tgtEl>
+                                          <p:spTgt spid="9"/>
+                                        </p:tgtEl>
+                                        <p:attrNameLst>
+                                          <p:attrName>ppt_y</p:attrName>
+                                        </p:attrNameLst>
+                                      </p:cBhvr>
+                                      <p:tavLst>
+                                        <p:tav tm="0" fmla="#ppt_y-sin(pi*$)/27">
+                                          <p:val>
+                                            <p:fltVal val="0"/>
+                                          </p:val>
+                                        </p:tav>
+                                        <p:tav tm="100000">
+                                          <p:val>
+                                            <p:fltVal val="1"/>
+                                          </p:val>
+                                        </p:tav>
+                                      </p:tavLst>
+                                    </p:anim>
+                                    <p:anim calcmode="lin" valueType="num">
+                                      <p:cBhvr>
+                                        <p:cTn id="20" dur="164" tmFilter="0, 0; 0.125,0.2665; 0.25,0.4; 0.375,0.465; 0.5,0.5;  0.625,0.535; 0.75,0.6; 0.875,0.7335; 1,1">
+                                          <p:stCondLst>
+                                            <p:cond delay="1656"/>
+                                          </p:stCondLst>
+                                        </p:cTn>
+                                        <p:tgtEl>
+                                          <p:spTgt spid="9"/>
+                                        </p:tgtEl>
+                                        <p:attrNameLst>
+                                          <p:attrName>ppt_y</p:attrName>
+                                        </p:attrNameLst>
+                                      </p:cBhvr>
+                                      <p:tavLst>
+                                        <p:tav tm="0" fmla="#ppt_y-sin(pi*$)/81">
+                                          <p:val>
+                                            <p:fltVal val="0"/>
+                                          </p:val>
+                                        </p:tav>
+                                        <p:tav tm="100000">
+                                          <p:val>
+                                            <p:fltVal val="1"/>
+                                          </p:val>
+                                        </p:tav>
+                                      </p:tavLst>
+                                    </p:anim>
+                                    <p:animScale>
+                                      <p:cBhvr>
+                                        <p:cTn id="21" dur="26">
+                                          <p:stCondLst>
+                                            <p:cond delay="650"/>
+                                          </p:stCondLst>
+                                        </p:cTn>
+                                        <p:tgtEl>
+                                          <p:spTgt spid="9"/>
+                                        </p:tgtEl>
+                                      </p:cBhvr>
+                                      <p:to x="100000" y="60000"/>
+                                    </p:animScale>
+                                    <p:animScale>
+                                      <p:cBhvr>
+                                        <p:cTn id="22" dur="166" decel="50000">
+                                          <p:stCondLst>
+                                            <p:cond delay="676"/>
+                                          </p:stCondLst>
+                                        </p:cTn>
+                                        <p:tgtEl>
+                                          <p:spTgt spid="9"/>
+                                        </p:tgtEl>
+                                      </p:cBhvr>
+                                      <p:to x="100000" y="100000"/>
+                                    </p:animScale>
+                                    <p:animScale>
+                                      <p:cBhvr>
+                                        <p:cTn id="23" dur="26">
+                                          <p:stCondLst>
+                                            <p:cond delay="1312"/>
+                                          </p:stCondLst>
+                                        </p:cTn>
+                                        <p:tgtEl>
+                                          <p:spTgt spid="9"/>
+                                        </p:tgtEl>
+                                      </p:cBhvr>
+                                      <p:to x="100000" y="80000"/>
+                                    </p:animScale>
+                                    <p:animScale>
+                                      <p:cBhvr>
+                                        <p:cTn id="24" dur="166" decel="50000">
+                                          <p:stCondLst>
+                                            <p:cond delay="1338"/>
+                                          </p:stCondLst>
+                                        </p:cTn>
+                                        <p:tgtEl>
+                                          <p:spTgt spid="9"/>
+                                        </p:tgtEl>
+                                      </p:cBhvr>
+                                      <p:to x="100000" y="100000"/>
+                                    </p:animScale>
+                                    <p:animScale>
+                                      <p:cBhvr>
+                                        <p:cTn id="25" dur="26">
+                                          <p:stCondLst>
+                                            <p:cond delay="1642"/>
+                                          </p:stCondLst>
+                                        </p:cTn>
+                                        <p:tgtEl>
+                                          <p:spTgt spid="9"/>
+                                        </p:tgtEl>
+                                      </p:cBhvr>
+                                      <p:to x="100000" y="90000"/>
+                                    </p:animScale>
+                                    <p:animScale>
+                                      <p:cBhvr>
+                                        <p:cTn id="26" dur="166" decel="50000">
+                                          <p:stCondLst>
+                                            <p:cond delay="1668"/>
+                                          </p:stCondLst>
+                                        </p:cTn>
+                                        <p:tgtEl>
+                                          <p:spTgt spid="9"/>
+                                        </p:tgtEl>
+                                      </p:cBhvr>
+                                      <p:to x="100000" y="100000"/>
+                                    </p:animScale>
+                                    <p:animScale>
+                                      <p:cBhvr>
+                                        <p:cTn id="27" dur="26">
+                                          <p:stCondLst>
+                                            <p:cond delay="1808"/>
+                                          </p:stCondLst>
+                                        </p:cTn>
+                                        <p:tgtEl>
+                                          <p:spTgt spid="9"/>
+                                        </p:tgtEl>
+                                      </p:cBhvr>
+                                      <p:to x="100000" y="95000"/>
+                                    </p:animScale>
+                                    <p:animScale>
+                                      <p:cBhvr>
+                                        <p:cTn id="28" dur="166" decel="50000">
+                                          <p:stCondLst>
+                                            <p:cond delay="1834"/>
+                                          </p:stCondLst>
+                                        </p:cTn>
+                                        <p:tgtEl>
+                                          <p:spTgt spid="9"/>
+                                        </p:tgtEl>
+                                      </p:cBhvr>
+                                      <p:to x="100000" y="100000"/>
+                                    </p:animScale>
+                                  </p:childTnLst>
+                                </p:cTn>
+                              </p:par>
+                            </p:childTnLst>
+                          </p:cTn>
+                        </p:par>
+                      </p:childTnLst>
+                    </p:cTn>
+                  </p:par>
+                  <p:par>
+                    <p:cTn id="29" fill="hold">
+                      <p:stCondLst>
+                        <p:cond delay="indefinite"/>
+                      </p:stCondLst>
+                      <p:childTnLst>
+                        <p:par>
+                          <p:cTn id="30" fill="hold">
+                            <p:stCondLst>
+                              <p:cond delay="0"/>
+                            </p:stCondLst>
+                            <p:childTnLst>
+                              <p:par>
+                                <p:cTn id="31" presetID="10" presetClass="entr" presetSubtype="0" fill="hold" grpId="0" nodeType="clickEffect">
+                                  <p:stCondLst>
+                                    <p:cond delay="0"/>
+                                  </p:stCondLst>
+                                  <p:childTnLst>
+                                    <p:set>
+                                      <p:cBhvr>
+                                        <p:cTn id="32" dur="1" fill="hold">
+                                          <p:stCondLst>
+                                            <p:cond delay="0"/>
+                                          </p:stCondLst>
+                                        </p:cTn>
+                                        <p:tgtEl>
+                                          <p:spTgt spid="3">
+                                            <p:txEl>
+                                              <p:pRg st="2" end="2"/>
+                                            </p:txEl>
+                                          </p:spTgt>
+                                        </p:tgtEl>
+                                        <p:attrNameLst>
+                                          <p:attrName>style.visibility</p:attrName>
+                                        </p:attrNameLst>
+                                      </p:cBhvr>
+                                      <p:to>
+                                        <p:strVal val="visible"/>
+                                      </p:to>
+                                    </p:set>
+                                    <p:animEffect transition="in" filter="fade">
+                                      <p:cBhvr>
+                                        <p:cTn id="33" dur="500"/>
+                                        <p:tgtEl>
+                                          <p:spTgt spid="3">
+                                            <p:txEl>
+                                              <p:pRg st="2" end="2"/>
+                                            </p:txEl>
+                                          </p:spTgt>
+                                        </p:tgtEl>
+                                      </p:cBhvr>
+                                    </p:animEffect>
+                                  </p:childTnLst>
+                                </p:cTn>
+                              </p:par>
+                            </p:childTnLst>
+                          </p:cTn>
+                        </p:par>
+                      </p:childTnLst>
+                    </p:cTn>
+                  </p:par>
+                  <p:par>
+                    <p:cTn id="34" fill="hold">
+                      <p:stCondLst>
+                        <p:cond delay="indefinite"/>
+                      </p:stCondLst>
+                      <p:childTnLst>
+                        <p:par>
+                          <p:cTn id="35" fill="hold">
+                            <p:stCondLst>
+                              <p:cond delay="0"/>
+                            </p:stCondLst>
+                            <p:childTnLst>
+                              <p:par>
+                                <p:cTn id="36" presetID="10" presetClass="entr" presetSubtype="0" fill="hold" grpId="0" nodeType="clickEffect">
+                                  <p:stCondLst>
+                                    <p:cond delay="0"/>
+                                  </p:stCondLst>
+                                  <p:childTnLst>
+                                    <p:set>
+                                      <p:cBhvr>
+                                        <p:cTn id="37" dur="1" fill="hold">
+                                          <p:stCondLst>
+                                            <p:cond delay="0"/>
+                                          </p:stCondLst>
+                                        </p:cTn>
+                                        <p:tgtEl>
+                                          <p:spTgt spid="3">
+                                            <p:txEl>
+                                              <p:pRg st="3" end="3"/>
+                                            </p:txEl>
+                                          </p:spTgt>
+                                        </p:tgtEl>
+                                        <p:attrNameLst>
+                                          <p:attrName>style.visibility</p:attrName>
+                                        </p:attrNameLst>
+                                      </p:cBhvr>
+                                      <p:to>
+                                        <p:strVal val="visible"/>
+                                      </p:to>
+                                    </p:set>
+                                    <p:animEffect transition="in" filter="fade">
+                                      <p:cBhvr>
+                                        <p:cTn id="38" dur="500"/>
+                                        <p:tgtEl>
+                                          <p:spTgt spid="3">
+                                            <p:txEl>
+                                              <p:pRg st="3" end="3"/>
+                                            </p:txEl>
+                                          </p:spTgt>
+                                        </p:tgtEl>
+                                      </p:cBhvr>
+                                    </p:animEffect>
+                                  </p:childTnLst>
+                                </p:cTn>
+                              </p:par>
+                            </p:childTnLst>
+                          </p:cTn>
+                        </p:par>
+                      </p:childTnLst>
+                    </p:cTn>
+                  </p:par>
+                  <p:par>
+                    <p:cTn id="39" fill="hold">
+                      <p:stCondLst>
+                        <p:cond delay="indefinite"/>
+                      </p:stCondLst>
+                      <p:childTnLst>
+                        <p:par>
+                          <p:cTn id="40" fill="hold">
+                            <p:stCondLst>
+                              <p:cond delay="0"/>
+                            </p:stCondLst>
+                            <p:childTnLst>
+                              <p:par>
+                                <p:cTn id="41" presetID="10" presetClass="entr" presetSubtype="0" fill="hold" grpId="0" nodeType="clickEffect">
+                                  <p:stCondLst>
+                                    <p:cond delay="0"/>
+                                  </p:stCondLst>
+                                  <p:childTnLst>
+                                    <p:set>
+                                      <p:cBhvr>
+                                        <p:cTn id="42" dur="1" fill="hold">
+                                          <p:stCondLst>
+                                            <p:cond delay="0"/>
+                                          </p:stCondLst>
+                                        </p:cTn>
+                                        <p:tgtEl>
+                                          <p:spTgt spid="3">
+                                            <p:txEl>
+                                              <p:pRg st="4" end="4"/>
+                                            </p:txEl>
+                                          </p:spTgt>
+                                        </p:tgtEl>
+                                        <p:attrNameLst>
+                                          <p:attrName>style.visibility</p:attrName>
+                                        </p:attrNameLst>
+                                      </p:cBhvr>
+                                      <p:to>
+                                        <p:strVal val="visible"/>
+                                      </p:to>
+                                    </p:set>
+                                    <p:animEffect transition="in" filter="fade">
+                                      <p:cBhvr>
+                                        <p:cTn id="43" dur="500"/>
+                                        <p:tgtEl>
+                                          <p:spTgt spid="3">
+                                            <p:txEl>
+                                              <p:pRg st="4" end="4"/>
+                                            </p:txEl>
+                                          </p:spTgt>
+                                        </p:tgtEl>
+                                      </p:cBhvr>
+                                    </p:animEffect>
+                                  </p:childTnLst>
+                                </p:cTn>
+                              </p:par>
+                            </p:childTnLst>
+                          </p:cTn>
+                        </p:par>
+                      </p:childTnLst>
+                    </p:cTn>
+                  </p:par>
+                  <p:par>
+                    <p:cTn id="44" fill="hold">
+                      <p:stCondLst>
+                        <p:cond delay="indefinite"/>
+                      </p:stCondLst>
+                      <p:childTnLst>
+                        <p:par>
+                          <p:cTn id="45" fill="hold">
+                            <p:stCondLst>
+                              <p:cond delay="0"/>
+                            </p:stCondLst>
+                            <p:childTnLst>
+                              <p:par>
+                                <p:cTn id="46" presetID="10" presetClass="entr" presetSubtype="0" fill="hold" grpId="0" nodeType="clickEffect">
+                                  <p:stCondLst>
+                                    <p:cond delay="0"/>
+                                  </p:stCondLst>
+                                  <p:childTnLst>
+                                    <p:set>
+                                      <p:cBhvr>
+                                        <p:cTn id="47" dur="1" fill="hold">
+                                          <p:stCondLst>
+                                            <p:cond delay="0"/>
+                                          </p:stCondLst>
+                                        </p:cTn>
+                                        <p:tgtEl>
+                                          <p:spTgt spid="3">
+                                            <p:txEl>
+                                              <p:pRg st="5" end="5"/>
+                                            </p:txEl>
+                                          </p:spTgt>
+                                        </p:tgtEl>
+                                        <p:attrNameLst>
+                                          <p:attrName>style.visibility</p:attrName>
+                                        </p:attrNameLst>
+                                      </p:cBhvr>
+                                      <p:to>
+                                        <p:strVal val="visible"/>
+                                      </p:to>
+                                    </p:set>
+                                    <p:animEffect transition="in" filter="fade">
+                                      <p:cBhvr>
+                                        <p:cTn id="48" dur="500"/>
+                                        <p:tgtEl>
+                                          <p:spTgt spid="3">
+                                            <p:txEl>
+                                              <p:pRg st="5" end="5"/>
+                                            </p:txEl>
+                                          </p:spTgt>
+                                        </p:tgtEl>
+                                      </p:cBhvr>
+                                    </p:animEffect>
+                                  </p:childTnLst>
+                                </p:cTn>
+                              </p:par>
+                              <p:par>
+                                <p:cTn id="49" presetID="21" presetClass="entr" presetSubtype="1" fill="hold" nodeType="withEffect">
+                                  <p:stCondLst>
+                                    <p:cond delay="0"/>
+                                  </p:stCondLst>
+                                  <p:childTnLst>
+                                    <p:set>
+                                      <p:cBhvr>
+                                        <p:cTn id="50" dur="1" fill="hold">
+                                          <p:stCondLst>
+                                            <p:cond delay="0"/>
+                                          </p:stCondLst>
+                                        </p:cTn>
+                                        <p:tgtEl>
+                                          <p:spTgt spid="7"/>
+                                        </p:tgtEl>
+                                        <p:attrNameLst>
+                                          <p:attrName>style.visibility</p:attrName>
+                                        </p:attrNameLst>
+                                      </p:cBhvr>
+                                      <p:to>
+                                        <p:strVal val="visible"/>
+                                      </p:to>
+                                    </p:set>
+                                    <p:animEffect transition="in" filter="wheel(1)">
+                                      <p:cBhvr>
+                                        <p:cTn id="51" dur="2000"/>
+                                        <p:tgtEl>
+                                          <p:spTgt spid="7"/>
+                                        </p:tgtEl>
+                                      </p:cBhvr>
+                                    </p:animEffect>
+                                  </p:childTnLst>
+                                </p:cTn>
+                              </p:par>
+                            </p:childTnLst>
+                          </p:cTn>
+                        </p:par>
+                      </p:childTnLst>
+                    </p:cTn>
+                  </p:par>
+                  <p:par>
+                    <p:cTn id="52" fill="hold">
+                      <p:stCondLst>
+                        <p:cond delay="indefinite"/>
+                      </p:stCondLst>
+                      <p:childTnLst>
+                        <p:par>
+                          <p:cTn id="53" fill="hold">
+                            <p:stCondLst>
+                              <p:cond delay="0"/>
+                            </p:stCondLst>
+                            <p:childTnLst>
+                              <p:par>
+                                <p:cTn id="54" presetID="10" presetClass="entr" presetSubtype="0" fill="hold" nodeType="clickEffect">
+                                  <p:stCondLst>
+                                    <p:cond delay="0"/>
+                                  </p:stCondLst>
+                                  <p:childTnLst>
+                                    <p:set>
+                                      <p:cBhvr>
+                                        <p:cTn id="55" dur="1" fill="hold">
+                                          <p:stCondLst>
+                                            <p:cond delay="0"/>
+                                          </p:stCondLst>
+                                        </p:cTn>
+                                        <p:tgtEl>
+                                          <p:spTgt spid="11">
+                                            <p:txEl>
+                                              <p:pRg st="0" end="0"/>
+                                            </p:txEl>
+                                          </p:spTgt>
+                                        </p:tgtEl>
+                                        <p:attrNameLst>
+                                          <p:attrName>style.visibility</p:attrName>
+                                        </p:attrNameLst>
+                                      </p:cBhvr>
+                                      <p:to>
+                                        <p:strVal val="visible"/>
+                                      </p:to>
+                                    </p:set>
+                                    <p:animEffect transition="in" filter="fade">
+                                      <p:cBhvr>
+                                        <p:cTn id="56" dur="500"/>
+                                        <p:tgtEl>
+                                          <p:spTgt spid="11">
+                                            <p:txEl>
+                                              <p:pRg st="0" end="0"/>
+                                            </p:txEl>
+                                          </p:spTgt>
+                                        </p:tgtEl>
+                                      </p:cBhvr>
+                                    </p:animEffect>
+                                  </p:childTnLst>
+                                </p:cTn>
+                              </p:par>
+                              <p:par>
+                                <p:cTn id="57" presetID="1" presetClass="exit" presetSubtype="0" fill="hold" grpId="1" nodeType="withEffect">
+                                  <p:stCondLst>
+                                    <p:cond delay="0"/>
+                                  </p:stCondLst>
+                                  <p:childTnLst>
+                                    <p:set>
+                                      <p:cBhvr>
+                                        <p:cTn id="58" dur="1" fill="hold">
+                                          <p:stCondLst>
+                                            <p:cond delay="0"/>
+                                          </p:stCondLst>
+                                        </p:cTn>
+                                        <p:tgtEl>
+                                          <p:spTgt spid="3">
+                                            <p:txEl>
+                                              <p:pRg st="0" end="0"/>
+                                            </p:txEl>
+                                          </p:spTgt>
+                                        </p:tgtEl>
+                                        <p:attrNameLst>
+                                          <p:attrName>style.visibility</p:attrName>
+                                        </p:attrNameLst>
+                                      </p:cBhvr>
+                                      <p:to>
+                                        <p:strVal val="hidden"/>
+                                      </p:to>
+                                    </p:set>
+                                  </p:childTnLst>
+                                </p:cTn>
+                              </p:par>
+                              <p:par>
+                                <p:cTn id="59" presetID="1" presetClass="exit" presetSubtype="0" fill="hold" grpId="1" nodeType="withEffect">
+                                  <p:stCondLst>
+                                    <p:cond delay="0"/>
+                                  </p:stCondLst>
+                                  <p:childTnLst>
+                                    <p:set>
+                                      <p:cBhvr>
+                                        <p:cTn id="60" dur="1" fill="hold">
+                                          <p:stCondLst>
+                                            <p:cond delay="0"/>
+                                          </p:stCondLst>
+                                        </p:cTn>
+                                        <p:tgtEl>
+                                          <p:spTgt spid="3">
+                                            <p:txEl>
+                                              <p:pRg st="1" end="1"/>
+                                            </p:txEl>
+                                          </p:spTgt>
+                                        </p:tgtEl>
+                                        <p:attrNameLst>
+                                          <p:attrName>style.visibility</p:attrName>
+                                        </p:attrNameLst>
+                                      </p:cBhvr>
+                                      <p:to>
+                                        <p:strVal val="hidden"/>
+                                      </p:to>
+                                    </p:set>
+                                  </p:childTnLst>
+                                </p:cTn>
+                              </p:par>
+                              <p:par>
+                                <p:cTn id="61" presetID="1" presetClass="exit" presetSubtype="0" fill="hold" grpId="1" nodeType="withEffect">
+                                  <p:stCondLst>
+                                    <p:cond delay="0"/>
+                                  </p:stCondLst>
+                                  <p:childTnLst>
+                                    <p:set>
+                                      <p:cBhvr>
+                                        <p:cTn id="62" dur="1" fill="hold">
+                                          <p:stCondLst>
+                                            <p:cond delay="0"/>
+                                          </p:stCondLst>
+                                        </p:cTn>
+                                        <p:tgtEl>
+                                          <p:spTgt spid="3">
+                                            <p:txEl>
+                                              <p:pRg st="2" end="2"/>
+                                            </p:txEl>
+                                          </p:spTgt>
+                                        </p:tgtEl>
+                                        <p:attrNameLst>
+                                          <p:attrName>style.visibility</p:attrName>
+                                        </p:attrNameLst>
+                                      </p:cBhvr>
+                                      <p:to>
+                                        <p:strVal val="hidden"/>
+                                      </p:to>
+                                    </p:set>
+                                  </p:childTnLst>
+                                </p:cTn>
+                              </p:par>
+                              <p:par>
+                                <p:cTn id="63" presetID="1" presetClass="exit" presetSubtype="0" fill="hold" grpId="1" nodeType="withEffect">
+                                  <p:stCondLst>
+                                    <p:cond delay="0"/>
+                                  </p:stCondLst>
+                                  <p:childTnLst>
+                                    <p:set>
+                                      <p:cBhvr>
+                                        <p:cTn id="64" dur="1" fill="hold">
+                                          <p:stCondLst>
+                                            <p:cond delay="0"/>
+                                          </p:stCondLst>
+                                        </p:cTn>
+                                        <p:tgtEl>
+                                          <p:spTgt spid="3">
+                                            <p:txEl>
+                                              <p:pRg st="3" end="3"/>
+                                            </p:txEl>
+                                          </p:spTgt>
+                                        </p:tgtEl>
+                                        <p:attrNameLst>
+                                          <p:attrName>style.visibility</p:attrName>
+                                        </p:attrNameLst>
+                                      </p:cBhvr>
+                                      <p:to>
+                                        <p:strVal val="hidden"/>
+                                      </p:to>
+                                    </p:set>
+                                  </p:childTnLst>
+                                </p:cTn>
+                              </p:par>
+                              <p:par>
+                                <p:cTn id="65" presetID="1" presetClass="exit" presetSubtype="0" fill="hold" grpId="1" nodeType="withEffect">
+                                  <p:stCondLst>
+                                    <p:cond delay="0"/>
+                                  </p:stCondLst>
+                                  <p:childTnLst>
+                                    <p:set>
+                                      <p:cBhvr>
+                                        <p:cTn id="66" dur="1" fill="hold">
+                                          <p:stCondLst>
+                                            <p:cond delay="0"/>
+                                          </p:stCondLst>
+                                        </p:cTn>
+                                        <p:tgtEl>
+                                          <p:spTgt spid="3">
+                                            <p:txEl>
+                                              <p:pRg st="4" end="4"/>
+                                            </p:txEl>
+                                          </p:spTgt>
+                                        </p:tgtEl>
+                                        <p:attrNameLst>
+                                          <p:attrName>style.visibility</p:attrName>
+                                        </p:attrNameLst>
+                                      </p:cBhvr>
+                                      <p:to>
+                                        <p:strVal val="hidden"/>
+                                      </p:to>
+                                    </p:set>
+                                  </p:childTnLst>
+                                </p:cTn>
+                              </p:par>
+                              <p:par>
+                                <p:cTn id="67" presetID="1" presetClass="exit" presetSubtype="0" fill="hold" grpId="1" nodeType="withEffect">
+                                  <p:stCondLst>
+                                    <p:cond delay="0"/>
+                                  </p:stCondLst>
+                                  <p:childTnLst>
+                                    <p:set>
+                                      <p:cBhvr>
+                                        <p:cTn id="68" dur="1" fill="hold">
+                                          <p:stCondLst>
+                                            <p:cond delay="0"/>
+                                          </p:stCondLst>
+                                        </p:cTn>
+                                        <p:tgtEl>
+                                          <p:spTgt spid="3">
+                                            <p:txEl>
+                                              <p:pRg st="5" end="5"/>
+                                            </p:txEl>
+                                          </p:spTgt>
+                                        </p:tgtEl>
+                                        <p:attrNameLst>
+                                          <p:attrName>style.visibility</p:attrName>
+                                        </p:attrNameLst>
+                                      </p:cBhvr>
+                                      <p:to>
+                                        <p:strVal val="hidden"/>
+                                      </p:to>
+                                    </p:set>
+                                  </p:childTnLst>
+                                </p:cTn>
+                              </p:par>
+                              <p:par>
+                                <p:cTn id="69" presetID="1" presetClass="exit" presetSubtype="0" fill="hold" nodeType="withEffect">
+                                  <p:stCondLst>
+                                    <p:cond delay="0"/>
+                                  </p:stCondLst>
+                                  <p:childTnLst>
+                                    <p:set>
+                                      <p:cBhvr>
+                                        <p:cTn id="70" dur="1" fill="hold">
+                                          <p:stCondLst>
+                                            <p:cond delay="0"/>
+                                          </p:stCondLst>
+                                        </p:cTn>
+                                        <p:tgtEl>
+                                          <p:spTgt spid="9"/>
+                                        </p:tgtEl>
+                                        <p:attrNameLst>
+                                          <p:attrName>style.visibility</p:attrName>
+                                        </p:attrNameLst>
+                                      </p:cBhvr>
+                                      <p:to>
+                                        <p:strVal val="hidden"/>
+                                      </p:to>
+                                    </p:set>
+                                  </p:childTnLst>
+                                </p:cTn>
+                              </p:par>
+                              <p:par>
+                                <p:cTn id="71" presetID="1" presetClass="exit" presetSubtype="0" fill="hold" nodeType="withEffect">
+                                  <p:stCondLst>
+                                    <p:cond delay="0"/>
+                                  </p:stCondLst>
+                                  <p:childTnLst>
+                                    <p:set>
+                                      <p:cBhvr>
+                                        <p:cTn id="72" dur="1" fill="hold">
+                                          <p:stCondLst>
+                                            <p:cond delay="0"/>
+                                          </p:stCondLst>
+                                        </p:cTn>
+                                        <p:tgtEl>
+                                          <p:spTgt spid="7"/>
+                                        </p:tgtEl>
+                                        <p:attrNameLst>
+                                          <p:attrName>style.visibility</p:attrName>
+                                        </p:attrNameLst>
+                                      </p:cBhvr>
+                                      <p:to>
+                                        <p:strVal val="hidden"/>
+                                      </p:to>
+                                    </p:set>
+                                  </p:childTnLst>
+                                </p:cTn>
+                              </p:par>
+                              <p:par>
+                                <p:cTn id="73" presetID="10" presetClass="entr" presetSubtype="0" fill="hold" nodeType="withEffect">
+                                  <p:stCondLst>
+                                    <p:cond delay="0"/>
+                                  </p:stCondLst>
+                                  <p:childTnLst>
+                                    <p:set>
+                                      <p:cBhvr>
+                                        <p:cTn id="74" dur="1" fill="hold">
+                                          <p:stCondLst>
+                                            <p:cond delay="0"/>
+                                          </p:stCondLst>
+                                        </p:cTn>
+                                        <p:tgtEl>
+                                          <p:spTgt spid="11">
+                                            <p:txEl>
+                                              <p:pRg st="1" end="1"/>
+                                            </p:txEl>
+                                          </p:spTgt>
+                                        </p:tgtEl>
+                                        <p:attrNameLst>
+                                          <p:attrName>style.visibility</p:attrName>
+                                        </p:attrNameLst>
+                                      </p:cBhvr>
+                                      <p:to>
+                                        <p:strVal val="visible"/>
+                                      </p:to>
+                                    </p:set>
+                                    <p:animEffect transition="in" filter="fade">
+                                      <p:cBhvr>
+                                        <p:cTn id="75" dur="500"/>
+                                        <p:tgtEl>
+                                          <p:spTgt spid="11">
+                                            <p:txEl>
+                                              <p:pRg st="1" end="1"/>
+                                            </p:txEl>
+                                          </p:spTgt>
+                                        </p:tgtEl>
+                                      </p:cBhvr>
+                                    </p:animEffect>
+                                  </p:childTnLst>
+                                </p:cTn>
+                              </p:par>
+                            </p:childTnLst>
+                          </p:cTn>
+                        </p:par>
+                      </p:childTnLst>
+                    </p:cTn>
+                  </p:par>
+                  <p:par>
+                    <p:cTn id="76" fill="hold">
+                      <p:stCondLst>
+                        <p:cond delay="indefinite"/>
+                      </p:stCondLst>
+                      <p:childTnLst>
+                        <p:par>
+                          <p:cTn id="77" fill="hold">
+                            <p:stCondLst>
+                              <p:cond delay="0"/>
+                            </p:stCondLst>
+                            <p:childTnLst>
+                              <p:par>
+                                <p:cTn id="78" presetID="10" presetClass="entr" presetSubtype="0" fill="hold" nodeType="clickEffect">
+                                  <p:stCondLst>
+                                    <p:cond delay="0"/>
+                                  </p:stCondLst>
+                                  <p:childTnLst>
+                                    <p:set>
+                                      <p:cBhvr>
+                                        <p:cTn id="79" dur="1" fill="hold">
+                                          <p:stCondLst>
+                                            <p:cond delay="0"/>
+                                          </p:stCondLst>
+                                        </p:cTn>
+                                        <p:tgtEl>
+                                          <p:spTgt spid="12">
+                                            <p:txEl>
+                                              <p:pRg st="0" end="0"/>
+                                            </p:txEl>
+                                          </p:spTgt>
+                                        </p:tgtEl>
+                                        <p:attrNameLst>
+                                          <p:attrName>style.visibility</p:attrName>
+                                        </p:attrNameLst>
+                                      </p:cBhvr>
+                                      <p:to>
+                                        <p:strVal val="visible"/>
+                                      </p:to>
+                                    </p:set>
+                                    <p:animEffect transition="in" filter="fade">
+                                      <p:cBhvr>
+                                        <p:cTn id="80" dur="500"/>
+                                        <p:tgtEl>
+                                          <p:spTgt spid="12">
+                                            <p:txEl>
+                                              <p:pRg st="0" end="0"/>
+                                            </p:txEl>
+                                          </p:spTgt>
+                                        </p:tgtEl>
+                                      </p:cBhvr>
+                                    </p:animEffect>
+                                  </p:childTnLst>
+                                </p:cTn>
+                              </p:par>
+                            </p:childTnLst>
+                          </p:cTn>
+                        </p:par>
+                      </p:childTnLst>
+                    </p:cTn>
+                  </p:par>
+                  <p:par>
+                    <p:cTn id="81" fill="hold">
+                      <p:stCondLst>
+                        <p:cond delay="indefinite"/>
+                      </p:stCondLst>
+                      <p:childTnLst>
+                        <p:par>
+                          <p:cTn id="82" fill="hold">
+                            <p:stCondLst>
+                              <p:cond delay="0"/>
+                            </p:stCondLst>
+                            <p:childTnLst>
+                              <p:par>
+                                <p:cTn id="83" presetID="10" presetClass="entr" presetSubtype="0" fill="hold" nodeType="clickEffect">
+                                  <p:stCondLst>
+                                    <p:cond delay="0"/>
+                                  </p:stCondLst>
+                                  <p:childTnLst>
+                                    <p:set>
+                                      <p:cBhvr>
+                                        <p:cTn id="84" dur="1" fill="hold">
+                                          <p:stCondLst>
+                                            <p:cond delay="0"/>
+                                          </p:stCondLst>
+                                        </p:cTn>
+                                        <p:tgtEl>
+                                          <p:spTgt spid="12">
+                                            <p:txEl>
+                                              <p:pRg st="1" end="1"/>
+                                            </p:txEl>
+                                          </p:spTgt>
+                                        </p:tgtEl>
+                                        <p:attrNameLst>
+                                          <p:attrName>style.visibility</p:attrName>
+                                        </p:attrNameLst>
+                                      </p:cBhvr>
+                                      <p:to>
+                                        <p:strVal val="visible"/>
+                                      </p:to>
+                                    </p:set>
+                                    <p:animEffect transition="in" filter="fade">
+                                      <p:cBhvr>
+                                        <p:cTn id="85" dur="500"/>
+                                        <p:tgtEl>
+                                          <p:spTgt spid="12">
+                                            <p:txEl>
+                                              <p:pRg st="1" end="1"/>
+                                            </p:txEl>
+                                          </p:spTgt>
+                                        </p:tgtEl>
+                                      </p:cBhvr>
+                                    </p:animEffect>
+                                  </p:childTnLst>
+                                </p:cTn>
+                              </p:par>
+                            </p:childTnLst>
+                          </p:cTn>
+                        </p:par>
+                      </p:childTnLst>
+                    </p:cTn>
+                  </p:par>
+                  <p:par>
+                    <p:cTn id="86" fill="hold">
+                      <p:stCondLst>
+                        <p:cond delay="indefinite"/>
+                      </p:stCondLst>
+                      <p:childTnLst>
+                        <p:par>
+                          <p:cTn id="87" fill="hold">
+                            <p:stCondLst>
+                              <p:cond delay="0"/>
+                            </p:stCondLst>
+                            <p:childTnLst>
+                              <p:par>
+                                <p:cTn id="88" presetID="10" presetClass="entr" presetSubtype="0" fill="hold" nodeType="clickEffect">
+                                  <p:stCondLst>
+                                    <p:cond delay="0"/>
+                                  </p:stCondLst>
+                                  <p:childTnLst>
+                                    <p:set>
+                                      <p:cBhvr>
+                                        <p:cTn id="89" dur="1" fill="hold">
+                                          <p:stCondLst>
+                                            <p:cond delay="0"/>
+                                          </p:stCondLst>
+                                        </p:cTn>
+                                        <p:tgtEl>
+                                          <p:spTgt spid="12">
+                                            <p:txEl>
+                                              <p:pRg st="2" end="2"/>
+                                            </p:txEl>
+                                          </p:spTgt>
+                                        </p:tgtEl>
+                                        <p:attrNameLst>
+                                          <p:attrName>style.visibility</p:attrName>
+                                        </p:attrNameLst>
+                                      </p:cBhvr>
+                                      <p:to>
+                                        <p:strVal val="visible"/>
+                                      </p:to>
+                                    </p:set>
+                                    <p:animEffect transition="in" filter="fade">
+                                      <p:cBhvr>
+                                        <p:cTn id="90" dur="500"/>
+                                        <p:tgtEl>
+                                          <p:spTgt spid="12">
+                                            <p:txEl>
+                                              <p:pRg st="2" end="2"/>
+                                            </p:txEl>
+                                          </p:spTgt>
+                                        </p:tgtEl>
+                                      </p:cBhvr>
+                                    </p:animEffect>
+                                  </p:childTnLst>
+                                </p:cTn>
+                              </p:par>
+                            </p:childTnLst>
+                          </p:cTn>
+                        </p:par>
+                      </p:childTnLst>
+                    </p:cTn>
+                  </p:par>
+                  <p:par>
+                    <p:cTn id="91" fill="hold">
+                      <p:stCondLst>
+                        <p:cond delay="indefinite"/>
+                      </p:stCondLst>
+                      <p:childTnLst>
+                        <p:par>
+                          <p:cTn id="92" fill="hold">
+                            <p:stCondLst>
+                              <p:cond delay="0"/>
+                            </p:stCondLst>
+                            <p:childTnLst>
+                              <p:par>
+                                <p:cTn id="93" presetID="10" presetClass="entr" presetSubtype="0" fill="hold" nodeType="clickEffect">
+                                  <p:stCondLst>
+                                    <p:cond delay="0"/>
+                                  </p:stCondLst>
+                                  <p:childTnLst>
+                                    <p:set>
+                                      <p:cBhvr>
+                                        <p:cTn id="94" dur="1" fill="hold">
+                                          <p:stCondLst>
+                                            <p:cond delay="0"/>
+                                          </p:stCondLst>
+                                        </p:cTn>
+                                        <p:tgtEl>
+                                          <p:spTgt spid="12">
+                                            <p:txEl>
+                                              <p:pRg st="3" end="3"/>
+                                            </p:txEl>
+                                          </p:spTgt>
+                                        </p:tgtEl>
+                                        <p:attrNameLst>
+                                          <p:attrName>style.visibility</p:attrName>
+                                        </p:attrNameLst>
+                                      </p:cBhvr>
+                                      <p:to>
+                                        <p:strVal val="visible"/>
+                                      </p:to>
+                                    </p:set>
+                                    <p:animEffect transition="in" filter="fade">
+                                      <p:cBhvr>
+                                        <p:cTn id="95" dur="500"/>
+                                        <p:tgtEl>
+                                          <p:spTgt spid="12">
+                                            <p:txEl>
+                                              <p:pRg st="3" end="3"/>
+                                            </p:txEl>
+                                          </p:spTgt>
+                                        </p:tgtEl>
+                                      </p:cBhvr>
+                                    </p:animEffect>
+                                  </p:childTnLst>
+                                </p:cTn>
+                              </p:par>
+                            </p:childTnLst>
+                          </p:cTn>
+                        </p:par>
+                      </p:childTnLst>
+                    </p:cTn>
+                  </p:par>
+                </p:childTnLst>
+              </p:cTn>
+              <p:prevCondLst>
+                <p:cond evt="onPrev" delay="0">
+                  <p:tgtEl>
+                    <p:sldTgt/>
+                  </p:tgtEl>
+                </p:cond>
+              </p:prevCondLst>
+              <p:nextCondLst>
+                <p:cond evt="onNext" delay="0">
+                  <p:tgtEl>
+                    <p:sldTgt/>
+                  </p:tgtEl>
+                </p:cond>
+              </p:nextCondLst>
+            </p:seq>
+          </p:childTnLst>
+        </p:cTn>
+      </p:par>
+    </p:tnLst>
+    <p:bldLst>
+      <p:bldP spid="3" grpId="0" uiExpand="1" build="p"/>
+      <p:bldP spid="3" grpId="1" build="p"/>
+    </p:bldLst>
+  </p:timing>
 </p:sld>
 </file>
 
@@ -11235,7 +15652,7 @@
           <a:lstStyle/>
           <a:p>
             <a:r>
-              <a:rPr lang="es-GT" dirty="0"/>
+              <a:rPr lang="es-GT" b="1" dirty="0"/>
               <a:t>Información y supuestos </a:t>
             </a:r>
           </a:p>
@@ -11243,7 +15660,7 @@
       </p:sp>
       <p:sp>
         <p:nvSpPr>
-          <p:cNvPr id="3" name="Content Placeholder 2">
+          <p:cNvPr id="3" name="Información">
             <a:extLst>
               <a:ext uri="{FF2B5EF4-FFF2-40B4-BE49-F238E27FC236}">
                 <a16:creationId xmlns:a16="http://schemas.microsoft.com/office/drawing/2014/main" id="{AEEC0CCB-10AB-4C40-A3C3-8171D2EDB202}"/>
@@ -11257,33 +15674,643 @@
             <p:ph idx="1"/>
           </p:nvPr>
         </p:nvSpPr>
-        <p:spPr/>
+        <p:spPr>
+          <a:xfrm>
+            <a:off x="2592924" y="1409700"/>
+            <a:ext cx="7446425" cy="2409825"/>
+          </a:xfrm>
+        </p:spPr>
         <p:txBody>
-          <a:bodyPr/>
+          <a:bodyPr>
+            <a:normAutofit/>
+          </a:bodyPr>
           <a:lstStyle/>
           <a:p>
             <a:r>
-              <a:rPr lang="es-GT" dirty="0"/>
-              <a:t>Dos dataset de +80 variables</a:t>
+              <a:rPr lang="es-GT" sz="2200" dirty="0"/>
+              <a:t>4 archivos:</a:t>
             </a:r>
           </a:p>
           <a:p>
+            <a:pPr lvl="1"/>
             <a:r>
-              <a:rPr lang="es-GT" dirty="0"/>
-              <a:t>Hot One Encoding recomendados</a:t>
+              <a:rPr lang="es-GT" sz="1800" b="1" i="1" dirty="0"/>
+              <a:t>train.csv: </a:t>
+            </a:r>
+            <a:r>
+              <a:rPr lang="es-GT" sz="1800" dirty="0" err="1"/>
+              <a:t>Dataset</a:t>
+            </a:r>
+            <a:r>
+              <a:rPr lang="es-GT" sz="1800" dirty="0"/>
+              <a:t> de entrenamiento – 81 variables</a:t>
             </a:r>
           </a:p>
           <a:p>
+            <a:pPr lvl="1"/>
             <a:r>
-              <a:rPr lang="es-GT" dirty="0"/>
-              <a:t>Regresiones Lineales</a:t>
+              <a:rPr lang="es-GT" sz="1800" b="1" i="1" dirty="0"/>
+              <a:t>test.csv:</a:t>
+            </a:r>
+            <a:r>
+              <a:rPr lang="es-GT" sz="1800" dirty="0"/>
+              <a:t> </a:t>
+            </a:r>
+            <a:r>
+              <a:rPr lang="es-GT" sz="1800" dirty="0" err="1"/>
+              <a:t>Dataset</a:t>
+            </a:r>
+            <a:r>
+              <a:rPr lang="es-GT" sz="1800" dirty="0"/>
+              <a:t> para hacer predicciones – 80 variables</a:t>
             </a:r>
           </a:p>
           <a:p>
-            <a:endParaRPr lang="es-GT" dirty="0"/>
+            <a:pPr lvl="1"/>
+            <a:r>
+              <a:rPr lang="es-GT" sz="1800" b="1" i="1" dirty="0"/>
+              <a:t>data_description.txt:</a:t>
+            </a:r>
+            <a:r>
+              <a:rPr lang="es-GT" sz="1800" dirty="0"/>
+              <a:t> Información extra</a:t>
+            </a:r>
+          </a:p>
+          <a:p>
+            <a:pPr lvl="1"/>
+            <a:r>
+              <a:rPr lang="es-GT" sz="1800" b="1" i="1" dirty="0"/>
+              <a:t>sample_submission.csv:</a:t>
+            </a:r>
+            <a:r>
+              <a:rPr lang="es-GT" sz="1800" dirty="0"/>
+              <a:t> Formato</a:t>
+            </a:r>
+            <a:endParaRPr lang="es-GT" sz="1800" b="1" i="1" dirty="0"/>
+          </a:p>
+          <a:p>
+            <a:endParaRPr lang="es-GT" sz="2200" dirty="0"/>
           </a:p>
         </p:txBody>
       </p:sp>
+      <p:sp>
+        <p:nvSpPr>
+          <p:cNvPr id="4" name="Supuestos">
+            <a:extLst>
+              <a:ext uri="{FF2B5EF4-FFF2-40B4-BE49-F238E27FC236}">
+                <a16:creationId xmlns:a16="http://schemas.microsoft.com/office/drawing/2014/main" id="{9E765D3F-5A03-4781-804A-26E8A5C5D0FA}"/>
+              </a:ext>
+            </a:extLst>
+          </p:cNvPr>
+          <p:cNvSpPr txBox="1">
+            <a:spLocks/>
+          </p:cNvSpPr>
+          <p:nvPr/>
+        </p:nvSpPr>
+        <p:spPr>
+          <a:xfrm>
+            <a:off x="2582488" y="1642741"/>
+            <a:ext cx="7446425" cy="2409825"/>
+          </a:xfrm>
+          <a:prstGeom prst="rect">
+            <a:avLst/>
+          </a:prstGeom>
+        </p:spPr>
+        <p:txBody>
+          <a:bodyPr vert="horz" lIns="91440" tIns="45720" rIns="91440" bIns="45720" rtlCol="0">
+            <a:normAutofit/>
+          </a:bodyPr>
+          <a:lstStyle>
+            <a:lvl1pPr marL="342900" indent="-342900" algn="l" defTabSz="457200" rtl="0" eaLnBrk="1" latinLnBrk="0" hangingPunct="1">
+              <a:spcBef>
+                <a:spcPts val="1000"/>
+              </a:spcBef>
+              <a:spcAft>
+                <a:spcPts val="0"/>
+              </a:spcAft>
+              <a:buClr>
+                <a:schemeClr val="accent1"/>
+              </a:buClr>
+              <a:buFont typeface="Wingdings 3" charset="2"/>
+              <a:buChar char=""/>
+              <a:defRPr sz="1800" kern="1200">
+                <a:solidFill>
+                  <a:schemeClr val="tx1">
+                    <a:lumMod val="75000"/>
+                    <a:lumOff val="25000"/>
+                  </a:schemeClr>
+                </a:solidFill>
+                <a:latin typeface="+mn-lt"/>
+                <a:ea typeface="+mn-ea"/>
+                <a:cs typeface="+mn-cs"/>
+              </a:defRPr>
+            </a:lvl1pPr>
+            <a:lvl2pPr marL="742950" indent="-285750" algn="l" defTabSz="457200" rtl="0" eaLnBrk="1" latinLnBrk="0" hangingPunct="1">
+              <a:spcBef>
+                <a:spcPts val="1000"/>
+              </a:spcBef>
+              <a:spcAft>
+                <a:spcPts val="0"/>
+              </a:spcAft>
+              <a:buClr>
+                <a:schemeClr val="accent1"/>
+              </a:buClr>
+              <a:buFont typeface="Wingdings 3" charset="2"/>
+              <a:buChar char=""/>
+              <a:defRPr sz="1600" kern="1200">
+                <a:solidFill>
+                  <a:schemeClr val="tx1">
+                    <a:lumMod val="75000"/>
+                    <a:lumOff val="25000"/>
+                  </a:schemeClr>
+                </a:solidFill>
+                <a:latin typeface="+mn-lt"/>
+                <a:ea typeface="+mn-ea"/>
+                <a:cs typeface="+mn-cs"/>
+              </a:defRPr>
+            </a:lvl2pPr>
+            <a:lvl3pPr marL="1143000" indent="-228600" algn="l" defTabSz="457200" rtl="0" eaLnBrk="1" latinLnBrk="0" hangingPunct="1">
+              <a:spcBef>
+                <a:spcPts val="1000"/>
+              </a:spcBef>
+              <a:spcAft>
+                <a:spcPts val="0"/>
+              </a:spcAft>
+              <a:buClr>
+                <a:schemeClr val="accent1"/>
+              </a:buClr>
+              <a:buFont typeface="Wingdings 3" charset="2"/>
+              <a:buChar char=""/>
+              <a:defRPr sz="1400" kern="1200">
+                <a:solidFill>
+                  <a:schemeClr val="tx1">
+                    <a:lumMod val="75000"/>
+                    <a:lumOff val="25000"/>
+                  </a:schemeClr>
+                </a:solidFill>
+                <a:latin typeface="+mn-lt"/>
+                <a:ea typeface="+mn-ea"/>
+                <a:cs typeface="+mn-cs"/>
+              </a:defRPr>
+            </a:lvl3pPr>
+            <a:lvl4pPr marL="1600200" indent="-228600" algn="l" defTabSz="457200" rtl="0" eaLnBrk="1" latinLnBrk="0" hangingPunct="1">
+              <a:spcBef>
+                <a:spcPts val="1000"/>
+              </a:spcBef>
+              <a:spcAft>
+                <a:spcPts val="0"/>
+              </a:spcAft>
+              <a:buClr>
+                <a:schemeClr val="accent1"/>
+              </a:buClr>
+              <a:buFont typeface="Wingdings 3" charset="2"/>
+              <a:buChar char=""/>
+              <a:defRPr sz="1200" kern="1200">
+                <a:solidFill>
+                  <a:schemeClr val="tx1">
+                    <a:lumMod val="75000"/>
+                    <a:lumOff val="25000"/>
+                  </a:schemeClr>
+                </a:solidFill>
+                <a:latin typeface="+mn-lt"/>
+                <a:ea typeface="+mn-ea"/>
+                <a:cs typeface="+mn-cs"/>
+              </a:defRPr>
+            </a:lvl4pPr>
+            <a:lvl5pPr marL="2057400" indent="-228600" algn="l" defTabSz="457200" rtl="0" eaLnBrk="1" latinLnBrk="0" hangingPunct="1">
+              <a:spcBef>
+                <a:spcPts val="1000"/>
+              </a:spcBef>
+              <a:spcAft>
+                <a:spcPts val="0"/>
+              </a:spcAft>
+              <a:buClr>
+                <a:schemeClr val="accent1"/>
+              </a:buClr>
+              <a:buFont typeface="Wingdings 3" charset="2"/>
+              <a:buChar char=""/>
+              <a:defRPr sz="1200" kern="1200">
+                <a:solidFill>
+                  <a:schemeClr val="tx1">
+                    <a:lumMod val="75000"/>
+                    <a:lumOff val="25000"/>
+                  </a:schemeClr>
+                </a:solidFill>
+                <a:latin typeface="+mn-lt"/>
+                <a:ea typeface="+mn-ea"/>
+                <a:cs typeface="+mn-cs"/>
+              </a:defRPr>
+            </a:lvl5pPr>
+            <a:lvl6pPr marL="2514600" indent="-228600" algn="l" defTabSz="457200" rtl="0" eaLnBrk="1" latinLnBrk="0" hangingPunct="1">
+              <a:spcBef>
+                <a:spcPts val="1000"/>
+              </a:spcBef>
+              <a:spcAft>
+                <a:spcPts val="0"/>
+              </a:spcAft>
+              <a:buClr>
+                <a:schemeClr val="accent1"/>
+              </a:buClr>
+              <a:buFont typeface="Wingdings 3" charset="2"/>
+              <a:buChar char=""/>
+              <a:defRPr sz="1200" kern="1200">
+                <a:solidFill>
+                  <a:schemeClr val="tx1">
+                    <a:lumMod val="75000"/>
+                    <a:lumOff val="25000"/>
+                  </a:schemeClr>
+                </a:solidFill>
+                <a:latin typeface="+mn-lt"/>
+                <a:ea typeface="+mn-ea"/>
+                <a:cs typeface="+mn-cs"/>
+              </a:defRPr>
+            </a:lvl6pPr>
+            <a:lvl7pPr marL="2971800" indent="-228600" algn="l" defTabSz="457200" rtl="0" eaLnBrk="1" latinLnBrk="0" hangingPunct="1">
+              <a:spcBef>
+                <a:spcPts val="1000"/>
+              </a:spcBef>
+              <a:spcAft>
+                <a:spcPts val="0"/>
+              </a:spcAft>
+              <a:buClr>
+                <a:schemeClr val="accent1"/>
+              </a:buClr>
+              <a:buFont typeface="Wingdings 3" charset="2"/>
+              <a:buChar char=""/>
+              <a:defRPr sz="1200" kern="1200">
+                <a:solidFill>
+                  <a:schemeClr val="tx1">
+                    <a:lumMod val="75000"/>
+                    <a:lumOff val="25000"/>
+                  </a:schemeClr>
+                </a:solidFill>
+                <a:latin typeface="+mn-lt"/>
+                <a:ea typeface="+mn-ea"/>
+                <a:cs typeface="+mn-cs"/>
+              </a:defRPr>
+            </a:lvl7pPr>
+            <a:lvl8pPr marL="3429000" indent="-228600" algn="l" defTabSz="457200" rtl="0" eaLnBrk="1" latinLnBrk="0" hangingPunct="1">
+              <a:spcBef>
+                <a:spcPts val="1000"/>
+              </a:spcBef>
+              <a:spcAft>
+                <a:spcPts val="0"/>
+              </a:spcAft>
+              <a:buClr>
+                <a:schemeClr val="accent1"/>
+              </a:buClr>
+              <a:buFont typeface="Wingdings 3" charset="2"/>
+              <a:buChar char=""/>
+              <a:defRPr sz="1200" kern="1200">
+                <a:solidFill>
+                  <a:schemeClr val="tx1">
+                    <a:lumMod val="75000"/>
+                    <a:lumOff val="25000"/>
+                  </a:schemeClr>
+                </a:solidFill>
+                <a:latin typeface="+mn-lt"/>
+                <a:ea typeface="+mn-ea"/>
+                <a:cs typeface="+mn-cs"/>
+              </a:defRPr>
+            </a:lvl8pPr>
+            <a:lvl9pPr marL="3886200" indent="-228600" algn="l" defTabSz="457200" rtl="0" eaLnBrk="1" latinLnBrk="0" hangingPunct="1">
+              <a:spcBef>
+                <a:spcPts val="1000"/>
+              </a:spcBef>
+              <a:spcAft>
+                <a:spcPts val="0"/>
+              </a:spcAft>
+              <a:buClr>
+                <a:schemeClr val="accent1"/>
+              </a:buClr>
+              <a:buFont typeface="Wingdings 3" charset="2"/>
+              <a:buChar char=""/>
+              <a:defRPr sz="1200" kern="1200">
+                <a:solidFill>
+                  <a:schemeClr val="tx1">
+                    <a:lumMod val="75000"/>
+                    <a:lumOff val="25000"/>
+                  </a:schemeClr>
+                </a:solidFill>
+                <a:latin typeface="+mn-lt"/>
+                <a:ea typeface="+mn-ea"/>
+                <a:cs typeface="+mn-cs"/>
+              </a:defRPr>
+            </a:lvl9pPr>
+          </a:lstStyle>
+          <a:p>
+            <a:r>
+              <a:rPr lang="es-GT" sz="2200" dirty="0"/>
+              <a:t>La data proviene de un solo lugar</a:t>
+            </a:r>
+          </a:p>
+          <a:p>
+            <a:endParaRPr lang="es-GT" sz="2200" dirty="0"/>
+          </a:p>
+          <a:p>
+            <a:endParaRPr lang="es-GT" sz="2200" dirty="0"/>
+          </a:p>
+        </p:txBody>
+      </p:sp>
+      <p:sp>
+        <p:nvSpPr>
+          <p:cNvPr id="8" name="MaterialApoyo">
+            <a:extLst>
+              <a:ext uri="{FF2B5EF4-FFF2-40B4-BE49-F238E27FC236}">
+                <a16:creationId xmlns:a16="http://schemas.microsoft.com/office/drawing/2014/main" id="{F4EE6580-BAFF-4F67-933F-F83785753C7B}"/>
+              </a:ext>
+            </a:extLst>
+          </p:cNvPr>
+          <p:cNvSpPr txBox="1">
+            <a:spLocks/>
+          </p:cNvSpPr>
+          <p:nvPr/>
+        </p:nvSpPr>
+        <p:spPr>
+          <a:xfrm>
+            <a:off x="2592923" y="4362451"/>
+            <a:ext cx="7446424" cy="1219199"/>
+          </a:xfrm>
+          <a:prstGeom prst="rect">
+            <a:avLst/>
+          </a:prstGeom>
+        </p:spPr>
+        <p:txBody>
+          <a:bodyPr vert="horz" lIns="91440" tIns="45720" rIns="91440" bIns="45720" rtlCol="0">
+            <a:normAutofit/>
+          </a:bodyPr>
+          <a:lstStyle>
+            <a:lvl1pPr marL="342900" indent="-342900" algn="l" defTabSz="457200" rtl="0" eaLnBrk="1" latinLnBrk="0" hangingPunct="1">
+              <a:spcBef>
+                <a:spcPts val="1000"/>
+              </a:spcBef>
+              <a:spcAft>
+                <a:spcPts val="0"/>
+              </a:spcAft>
+              <a:buClr>
+                <a:schemeClr val="accent1"/>
+              </a:buClr>
+              <a:buFont typeface="Wingdings 3" charset="2"/>
+              <a:buChar char=""/>
+              <a:defRPr sz="1800" kern="1200">
+                <a:solidFill>
+                  <a:schemeClr val="tx1">
+                    <a:lumMod val="75000"/>
+                    <a:lumOff val="25000"/>
+                  </a:schemeClr>
+                </a:solidFill>
+                <a:latin typeface="+mn-lt"/>
+                <a:ea typeface="+mn-ea"/>
+                <a:cs typeface="+mn-cs"/>
+              </a:defRPr>
+            </a:lvl1pPr>
+            <a:lvl2pPr marL="742950" indent="-285750" algn="l" defTabSz="457200" rtl="0" eaLnBrk="1" latinLnBrk="0" hangingPunct="1">
+              <a:spcBef>
+                <a:spcPts val="1000"/>
+              </a:spcBef>
+              <a:spcAft>
+                <a:spcPts val="0"/>
+              </a:spcAft>
+              <a:buClr>
+                <a:schemeClr val="accent1"/>
+              </a:buClr>
+              <a:buFont typeface="Wingdings 3" charset="2"/>
+              <a:buChar char=""/>
+              <a:defRPr sz="1600" kern="1200">
+                <a:solidFill>
+                  <a:schemeClr val="tx1">
+                    <a:lumMod val="75000"/>
+                    <a:lumOff val="25000"/>
+                  </a:schemeClr>
+                </a:solidFill>
+                <a:latin typeface="+mn-lt"/>
+                <a:ea typeface="+mn-ea"/>
+                <a:cs typeface="+mn-cs"/>
+              </a:defRPr>
+            </a:lvl2pPr>
+            <a:lvl3pPr marL="1143000" indent="-228600" algn="l" defTabSz="457200" rtl="0" eaLnBrk="1" latinLnBrk="0" hangingPunct="1">
+              <a:spcBef>
+                <a:spcPts val="1000"/>
+              </a:spcBef>
+              <a:spcAft>
+                <a:spcPts val="0"/>
+              </a:spcAft>
+              <a:buClr>
+                <a:schemeClr val="accent1"/>
+              </a:buClr>
+              <a:buFont typeface="Wingdings 3" charset="2"/>
+              <a:buChar char=""/>
+              <a:defRPr sz="1400" kern="1200">
+                <a:solidFill>
+                  <a:schemeClr val="tx1">
+                    <a:lumMod val="75000"/>
+                    <a:lumOff val="25000"/>
+                  </a:schemeClr>
+                </a:solidFill>
+                <a:latin typeface="+mn-lt"/>
+                <a:ea typeface="+mn-ea"/>
+                <a:cs typeface="+mn-cs"/>
+              </a:defRPr>
+            </a:lvl3pPr>
+            <a:lvl4pPr marL="1600200" indent="-228600" algn="l" defTabSz="457200" rtl="0" eaLnBrk="1" latinLnBrk="0" hangingPunct="1">
+              <a:spcBef>
+                <a:spcPts val="1000"/>
+              </a:spcBef>
+              <a:spcAft>
+                <a:spcPts val="0"/>
+              </a:spcAft>
+              <a:buClr>
+                <a:schemeClr val="accent1"/>
+              </a:buClr>
+              <a:buFont typeface="Wingdings 3" charset="2"/>
+              <a:buChar char=""/>
+              <a:defRPr sz="1200" kern="1200">
+                <a:solidFill>
+                  <a:schemeClr val="tx1">
+                    <a:lumMod val="75000"/>
+                    <a:lumOff val="25000"/>
+                  </a:schemeClr>
+                </a:solidFill>
+                <a:latin typeface="+mn-lt"/>
+                <a:ea typeface="+mn-ea"/>
+                <a:cs typeface="+mn-cs"/>
+              </a:defRPr>
+            </a:lvl4pPr>
+            <a:lvl5pPr marL="2057400" indent="-228600" algn="l" defTabSz="457200" rtl="0" eaLnBrk="1" latinLnBrk="0" hangingPunct="1">
+              <a:spcBef>
+                <a:spcPts val="1000"/>
+              </a:spcBef>
+              <a:spcAft>
+                <a:spcPts val="0"/>
+              </a:spcAft>
+              <a:buClr>
+                <a:schemeClr val="accent1"/>
+              </a:buClr>
+              <a:buFont typeface="Wingdings 3" charset="2"/>
+              <a:buChar char=""/>
+              <a:defRPr sz="1200" kern="1200">
+                <a:solidFill>
+                  <a:schemeClr val="tx1">
+                    <a:lumMod val="75000"/>
+                    <a:lumOff val="25000"/>
+                  </a:schemeClr>
+                </a:solidFill>
+                <a:latin typeface="+mn-lt"/>
+                <a:ea typeface="+mn-ea"/>
+                <a:cs typeface="+mn-cs"/>
+              </a:defRPr>
+            </a:lvl5pPr>
+            <a:lvl6pPr marL="2514600" indent="-228600" algn="l" defTabSz="457200" rtl="0" eaLnBrk="1" latinLnBrk="0" hangingPunct="1">
+              <a:spcBef>
+                <a:spcPts val="1000"/>
+              </a:spcBef>
+              <a:spcAft>
+                <a:spcPts val="0"/>
+              </a:spcAft>
+              <a:buClr>
+                <a:schemeClr val="accent1"/>
+              </a:buClr>
+              <a:buFont typeface="Wingdings 3" charset="2"/>
+              <a:buChar char=""/>
+              <a:defRPr sz="1200" kern="1200">
+                <a:solidFill>
+                  <a:schemeClr val="tx1">
+                    <a:lumMod val="75000"/>
+                    <a:lumOff val="25000"/>
+                  </a:schemeClr>
+                </a:solidFill>
+                <a:latin typeface="+mn-lt"/>
+                <a:ea typeface="+mn-ea"/>
+                <a:cs typeface="+mn-cs"/>
+              </a:defRPr>
+            </a:lvl6pPr>
+            <a:lvl7pPr marL="2971800" indent="-228600" algn="l" defTabSz="457200" rtl="0" eaLnBrk="1" latinLnBrk="0" hangingPunct="1">
+              <a:spcBef>
+                <a:spcPts val="1000"/>
+              </a:spcBef>
+              <a:spcAft>
+                <a:spcPts val="0"/>
+              </a:spcAft>
+              <a:buClr>
+                <a:schemeClr val="accent1"/>
+              </a:buClr>
+              <a:buFont typeface="Wingdings 3" charset="2"/>
+              <a:buChar char=""/>
+              <a:defRPr sz="1200" kern="1200">
+                <a:solidFill>
+                  <a:schemeClr val="tx1">
+                    <a:lumMod val="75000"/>
+                    <a:lumOff val="25000"/>
+                  </a:schemeClr>
+                </a:solidFill>
+                <a:latin typeface="+mn-lt"/>
+                <a:ea typeface="+mn-ea"/>
+                <a:cs typeface="+mn-cs"/>
+              </a:defRPr>
+            </a:lvl7pPr>
+            <a:lvl8pPr marL="3429000" indent="-228600" algn="l" defTabSz="457200" rtl="0" eaLnBrk="1" latinLnBrk="0" hangingPunct="1">
+              <a:spcBef>
+                <a:spcPts val="1000"/>
+              </a:spcBef>
+              <a:spcAft>
+                <a:spcPts val="0"/>
+              </a:spcAft>
+              <a:buClr>
+                <a:schemeClr val="accent1"/>
+              </a:buClr>
+              <a:buFont typeface="Wingdings 3" charset="2"/>
+              <a:buChar char=""/>
+              <a:defRPr sz="1200" kern="1200">
+                <a:solidFill>
+                  <a:schemeClr val="tx1">
+                    <a:lumMod val="75000"/>
+                    <a:lumOff val="25000"/>
+                  </a:schemeClr>
+                </a:solidFill>
+                <a:latin typeface="+mn-lt"/>
+                <a:ea typeface="+mn-ea"/>
+                <a:cs typeface="+mn-cs"/>
+              </a:defRPr>
+            </a:lvl8pPr>
+            <a:lvl9pPr marL="3886200" indent="-228600" algn="l" defTabSz="457200" rtl="0" eaLnBrk="1" latinLnBrk="0" hangingPunct="1">
+              <a:spcBef>
+                <a:spcPts val="1000"/>
+              </a:spcBef>
+              <a:spcAft>
+                <a:spcPts val="0"/>
+              </a:spcAft>
+              <a:buClr>
+                <a:schemeClr val="accent1"/>
+              </a:buClr>
+              <a:buFont typeface="Wingdings 3" charset="2"/>
+              <a:buChar char=""/>
+              <a:defRPr sz="1200" kern="1200">
+                <a:solidFill>
+                  <a:schemeClr val="tx1">
+                    <a:lumMod val="75000"/>
+                    <a:lumOff val="25000"/>
+                  </a:schemeClr>
+                </a:solidFill>
+                <a:latin typeface="+mn-lt"/>
+                <a:ea typeface="+mn-ea"/>
+                <a:cs typeface="+mn-cs"/>
+              </a:defRPr>
+            </a:lvl9pPr>
+          </a:lstStyle>
+          <a:p>
+            <a:pPr marL="0" indent="0">
+              <a:buNone/>
+            </a:pPr>
+            <a:r>
+              <a:rPr lang="es-GT" sz="2200" dirty="0"/>
+              <a:t>Material de apoyo: </a:t>
+            </a:r>
+            <a:r>
+              <a:rPr lang="es-GT" sz="2200" b="1" i="1" dirty="0"/>
+              <a:t>descripcion.txt</a:t>
+            </a:r>
+          </a:p>
+          <a:p>
+            <a:pPr marL="0" indent="0">
+              <a:buNone/>
+            </a:pPr>
+            <a:r>
+              <a:rPr lang="es-GT" sz="2200" dirty="0"/>
+              <a:t>&lt;Link aquí, pero un short URL&gt;</a:t>
+            </a:r>
+          </a:p>
+        </p:txBody>
+      </p:sp>
+      <p:pic>
+        <p:nvPicPr>
+          <p:cNvPr id="10" name="MaterialImg" descr="A picture containing mirror&#10;&#10;Description automatically generated">
+            <a:extLst>
+              <a:ext uri="{FF2B5EF4-FFF2-40B4-BE49-F238E27FC236}">
+                <a16:creationId xmlns:a16="http://schemas.microsoft.com/office/drawing/2014/main" id="{388FC05A-AA4C-4180-A860-0E0DF0C86AE8}"/>
+              </a:ext>
+            </a:extLst>
+          </p:cNvPr>
+          <p:cNvPicPr>
+            <a:picLocks noChangeAspect="1"/>
+          </p:cNvPicPr>
+          <p:nvPr/>
+        </p:nvPicPr>
+        <p:blipFill>
+          <a:blip r:embed="rId2"/>
+          <a:stretch>
+            <a:fillRect/>
+          </a:stretch>
+        </p:blipFill>
+        <p:spPr>
+          <a:xfrm>
+            <a:off x="8276316" y="4155861"/>
+            <a:ext cx="1534434" cy="1632377"/>
+          </a:xfrm>
+          <a:prstGeom prst="rect">
+            <a:avLst/>
+          </a:prstGeom>
+        </p:spPr>
+      </p:pic>
     </p:spTree>
     <p:extLst>
       <p:ext uri="{BB962C8B-B14F-4D97-AF65-F5344CB8AC3E}">
@@ -11294,6 +16321,642 @@
   <p:clrMapOvr>
     <a:masterClrMapping/>
   </p:clrMapOvr>
+  <p:timing>
+    <p:tnLst>
+      <p:par>
+        <p:cTn id="1" dur="indefinite" restart="never" nodeType="tmRoot">
+          <p:childTnLst>
+            <p:seq concurrent="1" nextAc="seek">
+              <p:cTn id="2" dur="indefinite" nodeType="mainSeq">
+                <p:childTnLst>
+                  <p:par>
+                    <p:cTn id="3" fill="hold">
+                      <p:stCondLst>
+                        <p:cond delay="indefinite"/>
+                      </p:stCondLst>
+                      <p:childTnLst>
+                        <p:par>
+                          <p:cTn id="4" fill="hold">
+                            <p:stCondLst>
+                              <p:cond delay="0"/>
+                            </p:stCondLst>
+                            <p:childTnLst>
+                              <p:par>
+                                <p:cTn id="5" presetID="10" presetClass="entr" presetSubtype="0" fill="hold" nodeType="clickEffect">
+                                  <p:stCondLst>
+                                    <p:cond delay="0"/>
+                                  </p:stCondLst>
+                                  <p:childTnLst>
+                                    <p:set>
+                                      <p:cBhvr>
+                                        <p:cTn id="6" dur="1" fill="hold">
+                                          <p:stCondLst>
+                                            <p:cond delay="0"/>
+                                          </p:stCondLst>
+                                        </p:cTn>
+                                        <p:tgtEl>
+                                          <p:spTgt spid="3">
+                                            <p:txEl>
+                                              <p:pRg st="0" end="0"/>
+                                            </p:txEl>
+                                          </p:spTgt>
+                                        </p:tgtEl>
+                                        <p:attrNameLst>
+                                          <p:attrName>style.visibility</p:attrName>
+                                        </p:attrNameLst>
+                                      </p:cBhvr>
+                                      <p:to>
+                                        <p:strVal val="visible"/>
+                                      </p:to>
+                                    </p:set>
+                                    <p:animEffect transition="in" filter="fade">
+                                      <p:cBhvr>
+                                        <p:cTn id="7" dur="500"/>
+                                        <p:tgtEl>
+                                          <p:spTgt spid="3">
+                                            <p:txEl>
+                                              <p:pRg st="0" end="0"/>
+                                            </p:txEl>
+                                          </p:spTgt>
+                                        </p:tgtEl>
+                                      </p:cBhvr>
+                                    </p:animEffect>
+                                  </p:childTnLst>
+                                </p:cTn>
+                              </p:par>
+                            </p:childTnLst>
+                          </p:cTn>
+                        </p:par>
+                      </p:childTnLst>
+                    </p:cTn>
+                  </p:par>
+                  <p:par>
+                    <p:cTn id="8" fill="hold">
+                      <p:stCondLst>
+                        <p:cond delay="indefinite"/>
+                      </p:stCondLst>
+                      <p:childTnLst>
+                        <p:par>
+                          <p:cTn id="9" fill="hold">
+                            <p:stCondLst>
+                              <p:cond delay="0"/>
+                            </p:stCondLst>
+                            <p:childTnLst>
+                              <p:par>
+                                <p:cTn id="10" presetID="10" presetClass="entr" presetSubtype="0" fill="hold" nodeType="clickEffect">
+                                  <p:stCondLst>
+                                    <p:cond delay="0"/>
+                                  </p:stCondLst>
+                                  <p:childTnLst>
+                                    <p:set>
+                                      <p:cBhvr>
+                                        <p:cTn id="11" dur="1" fill="hold">
+                                          <p:stCondLst>
+                                            <p:cond delay="0"/>
+                                          </p:stCondLst>
+                                        </p:cTn>
+                                        <p:tgtEl>
+                                          <p:spTgt spid="3">
+                                            <p:txEl>
+                                              <p:pRg st="1" end="1"/>
+                                            </p:txEl>
+                                          </p:spTgt>
+                                        </p:tgtEl>
+                                        <p:attrNameLst>
+                                          <p:attrName>style.visibility</p:attrName>
+                                        </p:attrNameLst>
+                                      </p:cBhvr>
+                                      <p:to>
+                                        <p:strVal val="visible"/>
+                                      </p:to>
+                                    </p:set>
+                                    <p:animEffect transition="in" filter="fade">
+                                      <p:cBhvr>
+                                        <p:cTn id="12" dur="500"/>
+                                        <p:tgtEl>
+                                          <p:spTgt spid="3">
+                                            <p:txEl>
+                                              <p:pRg st="1" end="1"/>
+                                            </p:txEl>
+                                          </p:spTgt>
+                                        </p:tgtEl>
+                                      </p:cBhvr>
+                                    </p:animEffect>
+                                  </p:childTnLst>
+                                </p:cTn>
+                              </p:par>
+                            </p:childTnLst>
+                          </p:cTn>
+                        </p:par>
+                      </p:childTnLst>
+                    </p:cTn>
+                  </p:par>
+                  <p:par>
+                    <p:cTn id="13" fill="hold">
+                      <p:stCondLst>
+                        <p:cond delay="indefinite"/>
+                      </p:stCondLst>
+                      <p:childTnLst>
+                        <p:par>
+                          <p:cTn id="14" fill="hold">
+                            <p:stCondLst>
+                              <p:cond delay="0"/>
+                            </p:stCondLst>
+                            <p:childTnLst>
+                              <p:par>
+                                <p:cTn id="15" presetID="10" presetClass="entr" presetSubtype="0" fill="hold" nodeType="clickEffect">
+                                  <p:stCondLst>
+                                    <p:cond delay="0"/>
+                                  </p:stCondLst>
+                                  <p:childTnLst>
+                                    <p:set>
+                                      <p:cBhvr>
+                                        <p:cTn id="16" dur="1" fill="hold">
+                                          <p:stCondLst>
+                                            <p:cond delay="0"/>
+                                          </p:stCondLst>
+                                        </p:cTn>
+                                        <p:tgtEl>
+                                          <p:spTgt spid="3">
+                                            <p:txEl>
+                                              <p:pRg st="2" end="2"/>
+                                            </p:txEl>
+                                          </p:spTgt>
+                                        </p:tgtEl>
+                                        <p:attrNameLst>
+                                          <p:attrName>style.visibility</p:attrName>
+                                        </p:attrNameLst>
+                                      </p:cBhvr>
+                                      <p:to>
+                                        <p:strVal val="visible"/>
+                                      </p:to>
+                                    </p:set>
+                                    <p:animEffect transition="in" filter="fade">
+                                      <p:cBhvr>
+                                        <p:cTn id="17" dur="500"/>
+                                        <p:tgtEl>
+                                          <p:spTgt spid="3">
+                                            <p:txEl>
+                                              <p:pRg st="2" end="2"/>
+                                            </p:txEl>
+                                          </p:spTgt>
+                                        </p:tgtEl>
+                                      </p:cBhvr>
+                                    </p:animEffect>
+                                  </p:childTnLst>
+                                </p:cTn>
+                              </p:par>
+                            </p:childTnLst>
+                          </p:cTn>
+                        </p:par>
+                      </p:childTnLst>
+                    </p:cTn>
+                  </p:par>
+                  <p:par>
+                    <p:cTn id="18" fill="hold">
+                      <p:stCondLst>
+                        <p:cond delay="indefinite"/>
+                      </p:stCondLst>
+                      <p:childTnLst>
+                        <p:par>
+                          <p:cTn id="19" fill="hold">
+                            <p:stCondLst>
+                              <p:cond delay="0"/>
+                            </p:stCondLst>
+                            <p:childTnLst>
+                              <p:par>
+                                <p:cTn id="20" presetID="10" presetClass="entr" presetSubtype="0" fill="hold" nodeType="clickEffect">
+                                  <p:stCondLst>
+                                    <p:cond delay="0"/>
+                                  </p:stCondLst>
+                                  <p:childTnLst>
+                                    <p:set>
+                                      <p:cBhvr>
+                                        <p:cTn id="21" dur="1" fill="hold">
+                                          <p:stCondLst>
+                                            <p:cond delay="0"/>
+                                          </p:stCondLst>
+                                        </p:cTn>
+                                        <p:tgtEl>
+                                          <p:spTgt spid="3">
+                                            <p:txEl>
+                                              <p:pRg st="3" end="3"/>
+                                            </p:txEl>
+                                          </p:spTgt>
+                                        </p:tgtEl>
+                                        <p:attrNameLst>
+                                          <p:attrName>style.visibility</p:attrName>
+                                        </p:attrNameLst>
+                                      </p:cBhvr>
+                                      <p:to>
+                                        <p:strVal val="visible"/>
+                                      </p:to>
+                                    </p:set>
+                                    <p:animEffect transition="in" filter="fade">
+                                      <p:cBhvr>
+                                        <p:cTn id="22" dur="500"/>
+                                        <p:tgtEl>
+                                          <p:spTgt spid="3">
+                                            <p:txEl>
+                                              <p:pRg st="3" end="3"/>
+                                            </p:txEl>
+                                          </p:spTgt>
+                                        </p:tgtEl>
+                                      </p:cBhvr>
+                                    </p:animEffect>
+                                  </p:childTnLst>
+                                </p:cTn>
+                              </p:par>
+                            </p:childTnLst>
+                          </p:cTn>
+                        </p:par>
+                      </p:childTnLst>
+                    </p:cTn>
+                  </p:par>
+                  <p:par>
+                    <p:cTn id="23" fill="hold">
+                      <p:stCondLst>
+                        <p:cond delay="indefinite"/>
+                      </p:stCondLst>
+                      <p:childTnLst>
+                        <p:par>
+                          <p:cTn id="24" fill="hold">
+                            <p:stCondLst>
+                              <p:cond delay="0"/>
+                            </p:stCondLst>
+                            <p:childTnLst>
+                              <p:par>
+                                <p:cTn id="25" presetID="10" presetClass="entr" presetSubtype="0" fill="hold" nodeType="clickEffect">
+                                  <p:stCondLst>
+                                    <p:cond delay="0"/>
+                                  </p:stCondLst>
+                                  <p:childTnLst>
+                                    <p:set>
+                                      <p:cBhvr>
+                                        <p:cTn id="26" dur="1" fill="hold">
+                                          <p:stCondLst>
+                                            <p:cond delay="0"/>
+                                          </p:stCondLst>
+                                        </p:cTn>
+                                        <p:tgtEl>
+                                          <p:spTgt spid="3">
+                                            <p:txEl>
+                                              <p:pRg st="4" end="4"/>
+                                            </p:txEl>
+                                          </p:spTgt>
+                                        </p:tgtEl>
+                                        <p:attrNameLst>
+                                          <p:attrName>style.visibility</p:attrName>
+                                        </p:attrNameLst>
+                                      </p:cBhvr>
+                                      <p:to>
+                                        <p:strVal val="visible"/>
+                                      </p:to>
+                                    </p:set>
+                                    <p:animEffect transition="in" filter="fade">
+                                      <p:cBhvr>
+                                        <p:cTn id="27" dur="500"/>
+                                        <p:tgtEl>
+                                          <p:spTgt spid="3">
+                                            <p:txEl>
+                                              <p:pRg st="4" end="4"/>
+                                            </p:txEl>
+                                          </p:spTgt>
+                                        </p:tgtEl>
+                                      </p:cBhvr>
+                                    </p:animEffect>
+                                  </p:childTnLst>
+                                </p:cTn>
+                              </p:par>
+                            </p:childTnLst>
+                          </p:cTn>
+                        </p:par>
+                      </p:childTnLst>
+                    </p:cTn>
+                  </p:par>
+                  <p:par>
+                    <p:cTn id="28" fill="hold">
+                      <p:stCondLst>
+                        <p:cond delay="indefinite"/>
+                      </p:stCondLst>
+                      <p:childTnLst>
+                        <p:par>
+                          <p:cTn id="29" fill="hold">
+                            <p:stCondLst>
+                              <p:cond delay="0"/>
+                            </p:stCondLst>
+                            <p:childTnLst>
+                              <p:par>
+                                <p:cTn id="30" presetID="10" presetClass="entr" presetSubtype="0" fill="hold" grpId="0" nodeType="clickEffect">
+                                  <p:stCondLst>
+                                    <p:cond delay="0"/>
+                                  </p:stCondLst>
+                                  <p:childTnLst>
+                                    <p:set>
+                                      <p:cBhvr>
+                                        <p:cTn id="31" dur="1" fill="hold">
+                                          <p:stCondLst>
+                                            <p:cond delay="0"/>
+                                          </p:stCondLst>
+                                        </p:cTn>
+                                        <p:tgtEl>
+                                          <p:spTgt spid="8"/>
+                                        </p:tgtEl>
+                                        <p:attrNameLst>
+                                          <p:attrName>style.visibility</p:attrName>
+                                        </p:attrNameLst>
+                                      </p:cBhvr>
+                                      <p:to>
+                                        <p:strVal val="visible"/>
+                                      </p:to>
+                                    </p:set>
+                                    <p:animEffect transition="in" filter="fade">
+                                      <p:cBhvr>
+                                        <p:cTn id="32" dur="500"/>
+                                        <p:tgtEl>
+                                          <p:spTgt spid="8"/>
+                                        </p:tgtEl>
+                                      </p:cBhvr>
+                                    </p:animEffect>
+                                  </p:childTnLst>
+                                </p:cTn>
+                              </p:par>
+                              <p:par>
+                                <p:cTn id="33" presetID="10" presetClass="entr" presetSubtype="0" fill="hold" nodeType="withEffect">
+                                  <p:stCondLst>
+                                    <p:cond delay="0"/>
+                                  </p:stCondLst>
+                                  <p:childTnLst>
+                                    <p:set>
+                                      <p:cBhvr>
+                                        <p:cTn id="34" dur="1" fill="hold">
+                                          <p:stCondLst>
+                                            <p:cond delay="0"/>
+                                          </p:stCondLst>
+                                        </p:cTn>
+                                        <p:tgtEl>
+                                          <p:spTgt spid="10"/>
+                                        </p:tgtEl>
+                                        <p:attrNameLst>
+                                          <p:attrName>style.visibility</p:attrName>
+                                        </p:attrNameLst>
+                                      </p:cBhvr>
+                                      <p:to>
+                                        <p:strVal val="visible"/>
+                                      </p:to>
+                                    </p:set>
+                                    <p:animEffect transition="in" filter="fade">
+                                      <p:cBhvr>
+                                        <p:cTn id="35" dur="500"/>
+                                        <p:tgtEl>
+                                          <p:spTgt spid="10"/>
+                                        </p:tgtEl>
+                                      </p:cBhvr>
+                                    </p:animEffect>
+                                  </p:childTnLst>
+                                </p:cTn>
+                              </p:par>
+                            </p:childTnLst>
+                          </p:cTn>
+                        </p:par>
+                      </p:childTnLst>
+                    </p:cTn>
+                  </p:par>
+                  <p:par>
+                    <p:cTn id="36" fill="hold">
+                      <p:stCondLst>
+                        <p:cond delay="indefinite"/>
+                      </p:stCondLst>
+                      <p:childTnLst>
+                        <p:par>
+                          <p:cTn id="37" fill="hold">
+                            <p:stCondLst>
+                              <p:cond delay="0"/>
+                            </p:stCondLst>
+                            <p:childTnLst>
+                              <p:par>
+                                <p:cTn id="38" presetID="1" presetClass="exit" presetSubtype="0" fill="hold" grpId="0" nodeType="clickEffect">
+                                  <p:stCondLst>
+                                    <p:cond delay="0"/>
+                                  </p:stCondLst>
+                                  <p:childTnLst>
+                                    <p:set>
+                                      <p:cBhvr>
+                                        <p:cTn id="39" dur="1" fill="hold">
+                                          <p:stCondLst>
+                                            <p:cond delay="0"/>
+                                          </p:stCondLst>
+                                        </p:cTn>
+                                        <p:tgtEl>
+                                          <p:spTgt spid="3">
+                                            <p:txEl>
+                                              <p:pRg st="0" end="0"/>
+                                            </p:txEl>
+                                          </p:spTgt>
+                                        </p:tgtEl>
+                                        <p:attrNameLst>
+                                          <p:attrName>style.visibility</p:attrName>
+                                        </p:attrNameLst>
+                                      </p:cBhvr>
+                                      <p:to>
+                                        <p:strVal val="hidden"/>
+                                      </p:to>
+                                    </p:set>
+                                  </p:childTnLst>
+                                </p:cTn>
+                              </p:par>
+                              <p:par>
+                                <p:cTn id="40" presetID="1" presetClass="exit" presetSubtype="0" fill="hold" grpId="0" nodeType="withEffect">
+                                  <p:stCondLst>
+                                    <p:cond delay="0"/>
+                                  </p:stCondLst>
+                                  <p:childTnLst>
+                                    <p:set>
+                                      <p:cBhvr>
+                                        <p:cTn id="41" dur="1" fill="hold">
+                                          <p:stCondLst>
+                                            <p:cond delay="0"/>
+                                          </p:stCondLst>
+                                        </p:cTn>
+                                        <p:tgtEl>
+                                          <p:spTgt spid="3">
+                                            <p:txEl>
+                                              <p:pRg st="1" end="1"/>
+                                            </p:txEl>
+                                          </p:spTgt>
+                                        </p:tgtEl>
+                                        <p:attrNameLst>
+                                          <p:attrName>style.visibility</p:attrName>
+                                        </p:attrNameLst>
+                                      </p:cBhvr>
+                                      <p:to>
+                                        <p:strVal val="hidden"/>
+                                      </p:to>
+                                    </p:set>
+                                  </p:childTnLst>
+                                </p:cTn>
+                              </p:par>
+                              <p:par>
+                                <p:cTn id="42" presetID="1" presetClass="exit" presetSubtype="0" fill="hold" grpId="0" nodeType="withEffect">
+                                  <p:stCondLst>
+                                    <p:cond delay="0"/>
+                                  </p:stCondLst>
+                                  <p:childTnLst>
+                                    <p:set>
+                                      <p:cBhvr>
+                                        <p:cTn id="43" dur="1" fill="hold">
+                                          <p:stCondLst>
+                                            <p:cond delay="0"/>
+                                          </p:stCondLst>
+                                        </p:cTn>
+                                        <p:tgtEl>
+                                          <p:spTgt spid="3">
+                                            <p:txEl>
+                                              <p:pRg st="2" end="2"/>
+                                            </p:txEl>
+                                          </p:spTgt>
+                                        </p:tgtEl>
+                                        <p:attrNameLst>
+                                          <p:attrName>style.visibility</p:attrName>
+                                        </p:attrNameLst>
+                                      </p:cBhvr>
+                                      <p:to>
+                                        <p:strVal val="hidden"/>
+                                      </p:to>
+                                    </p:set>
+                                  </p:childTnLst>
+                                </p:cTn>
+                              </p:par>
+                              <p:par>
+                                <p:cTn id="44" presetID="1" presetClass="exit" presetSubtype="0" fill="hold" grpId="0" nodeType="withEffect">
+                                  <p:stCondLst>
+                                    <p:cond delay="0"/>
+                                  </p:stCondLst>
+                                  <p:childTnLst>
+                                    <p:set>
+                                      <p:cBhvr>
+                                        <p:cTn id="45" dur="1" fill="hold">
+                                          <p:stCondLst>
+                                            <p:cond delay="0"/>
+                                          </p:stCondLst>
+                                        </p:cTn>
+                                        <p:tgtEl>
+                                          <p:spTgt spid="3">
+                                            <p:txEl>
+                                              <p:pRg st="3" end="3"/>
+                                            </p:txEl>
+                                          </p:spTgt>
+                                        </p:tgtEl>
+                                        <p:attrNameLst>
+                                          <p:attrName>style.visibility</p:attrName>
+                                        </p:attrNameLst>
+                                      </p:cBhvr>
+                                      <p:to>
+                                        <p:strVal val="hidden"/>
+                                      </p:to>
+                                    </p:set>
+                                  </p:childTnLst>
+                                </p:cTn>
+                              </p:par>
+                              <p:par>
+                                <p:cTn id="46" presetID="1" presetClass="exit" presetSubtype="0" fill="hold" grpId="0" nodeType="withEffect">
+                                  <p:stCondLst>
+                                    <p:cond delay="0"/>
+                                  </p:stCondLst>
+                                  <p:childTnLst>
+                                    <p:set>
+                                      <p:cBhvr>
+                                        <p:cTn id="47" dur="1" fill="hold">
+                                          <p:stCondLst>
+                                            <p:cond delay="0"/>
+                                          </p:stCondLst>
+                                        </p:cTn>
+                                        <p:tgtEl>
+                                          <p:spTgt spid="3">
+                                            <p:txEl>
+                                              <p:pRg st="4" end="4"/>
+                                            </p:txEl>
+                                          </p:spTgt>
+                                        </p:tgtEl>
+                                        <p:attrNameLst>
+                                          <p:attrName>style.visibility</p:attrName>
+                                        </p:attrNameLst>
+                                      </p:cBhvr>
+                                      <p:to>
+                                        <p:strVal val="hidden"/>
+                                      </p:to>
+                                    </p:set>
+                                  </p:childTnLst>
+                                </p:cTn>
+                              </p:par>
+                              <p:par>
+                                <p:cTn id="48" presetID="10" presetClass="entr" presetSubtype="0" fill="hold" grpId="0" nodeType="withEffect">
+                                  <p:stCondLst>
+                                    <p:cond delay="0"/>
+                                  </p:stCondLst>
+                                  <p:childTnLst>
+                                    <p:set>
+                                      <p:cBhvr>
+                                        <p:cTn id="49" dur="1" fill="hold">
+                                          <p:stCondLst>
+                                            <p:cond delay="0"/>
+                                          </p:stCondLst>
+                                        </p:cTn>
+                                        <p:tgtEl>
+                                          <p:spTgt spid="4"/>
+                                        </p:tgtEl>
+                                        <p:attrNameLst>
+                                          <p:attrName>style.visibility</p:attrName>
+                                        </p:attrNameLst>
+                                      </p:cBhvr>
+                                      <p:to>
+                                        <p:strVal val="visible"/>
+                                      </p:to>
+                                    </p:set>
+                                    <p:animEffect transition="in" filter="fade">
+                                      <p:cBhvr>
+                                        <p:cTn id="50" dur="500"/>
+                                        <p:tgtEl>
+                                          <p:spTgt spid="4"/>
+                                        </p:tgtEl>
+                                      </p:cBhvr>
+                                    </p:animEffect>
+                                  </p:childTnLst>
+                                </p:cTn>
+                              </p:par>
+                            </p:childTnLst>
+                          </p:cTn>
+                        </p:par>
+                      </p:childTnLst>
+                    </p:cTn>
+                  </p:par>
+                </p:childTnLst>
+              </p:cTn>
+              <p:prevCondLst>
+                <p:cond evt="onPrev" delay="0">
+                  <p:tgtEl>
+                    <p:sldTgt/>
+                  </p:tgtEl>
+                </p:cond>
+              </p:prevCondLst>
+              <p:nextCondLst>
+                <p:cond evt="onNext" delay="0">
+                  <p:tgtEl>
+                    <p:sldTgt/>
+                  </p:tgtEl>
+                </p:cond>
+              </p:nextCondLst>
+            </p:seq>
+          </p:childTnLst>
+        </p:cTn>
+      </p:par>
+    </p:tnLst>
+    <p:bldLst>
+      <p:bldP spid="3" grpId="0" build="p"/>
+      <p:bldP spid="4" grpId="0"/>
+      <p:bldP spid="8" grpId="0"/>
+    </p:bldLst>
+  </p:timing>
 </p:sld>
 </file>
 
@@ -11336,15 +16999,15 @@
           <a:lstStyle/>
           <a:p>
             <a:r>
-              <a:rPr lang="es-GT" dirty="0"/>
-              <a:t>Modelos y procedimientos que se utilizaron</a:t>
+              <a:rPr lang="es-GT" b="1" dirty="0"/>
+              <a:t>Modelos Utilizados</a:t>
             </a:r>
           </a:p>
         </p:txBody>
       </p:sp>
       <p:sp>
         <p:nvSpPr>
-          <p:cNvPr id="3" name="Content Placeholder 2">
+          <p:cNvPr id="3" name="Modelos">
             <a:extLst>
               <a:ext uri="{FF2B5EF4-FFF2-40B4-BE49-F238E27FC236}">
                 <a16:creationId xmlns:a16="http://schemas.microsoft.com/office/drawing/2014/main" id="{B13A7F2C-1952-463E-8DA5-83D81A09F8EA}"/>
@@ -11358,37 +17021,33 @@
             <p:ph idx="1"/>
           </p:nvPr>
         </p:nvSpPr>
-        <p:spPr/>
+        <p:spPr>
+          <a:xfrm>
+            <a:off x="2592925" y="1733550"/>
+            <a:ext cx="7250113" cy="3777622"/>
+          </a:xfrm>
+        </p:spPr>
         <p:txBody>
-          <a:bodyPr/>
+          <a:bodyPr>
+            <a:normAutofit/>
+          </a:bodyPr>
           <a:lstStyle/>
           <a:p>
             <a:r>
-              <a:rPr lang="es-GT" dirty="0"/>
-              <a:t>Limpieza ,Encoding y Normalización </a:t>
-            </a:r>
-          </a:p>
-          <a:p>
-            <a:r>
-              <a:rPr lang="es-GT" dirty="0"/>
-              <a:t>Selección de Variables importantes</a:t>
-            </a:r>
-          </a:p>
-          <a:p>
-            <a:r>
-              <a:rPr lang="es-GT" dirty="0"/>
+              <a:rPr lang="es-GT" sz="2200" dirty="0"/>
               <a:t>Regresiones lineales y polinómicas</a:t>
             </a:r>
           </a:p>
           <a:p>
             <a:r>
-              <a:rPr lang="es-GT" dirty="0"/>
-              <a:t>Regresión lineal con XGBoost</a:t>
+              <a:rPr lang="es-GT" sz="2200" dirty="0" err="1"/>
+              <a:t>XGBoost</a:t>
             </a:r>
+            <a:endParaRPr lang="es-GT" sz="2200" dirty="0"/>
           </a:p>
           <a:p>
             <a:r>
-              <a:rPr lang="es-GT" dirty="0"/>
+              <a:rPr lang="es-GT" sz="2200" dirty="0"/>
               <a:t>Redes neuronales</a:t>
             </a:r>
           </a:p>
@@ -11404,6 +17063,222 @@
   <p:clrMapOvr>
     <a:masterClrMapping/>
   </p:clrMapOvr>
+  <p:timing>
+    <p:tnLst>
+      <p:par>
+        <p:cTn id="1" dur="indefinite" restart="never" nodeType="tmRoot">
+          <p:childTnLst>
+            <p:seq concurrent="1" nextAc="seek">
+              <p:cTn id="2" dur="indefinite" nodeType="mainSeq">
+                <p:childTnLst>
+                  <p:par>
+                    <p:cTn id="3" fill="hold">
+                      <p:stCondLst>
+                        <p:cond delay="indefinite"/>
+                      </p:stCondLst>
+                      <p:childTnLst>
+                        <p:par>
+                          <p:cTn id="4" fill="hold">
+                            <p:stCondLst>
+                              <p:cond delay="0"/>
+                            </p:stCondLst>
+                            <p:childTnLst>
+                              <p:par>
+                                <p:cTn id="5" presetID="10" presetClass="entr" presetSubtype="0" fill="hold" grpId="0" nodeType="clickEffect">
+                                  <p:stCondLst>
+                                    <p:cond delay="0"/>
+                                  </p:stCondLst>
+                                  <p:childTnLst>
+                                    <p:set>
+                                      <p:cBhvr>
+                                        <p:cTn id="6" dur="1" fill="hold">
+                                          <p:stCondLst>
+                                            <p:cond delay="0"/>
+                                          </p:stCondLst>
+                                        </p:cTn>
+                                        <p:tgtEl>
+                                          <p:spTgt spid="3">
+                                            <p:txEl>
+                                              <p:pRg st="0" end="0"/>
+                                            </p:txEl>
+                                          </p:spTgt>
+                                        </p:tgtEl>
+                                        <p:attrNameLst>
+                                          <p:attrName>style.visibility</p:attrName>
+                                        </p:attrNameLst>
+                                      </p:cBhvr>
+                                      <p:to>
+                                        <p:strVal val="visible"/>
+                                      </p:to>
+                                    </p:set>
+                                    <p:animEffect transition="in" filter="fade">
+                                      <p:cBhvr>
+                                        <p:cTn id="7" dur="500"/>
+                                        <p:tgtEl>
+                                          <p:spTgt spid="3">
+                                            <p:txEl>
+                                              <p:pRg st="0" end="0"/>
+                                            </p:txEl>
+                                          </p:spTgt>
+                                        </p:tgtEl>
+                                      </p:cBhvr>
+                                    </p:animEffect>
+                                  </p:childTnLst>
+                                </p:cTn>
+                              </p:par>
+                            </p:childTnLst>
+                          </p:cTn>
+                        </p:par>
+                      </p:childTnLst>
+                    </p:cTn>
+                  </p:par>
+                  <p:par>
+                    <p:cTn id="8" fill="hold">
+                      <p:stCondLst>
+                        <p:cond delay="indefinite"/>
+                      </p:stCondLst>
+                      <p:childTnLst>
+                        <p:par>
+                          <p:cTn id="9" fill="hold">
+                            <p:stCondLst>
+                              <p:cond delay="0"/>
+                            </p:stCondLst>
+                            <p:childTnLst>
+                              <p:par>
+                                <p:cTn id="10" presetID="10" presetClass="entr" presetSubtype="0" fill="hold" grpId="0" nodeType="clickEffect">
+                                  <p:stCondLst>
+                                    <p:cond delay="0"/>
+                                  </p:stCondLst>
+                                  <p:childTnLst>
+                                    <p:set>
+                                      <p:cBhvr>
+                                        <p:cTn id="11" dur="1" fill="hold">
+                                          <p:stCondLst>
+                                            <p:cond delay="0"/>
+                                          </p:stCondLst>
+                                        </p:cTn>
+                                        <p:tgtEl>
+                                          <p:spTgt spid="3">
+                                            <p:txEl>
+                                              <p:pRg st="1" end="1"/>
+                                            </p:txEl>
+                                          </p:spTgt>
+                                        </p:tgtEl>
+                                        <p:attrNameLst>
+                                          <p:attrName>style.visibility</p:attrName>
+                                        </p:attrNameLst>
+                                      </p:cBhvr>
+                                      <p:to>
+                                        <p:strVal val="visible"/>
+                                      </p:to>
+                                    </p:set>
+                                    <p:animEffect transition="in" filter="fade">
+                                      <p:cBhvr>
+                                        <p:cTn id="12" dur="500"/>
+                                        <p:tgtEl>
+                                          <p:spTgt spid="3">
+                                            <p:txEl>
+                                              <p:pRg st="1" end="1"/>
+                                            </p:txEl>
+                                          </p:spTgt>
+                                        </p:tgtEl>
+                                      </p:cBhvr>
+                                    </p:animEffect>
+                                  </p:childTnLst>
+                                </p:cTn>
+                              </p:par>
+                            </p:childTnLst>
+                          </p:cTn>
+                        </p:par>
+                      </p:childTnLst>
+                    </p:cTn>
+                  </p:par>
+                  <p:par>
+                    <p:cTn id="13" fill="hold">
+                      <p:stCondLst>
+                        <p:cond delay="indefinite"/>
+                      </p:stCondLst>
+                      <p:childTnLst>
+                        <p:par>
+                          <p:cTn id="14" fill="hold">
+                            <p:stCondLst>
+                              <p:cond delay="0"/>
+                            </p:stCondLst>
+                            <p:childTnLst>
+                              <p:par>
+                                <p:cTn id="15" presetID="10" presetClass="entr" presetSubtype="0" fill="hold" grpId="0" nodeType="clickEffect">
+                                  <p:stCondLst>
+                                    <p:cond delay="0"/>
+                                  </p:stCondLst>
+                                  <p:childTnLst>
+                                    <p:set>
+                                      <p:cBhvr>
+                                        <p:cTn id="16" dur="1" fill="hold">
+                                          <p:stCondLst>
+                                            <p:cond delay="0"/>
+                                          </p:stCondLst>
+                                        </p:cTn>
+                                        <p:tgtEl>
+                                          <p:spTgt spid="3">
+                                            <p:txEl>
+                                              <p:pRg st="2" end="2"/>
+                                            </p:txEl>
+                                          </p:spTgt>
+                                        </p:tgtEl>
+                                        <p:attrNameLst>
+                                          <p:attrName>style.visibility</p:attrName>
+                                        </p:attrNameLst>
+                                      </p:cBhvr>
+                                      <p:to>
+                                        <p:strVal val="visible"/>
+                                      </p:to>
+                                    </p:set>
+                                    <p:animEffect transition="in" filter="fade">
+                                      <p:cBhvr>
+                                        <p:cTn id="17" dur="500"/>
+                                        <p:tgtEl>
+                                          <p:spTgt spid="3">
+                                            <p:txEl>
+                                              <p:pRg st="2" end="2"/>
+                                            </p:txEl>
+                                          </p:spTgt>
+                                        </p:tgtEl>
+                                      </p:cBhvr>
+                                    </p:animEffect>
+                                  </p:childTnLst>
+                                </p:cTn>
+                              </p:par>
+                            </p:childTnLst>
+                          </p:cTn>
+                        </p:par>
+                      </p:childTnLst>
+                    </p:cTn>
+                  </p:par>
+                </p:childTnLst>
+              </p:cTn>
+              <p:prevCondLst>
+                <p:cond evt="onPrev" delay="0">
+                  <p:tgtEl>
+                    <p:sldTgt/>
+                  </p:tgtEl>
+                </p:cond>
+              </p:prevCondLst>
+              <p:nextCondLst>
+                <p:cond evt="onNext" delay="0">
+                  <p:tgtEl>
+                    <p:sldTgt/>
+                  </p:tgtEl>
+                </p:cond>
+              </p:nextCondLst>
+            </p:seq>
+          </p:childTnLst>
+        </p:cTn>
+      </p:par>
+    </p:tnLst>
+    <p:bldLst>
+      <p:bldP spid="3" grpId="0" build="p"/>
+    </p:bldLst>
+  </p:timing>
 </p:sld>
 </file>
 
@@ -11429,7 +17304,7 @@
           <p:cNvPr id="2" name="Title 1">
             <a:extLst>
               <a:ext uri="{FF2B5EF4-FFF2-40B4-BE49-F238E27FC236}">
-                <a16:creationId xmlns:a16="http://schemas.microsoft.com/office/drawing/2014/main" id="{A2707922-AFE0-4402-821E-626DB058EBB6}"/>
+                <a16:creationId xmlns:a16="http://schemas.microsoft.com/office/drawing/2014/main" id="{C8BC7581-32B2-420B-B7EC-592683B9F344}"/>
               </a:ext>
             </a:extLst>
           </p:cNvPr>
@@ -11440,86 +17315,687 @@
             <p:ph type="title"/>
           </p:nvPr>
         </p:nvSpPr>
-        <p:spPr/>
+        <p:spPr>
+          <a:xfrm>
+            <a:off x="2592926" y="624110"/>
+            <a:ext cx="3588800" cy="709390"/>
+          </a:xfrm>
+        </p:spPr>
         <p:txBody>
           <a:bodyPr/>
           <a:lstStyle/>
           <a:p>
             <a:r>
-              <a:rPr lang="es-GT" dirty="0"/>
-              <a:t>Limpieza ,Encoding y Normalización </a:t>
-            </a:r>
-            <a:br>
-              <a:rPr lang="es-GT" dirty="0"/>
-            </a:br>
-            <a:endParaRPr lang="es-GT" dirty="0"/>
-          </a:p>
-        </p:txBody>
-      </p:sp>
-      <p:sp>
-        <p:nvSpPr>
-          <p:cNvPr id="3" name="Content Placeholder 2">
-            <a:extLst>
-              <a:ext uri="{FF2B5EF4-FFF2-40B4-BE49-F238E27FC236}">
-                <a16:creationId xmlns:a16="http://schemas.microsoft.com/office/drawing/2014/main" id="{566D2B88-E1E5-4C53-893D-0C50DBD1304C}"/>
-              </a:ext>
-            </a:extLst>
-          </p:cNvPr>
-          <p:cNvSpPr>
-            <a:spLocks noGrp="1"/>
-          </p:cNvSpPr>
-          <p:nvPr>
-            <p:ph idx="1"/>
-          </p:nvPr>
-        </p:nvSpPr>
-        <p:spPr/>
-        <p:txBody>
-          <a:bodyPr/>
-          <a:lstStyle/>
-          <a:p>
-            <a:r>
-              <a:rPr lang="es-GT" dirty="0"/>
-              <a:t>Limpieza de la data</a:t>
-            </a:r>
-          </a:p>
-          <a:p>
-            <a:r>
-              <a:rPr lang="es-GT" dirty="0"/>
-              <a:t>Encoding </a:t>
-            </a:r>
-          </a:p>
-          <a:p>
-            <a:pPr lvl="1"/>
-            <a:r>
-              <a:rPr lang="es-GT" dirty="0"/>
-              <a:t>Hot One</a:t>
-            </a:r>
-          </a:p>
-          <a:p>
-            <a:pPr lvl="1"/>
-            <a:r>
-              <a:rPr lang="es-GT" dirty="0"/>
-              <a:t>Integral</a:t>
-            </a:r>
-          </a:p>
-          <a:p>
-            <a:r>
-              <a:rPr lang="es-GT" dirty="0"/>
-              <a:t>Normalización </a:t>
+              <a:rPr lang="es-GT" b="1" dirty="0"/>
+              <a:t>Metodología</a:t>
             </a:r>
           </a:p>
         </p:txBody>
       </p:sp>
+      <p:grpSp>
+        <p:nvGrpSpPr>
+          <p:cNvPr id="8" name="Group 7">
+            <a:extLst>
+              <a:ext uri="{FF2B5EF4-FFF2-40B4-BE49-F238E27FC236}">
+                <a16:creationId xmlns:a16="http://schemas.microsoft.com/office/drawing/2014/main" id="{D2A77234-3185-4BA5-9243-C9F9B9DBDCD7}"/>
+              </a:ext>
+            </a:extLst>
+          </p:cNvPr>
+          <p:cNvGrpSpPr/>
+          <p:nvPr/>
+        </p:nvGrpSpPr>
+        <p:grpSpPr>
+          <a:xfrm>
+            <a:off x="5631400" y="5485956"/>
+            <a:ext cx="7446424" cy="1281334"/>
+            <a:chOff x="2592925" y="4952556"/>
+            <a:chExt cx="7446424" cy="1281334"/>
+          </a:xfrm>
+        </p:grpSpPr>
+        <p:sp>
+          <p:nvSpPr>
+            <p:cNvPr id="6" name="MaterialApoyo">
+              <a:extLst>
+                <a:ext uri="{FF2B5EF4-FFF2-40B4-BE49-F238E27FC236}">
+                  <a16:creationId xmlns:a16="http://schemas.microsoft.com/office/drawing/2014/main" id="{80CD754E-ACC5-4105-9143-DDA62D16C53D}"/>
+                </a:ext>
+              </a:extLst>
+            </p:cNvPr>
+            <p:cNvSpPr txBox="1">
+              <a:spLocks/>
+            </p:cNvSpPr>
+            <p:nvPr/>
+          </p:nvSpPr>
+          <p:spPr>
+            <a:xfrm>
+              <a:off x="2592925" y="5014691"/>
+              <a:ext cx="7446424" cy="1219199"/>
+            </a:xfrm>
+            <a:prstGeom prst="rect">
+              <a:avLst/>
+            </a:prstGeom>
+          </p:spPr>
+          <p:txBody>
+            <a:bodyPr vert="horz" lIns="91440" tIns="45720" rIns="91440" bIns="45720" rtlCol="0">
+              <a:normAutofit/>
+            </a:bodyPr>
+            <a:lstStyle>
+              <a:lvl1pPr marL="342900" indent="-342900" algn="l" defTabSz="457200" rtl="0" eaLnBrk="1" latinLnBrk="0" hangingPunct="1">
+                <a:spcBef>
+                  <a:spcPts val="1000"/>
+                </a:spcBef>
+                <a:spcAft>
+                  <a:spcPts val="0"/>
+                </a:spcAft>
+                <a:buClr>
+                  <a:schemeClr val="accent1"/>
+                </a:buClr>
+                <a:buFont typeface="Wingdings 3" charset="2"/>
+                <a:buChar char=""/>
+                <a:defRPr sz="1800" kern="1200">
+                  <a:solidFill>
+                    <a:schemeClr val="tx1">
+                      <a:lumMod val="75000"/>
+                      <a:lumOff val="25000"/>
+                    </a:schemeClr>
+                  </a:solidFill>
+                  <a:latin typeface="+mn-lt"/>
+                  <a:ea typeface="+mn-ea"/>
+                  <a:cs typeface="+mn-cs"/>
+                </a:defRPr>
+              </a:lvl1pPr>
+              <a:lvl2pPr marL="742950" indent="-285750" algn="l" defTabSz="457200" rtl="0" eaLnBrk="1" latinLnBrk="0" hangingPunct="1">
+                <a:spcBef>
+                  <a:spcPts val="1000"/>
+                </a:spcBef>
+                <a:spcAft>
+                  <a:spcPts val="0"/>
+                </a:spcAft>
+                <a:buClr>
+                  <a:schemeClr val="accent1"/>
+                </a:buClr>
+                <a:buFont typeface="Wingdings 3" charset="2"/>
+                <a:buChar char=""/>
+                <a:defRPr sz="1600" kern="1200">
+                  <a:solidFill>
+                    <a:schemeClr val="tx1">
+                      <a:lumMod val="75000"/>
+                      <a:lumOff val="25000"/>
+                    </a:schemeClr>
+                  </a:solidFill>
+                  <a:latin typeface="+mn-lt"/>
+                  <a:ea typeface="+mn-ea"/>
+                  <a:cs typeface="+mn-cs"/>
+                </a:defRPr>
+              </a:lvl2pPr>
+              <a:lvl3pPr marL="1143000" indent="-228600" algn="l" defTabSz="457200" rtl="0" eaLnBrk="1" latinLnBrk="0" hangingPunct="1">
+                <a:spcBef>
+                  <a:spcPts val="1000"/>
+                </a:spcBef>
+                <a:spcAft>
+                  <a:spcPts val="0"/>
+                </a:spcAft>
+                <a:buClr>
+                  <a:schemeClr val="accent1"/>
+                </a:buClr>
+                <a:buFont typeface="Wingdings 3" charset="2"/>
+                <a:buChar char=""/>
+                <a:defRPr sz="1400" kern="1200">
+                  <a:solidFill>
+                    <a:schemeClr val="tx1">
+                      <a:lumMod val="75000"/>
+                      <a:lumOff val="25000"/>
+                    </a:schemeClr>
+                  </a:solidFill>
+                  <a:latin typeface="+mn-lt"/>
+                  <a:ea typeface="+mn-ea"/>
+                  <a:cs typeface="+mn-cs"/>
+                </a:defRPr>
+              </a:lvl3pPr>
+              <a:lvl4pPr marL="1600200" indent="-228600" algn="l" defTabSz="457200" rtl="0" eaLnBrk="1" latinLnBrk="0" hangingPunct="1">
+                <a:spcBef>
+                  <a:spcPts val="1000"/>
+                </a:spcBef>
+                <a:spcAft>
+                  <a:spcPts val="0"/>
+                </a:spcAft>
+                <a:buClr>
+                  <a:schemeClr val="accent1"/>
+                </a:buClr>
+                <a:buFont typeface="Wingdings 3" charset="2"/>
+                <a:buChar char=""/>
+                <a:defRPr sz="1200" kern="1200">
+                  <a:solidFill>
+                    <a:schemeClr val="tx1">
+                      <a:lumMod val="75000"/>
+                      <a:lumOff val="25000"/>
+                    </a:schemeClr>
+                  </a:solidFill>
+                  <a:latin typeface="+mn-lt"/>
+                  <a:ea typeface="+mn-ea"/>
+                  <a:cs typeface="+mn-cs"/>
+                </a:defRPr>
+              </a:lvl4pPr>
+              <a:lvl5pPr marL="2057400" indent="-228600" algn="l" defTabSz="457200" rtl="0" eaLnBrk="1" latinLnBrk="0" hangingPunct="1">
+                <a:spcBef>
+                  <a:spcPts val="1000"/>
+                </a:spcBef>
+                <a:spcAft>
+                  <a:spcPts val="0"/>
+                </a:spcAft>
+                <a:buClr>
+                  <a:schemeClr val="accent1"/>
+                </a:buClr>
+                <a:buFont typeface="Wingdings 3" charset="2"/>
+                <a:buChar char=""/>
+                <a:defRPr sz="1200" kern="1200">
+                  <a:solidFill>
+                    <a:schemeClr val="tx1">
+                      <a:lumMod val="75000"/>
+                      <a:lumOff val="25000"/>
+                    </a:schemeClr>
+                  </a:solidFill>
+                  <a:latin typeface="+mn-lt"/>
+                  <a:ea typeface="+mn-ea"/>
+                  <a:cs typeface="+mn-cs"/>
+                </a:defRPr>
+              </a:lvl5pPr>
+              <a:lvl6pPr marL="2514600" indent="-228600" algn="l" defTabSz="457200" rtl="0" eaLnBrk="1" latinLnBrk="0" hangingPunct="1">
+                <a:spcBef>
+                  <a:spcPts val="1000"/>
+                </a:spcBef>
+                <a:spcAft>
+                  <a:spcPts val="0"/>
+                </a:spcAft>
+                <a:buClr>
+                  <a:schemeClr val="accent1"/>
+                </a:buClr>
+                <a:buFont typeface="Wingdings 3" charset="2"/>
+                <a:buChar char=""/>
+                <a:defRPr sz="1200" kern="1200">
+                  <a:solidFill>
+                    <a:schemeClr val="tx1">
+                      <a:lumMod val="75000"/>
+                      <a:lumOff val="25000"/>
+                    </a:schemeClr>
+                  </a:solidFill>
+                  <a:latin typeface="+mn-lt"/>
+                  <a:ea typeface="+mn-ea"/>
+                  <a:cs typeface="+mn-cs"/>
+                </a:defRPr>
+              </a:lvl6pPr>
+              <a:lvl7pPr marL="2971800" indent="-228600" algn="l" defTabSz="457200" rtl="0" eaLnBrk="1" latinLnBrk="0" hangingPunct="1">
+                <a:spcBef>
+                  <a:spcPts val="1000"/>
+                </a:spcBef>
+                <a:spcAft>
+                  <a:spcPts val="0"/>
+                </a:spcAft>
+                <a:buClr>
+                  <a:schemeClr val="accent1"/>
+                </a:buClr>
+                <a:buFont typeface="Wingdings 3" charset="2"/>
+                <a:buChar char=""/>
+                <a:defRPr sz="1200" kern="1200">
+                  <a:solidFill>
+                    <a:schemeClr val="tx1">
+                      <a:lumMod val="75000"/>
+                      <a:lumOff val="25000"/>
+                    </a:schemeClr>
+                  </a:solidFill>
+                  <a:latin typeface="+mn-lt"/>
+                  <a:ea typeface="+mn-ea"/>
+                  <a:cs typeface="+mn-cs"/>
+                </a:defRPr>
+              </a:lvl7pPr>
+              <a:lvl8pPr marL="3429000" indent="-228600" algn="l" defTabSz="457200" rtl="0" eaLnBrk="1" latinLnBrk="0" hangingPunct="1">
+                <a:spcBef>
+                  <a:spcPts val="1000"/>
+                </a:spcBef>
+                <a:spcAft>
+                  <a:spcPts val="0"/>
+                </a:spcAft>
+                <a:buClr>
+                  <a:schemeClr val="accent1"/>
+                </a:buClr>
+                <a:buFont typeface="Wingdings 3" charset="2"/>
+                <a:buChar char=""/>
+                <a:defRPr sz="1200" kern="1200">
+                  <a:solidFill>
+                    <a:schemeClr val="tx1">
+                      <a:lumMod val="75000"/>
+                      <a:lumOff val="25000"/>
+                    </a:schemeClr>
+                  </a:solidFill>
+                  <a:latin typeface="+mn-lt"/>
+                  <a:ea typeface="+mn-ea"/>
+                  <a:cs typeface="+mn-cs"/>
+                </a:defRPr>
+              </a:lvl8pPr>
+              <a:lvl9pPr marL="3886200" indent="-228600" algn="l" defTabSz="457200" rtl="0" eaLnBrk="1" latinLnBrk="0" hangingPunct="1">
+                <a:spcBef>
+                  <a:spcPts val="1000"/>
+                </a:spcBef>
+                <a:spcAft>
+                  <a:spcPts val="0"/>
+                </a:spcAft>
+                <a:buClr>
+                  <a:schemeClr val="accent1"/>
+                </a:buClr>
+                <a:buFont typeface="Wingdings 3" charset="2"/>
+                <a:buChar char=""/>
+                <a:defRPr sz="1200" kern="1200">
+                  <a:solidFill>
+                    <a:schemeClr val="tx1">
+                      <a:lumMod val="75000"/>
+                      <a:lumOff val="25000"/>
+                    </a:schemeClr>
+                  </a:solidFill>
+                  <a:latin typeface="+mn-lt"/>
+                  <a:ea typeface="+mn-ea"/>
+                  <a:cs typeface="+mn-cs"/>
+                </a:defRPr>
+              </a:lvl9pPr>
+            </a:lstStyle>
+            <a:p>
+              <a:pPr marL="0" indent="0">
+                <a:buNone/>
+              </a:pPr>
+              <a:r>
+                <a:rPr lang="es-GT" sz="2200" dirty="0"/>
+                <a:t>Material de apoyo: </a:t>
+              </a:r>
+              <a:r>
+                <a:rPr lang="es-GT" sz="2200" b="1" i="1" dirty="0" err="1"/>
+                <a:t>metodologia.svg</a:t>
+              </a:r>
+              <a:endParaRPr lang="es-GT" sz="2200" b="1" i="1" dirty="0"/>
+            </a:p>
+            <a:p>
+              <a:pPr marL="0" indent="0">
+                <a:buNone/>
+              </a:pPr>
+              <a:r>
+                <a:rPr lang="es-GT" sz="2200" dirty="0"/>
+                <a:t>&lt;Link aquí, pero un short URL&gt;</a:t>
+              </a:r>
+            </a:p>
+          </p:txBody>
+        </p:sp>
+        <p:pic>
+          <p:nvPicPr>
+            <p:cNvPr id="7" name="MaterialImg" descr="A picture containing mirror&#10;&#10;Description automatically generated">
+              <a:extLst>
+                <a:ext uri="{FF2B5EF4-FFF2-40B4-BE49-F238E27FC236}">
+                  <a16:creationId xmlns:a16="http://schemas.microsoft.com/office/drawing/2014/main" id="{B9E3734A-C388-4AC1-9339-3911BE7F6EBB}"/>
+                </a:ext>
+              </a:extLst>
+            </p:cNvPr>
+            <p:cNvPicPr>
+              <a:picLocks noChangeAspect="1"/>
+            </p:cNvPicPr>
+            <p:nvPr/>
+          </p:nvPicPr>
+          <p:blipFill>
+            <a:blip r:embed="rId2"/>
+            <a:stretch>
+              <a:fillRect/>
+            </a:stretch>
+          </p:blipFill>
+          <p:spPr>
+            <a:xfrm>
+              <a:off x="7904843" y="4952556"/>
+              <a:ext cx="959927" cy="1021199"/>
+            </a:xfrm>
+            <a:prstGeom prst="rect">
+              <a:avLst/>
+            </a:prstGeom>
+          </p:spPr>
+        </p:pic>
+      </p:grpSp>
+      <p:pic>
+        <p:nvPicPr>
+          <p:cNvPr id="9" name="Met1">
+            <a:extLst>
+              <a:ext uri="{FF2B5EF4-FFF2-40B4-BE49-F238E27FC236}">
+                <a16:creationId xmlns:a16="http://schemas.microsoft.com/office/drawing/2014/main" id="{32B3B8A1-DD43-4C64-80FC-A68D397C1526}"/>
+              </a:ext>
+            </a:extLst>
+          </p:cNvPr>
+          <p:cNvPicPr>
+            <a:picLocks noChangeAspect="1"/>
+          </p:cNvPicPr>
+          <p:nvPr/>
+        </p:nvPicPr>
+        <p:blipFill>
+          <a:blip r:embed="rId3"/>
+          <a:stretch>
+            <a:fillRect/>
+          </a:stretch>
+        </p:blipFill>
+        <p:spPr>
+          <a:xfrm>
+            <a:off x="1943099" y="1445775"/>
+            <a:ext cx="8734294" cy="3090266"/>
+          </a:xfrm>
+          <a:prstGeom prst="rect">
+            <a:avLst/>
+          </a:prstGeom>
+        </p:spPr>
+      </p:pic>
+      <p:pic>
+        <p:nvPicPr>
+          <p:cNvPr id="10" name="Picture 9">
+            <a:extLst>
+              <a:ext uri="{FF2B5EF4-FFF2-40B4-BE49-F238E27FC236}">
+                <a16:creationId xmlns:a16="http://schemas.microsoft.com/office/drawing/2014/main" id="{F6C0C490-956F-43C6-9B3B-0BAA6B2F82CB}"/>
+              </a:ext>
+            </a:extLst>
+          </p:cNvPr>
+          <p:cNvPicPr>
+            <a:picLocks noChangeAspect="1"/>
+          </p:cNvPicPr>
+          <p:nvPr/>
+        </p:nvPicPr>
+        <p:blipFill>
+          <a:blip r:embed="rId4"/>
+          <a:stretch>
+            <a:fillRect/>
+          </a:stretch>
+        </p:blipFill>
+        <p:spPr>
+          <a:xfrm>
+            <a:off x="1943099" y="1445775"/>
+            <a:ext cx="8734294" cy="2023466"/>
+          </a:xfrm>
+          <a:prstGeom prst="rect">
+            <a:avLst/>
+          </a:prstGeom>
+        </p:spPr>
+      </p:pic>
+      <p:pic>
+        <p:nvPicPr>
+          <p:cNvPr id="11" name="Picture 10">
+            <a:extLst>
+              <a:ext uri="{FF2B5EF4-FFF2-40B4-BE49-F238E27FC236}">
+                <a16:creationId xmlns:a16="http://schemas.microsoft.com/office/drawing/2014/main" id="{5C1632B2-E8DF-488D-A8F9-DE1DDD74471F}"/>
+              </a:ext>
+            </a:extLst>
+          </p:cNvPr>
+          <p:cNvPicPr>
+            <a:picLocks noChangeAspect="1"/>
+          </p:cNvPicPr>
+          <p:nvPr/>
+        </p:nvPicPr>
+        <p:blipFill>
+          <a:blip r:embed="rId5"/>
+          <a:stretch>
+            <a:fillRect/>
+          </a:stretch>
+        </p:blipFill>
+        <p:spPr>
+          <a:xfrm>
+            <a:off x="3057523" y="1445775"/>
+            <a:ext cx="6810377" cy="3795001"/>
+          </a:xfrm>
+          <a:prstGeom prst="rect">
+            <a:avLst/>
+          </a:prstGeom>
+        </p:spPr>
+      </p:pic>
     </p:spTree>
     <p:extLst>
       <p:ext uri="{BB962C8B-B14F-4D97-AF65-F5344CB8AC3E}">
-        <p14:creationId xmlns:p14="http://schemas.microsoft.com/office/powerpoint/2010/main" val="458776419"/>
+        <p14:creationId xmlns:p14="http://schemas.microsoft.com/office/powerpoint/2010/main" val="530507439"/>
       </p:ext>
     </p:extLst>
   </p:cSld>
   <p:clrMapOvr>
     <a:masterClrMapping/>
   </p:clrMapOvr>
+  <p:timing>
+    <p:tnLst>
+      <p:par>
+        <p:cTn id="1" dur="indefinite" restart="never" nodeType="tmRoot">
+          <p:childTnLst>
+            <p:seq concurrent="1" nextAc="seek">
+              <p:cTn id="2" dur="indefinite" nodeType="mainSeq">
+                <p:childTnLst>
+                  <p:par>
+                    <p:cTn id="3" fill="hold">
+                      <p:stCondLst>
+                        <p:cond delay="indefinite"/>
+                      </p:stCondLst>
+                      <p:childTnLst>
+                        <p:par>
+                          <p:cTn id="4" fill="hold">
+                            <p:stCondLst>
+                              <p:cond delay="0"/>
+                            </p:stCondLst>
+                            <p:childTnLst>
+                              <p:par>
+                                <p:cTn id="5" presetID="10" presetClass="entr" presetSubtype="0" fill="hold" nodeType="clickEffect">
+                                  <p:stCondLst>
+                                    <p:cond delay="0"/>
+                                  </p:stCondLst>
+                                  <p:childTnLst>
+                                    <p:set>
+                                      <p:cBhvr>
+                                        <p:cTn id="6" dur="1" fill="hold">
+                                          <p:stCondLst>
+                                            <p:cond delay="0"/>
+                                          </p:stCondLst>
+                                        </p:cTn>
+                                        <p:tgtEl>
+                                          <p:spTgt spid="9"/>
+                                        </p:tgtEl>
+                                        <p:attrNameLst>
+                                          <p:attrName>style.visibility</p:attrName>
+                                        </p:attrNameLst>
+                                      </p:cBhvr>
+                                      <p:to>
+                                        <p:strVal val="visible"/>
+                                      </p:to>
+                                    </p:set>
+                                    <p:animEffect transition="in" filter="fade">
+                                      <p:cBhvr>
+                                        <p:cTn id="7" dur="500"/>
+                                        <p:tgtEl>
+                                          <p:spTgt spid="9"/>
+                                        </p:tgtEl>
+                                      </p:cBhvr>
+                                    </p:animEffect>
+                                  </p:childTnLst>
+                                </p:cTn>
+                              </p:par>
+                            </p:childTnLst>
+                          </p:cTn>
+                        </p:par>
+                      </p:childTnLst>
+                    </p:cTn>
+                  </p:par>
+                  <p:par>
+                    <p:cTn id="8" fill="hold">
+                      <p:stCondLst>
+                        <p:cond delay="indefinite"/>
+                      </p:stCondLst>
+                      <p:childTnLst>
+                        <p:par>
+                          <p:cTn id="9" fill="hold">
+                            <p:stCondLst>
+                              <p:cond delay="0"/>
+                            </p:stCondLst>
+                            <p:childTnLst>
+                              <p:par>
+                                <p:cTn id="10" presetID="1" presetClass="exit" presetSubtype="0" fill="hold" nodeType="clickEffect">
+                                  <p:stCondLst>
+                                    <p:cond delay="0"/>
+                                  </p:stCondLst>
+                                  <p:childTnLst>
+                                    <p:set>
+                                      <p:cBhvr>
+                                        <p:cTn id="11" dur="1" fill="hold">
+                                          <p:stCondLst>
+                                            <p:cond delay="0"/>
+                                          </p:stCondLst>
+                                        </p:cTn>
+                                        <p:tgtEl>
+                                          <p:spTgt spid="9"/>
+                                        </p:tgtEl>
+                                        <p:attrNameLst>
+                                          <p:attrName>style.visibility</p:attrName>
+                                        </p:attrNameLst>
+                                      </p:cBhvr>
+                                      <p:to>
+                                        <p:strVal val="hidden"/>
+                                      </p:to>
+                                    </p:set>
+                                  </p:childTnLst>
+                                </p:cTn>
+                              </p:par>
+                              <p:par>
+                                <p:cTn id="12" presetID="10" presetClass="entr" presetSubtype="0" fill="hold" nodeType="withEffect">
+                                  <p:stCondLst>
+                                    <p:cond delay="0"/>
+                                  </p:stCondLst>
+                                  <p:childTnLst>
+                                    <p:set>
+                                      <p:cBhvr>
+                                        <p:cTn id="13" dur="1" fill="hold">
+                                          <p:stCondLst>
+                                            <p:cond delay="0"/>
+                                          </p:stCondLst>
+                                        </p:cTn>
+                                        <p:tgtEl>
+                                          <p:spTgt spid="10"/>
+                                        </p:tgtEl>
+                                        <p:attrNameLst>
+                                          <p:attrName>style.visibility</p:attrName>
+                                        </p:attrNameLst>
+                                      </p:cBhvr>
+                                      <p:to>
+                                        <p:strVal val="visible"/>
+                                      </p:to>
+                                    </p:set>
+                                    <p:animEffect transition="in" filter="fade">
+                                      <p:cBhvr>
+                                        <p:cTn id="14" dur="500"/>
+                                        <p:tgtEl>
+                                          <p:spTgt spid="10"/>
+                                        </p:tgtEl>
+                                      </p:cBhvr>
+                                    </p:animEffect>
+                                  </p:childTnLst>
+                                </p:cTn>
+                              </p:par>
+                            </p:childTnLst>
+                          </p:cTn>
+                        </p:par>
+                      </p:childTnLst>
+                    </p:cTn>
+                  </p:par>
+                  <p:par>
+                    <p:cTn id="15" fill="hold">
+                      <p:stCondLst>
+                        <p:cond delay="indefinite"/>
+                      </p:stCondLst>
+                      <p:childTnLst>
+                        <p:par>
+                          <p:cTn id="16" fill="hold">
+                            <p:stCondLst>
+                              <p:cond delay="0"/>
+                            </p:stCondLst>
+                            <p:childTnLst>
+                              <p:par>
+                                <p:cTn id="17" presetID="1" presetClass="exit" presetSubtype="0" fill="hold" nodeType="clickEffect">
+                                  <p:stCondLst>
+                                    <p:cond delay="0"/>
+                                  </p:stCondLst>
+                                  <p:childTnLst>
+                                    <p:set>
+                                      <p:cBhvr>
+                                        <p:cTn id="18" dur="1" fill="hold">
+                                          <p:stCondLst>
+                                            <p:cond delay="0"/>
+                                          </p:stCondLst>
+                                        </p:cTn>
+                                        <p:tgtEl>
+                                          <p:spTgt spid="10"/>
+                                        </p:tgtEl>
+                                        <p:attrNameLst>
+                                          <p:attrName>style.visibility</p:attrName>
+                                        </p:attrNameLst>
+                                      </p:cBhvr>
+                                      <p:to>
+                                        <p:strVal val="hidden"/>
+                                      </p:to>
+                                    </p:set>
+                                  </p:childTnLst>
+                                </p:cTn>
+                              </p:par>
+                              <p:par>
+                                <p:cTn id="19" presetID="10" presetClass="entr" presetSubtype="0" fill="hold" nodeType="withEffect">
+                                  <p:stCondLst>
+                                    <p:cond delay="0"/>
+                                  </p:stCondLst>
+                                  <p:childTnLst>
+                                    <p:set>
+                                      <p:cBhvr>
+                                        <p:cTn id="20" dur="1" fill="hold">
+                                          <p:stCondLst>
+                                            <p:cond delay="0"/>
+                                          </p:stCondLst>
+                                        </p:cTn>
+                                        <p:tgtEl>
+                                          <p:spTgt spid="11"/>
+                                        </p:tgtEl>
+                                        <p:attrNameLst>
+                                          <p:attrName>style.visibility</p:attrName>
+                                        </p:attrNameLst>
+                                      </p:cBhvr>
+                                      <p:to>
+                                        <p:strVal val="visible"/>
+                                      </p:to>
+                                    </p:set>
+                                    <p:animEffect transition="in" filter="fade">
+                                      <p:cBhvr>
+                                        <p:cTn id="21" dur="500"/>
+                                        <p:tgtEl>
+                                          <p:spTgt spid="11"/>
+                                        </p:tgtEl>
+                                      </p:cBhvr>
+                                    </p:animEffect>
+                                  </p:childTnLst>
+                                </p:cTn>
+                              </p:par>
+                            </p:childTnLst>
+                          </p:cTn>
+                        </p:par>
+                      </p:childTnLst>
+                    </p:cTn>
+                  </p:par>
+                </p:childTnLst>
+              </p:cTn>
+              <p:prevCondLst>
+                <p:cond evt="onPrev" delay="0">
+                  <p:tgtEl>
+                    <p:sldTgt/>
+                  </p:tgtEl>
+                </p:cond>
+              </p:prevCondLst>
+              <p:nextCondLst>
+                <p:cond evt="onNext" delay="0">
+                  <p:tgtEl>
+                    <p:sldTgt/>
+                  </p:tgtEl>
+                </p:cond>
+              </p:nextCondLst>
+            </p:seq>
+          </p:childTnLst>
+        </p:cTn>
+      </p:par>
+    </p:tnLst>
+  </p:timing>
 </p:sld>
 </file>
 
@@ -11562,18 +18038,18 @@
           <a:lstStyle/>
           <a:p>
             <a:r>
-              <a:rPr lang="es-GT" dirty="0"/>
-              <a:t>Selección de variables importantes</a:t>
+              <a:rPr lang="es-GT" b="1" dirty="0"/>
+              <a:t>Selección de Variables Importantes</a:t>
             </a:r>
           </a:p>
         </p:txBody>
       </p:sp>
       <p:sp>
         <p:nvSpPr>
-          <p:cNvPr id="3" name="Content Placeholder 2">
+          <p:cNvPr id="5" name="Content Placeholder 4">
             <a:extLst>
               <a:ext uri="{FF2B5EF4-FFF2-40B4-BE49-F238E27FC236}">
-                <a16:creationId xmlns:a16="http://schemas.microsoft.com/office/drawing/2014/main" id="{F52770A5-6EA3-4567-9AC4-641F4225F920}"/>
+                <a16:creationId xmlns:a16="http://schemas.microsoft.com/office/drawing/2014/main" id="{8D8B1593-9A83-40D9-B5D1-CEAC770547F2}"/>
               </a:ext>
             </a:extLst>
           </p:cNvPr>
@@ -11584,30 +18060,381 @@
             <p:ph idx="1"/>
           </p:nvPr>
         </p:nvSpPr>
-        <p:spPr/>
+        <p:spPr>
+          <a:xfrm>
+            <a:off x="2589212" y="1540189"/>
+            <a:ext cx="8915400" cy="2126936"/>
+          </a:xfrm>
+        </p:spPr>
         <p:txBody>
-          <a:bodyPr/>
+          <a:bodyPr>
+            <a:normAutofit/>
+          </a:bodyPr>
           <a:lstStyle/>
           <a:p>
             <a:r>
-              <a:rPr lang="es-GT" dirty="0"/>
-              <a:t>Regresiones lineales y polinómicas</a:t>
+              <a:rPr lang="es-GT" sz="2200" dirty="0"/>
+              <a:t>Análisis de Correlación</a:t>
             </a:r>
           </a:p>
           <a:p>
             <a:r>
-              <a:rPr lang="es-GT" dirty="0"/>
-              <a:t>Regresiones lineales con XGBoost</a:t>
+              <a:rPr lang="es-GT" sz="2200" dirty="0"/>
+              <a:t>Mapa de Calor de Correlación</a:t>
             </a:r>
           </a:p>
           <a:p>
             <a:r>
-              <a:rPr lang="es-GT" dirty="0"/>
-              <a:t>Redes neuronales</a:t>
+              <a:rPr lang="es-GT" sz="2200" dirty="0"/>
+              <a:t>Criterio ‘</a:t>
             </a:r>
+            <a:r>
+              <a:rPr lang="es-GT" sz="2200" dirty="0" err="1"/>
+              <a:t>Threshold</a:t>
+            </a:r>
+            <a:r>
+              <a:rPr lang="es-GT" sz="2200" dirty="0"/>
+              <a:t>’</a:t>
+            </a:r>
+          </a:p>
+          <a:p>
+            <a:r>
+              <a:rPr lang="es-GT" sz="2200" dirty="0"/>
+              <a:t>Combinación de Variables</a:t>
+            </a:r>
+            <a:endParaRPr lang="en-US" sz="2200" dirty="0"/>
           </a:p>
         </p:txBody>
       </p:sp>
+      <p:grpSp>
+        <p:nvGrpSpPr>
+          <p:cNvPr id="6" name="Group 5">
+            <a:extLst>
+              <a:ext uri="{FF2B5EF4-FFF2-40B4-BE49-F238E27FC236}">
+                <a16:creationId xmlns:a16="http://schemas.microsoft.com/office/drawing/2014/main" id="{584B3F1F-D193-43DE-AACF-7F59C87F4DCD}"/>
+              </a:ext>
+            </a:extLst>
+          </p:cNvPr>
+          <p:cNvGrpSpPr/>
+          <p:nvPr/>
+        </p:nvGrpSpPr>
+        <p:grpSpPr>
+          <a:xfrm>
+            <a:off x="2589212" y="4583204"/>
+            <a:ext cx="7313075" cy="1219199"/>
+            <a:chOff x="2592925" y="5014691"/>
+            <a:chExt cx="7446424" cy="1219199"/>
+          </a:xfrm>
+        </p:grpSpPr>
+        <p:sp>
+          <p:nvSpPr>
+            <p:cNvPr id="7" name="MaterialApoyo">
+              <a:extLst>
+                <a:ext uri="{FF2B5EF4-FFF2-40B4-BE49-F238E27FC236}">
+                  <a16:creationId xmlns:a16="http://schemas.microsoft.com/office/drawing/2014/main" id="{B0ED483B-D19C-453F-B476-F6E24D1AD6CD}"/>
+                </a:ext>
+              </a:extLst>
+            </p:cNvPr>
+            <p:cNvSpPr txBox="1">
+              <a:spLocks/>
+            </p:cNvSpPr>
+            <p:nvPr/>
+          </p:nvSpPr>
+          <p:spPr>
+            <a:xfrm>
+              <a:off x="2592925" y="5014691"/>
+              <a:ext cx="7446424" cy="1219199"/>
+            </a:xfrm>
+            <a:prstGeom prst="rect">
+              <a:avLst/>
+            </a:prstGeom>
+          </p:spPr>
+          <p:txBody>
+            <a:bodyPr vert="horz" lIns="91440" tIns="45720" rIns="91440" bIns="45720" rtlCol="0">
+              <a:normAutofit fontScale="92500" lnSpcReduction="10000"/>
+            </a:bodyPr>
+            <a:lstStyle>
+              <a:lvl1pPr marL="342900" indent="-342900" algn="l" defTabSz="457200" rtl="0" eaLnBrk="1" latinLnBrk="0" hangingPunct="1">
+                <a:spcBef>
+                  <a:spcPts val="1000"/>
+                </a:spcBef>
+                <a:spcAft>
+                  <a:spcPts val="0"/>
+                </a:spcAft>
+                <a:buClr>
+                  <a:schemeClr val="accent1"/>
+                </a:buClr>
+                <a:buFont typeface="Wingdings 3" charset="2"/>
+                <a:buChar char=""/>
+                <a:defRPr sz="1800" kern="1200">
+                  <a:solidFill>
+                    <a:schemeClr val="tx1">
+                      <a:lumMod val="75000"/>
+                      <a:lumOff val="25000"/>
+                    </a:schemeClr>
+                  </a:solidFill>
+                  <a:latin typeface="+mn-lt"/>
+                  <a:ea typeface="+mn-ea"/>
+                  <a:cs typeface="+mn-cs"/>
+                </a:defRPr>
+              </a:lvl1pPr>
+              <a:lvl2pPr marL="742950" indent="-285750" algn="l" defTabSz="457200" rtl="0" eaLnBrk="1" latinLnBrk="0" hangingPunct="1">
+                <a:spcBef>
+                  <a:spcPts val="1000"/>
+                </a:spcBef>
+                <a:spcAft>
+                  <a:spcPts val="0"/>
+                </a:spcAft>
+                <a:buClr>
+                  <a:schemeClr val="accent1"/>
+                </a:buClr>
+                <a:buFont typeface="Wingdings 3" charset="2"/>
+                <a:buChar char=""/>
+                <a:defRPr sz="1600" kern="1200">
+                  <a:solidFill>
+                    <a:schemeClr val="tx1">
+                      <a:lumMod val="75000"/>
+                      <a:lumOff val="25000"/>
+                    </a:schemeClr>
+                  </a:solidFill>
+                  <a:latin typeface="+mn-lt"/>
+                  <a:ea typeface="+mn-ea"/>
+                  <a:cs typeface="+mn-cs"/>
+                </a:defRPr>
+              </a:lvl2pPr>
+              <a:lvl3pPr marL="1143000" indent="-228600" algn="l" defTabSz="457200" rtl="0" eaLnBrk="1" latinLnBrk="0" hangingPunct="1">
+                <a:spcBef>
+                  <a:spcPts val="1000"/>
+                </a:spcBef>
+                <a:spcAft>
+                  <a:spcPts val="0"/>
+                </a:spcAft>
+                <a:buClr>
+                  <a:schemeClr val="accent1"/>
+                </a:buClr>
+                <a:buFont typeface="Wingdings 3" charset="2"/>
+                <a:buChar char=""/>
+                <a:defRPr sz="1400" kern="1200">
+                  <a:solidFill>
+                    <a:schemeClr val="tx1">
+                      <a:lumMod val="75000"/>
+                      <a:lumOff val="25000"/>
+                    </a:schemeClr>
+                  </a:solidFill>
+                  <a:latin typeface="+mn-lt"/>
+                  <a:ea typeface="+mn-ea"/>
+                  <a:cs typeface="+mn-cs"/>
+                </a:defRPr>
+              </a:lvl3pPr>
+              <a:lvl4pPr marL="1600200" indent="-228600" algn="l" defTabSz="457200" rtl="0" eaLnBrk="1" latinLnBrk="0" hangingPunct="1">
+                <a:spcBef>
+                  <a:spcPts val="1000"/>
+                </a:spcBef>
+                <a:spcAft>
+                  <a:spcPts val="0"/>
+                </a:spcAft>
+                <a:buClr>
+                  <a:schemeClr val="accent1"/>
+                </a:buClr>
+                <a:buFont typeface="Wingdings 3" charset="2"/>
+                <a:buChar char=""/>
+                <a:defRPr sz="1200" kern="1200">
+                  <a:solidFill>
+                    <a:schemeClr val="tx1">
+                      <a:lumMod val="75000"/>
+                      <a:lumOff val="25000"/>
+                    </a:schemeClr>
+                  </a:solidFill>
+                  <a:latin typeface="+mn-lt"/>
+                  <a:ea typeface="+mn-ea"/>
+                  <a:cs typeface="+mn-cs"/>
+                </a:defRPr>
+              </a:lvl4pPr>
+              <a:lvl5pPr marL="2057400" indent="-228600" algn="l" defTabSz="457200" rtl="0" eaLnBrk="1" latinLnBrk="0" hangingPunct="1">
+                <a:spcBef>
+                  <a:spcPts val="1000"/>
+                </a:spcBef>
+                <a:spcAft>
+                  <a:spcPts val="0"/>
+                </a:spcAft>
+                <a:buClr>
+                  <a:schemeClr val="accent1"/>
+                </a:buClr>
+                <a:buFont typeface="Wingdings 3" charset="2"/>
+                <a:buChar char=""/>
+                <a:defRPr sz="1200" kern="1200">
+                  <a:solidFill>
+                    <a:schemeClr val="tx1">
+                      <a:lumMod val="75000"/>
+                      <a:lumOff val="25000"/>
+                    </a:schemeClr>
+                  </a:solidFill>
+                  <a:latin typeface="+mn-lt"/>
+                  <a:ea typeface="+mn-ea"/>
+                  <a:cs typeface="+mn-cs"/>
+                </a:defRPr>
+              </a:lvl5pPr>
+              <a:lvl6pPr marL="2514600" indent="-228600" algn="l" defTabSz="457200" rtl="0" eaLnBrk="1" latinLnBrk="0" hangingPunct="1">
+                <a:spcBef>
+                  <a:spcPts val="1000"/>
+                </a:spcBef>
+                <a:spcAft>
+                  <a:spcPts val="0"/>
+                </a:spcAft>
+                <a:buClr>
+                  <a:schemeClr val="accent1"/>
+                </a:buClr>
+                <a:buFont typeface="Wingdings 3" charset="2"/>
+                <a:buChar char=""/>
+                <a:defRPr sz="1200" kern="1200">
+                  <a:solidFill>
+                    <a:schemeClr val="tx1">
+                      <a:lumMod val="75000"/>
+                      <a:lumOff val="25000"/>
+                    </a:schemeClr>
+                  </a:solidFill>
+                  <a:latin typeface="+mn-lt"/>
+                  <a:ea typeface="+mn-ea"/>
+                  <a:cs typeface="+mn-cs"/>
+                </a:defRPr>
+              </a:lvl6pPr>
+              <a:lvl7pPr marL="2971800" indent="-228600" algn="l" defTabSz="457200" rtl="0" eaLnBrk="1" latinLnBrk="0" hangingPunct="1">
+                <a:spcBef>
+                  <a:spcPts val="1000"/>
+                </a:spcBef>
+                <a:spcAft>
+                  <a:spcPts val="0"/>
+                </a:spcAft>
+                <a:buClr>
+                  <a:schemeClr val="accent1"/>
+                </a:buClr>
+                <a:buFont typeface="Wingdings 3" charset="2"/>
+                <a:buChar char=""/>
+                <a:defRPr sz="1200" kern="1200">
+                  <a:solidFill>
+                    <a:schemeClr val="tx1">
+                      <a:lumMod val="75000"/>
+                      <a:lumOff val="25000"/>
+                    </a:schemeClr>
+                  </a:solidFill>
+                  <a:latin typeface="+mn-lt"/>
+                  <a:ea typeface="+mn-ea"/>
+                  <a:cs typeface="+mn-cs"/>
+                </a:defRPr>
+              </a:lvl7pPr>
+              <a:lvl8pPr marL="3429000" indent="-228600" algn="l" defTabSz="457200" rtl="0" eaLnBrk="1" latinLnBrk="0" hangingPunct="1">
+                <a:spcBef>
+                  <a:spcPts val="1000"/>
+                </a:spcBef>
+                <a:spcAft>
+                  <a:spcPts val="0"/>
+                </a:spcAft>
+                <a:buClr>
+                  <a:schemeClr val="accent1"/>
+                </a:buClr>
+                <a:buFont typeface="Wingdings 3" charset="2"/>
+                <a:buChar char=""/>
+                <a:defRPr sz="1200" kern="1200">
+                  <a:solidFill>
+                    <a:schemeClr val="tx1">
+                      <a:lumMod val="75000"/>
+                      <a:lumOff val="25000"/>
+                    </a:schemeClr>
+                  </a:solidFill>
+                  <a:latin typeface="+mn-lt"/>
+                  <a:ea typeface="+mn-ea"/>
+                  <a:cs typeface="+mn-cs"/>
+                </a:defRPr>
+              </a:lvl8pPr>
+              <a:lvl9pPr marL="3886200" indent="-228600" algn="l" defTabSz="457200" rtl="0" eaLnBrk="1" latinLnBrk="0" hangingPunct="1">
+                <a:spcBef>
+                  <a:spcPts val="1000"/>
+                </a:spcBef>
+                <a:spcAft>
+                  <a:spcPts val="0"/>
+                </a:spcAft>
+                <a:buClr>
+                  <a:schemeClr val="accent1"/>
+                </a:buClr>
+                <a:buFont typeface="Wingdings 3" charset="2"/>
+                <a:buChar char=""/>
+                <a:defRPr sz="1200" kern="1200">
+                  <a:solidFill>
+                    <a:schemeClr val="tx1">
+                      <a:lumMod val="75000"/>
+                      <a:lumOff val="25000"/>
+                    </a:schemeClr>
+                  </a:solidFill>
+                  <a:latin typeface="+mn-lt"/>
+                  <a:ea typeface="+mn-ea"/>
+                  <a:cs typeface="+mn-cs"/>
+                </a:defRPr>
+              </a:lvl9pPr>
+            </a:lstStyle>
+            <a:p>
+              <a:pPr marL="0" indent="0">
+                <a:buNone/>
+              </a:pPr>
+              <a:r>
+                <a:rPr lang="es-GT" sz="2200" dirty="0"/>
+                <a:t>Material de apoyo: </a:t>
+              </a:r>
+              <a:r>
+                <a:rPr lang="es-GT" sz="2200" b="1" i="1" dirty="0"/>
+                <a:t>heatmap.png</a:t>
+              </a:r>
+            </a:p>
+            <a:p>
+              <a:pPr marL="0" indent="0">
+                <a:buNone/>
+              </a:pPr>
+              <a:r>
+                <a:rPr lang="es-GT" sz="2200" dirty="0"/>
+                <a:t>&lt;Link aquí, pero un short URL&gt;</a:t>
+              </a:r>
+            </a:p>
+            <a:p>
+              <a:pPr marL="0" indent="0">
+                <a:buNone/>
+              </a:pPr>
+              <a:r>
+                <a:rPr lang="es-GT" sz="2200" dirty="0"/>
+                <a:t>¡Necesita un buen zoom!</a:t>
+              </a:r>
+            </a:p>
+          </p:txBody>
+        </p:sp>
+        <p:pic>
+          <p:nvPicPr>
+            <p:cNvPr id="8" name="MaterialImg" descr="A picture containing mirror&#10;&#10;Description automatically generated">
+              <a:extLst>
+                <a:ext uri="{FF2B5EF4-FFF2-40B4-BE49-F238E27FC236}">
+                  <a16:creationId xmlns:a16="http://schemas.microsoft.com/office/drawing/2014/main" id="{2532CEBB-CACF-4FED-85A9-CE6A78EAE348}"/>
+                </a:ext>
+              </a:extLst>
+            </p:cNvPr>
+            <p:cNvPicPr>
+              <a:picLocks noChangeAspect="1"/>
+            </p:cNvPicPr>
+            <p:nvPr/>
+          </p:nvPicPr>
+          <p:blipFill>
+            <a:blip r:embed="rId2"/>
+            <a:stretch>
+              <a:fillRect/>
+            </a:stretch>
+          </p:blipFill>
+          <p:spPr>
+            <a:xfrm>
+              <a:off x="7904843" y="5113690"/>
+              <a:ext cx="959927" cy="1021199"/>
+            </a:xfrm>
+            <a:prstGeom prst="rect">
+              <a:avLst/>
+            </a:prstGeom>
+          </p:spPr>
+        </p:pic>
+      </p:grpSp>
     </p:spTree>
     <p:extLst>
       <p:ext uri="{BB962C8B-B14F-4D97-AF65-F5344CB8AC3E}">
@@ -11618,6 +18445,315 @@
   <p:clrMapOvr>
     <a:masterClrMapping/>
   </p:clrMapOvr>
+  <p:timing>
+    <p:tnLst>
+      <p:par>
+        <p:cTn id="1" dur="indefinite" restart="never" nodeType="tmRoot">
+          <p:childTnLst>
+            <p:seq concurrent="1" nextAc="seek">
+              <p:cTn id="2" dur="indefinite" nodeType="mainSeq">
+                <p:childTnLst>
+                  <p:par>
+                    <p:cTn id="3" fill="hold">
+                      <p:stCondLst>
+                        <p:cond delay="indefinite"/>
+                      </p:stCondLst>
+                      <p:childTnLst>
+                        <p:par>
+                          <p:cTn id="4" fill="hold">
+                            <p:stCondLst>
+                              <p:cond delay="0"/>
+                            </p:stCondLst>
+                            <p:childTnLst>
+                              <p:par>
+                                <p:cTn id="5" presetID="10" presetClass="entr" presetSubtype="0" fill="hold" nodeType="clickEffect">
+                                  <p:stCondLst>
+                                    <p:cond delay="0"/>
+                                  </p:stCondLst>
+                                  <p:childTnLst>
+                                    <p:set>
+                                      <p:cBhvr>
+                                        <p:cTn id="6" dur="1" fill="hold">
+                                          <p:stCondLst>
+                                            <p:cond delay="0"/>
+                                          </p:stCondLst>
+                                        </p:cTn>
+                                        <p:tgtEl>
+                                          <p:spTgt spid="5">
+                                            <p:txEl>
+                                              <p:pRg st="0" end="0"/>
+                                            </p:txEl>
+                                          </p:spTgt>
+                                        </p:tgtEl>
+                                        <p:attrNameLst>
+                                          <p:attrName>style.visibility</p:attrName>
+                                        </p:attrNameLst>
+                                      </p:cBhvr>
+                                      <p:to>
+                                        <p:strVal val="visible"/>
+                                      </p:to>
+                                    </p:set>
+                                    <p:animEffect transition="in" filter="fade">
+                                      <p:cBhvr>
+                                        <p:cTn id="7" dur="500"/>
+                                        <p:tgtEl>
+                                          <p:spTgt spid="5">
+                                            <p:txEl>
+                                              <p:pRg st="0" end="0"/>
+                                            </p:txEl>
+                                          </p:spTgt>
+                                        </p:tgtEl>
+                                      </p:cBhvr>
+                                    </p:animEffect>
+                                  </p:childTnLst>
+                                </p:cTn>
+                              </p:par>
+                            </p:childTnLst>
+                          </p:cTn>
+                        </p:par>
+                      </p:childTnLst>
+                    </p:cTn>
+                  </p:par>
+                  <p:par>
+                    <p:cTn id="8" fill="hold">
+                      <p:stCondLst>
+                        <p:cond delay="indefinite"/>
+                      </p:stCondLst>
+                      <p:childTnLst>
+                        <p:par>
+                          <p:cTn id="9" fill="hold">
+                            <p:stCondLst>
+                              <p:cond delay="0"/>
+                            </p:stCondLst>
+                            <p:childTnLst>
+                              <p:par>
+                                <p:cTn id="10" presetID="10" presetClass="entr" presetSubtype="0" fill="hold" nodeType="clickEffect">
+                                  <p:stCondLst>
+                                    <p:cond delay="0"/>
+                                  </p:stCondLst>
+                                  <p:childTnLst>
+                                    <p:set>
+                                      <p:cBhvr>
+                                        <p:cTn id="11" dur="1" fill="hold">
+                                          <p:stCondLst>
+                                            <p:cond delay="0"/>
+                                          </p:stCondLst>
+                                        </p:cTn>
+                                        <p:tgtEl>
+                                          <p:spTgt spid="5">
+                                            <p:txEl>
+                                              <p:pRg st="1" end="1"/>
+                                            </p:txEl>
+                                          </p:spTgt>
+                                        </p:tgtEl>
+                                        <p:attrNameLst>
+                                          <p:attrName>style.visibility</p:attrName>
+                                        </p:attrNameLst>
+                                      </p:cBhvr>
+                                      <p:to>
+                                        <p:strVal val="visible"/>
+                                      </p:to>
+                                    </p:set>
+                                    <p:animEffect transition="in" filter="fade">
+                                      <p:cBhvr>
+                                        <p:cTn id="12" dur="500"/>
+                                        <p:tgtEl>
+                                          <p:spTgt spid="5">
+                                            <p:txEl>
+                                              <p:pRg st="1" end="1"/>
+                                            </p:txEl>
+                                          </p:spTgt>
+                                        </p:tgtEl>
+                                      </p:cBhvr>
+                                    </p:animEffect>
+                                  </p:childTnLst>
+                                </p:cTn>
+                              </p:par>
+                              <p:par>
+                                <p:cTn id="13" presetID="10" presetClass="entr" presetSubtype="0" fill="hold" nodeType="withEffect">
+                                  <p:stCondLst>
+                                    <p:cond delay="0"/>
+                                  </p:stCondLst>
+                                  <p:childTnLst>
+                                    <p:set>
+                                      <p:cBhvr>
+                                        <p:cTn id="14" dur="1" fill="hold">
+                                          <p:stCondLst>
+                                            <p:cond delay="0"/>
+                                          </p:stCondLst>
+                                        </p:cTn>
+                                        <p:tgtEl>
+                                          <p:spTgt spid="6"/>
+                                        </p:tgtEl>
+                                        <p:attrNameLst>
+                                          <p:attrName>style.visibility</p:attrName>
+                                        </p:attrNameLst>
+                                      </p:cBhvr>
+                                      <p:to>
+                                        <p:strVal val="visible"/>
+                                      </p:to>
+                                    </p:set>
+                                    <p:animEffect transition="in" filter="fade">
+                                      <p:cBhvr>
+                                        <p:cTn id="15" dur="500"/>
+                                        <p:tgtEl>
+                                          <p:spTgt spid="6"/>
+                                        </p:tgtEl>
+                                      </p:cBhvr>
+                                    </p:animEffect>
+                                  </p:childTnLst>
+                                </p:cTn>
+                              </p:par>
+                            </p:childTnLst>
+                          </p:cTn>
+                        </p:par>
+                      </p:childTnLst>
+                    </p:cTn>
+                  </p:par>
+                  <p:par>
+                    <p:cTn id="16" fill="hold">
+                      <p:stCondLst>
+                        <p:cond delay="indefinite"/>
+                      </p:stCondLst>
+                      <p:childTnLst>
+                        <p:par>
+                          <p:cTn id="17" fill="hold">
+                            <p:stCondLst>
+                              <p:cond delay="0"/>
+                            </p:stCondLst>
+                            <p:childTnLst>
+                              <p:par>
+                                <p:cTn id="18" presetID="10" presetClass="entr" presetSubtype="0" fill="hold" nodeType="clickEffect">
+                                  <p:stCondLst>
+                                    <p:cond delay="0"/>
+                                  </p:stCondLst>
+                                  <p:childTnLst>
+                                    <p:set>
+                                      <p:cBhvr>
+                                        <p:cTn id="19" dur="1" fill="hold">
+                                          <p:stCondLst>
+                                            <p:cond delay="0"/>
+                                          </p:stCondLst>
+                                        </p:cTn>
+                                        <p:tgtEl>
+                                          <p:spTgt spid="5">
+                                            <p:txEl>
+                                              <p:pRg st="2" end="2"/>
+                                            </p:txEl>
+                                          </p:spTgt>
+                                        </p:tgtEl>
+                                        <p:attrNameLst>
+                                          <p:attrName>style.visibility</p:attrName>
+                                        </p:attrNameLst>
+                                      </p:cBhvr>
+                                      <p:to>
+                                        <p:strVal val="visible"/>
+                                      </p:to>
+                                    </p:set>
+                                    <p:animEffect transition="in" filter="fade">
+                                      <p:cBhvr>
+                                        <p:cTn id="20" dur="500"/>
+                                        <p:tgtEl>
+                                          <p:spTgt spid="5">
+                                            <p:txEl>
+                                              <p:pRg st="2" end="2"/>
+                                            </p:txEl>
+                                          </p:spTgt>
+                                        </p:tgtEl>
+                                      </p:cBhvr>
+                                    </p:animEffect>
+                                  </p:childTnLst>
+                                </p:cTn>
+                              </p:par>
+                            </p:childTnLst>
+                          </p:cTn>
+                        </p:par>
+                      </p:childTnLst>
+                    </p:cTn>
+                  </p:par>
+                  <p:par>
+                    <p:cTn id="21" fill="hold">
+                      <p:stCondLst>
+                        <p:cond delay="indefinite"/>
+                      </p:stCondLst>
+                      <p:childTnLst>
+                        <p:par>
+                          <p:cTn id="22" fill="hold">
+                            <p:stCondLst>
+                              <p:cond delay="0"/>
+                            </p:stCondLst>
+                            <p:childTnLst>
+                              <p:par>
+                                <p:cTn id="23" presetID="10" presetClass="entr" presetSubtype="0" fill="hold" nodeType="clickEffect">
+                                  <p:stCondLst>
+                                    <p:cond delay="0"/>
+                                  </p:stCondLst>
+                                  <p:childTnLst>
+                                    <p:set>
+                                      <p:cBhvr>
+                                        <p:cTn id="24" dur="1" fill="hold">
+                                          <p:stCondLst>
+                                            <p:cond delay="0"/>
+                                          </p:stCondLst>
+                                        </p:cTn>
+                                        <p:tgtEl>
+                                          <p:spTgt spid="5">
+                                            <p:txEl>
+                                              <p:pRg st="3" end="3"/>
+                                            </p:txEl>
+                                          </p:spTgt>
+                                        </p:tgtEl>
+                                        <p:attrNameLst>
+                                          <p:attrName>style.visibility</p:attrName>
+                                        </p:attrNameLst>
+                                      </p:cBhvr>
+                                      <p:to>
+                                        <p:strVal val="visible"/>
+                                      </p:to>
+                                    </p:set>
+                                    <p:animEffect transition="in" filter="fade">
+                                      <p:cBhvr>
+                                        <p:cTn id="25" dur="500"/>
+                                        <p:tgtEl>
+                                          <p:spTgt spid="5">
+                                            <p:txEl>
+                                              <p:pRg st="3" end="3"/>
+                                            </p:txEl>
+                                          </p:spTgt>
+                                        </p:tgtEl>
+                                      </p:cBhvr>
+                                    </p:animEffect>
+                                  </p:childTnLst>
+                                </p:cTn>
+                              </p:par>
+                            </p:childTnLst>
+                          </p:cTn>
+                        </p:par>
+                      </p:childTnLst>
+                    </p:cTn>
+                  </p:par>
+                </p:childTnLst>
+              </p:cTn>
+              <p:prevCondLst>
+                <p:cond evt="onPrev" delay="0">
+                  <p:tgtEl>
+                    <p:sldTgt/>
+                  </p:tgtEl>
+                </p:cond>
+              </p:prevCondLst>
+              <p:nextCondLst>
+                <p:cond evt="onNext" delay="0">
+                  <p:tgtEl>
+                    <p:sldTgt/>
+                  </p:tgtEl>
+                </p:cond>
+              </p:nextCondLst>
+            </p:seq>
+          </p:childTnLst>
+        </p:cTn>
+      </p:par>
+    </p:tnLst>
+  </p:timing>
 </p:sld>
 </file>
 
@@ -14326,8 +21462,8 @@
         </p:nvSpPr>
         <p:spPr>
           <a:xfrm>
-            <a:off x="535525" y="624110"/>
-            <a:ext cx="4623955" cy="1280890"/>
+            <a:off x="543585" y="995296"/>
+            <a:ext cx="4623955" cy="1045326"/>
           </a:xfrm>
         </p:spPr>
         <p:txBody>
@@ -14337,7 +21473,7 @@
           <a:lstStyle/>
           <a:p>
             <a:r>
-              <a:rPr lang="es-GT" dirty="0"/>
+              <a:rPr lang="es-GT" sz="2800" b="1" dirty="0"/>
               <a:t>Regresiones lineales y polinómicas</a:t>
             </a:r>
           </a:p>
@@ -14417,38 +21553,38 @@
             </p:nvSpPr>
             <p:spPr>
               <a:xfrm>
-                <a:off x="531812" y="2133600"/>
-                <a:ext cx="4625882" cy="3777622"/>
+                <a:off x="531811" y="2133600"/>
+                <a:ext cx="6135689" cy="3777622"/>
               </a:xfrm>
             </p:spPr>
             <p:txBody>
               <a:bodyPr vert="horz" lIns="91440" tIns="45720" rIns="91440" bIns="45720" rtlCol="0">
-                <a:normAutofit/>
+                <a:noAutofit/>
               </a:bodyPr>
               <a:lstStyle/>
               <a:p>
                 <a14:m>
                   <m:oMath xmlns:m="http://schemas.openxmlformats.org/officeDocument/2006/math">
                     <m:r>
-                      <a:rPr lang="en-US" b="0" i="1" smtClean="0">
+                      <a:rPr lang="en-US" sz="2200" b="0" i="1" smtClean="0">
                         <a:latin typeface="Cambria Math" panose="02040503050406030204" pitchFamily="18" charset="0"/>
                       </a:rPr>
                       <m:t>𝑆𝑎𝑙𝑒</m:t>
                     </m:r>
                     <m:r>
-                      <a:rPr lang="en-US" b="0" i="1" smtClean="0">
+                      <a:rPr lang="en-US" sz="2200" b="0" i="1" smtClean="0">
                         <a:latin typeface="Cambria Math" panose="02040503050406030204" pitchFamily="18" charset="0"/>
                       </a:rPr>
                       <m:t> </m:t>
                     </m:r>
                     <m:r>
-                      <a:rPr lang="en-US" b="0" i="1" smtClean="0">
+                      <a:rPr lang="en-US" sz="2200" b="0" i="1" smtClean="0">
                         <a:latin typeface="Cambria Math" panose="02040503050406030204" pitchFamily="18" charset="0"/>
                       </a:rPr>
                       <m:t>𝑝𝑟𝑖𝑐𝑒</m:t>
                     </m:r>
                     <m:r>
-                      <a:rPr lang="en-US" b="0" i="1" smtClean="0">
+                      <a:rPr lang="en-US" sz="2200" b="0" i="1" smtClean="0">
                         <a:latin typeface="Cambria Math" panose="02040503050406030204" pitchFamily="18" charset="0"/>
                       </a:rPr>
                       <m:t>=</m:t>
@@ -14456,14 +21592,14 @@
                     <m:sSub>
                       <m:sSubPr>
                         <m:ctrlPr>
-                          <a:rPr lang="en-US" b="0" i="1" smtClean="0">
+                          <a:rPr lang="en-US" sz="2200" b="0" i="1" smtClean="0">
                             <a:latin typeface="Cambria Math" panose="02040503050406030204" pitchFamily="18" charset="0"/>
                           </a:rPr>
                         </m:ctrlPr>
                       </m:sSubPr>
                       <m:e>
                         <m:r>
-                          <a:rPr lang="en-US" b="0" i="1" smtClean="0">
+                          <a:rPr lang="en-US" sz="2200" b="0" i="1" smtClean="0">
                             <a:latin typeface="Cambria Math" panose="02040503050406030204" pitchFamily="18" charset="0"/>
                             <a:ea typeface="Cambria Math" panose="02040503050406030204" pitchFamily="18" charset="0"/>
                           </a:rPr>
@@ -14472,7 +21608,7 @@
                       </m:e>
                       <m:sub>
                         <m:r>
-                          <a:rPr lang="en-US" b="0" i="1" smtClean="0">
+                          <a:rPr lang="en-US" sz="2200" b="0" i="1" smtClean="0">
                             <a:latin typeface="Cambria Math" panose="02040503050406030204" pitchFamily="18" charset="0"/>
                           </a:rPr>
                           <m:t>1</m:t>
@@ -14482,14 +21618,14 @@
                     <m:sSub>
                       <m:sSubPr>
                         <m:ctrlPr>
-                          <a:rPr lang="en-US" b="0" i="1" smtClean="0">
+                          <a:rPr lang="en-US" sz="2200" b="0" i="1" smtClean="0">
                             <a:latin typeface="Cambria Math" panose="02040503050406030204" pitchFamily="18" charset="0"/>
                           </a:rPr>
                         </m:ctrlPr>
                       </m:sSubPr>
                       <m:e>
                         <m:r>
-                          <a:rPr lang="en-US" b="0" i="1" smtClean="0">
+                          <a:rPr lang="en-US" sz="2200" b="0" i="1" smtClean="0">
                             <a:latin typeface="Cambria Math" panose="02040503050406030204" pitchFamily="18" charset="0"/>
                           </a:rPr>
                           <m:t>𝑋</m:t>
@@ -14497,7 +21633,7 @@
                       </m:e>
                       <m:sub>
                         <m:r>
-                          <a:rPr lang="en-US" b="0" i="1" smtClean="0">
+                          <a:rPr lang="en-US" sz="2200" b="0" i="1" smtClean="0">
                             <a:latin typeface="Cambria Math" panose="02040503050406030204" pitchFamily="18" charset="0"/>
                           </a:rPr>
                           <m:t>1</m:t>
@@ -14505,7 +21641,7 @@
                       </m:sub>
                     </m:sSub>
                     <m:r>
-                      <a:rPr lang="en-US" b="0" i="1" smtClean="0">
+                      <a:rPr lang="en-US" sz="2200" b="0" i="1" smtClean="0">
                         <a:latin typeface="Cambria Math" panose="02040503050406030204" pitchFamily="18" charset="0"/>
                       </a:rPr>
                       <m:t>+</m:t>
@@ -14513,14 +21649,14 @@
                     <m:sSub>
                       <m:sSubPr>
                         <m:ctrlPr>
-                          <a:rPr lang="en-US" i="1" smtClean="0">
+                          <a:rPr lang="en-US" sz="2200" i="1" smtClean="0">
                             <a:latin typeface="Cambria Math" panose="02040503050406030204" pitchFamily="18" charset="0"/>
                           </a:rPr>
                         </m:ctrlPr>
                       </m:sSubPr>
                       <m:e>
                         <m:r>
-                          <a:rPr lang="en-US" i="1">
+                          <a:rPr lang="en-US" sz="2200" i="1">
                             <a:latin typeface="Cambria Math" panose="02040503050406030204" pitchFamily="18" charset="0"/>
                             <a:ea typeface="Cambria Math" panose="02040503050406030204" pitchFamily="18" charset="0"/>
                           </a:rPr>
@@ -14529,7 +21665,7 @@
                       </m:e>
                       <m:sub>
                         <m:r>
-                          <a:rPr lang="en-US" b="0" i="1" smtClean="0">
+                          <a:rPr lang="en-US" sz="2200" b="0" i="1" smtClean="0">
                             <a:latin typeface="Cambria Math" panose="02040503050406030204" pitchFamily="18" charset="0"/>
                             <a:ea typeface="Cambria Math" panose="02040503050406030204" pitchFamily="18" charset="0"/>
                           </a:rPr>
@@ -14540,14 +21676,14 @@
                     <m:sSub>
                       <m:sSubPr>
                         <m:ctrlPr>
-                          <a:rPr lang="en-US" i="1">
+                          <a:rPr lang="en-US" sz="2200" i="1">
                             <a:latin typeface="Cambria Math" panose="02040503050406030204" pitchFamily="18" charset="0"/>
                           </a:rPr>
                         </m:ctrlPr>
                       </m:sSubPr>
                       <m:e>
                         <m:r>
-                          <a:rPr lang="en-US" i="1">
+                          <a:rPr lang="en-US" sz="2200" i="1">
                             <a:latin typeface="Cambria Math" panose="02040503050406030204" pitchFamily="18" charset="0"/>
                           </a:rPr>
                           <m:t>𝑋</m:t>
@@ -14555,7 +21691,7 @@
                       </m:e>
                       <m:sub>
                         <m:r>
-                          <a:rPr lang="en-US" b="0" i="1" smtClean="0">
+                          <a:rPr lang="en-US" sz="2200" b="0" i="1" smtClean="0">
                             <a:latin typeface="Cambria Math" panose="02040503050406030204" pitchFamily="18" charset="0"/>
                           </a:rPr>
                           <m:t>2</m:t>
@@ -14563,7 +21699,7 @@
                       </m:sub>
                     </m:sSub>
                     <m:r>
-                      <a:rPr lang="en-US" b="0" i="1" smtClean="0">
+                      <a:rPr lang="en-US" sz="2200" b="0" i="1" smtClean="0">
                         <a:latin typeface="Cambria Math" panose="02040503050406030204" pitchFamily="18" charset="0"/>
                       </a:rPr>
                       <m:t>+</m:t>
@@ -14571,14 +21707,14 @@
                     <m:sSub>
                       <m:sSubPr>
                         <m:ctrlPr>
-                          <a:rPr lang="en-US" i="1">
+                          <a:rPr lang="en-US" sz="2200" i="1">
                             <a:latin typeface="Cambria Math" panose="02040503050406030204" pitchFamily="18" charset="0"/>
                           </a:rPr>
                         </m:ctrlPr>
                       </m:sSubPr>
                       <m:e>
                         <m:r>
-                          <a:rPr lang="en-US" i="1">
+                          <a:rPr lang="en-US" sz="2200" i="1">
                             <a:latin typeface="Cambria Math" panose="02040503050406030204" pitchFamily="18" charset="0"/>
                             <a:ea typeface="Cambria Math" panose="02040503050406030204" pitchFamily="18" charset="0"/>
                           </a:rPr>
@@ -14587,7 +21723,7 @@
                       </m:e>
                       <m:sub>
                         <m:r>
-                          <a:rPr lang="en-US" b="0" i="1" smtClean="0">
+                          <a:rPr lang="en-US" sz="2200" b="0" i="1" smtClean="0">
                             <a:latin typeface="Cambria Math" panose="02040503050406030204" pitchFamily="18" charset="0"/>
                             <a:ea typeface="Cambria Math" panose="02040503050406030204" pitchFamily="18" charset="0"/>
                           </a:rPr>
@@ -14598,14 +21734,14 @@
                     <m:sSub>
                       <m:sSubPr>
                         <m:ctrlPr>
-                          <a:rPr lang="en-US" i="1">
+                          <a:rPr lang="en-US" sz="2200" i="1">
                             <a:latin typeface="Cambria Math" panose="02040503050406030204" pitchFamily="18" charset="0"/>
                           </a:rPr>
                         </m:ctrlPr>
                       </m:sSubPr>
                       <m:e>
                         <m:r>
-                          <a:rPr lang="en-US" i="1">
+                          <a:rPr lang="en-US" sz="2200" i="1">
                             <a:latin typeface="Cambria Math" panose="02040503050406030204" pitchFamily="18" charset="0"/>
                           </a:rPr>
                           <m:t>𝑋</m:t>
@@ -14613,7 +21749,7 @@
                       </m:e>
                       <m:sub>
                         <m:r>
-                          <a:rPr lang="en-US" b="0" i="1" smtClean="0">
+                          <a:rPr lang="en-US" sz="2200" b="0" i="1" smtClean="0">
                             <a:latin typeface="Cambria Math" panose="02040503050406030204" pitchFamily="18" charset="0"/>
                           </a:rPr>
                           <m:t>3</m:t>
@@ -14621,7 +21757,7 @@
                       </m:sub>
                     </m:sSub>
                     <m:r>
-                      <a:rPr lang="en-US" b="0" i="1" smtClean="0">
+                      <a:rPr lang="en-US" sz="2200" b="0" i="1" smtClean="0">
                         <a:latin typeface="Cambria Math" panose="02040503050406030204" pitchFamily="18" charset="0"/>
                       </a:rPr>
                       <m:t>+</m:t>
@@ -14629,14 +21765,14 @@
                     <m:sSub>
                       <m:sSubPr>
                         <m:ctrlPr>
-                          <a:rPr lang="en-US" i="1">
+                          <a:rPr lang="en-US" sz="2200" i="1">
                             <a:latin typeface="Cambria Math" panose="02040503050406030204" pitchFamily="18" charset="0"/>
                           </a:rPr>
                         </m:ctrlPr>
                       </m:sSubPr>
                       <m:e>
                         <m:r>
-                          <a:rPr lang="en-US" i="1">
+                          <a:rPr lang="en-US" sz="2200" i="1">
                             <a:latin typeface="Cambria Math" panose="02040503050406030204" pitchFamily="18" charset="0"/>
                             <a:ea typeface="Cambria Math" panose="02040503050406030204" pitchFamily="18" charset="0"/>
                           </a:rPr>
@@ -14645,7 +21781,7 @@
                       </m:e>
                       <m:sub>
                         <m:r>
-                          <a:rPr lang="en-US" b="0" i="1" smtClean="0">
+                          <a:rPr lang="en-US" sz="2200" b="0" i="1" smtClean="0">
                             <a:latin typeface="Cambria Math" panose="02040503050406030204" pitchFamily="18" charset="0"/>
                             <a:ea typeface="Cambria Math" panose="02040503050406030204" pitchFamily="18" charset="0"/>
                           </a:rPr>
@@ -14656,14 +21792,14 @@
                     <m:sSub>
                       <m:sSubPr>
                         <m:ctrlPr>
-                          <a:rPr lang="en-US" i="1">
+                          <a:rPr lang="en-US" sz="2200" i="1">
                             <a:latin typeface="Cambria Math" panose="02040503050406030204" pitchFamily="18" charset="0"/>
                           </a:rPr>
                         </m:ctrlPr>
                       </m:sSubPr>
                       <m:e>
                         <m:r>
-                          <a:rPr lang="en-US" i="1">
+                          <a:rPr lang="en-US" sz="2200" i="1">
                             <a:latin typeface="Cambria Math" panose="02040503050406030204" pitchFamily="18" charset="0"/>
                           </a:rPr>
                           <m:t>𝑋</m:t>
@@ -14671,7 +21807,7 @@
                       </m:e>
                       <m:sub>
                         <m:r>
-                          <a:rPr lang="en-US" b="0" i="1" smtClean="0">
+                          <a:rPr lang="en-US" sz="2200" b="0" i="1" smtClean="0">
                             <a:latin typeface="Cambria Math" panose="02040503050406030204" pitchFamily="18" charset="0"/>
                           </a:rPr>
                           <m:t>4</m:t>
@@ -14679,14 +21815,14 @@
                       </m:sub>
                     </m:sSub>
                     <m:r>
-                      <a:rPr lang="en-US" b="0" i="1" smtClean="0">
+                      <a:rPr lang="en-US" sz="2200" b="0" i="1" smtClean="0">
                         <a:latin typeface="Cambria Math" panose="02040503050406030204" pitchFamily="18" charset="0"/>
                       </a:rPr>
                       <m:t>+… </m:t>
                     </m:r>
                   </m:oMath>
                 </a14:m>
-                <a:endParaRPr lang="en-US" b="0" i="1" dirty="0">
+                <a:endParaRPr lang="en-US" sz="2200" b="0" i="1" dirty="0">
                   <a:latin typeface="Cambria Math" panose="02040503050406030204" pitchFamily="18" charset="0"/>
                 </a:endParaRPr>
               </a:p>
@@ -14696,14 +21832,14 @@
                     <m:sSup>
                       <m:sSupPr>
                         <m:ctrlPr>
-                          <a:rPr lang="en-US" i="1">
+                          <a:rPr lang="en-US" sz="2200" i="1">
                             <a:latin typeface="Cambria Math" panose="02040503050406030204" pitchFamily="18" charset="0"/>
                           </a:rPr>
                         </m:ctrlPr>
                       </m:sSupPr>
                       <m:e>
                         <m:r>
-                          <a:rPr lang="en-US" i="1">
+                          <a:rPr lang="en-US" sz="2200" i="1">
                             <a:latin typeface="Cambria Math" panose="02040503050406030204" pitchFamily="18" charset="0"/>
                           </a:rPr>
                           <m:t>𝑅</m:t>
@@ -14711,7 +21847,7 @@
                       </m:e>
                       <m:sup>
                         <m:r>
-                          <a:rPr lang="en-US" i="1">
+                          <a:rPr lang="en-US" sz="2200" i="1">
                             <a:latin typeface="Cambria Math" panose="02040503050406030204" pitchFamily="18" charset="0"/>
                           </a:rPr>
                           <m:t>2</m:t>
@@ -14719,66 +21855,66 @@
                       </m:sup>
                     </m:sSup>
                     <m:r>
-                      <a:rPr lang="en-US" i="1">
+                      <a:rPr lang="en-US" sz="2200" i="1">
                         <a:latin typeface="Cambria Math" panose="02040503050406030204" pitchFamily="18" charset="0"/>
                       </a:rPr>
                       <m:t>=0.</m:t>
                     </m:r>
                     <m:r>
-                      <a:rPr lang="en-US" b="0" i="1" smtClean="0">
+                      <a:rPr lang="en-US" sz="2200" b="0" i="1" smtClean="0">
                         <a:latin typeface="Cambria Math" panose="02040503050406030204" pitchFamily="18" charset="0"/>
                       </a:rPr>
                       <m:t>4510</m:t>
                     </m:r>
                   </m:oMath>
                 </a14:m>
-                <a:endParaRPr lang="en-US" dirty="0"/>
+                <a:endParaRPr lang="en-US" sz="2200" dirty="0"/>
               </a:p>
               <a:p>
                 <a14:m>
                   <m:oMath xmlns:m="http://schemas.openxmlformats.org/officeDocument/2006/math">
                     <m:r>
-                      <a:rPr lang="en-US" i="1">
+                      <a:rPr lang="en-US" sz="2200" i="1">
                         <a:latin typeface="Cambria Math" panose="02040503050406030204" pitchFamily="18" charset="0"/>
                       </a:rPr>
                       <m:t>𝑅𝑀𝑆𝐸</m:t>
                     </m:r>
                     <m:r>
-                      <a:rPr lang="en-US" i="1">
+                      <a:rPr lang="en-US" sz="2200" i="1">
                         <a:latin typeface="Cambria Math" panose="02040503050406030204" pitchFamily="18" charset="0"/>
                       </a:rPr>
                       <m:t>=0.51186</m:t>
                     </m:r>
                   </m:oMath>
                 </a14:m>
-                <a:endParaRPr lang="en-US" dirty="0"/>
+                <a:endParaRPr lang="en-US" sz="2200" dirty="0"/>
               </a:p>
               <a:p>
-                <a:endParaRPr lang="en-US" dirty="0"/>
+                <a:endParaRPr lang="en-US" sz="2200" dirty="0"/>
               </a:p>
               <a:p>
                 <a14:m>
                   <m:oMath xmlns:m="http://schemas.openxmlformats.org/officeDocument/2006/math">
                     <m:r>
-                      <a:rPr lang="en-US" b="0" i="1" smtClean="0">
+                      <a:rPr lang="en-US" sz="2200" b="0" i="1" smtClean="0">
                         <a:latin typeface="Cambria Math" panose="02040503050406030204" pitchFamily="18" charset="0"/>
                       </a:rPr>
                       <m:t>𝑆𝑎𝑙𝑒</m:t>
                     </m:r>
                     <m:r>
-                      <a:rPr lang="en-US" b="0" i="1" smtClean="0">
+                      <a:rPr lang="en-US" sz="2200" b="0" i="1" smtClean="0">
                         <a:latin typeface="Cambria Math" panose="02040503050406030204" pitchFamily="18" charset="0"/>
                       </a:rPr>
                       <m:t> </m:t>
                     </m:r>
                     <m:r>
-                      <a:rPr lang="en-US" b="0" i="1" smtClean="0">
+                      <a:rPr lang="en-US" sz="2200" b="0" i="1" smtClean="0">
                         <a:latin typeface="Cambria Math" panose="02040503050406030204" pitchFamily="18" charset="0"/>
                       </a:rPr>
                       <m:t>𝑝𝑟𝑖𝑐𝑒</m:t>
                     </m:r>
                     <m:r>
-                      <a:rPr lang="en-US" b="0" i="1" smtClean="0">
+                      <a:rPr lang="en-US" sz="2200" b="0" i="1" smtClean="0">
                         <a:latin typeface="Cambria Math" panose="02040503050406030204" pitchFamily="18" charset="0"/>
                       </a:rPr>
                       <m:t>=</m:t>
@@ -14786,14 +21922,14 @@
                     <m:sSub>
                       <m:sSubPr>
                         <m:ctrlPr>
-                          <a:rPr lang="en-US" b="0" i="1">
+                          <a:rPr lang="en-US" sz="2200" b="0" i="1">
                             <a:latin typeface="Cambria Math" panose="02040503050406030204" pitchFamily="18" charset="0"/>
                           </a:rPr>
                         </m:ctrlPr>
                       </m:sSubPr>
                       <m:e>
                         <m:r>
-                          <a:rPr lang="en-US" b="0" i="1">
+                          <a:rPr lang="en-US" sz="2200" b="0" i="1">
                             <a:latin typeface="Cambria Math" panose="02040503050406030204" pitchFamily="18" charset="0"/>
                           </a:rPr>
                           <m:t>𝛼</m:t>
@@ -14801,7 +21937,7 @@
                       </m:e>
                       <m:sub>
                         <m:r>
-                          <a:rPr lang="en-US" b="0" i="1">
+                          <a:rPr lang="en-US" sz="2200" b="0" i="1">
                             <a:latin typeface="Cambria Math" panose="02040503050406030204" pitchFamily="18" charset="0"/>
                           </a:rPr>
                           <m:t>1</m:t>
@@ -14809,13 +21945,13 @@
                       </m:sub>
                     </m:sSub>
                     <m:r>
-                      <a:rPr lang="en-US" b="0" i="1">
+                      <a:rPr lang="en-US" sz="2200" b="0" i="1">
                         <a:latin typeface="Cambria Math" panose="02040503050406030204" pitchFamily="18" charset="0"/>
                       </a:rPr>
                       <m:t>𝑋</m:t>
                     </m:r>
                     <m:r>
-                      <a:rPr lang="en-US" b="0" i="1">
+                      <a:rPr lang="en-US" sz="2200" b="0" i="1">
                         <a:latin typeface="Cambria Math" panose="02040503050406030204" pitchFamily="18" charset="0"/>
                       </a:rPr>
                       <m:t>+</m:t>
@@ -14823,14 +21959,14 @@
                     <m:sSub>
                       <m:sSubPr>
                         <m:ctrlPr>
-                          <a:rPr lang="en-US" b="0" i="1">
+                          <a:rPr lang="en-US" sz="2200" b="0" i="1">
                             <a:latin typeface="Cambria Math" panose="02040503050406030204" pitchFamily="18" charset="0"/>
                           </a:rPr>
                         </m:ctrlPr>
                       </m:sSubPr>
                       <m:e>
                         <m:r>
-                          <a:rPr lang="en-US" b="0" i="1">
+                          <a:rPr lang="en-US" sz="2200" b="0" i="1">
                             <a:latin typeface="Cambria Math" panose="02040503050406030204" pitchFamily="18" charset="0"/>
                           </a:rPr>
                           <m:t>𝛽</m:t>
@@ -14838,7 +21974,7 @@
                       </m:e>
                       <m:sub>
                         <m:r>
-                          <a:rPr lang="en-US" b="0" i="1">
+                          <a:rPr lang="en-US" sz="2200" b="0" i="1">
                             <a:latin typeface="Cambria Math" panose="02040503050406030204" pitchFamily="18" charset="0"/>
                           </a:rPr>
                           <m:t>1</m:t>
@@ -14846,13 +21982,13 @@
                       </m:sub>
                     </m:sSub>
                     <m:r>
-                      <a:rPr lang="en-US" b="0" i="1">
+                      <a:rPr lang="en-US" sz="2200" b="0" i="1">
                         <a:latin typeface="Cambria Math" panose="02040503050406030204" pitchFamily="18" charset="0"/>
                       </a:rPr>
                       <m:t>𝑌</m:t>
                     </m:r>
                     <m:r>
-                      <a:rPr lang="en-US" b="0" i="1">
+                      <a:rPr lang="en-US" sz="2200" b="0" i="1">
                         <a:latin typeface="Cambria Math" panose="02040503050406030204" pitchFamily="18" charset="0"/>
                       </a:rPr>
                       <m:t>+</m:t>
@@ -14860,14 +21996,14 @@
                     <m:sSub>
                       <m:sSubPr>
                         <m:ctrlPr>
-                          <a:rPr lang="en-US" i="1">
+                          <a:rPr lang="en-US" sz="2200" i="1">
                             <a:latin typeface="Cambria Math" panose="02040503050406030204" pitchFamily="18" charset="0"/>
                           </a:rPr>
                         </m:ctrlPr>
                       </m:sSubPr>
                       <m:e>
                         <m:r>
-                          <a:rPr lang="en-US" i="1">
+                          <a:rPr lang="en-US" sz="2200" i="1">
                             <a:latin typeface="Cambria Math" panose="02040503050406030204" pitchFamily="18" charset="0"/>
                           </a:rPr>
                           <m:t>𝛽</m:t>
@@ -14875,7 +22011,7 @@
                       </m:e>
                       <m:sub>
                         <m:r>
-                          <a:rPr lang="en-US" b="0" i="1">
+                          <a:rPr lang="en-US" sz="2200" b="0" i="1">
                             <a:latin typeface="Cambria Math" panose="02040503050406030204" pitchFamily="18" charset="0"/>
                           </a:rPr>
                           <m:t>2</m:t>
@@ -14885,14 +22021,14 @@
                     <m:sSup>
                       <m:sSupPr>
                         <m:ctrlPr>
-                          <a:rPr lang="en-US" i="1">
+                          <a:rPr lang="en-US" sz="2200" i="1">
                             <a:latin typeface="Cambria Math" panose="02040503050406030204" pitchFamily="18" charset="0"/>
                           </a:rPr>
                         </m:ctrlPr>
                       </m:sSupPr>
                       <m:e>
                         <m:r>
-                          <a:rPr lang="en-US" b="0" i="1">
+                          <a:rPr lang="en-US" sz="2200" b="0" i="1">
                             <a:latin typeface="Cambria Math" panose="02040503050406030204" pitchFamily="18" charset="0"/>
                           </a:rPr>
                           <m:t>𝑌</m:t>
@@ -14900,7 +22036,7 @@
                       </m:e>
                       <m:sup>
                         <m:r>
-                          <a:rPr lang="en-US" b="0" i="1">
+                          <a:rPr lang="en-US" sz="2200" b="0" i="1">
                             <a:latin typeface="Cambria Math" panose="02040503050406030204" pitchFamily="18" charset="0"/>
                           </a:rPr>
                           <m:t>2</m:t>
@@ -14908,7 +22044,7 @@
                       </m:sup>
                     </m:sSup>
                     <m:r>
-                      <a:rPr lang="en-US" b="0" i="1">
+                      <a:rPr lang="en-US" sz="2200" b="0" i="1">
                         <a:latin typeface="Cambria Math" panose="02040503050406030204" pitchFamily="18" charset="0"/>
                       </a:rPr>
                       <m:t>+</m:t>
@@ -14916,14 +22052,14 @@
                     <m:sSub>
                       <m:sSubPr>
                         <m:ctrlPr>
-                          <a:rPr lang="en-US" i="1">
+                          <a:rPr lang="en-US" sz="2200" i="1">
                             <a:latin typeface="Cambria Math" panose="02040503050406030204" pitchFamily="18" charset="0"/>
                           </a:rPr>
                         </m:ctrlPr>
                       </m:sSubPr>
                       <m:e>
                         <m:r>
-                          <a:rPr lang="en-US" i="1">
+                          <a:rPr lang="en-US" sz="2200" i="1">
                             <a:latin typeface="Cambria Math" panose="02040503050406030204" pitchFamily="18" charset="0"/>
                           </a:rPr>
                           <m:t>𝛽</m:t>
@@ -14931,7 +22067,7 @@
                       </m:e>
                       <m:sub>
                         <m:r>
-                          <a:rPr lang="en-US" b="0" i="1">
+                          <a:rPr lang="en-US" sz="2200" b="0" i="1">
                             <a:latin typeface="Cambria Math" panose="02040503050406030204" pitchFamily="18" charset="0"/>
                           </a:rPr>
                           <m:t>3</m:t>
@@ -14941,14 +22077,14 @@
                     <m:sSup>
                       <m:sSupPr>
                         <m:ctrlPr>
-                          <a:rPr lang="en-US" i="1">
+                          <a:rPr lang="en-US" sz="2200" i="1">
                             <a:latin typeface="Cambria Math" panose="02040503050406030204" pitchFamily="18" charset="0"/>
                           </a:rPr>
                         </m:ctrlPr>
                       </m:sSupPr>
                       <m:e>
                         <m:r>
-                          <a:rPr lang="en-US" b="0" i="1">
+                          <a:rPr lang="en-US" sz="2200" b="0" i="1">
                             <a:latin typeface="Cambria Math" panose="02040503050406030204" pitchFamily="18" charset="0"/>
                           </a:rPr>
                           <m:t>𝑌</m:t>
@@ -14956,7 +22092,7 @@
                       </m:e>
                       <m:sup>
                         <m:r>
-                          <a:rPr lang="en-US" b="0" i="1">
+                          <a:rPr lang="en-US" sz="2200" b="0" i="1">
                             <a:latin typeface="Cambria Math" panose="02040503050406030204" pitchFamily="18" charset="0"/>
                           </a:rPr>
                           <m:t>3</m:t>
@@ -14964,7 +22100,7 @@
                       </m:sup>
                     </m:sSup>
                     <m:r>
-                      <a:rPr lang="en-US" b="0" i="1">
+                      <a:rPr lang="en-US" sz="2200" b="0" i="1">
                         <a:latin typeface="Cambria Math" panose="02040503050406030204" pitchFamily="18" charset="0"/>
                       </a:rPr>
                       <m:t>+</m:t>
@@ -14972,14 +22108,14 @@
                     <m:sSub>
                       <m:sSubPr>
                         <m:ctrlPr>
-                          <a:rPr lang="en-US" i="1">
+                          <a:rPr lang="en-US" sz="2200" i="1">
                             <a:latin typeface="Cambria Math" panose="02040503050406030204" pitchFamily="18" charset="0"/>
                           </a:rPr>
                         </m:ctrlPr>
                       </m:sSubPr>
                       <m:e>
                         <m:r>
-                          <a:rPr lang="en-US" i="1">
+                          <a:rPr lang="en-US" sz="2200" i="1">
                             <a:latin typeface="Cambria Math" panose="02040503050406030204" pitchFamily="18" charset="0"/>
                           </a:rPr>
                           <m:t>𝛽</m:t>
@@ -14987,7 +22123,7 @@
                       </m:e>
                       <m:sub>
                         <m:r>
-                          <a:rPr lang="en-US" b="0" i="1">
+                          <a:rPr lang="en-US" sz="2200" b="0" i="1">
                             <a:latin typeface="Cambria Math" panose="02040503050406030204" pitchFamily="18" charset="0"/>
                           </a:rPr>
                           <m:t>4</m:t>
@@ -14997,14 +22133,14 @@
                     <m:sSup>
                       <m:sSupPr>
                         <m:ctrlPr>
-                          <a:rPr lang="en-US" i="1">
+                          <a:rPr lang="en-US" sz="2200" i="1">
                             <a:latin typeface="Cambria Math" panose="02040503050406030204" pitchFamily="18" charset="0"/>
                           </a:rPr>
                         </m:ctrlPr>
                       </m:sSupPr>
                       <m:e>
                         <m:r>
-                          <a:rPr lang="en-US" b="0" i="1">
+                          <a:rPr lang="en-US" sz="2200" b="0" i="1">
                             <a:latin typeface="Cambria Math" panose="02040503050406030204" pitchFamily="18" charset="0"/>
                           </a:rPr>
                           <m:t>𝑌</m:t>
@@ -15012,7 +22148,7 @@
                       </m:e>
                       <m:sup>
                         <m:r>
-                          <a:rPr lang="en-US" b="0" i="1">
+                          <a:rPr lang="en-US" sz="2200" b="0" i="1">
                             <a:latin typeface="Cambria Math" panose="02040503050406030204" pitchFamily="18" charset="0"/>
                           </a:rPr>
                           <m:t>4</m:t>
@@ -15020,7 +22156,7 @@
                       </m:sup>
                     </m:sSup>
                     <m:r>
-                      <a:rPr lang="en-US" b="0" i="1">
+                      <a:rPr lang="en-US" sz="2200" b="0" i="1">
                         <a:latin typeface="Cambria Math" panose="02040503050406030204" pitchFamily="18" charset="0"/>
                       </a:rPr>
                       <m:t>+</m:t>
@@ -15028,7 +22164,7 @@
                   </m:oMath>
                 </a14:m>
                 <a:r>
-                  <a:rPr lang="en-US" dirty="0"/>
+                  <a:rPr lang="en-US" sz="2200" dirty="0"/>
                   <a:t> </a:t>
                 </a:r>
                 <a14:m>
@@ -15036,14 +22172,14 @@
                     <m:sSub>
                       <m:sSubPr>
                         <m:ctrlPr>
-                          <a:rPr lang="en-US" i="1">
+                          <a:rPr lang="en-US" sz="2200" i="1">
                             <a:latin typeface="Cambria Math" panose="02040503050406030204" pitchFamily="18" charset="0"/>
                           </a:rPr>
                         </m:ctrlPr>
                       </m:sSubPr>
                       <m:e>
                         <m:r>
-                          <a:rPr lang="en-US" i="1">
+                          <a:rPr lang="en-US" sz="2200" i="1">
                             <a:latin typeface="Cambria Math" panose="02040503050406030204" pitchFamily="18" charset="0"/>
                           </a:rPr>
                           <m:t>𝛾</m:t>
@@ -15051,7 +22187,7 @@
                       </m:e>
                       <m:sub>
                         <m:r>
-                          <a:rPr lang="en-US" i="1">
+                          <a:rPr lang="en-US" sz="2200" i="1">
                             <a:latin typeface="Cambria Math" panose="02040503050406030204" pitchFamily="18" charset="0"/>
                           </a:rPr>
                           <m:t>1</m:t>
@@ -15059,13 +22195,13 @@
                       </m:sub>
                     </m:sSub>
                     <m:r>
-                      <a:rPr lang="en-US" b="0" i="1">
+                      <a:rPr lang="en-US" sz="2200" b="0" i="1">
                         <a:latin typeface="Cambria Math" panose="02040503050406030204" pitchFamily="18" charset="0"/>
                       </a:rPr>
                       <m:t>𝑍</m:t>
                     </m:r>
                     <m:r>
-                      <a:rPr lang="en-US" i="1">
+                      <a:rPr lang="en-US" sz="2200" i="1">
                         <a:latin typeface="Cambria Math" panose="02040503050406030204" pitchFamily="18" charset="0"/>
                       </a:rPr>
                       <m:t>+</m:t>
@@ -15073,14 +22209,14 @@
                     <m:sSub>
                       <m:sSubPr>
                         <m:ctrlPr>
-                          <a:rPr lang="en-US" i="1">
+                          <a:rPr lang="en-US" sz="2200" i="1">
                             <a:latin typeface="Cambria Math" panose="02040503050406030204" pitchFamily="18" charset="0"/>
                           </a:rPr>
                         </m:ctrlPr>
                       </m:sSubPr>
                       <m:e>
                         <m:r>
-                          <a:rPr lang="en-US" i="1">
+                          <a:rPr lang="en-US" sz="2200" i="1">
                             <a:latin typeface="Cambria Math" panose="02040503050406030204" pitchFamily="18" charset="0"/>
                           </a:rPr>
                           <m:t>𝛾</m:t>
@@ -15088,7 +22224,7 @@
                       </m:e>
                       <m:sub>
                         <m:r>
-                          <a:rPr lang="en-US" i="1">
+                          <a:rPr lang="en-US" sz="2200" i="1">
                             <a:latin typeface="Cambria Math" panose="02040503050406030204" pitchFamily="18" charset="0"/>
                           </a:rPr>
                           <m:t>2</m:t>
@@ -15098,14 +22234,14 @@
                     <m:sSup>
                       <m:sSupPr>
                         <m:ctrlPr>
-                          <a:rPr lang="en-US" i="1">
+                          <a:rPr lang="en-US" sz="2200" i="1">
                             <a:latin typeface="Cambria Math" panose="02040503050406030204" pitchFamily="18" charset="0"/>
                           </a:rPr>
                         </m:ctrlPr>
                       </m:sSupPr>
                       <m:e>
                         <m:r>
-                          <a:rPr lang="en-US" b="0" i="1">
+                          <a:rPr lang="en-US" sz="2200" b="0" i="1">
                             <a:latin typeface="Cambria Math" panose="02040503050406030204" pitchFamily="18" charset="0"/>
                           </a:rPr>
                           <m:t>𝑍</m:t>
@@ -15113,7 +22249,7 @@
                       </m:e>
                       <m:sup>
                         <m:r>
-                          <a:rPr lang="en-US" i="1">
+                          <a:rPr lang="en-US" sz="2200" i="1">
                             <a:latin typeface="Cambria Math" panose="02040503050406030204" pitchFamily="18" charset="0"/>
                           </a:rPr>
                           <m:t>2</m:t>
@@ -15121,7 +22257,7 @@
                       </m:sup>
                     </m:sSup>
                     <m:r>
-                      <a:rPr lang="en-US" b="0" i="1">
+                      <a:rPr lang="en-US" sz="2200" b="0" i="1">
                         <a:latin typeface="Cambria Math" panose="02040503050406030204" pitchFamily="18" charset="0"/>
                       </a:rPr>
                       <m:t>+ </m:t>
@@ -15129,14 +22265,14 @@
                     <m:sSub>
                       <m:sSubPr>
                         <m:ctrlPr>
-                          <a:rPr lang="en-US" b="0" i="1">
+                          <a:rPr lang="en-US" sz="2200" b="0" i="1">
                             <a:latin typeface="Cambria Math" panose="02040503050406030204" pitchFamily="18" charset="0"/>
                           </a:rPr>
                         </m:ctrlPr>
                       </m:sSubPr>
                       <m:e>
                         <m:r>
-                          <a:rPr lang="en-US" b="0" i="1">
+                          <a:rPr lang="en-US" sz="2200" b="0" i="1">
                             <a:latin typeface="Cambria Math" panose="02040503050406030204" pitchFamily="18" charset="0"/>
                           </a:rPr>
                           <m:t>𝛿</m:t>
@@ -15144,7 +22280,7 @@
                       </m:e>
                       <m:sub>
                         <m:r>
-                          <a:rPr lang="en-US" b="0" i="1">
+                          <a:rPr lang="en-US" sz="2200" b="0" i="1">
                             <a:latin typeface="Cambria Math" panose="02040503050406030204" pitchFamily="18" charset="0"/>
                           </a:rPr>
                           <m:t>1</m:t>
@@ -15152,13 +22288,13 @@
                       </m:sub>
                     </m:sSub>
                     <m:r>
-                      <a:rPr lang="en-US" b="0" i="1">
+                      <a:rPr lang="en-US" sz="2200" b="0" i="1">
                         <a:latin typeface="Cambria Math" panose="02040503050406030204" pitchFamily="18" charset="0"/>
                       </a:rPr>
                       <m:t>𝑊</m:t>
                     </m:r>
                     <m:r>
-                      <a:rPr lang="en-US" b="0" i="1">
+                      <a:rPr lang="en-US" sz="2200" b="0" i="1">
                         <a:latin typeface="Cambria Math" panose="02040503050406030204" pitchFamily="18" charset="0"/>
                       </a:rPr>
                       <m:t>+</m:t>
@@ -15166,14 +22302,14 @@
                     <m:sSub>
                       <m:sSubPr>
                         <m:ctrlPr>
-                          <a:rPr lang="en-US" b="0" i="1">
+                          <a:rPr lang="en-US" sz="2200" b="0" i="1">
                             <a:latin typeface="Cambria Math" panose="02040503050406030204" pitchFamily="18" charset="0"/>
                           </a:rPr>
                         </m:ctrlPr>
                       </m:sSubPr>
                       <m:e>
                         <m:r>
-                          <a:rPr lang="en-US" b="0" i="1">
+                          <a:rPr lang="en-US" sz="2200" b="0" i="1">
                             <a:latin typeface="Cambria Math" panose="02040503050406030204" pitchFamily="18" charset="0"/>
                           </a:rPr>
                           <m:t>𝛿</m:t>
@@ -15181,7 +22317,7 @@
                       </m:e>
                       <m:sub>
                         <m:r>
-                          <a:rPr lang="en-US" b="0" i="1">
+                          <a:rPr lang="en-US" sz="2200" b="0" i="1">
                             <a:latin typeface="Cambria Math" panose="02040503050406030204" pitchFamily="18" charset="0"/>
                           </a:rPr>
                           <m:t>2</m:t>
@@ -15191,14 +22327,14 @@
                     <m:sSup>
                       <m:sSupPr>
                         <m:ctrlPr>
-                          <a:rPr lang="en-US" b="0" i="1">
+                          <a:rPr lang="en-US" sz="2200" b="0" i="1">
                             <a:latin typeface="Cambria Math" panose="02040503050406030204" pitchFamily="18" charset="0"/>
                           </a:rPr>
                         </m:ctrlPr>
                       </m:sSupPr>
                       <m:e>
                         <m:r>
-                          <a:rPr lang="en-US" b="0" i="1">
+                          <a:rPr lang="en-US" sz="2200" b="0" i="1">
                             <a:latin typeface="Cambria Math" panose="02040503050406030204" pitchFamily="18" charset="0"/>
                           </a:rPr>
                           <m:t>𝑊</m:t>
@@ -15206,7 +22342,7 @@
                       </m:e>
                       <m:sup>
                         <m:r>
-                          <a:rPr lang="en-US" b="0" i="1">
+                          <a:rPr lang="en-US" sz="2200" b="0" i="1">
                             <a:latin typeface="Cambria Math" panose="02040503050406030204" pitchFamily="18" charset="0"/>
                           </a:rPr>
                           <m:t>2</m:t>
@@ -15214,14 +22350,14 @@
                       </m:sup>
                     </m:sSup>
                     <m:r>
-                      <a:rPr lang="en-US" b="0" i="1">
+                      <a:rPr lang="en-US" sz="2200" b="0" i="1">
                         <a:latin typeface="Cambria Math" panose="02040503050406030204" pitchFamily="18" charset="0"/>
                       </a:rPr>
                       <m:t>+…</m:t>
                     </m:r>
                   </m:oMath>
                 </a14:m>
-                <a:endParaRPr lang="en-US" dirty="0"/>
+                <a:endParaRPr lang="en-US" sz="2200" dirty="0"/>
               </a:p>
               <a:p>
                 <a14:m>
@@ -15229,14 +22365,14 @@
                     <m:sSup>
                       <m:sSupPr>
                         <m:ctrlPr>
-                          <a:rPr lang="en-US" i="1" smtClean="0">
+                          <a:rPr lang="en-US" sz="2200" i="1" smtClean="0">
                             <a:latin typeface="Cambria Math" panose="02040503050406030204" pitchFamily="18" charset="0"/>
                           </a:rPr>
                         </m:ctrlPr>
                       </m:sSupPr>
                       <m:e>
                         <m:r>
-                          <a:rPr lang="en-US" b="0" i="1" smtClean="0">
+                          <a:rPr lang="en-US" sz="2200" b="0" i="1" smtClean="0">
                             <a:latin typeface="Cambria Math" panose="02040503050406030204" pitchFamily="18" charset="0"/>
                           </a:rPr>
                           <m:t>𝑅</m:t>
@@ -15244,7 +22380,7 @@
                       </m:e>
                       <m:sup>
                         <m:r>
-                          <a:rPr lang="en-US" b="0" i="1" smtClean="0">
+                          <a:rPr lang="en-US" sz="2200" b="0" i="1" smtClean="0">
                             <a:latin typeface="Cambria Math" panose="02040503050406030204" pitchFamily="18" charset="0"/>
                           </a:rPr>
                           <m:t>2</m:t>
@@ -15252,33 +22388,33 @@
                       </m:sup>
                     </m:sSup>
                     <m:r>
-                      <a:rPr lang="en-US" b="0" i="1" smtClean="0">
+                      <a:rPr lang="en-US" sz="2200" b="0" i="1" smtClean="0">
                         <a:latin typeface="Cambria Math" panose="02040503050406030204" pitchFamily="18" charset="0"/>
                       </a:rPr>
                       <m:t>=0.6185</m:t>
                     </m:r>
                   </m:oMath>
                 </a14:m>
-                <a:endParaRPr lang="en-US" dirty="0"/>
+                <a:endParaRPr lang="en-US" sz="2200" dirty="0"/>
               </a:p>
               <a:p>
                 <a14:m>
                   <m:oMath xmlns:m="http://schemas.openxmlformats.org/officeDocument/2006/math">
                     <m:r>
-                      <a:rPr lang="en-US" b="0" i="1" smtClean="0">
+                      <a:rPr lang="en-US" sz="2200" b="0" i="1" smtClean="0">
                         <a:latin typeface="Cambria Math" panose="02040503050406030204" pitchFamily="18" charset="0"/>
                       </a:rPr>
                       <m:t>𝑅𝑀𝑆𝐸</m:t>
                     </m:r>
                     <m:r>
-                      <a:rPr lang="en-US" b="0" i="1" smtClean="0">
+                      <a:rPr lang="en-US" sz="2200" b="0" i="1" smtClean="0">
                         <a:latin typeface="Cambria Math" panose="02040503050406030204" pitchFamily="18" charset="0"/>
                       </a:rPr>
                       <m:t>=0.3345</m:t>
                     </m:r>
                   </m:oMath>
                 </a14:m>
-                <a:endParaRPr lang="en-US" dirty="0"/>
+                <a:endParaRPr lang="en-US" sz="2200" dirty="0"/>
               </a:p>
             </p:txBody>
           </p:sp>
@@ -15302,13 +22438,13 @@
             </p:nvSpPr>
             <p:spPr>
               <a:xfrm>
-                <a:off x="531812" y="2133600"/>
-                <a:ext cx="4625882" cy="3777622"/>
+                <a:off x="531811" y="2133600"/>
+                <a:ext cx="6135689" cy="3777622"/>
               </a:xfrm>
               <a:blipFill>
                 <a:blip r:embed="rId4"/>
                 <a:stretch>
-                  <a:fillRect l="-922" t="-484"/>
+                  <a:fillRect l="-1192" t="-645"/>
                 </a:stretch>
               </a:blipFill>
             </p:spPr>
@@ -15317,7 +22453,7 @@
               <a:lstStyle/>
               <a:p>
                 <a:r>
-                  <a:rPr lang="es-GT">
+                  <a:rPr lang="en-US">
                     <a:noFill/>
                   </a:rPr>
                   <a:t> </a:t>
@@ -15327,6 +22463,116 @@
           </p:sp>
         </mc:Fallback>
       </mc:AlternateContent>
+      <p:sp>
+        <p:nvSpPr>
+          <p:cNvPr id="46" name="Title 1">
+            <a:extLst>
+              <a:ext uri="{FF2B5EF4-FFF2-40B4-BE49-F238E27FC236}">
+                <a16:creationId xmlns:a16="http://schemas.microsoft.com/office/drawing/2014/main" id="{17D1521A-EB15-4546-BCAA-062701E8802F}"/>
+              </a:ext>
+            </a:extLst>
+          </p:cNvPr>
+          <p:cNvSpPr txBox="1">
+            <a:spLocks/>
+          </p:cNvSpPr>
+          <p:nvPr/>
+        </p:nvSpPr>
+        <p:spPr>
+          <a:xfrm>
+            <a:off x="536050" y="176437"/>
+            <a:ext cx="3588800" cy="709390"/>
+          </a:xfrm>
+          <a:prstGeom prst="rect">
+            <a:avLst/>
+          </a:prstGeom>
+        </p:spPr>
+        <p:txBody>
+          <a:bodyPr vert="horz" lIns="91440" tIns="45720" rIns="91440" bIns="45720" rtlCol="0" anchor="t">
+            <a:normAutofit/>
+          </a:bodyPr>
+          <a:lstStyle>
+            <a:lvl1pPr algn="l" defTabSz="457200" rtl="0" eaLnBrk="1" latinLnBrk="0" hangingPunct="1">
+              <a:spcBef>
+                <a:spcPct val="0"/>
+              </a:spcBef>
+              <a:buNone/>
+              <a:defRPr sz="3600" kern="1200">
+                <a:solidFill>
+                  <a:schemeClr val="tx1">
+                    <a:lumMod val="85000"/>
+                    <a:lumOff val="15000"/>
+                  </a:schemeClr>
+                </a:solidFill>
+                <a:latin typeface="+mj-lt"/>
+                <a:ea typeface="+mj-ea"/>
+                <a:cs typeface="+mj-cs"/>
+              </a:defRPr>
+            </a:lvl1pPr>
+            <a:lvl2pPr eaLnBrk="1" hangingPunct="1">
+              <a:defRPr>
+                <a:solidFill>
+                  <a:schemeClr val="tx2"/>
+                </a:solidFill>
+              </a:defRPr>
+            </a:lvl2pPr>
+            <a:lvl3pPr eaLnBrk="1" hangingPunct="1">
+              <a:defRPr>
+                <a:solidFill>
+                  <a:schemeClr val="tx2"/>
+                </a:solidFill>
+              </a:defRPr>
+            </a:lvl3pPr>
+            <a:lvl4pPr eaLnBrk="1" hangingPunct="1">
+              <a:defRPr>
+                <a:solidFill>
+                  <a:schemeClr val="tx2"/>
+                </a:solidFill>
+              </a:defRPr>
+            </a:lvl4pPr>
+            <a:lvl5pPr eaLnBrk="1" hangingPunct="1">
+              <a:defRPr>
+                <a:solidFill>
+                  <a:schemeClr val="tx2"/>
+                </a:solidFill>
+              </a:defRPr>
+            </a:lvl5pPr>
+            <a:lvl6pPr eaLnBrk="1" hangingPunct="1">
+              <a:defRPr>
+                <a:solidFill>
+                  <a:schemeClr val="tx2"/>
+                </a:solidFill>
+              </a:defRPr>
+            </a:lvl6pPr>
+            <a:lvl7pPr eaLnBrk="1" hangingPunct="1">
+              <a:defRPr>
+                <a:solidFill>
+                  <a:schemeClr val="tx2"/>
+                </a:solidFill>
+              </a:defRPr>
+            </a:lvl7pPr>
+            <a:lvl8pPr eaLnBrk="1" hangingPunct="1">
+              <a:defRPr>
+                <a:solidFill>
+                  <a:schemeClr val="tx2"/>
+                </a:solidFill>
+              </a:defRPr>
+            </a:lvl8pPr>
+            <a:lvl9pPr eaLnBrk="1" hangingPunct="1">
+              <a:defRPr>
+                <a:solidFill>
+                  <a:schemeClr val="tx2"/>
+                </a:solidFill>
+              </a:defRPr>
+            </a:lvl9pPr>
+          </a:lstStyle>
+          <a:p>
+            <a:r>
+              <a:rPr lang="es-GT" b="1" dirty="0"/>
+              <a:t>Resultados</a:t>
+            </a:r>
+          </a:p>
+        </p:txBody>
+      </p:sp>
     </p:spTree>
     <p:extLst>
       <p:ext uri="{BB962C8B-B14F-4D97-AF65-F5344CB8AC3E}">

--- a/Docs/House Prices.pptx
+++ b/Docs/House Prices.pptx
@@ -14,8 +14,8 @@
     <p:sldId id="267" r:id="rId8"/>
     <p:sldId id="264" r:id="rId9"/>
     <p:sldId id="262" r:id="rId10"/>
-    <p:sldId id="265" r:id="rId11"/>
-    <p:sldId id="266" r:id="rId12"/>
+    <p:sldId id="266" r:id="rId11"/>
+    <p:sldId id="265" r:id="rId12"/>
     <p:sldId id="268" r:id="rId13"/>
     <p:sldId id="269" r:id="rId14"/>
     <p:sldId id="270" r:id="rId15"/>
@@ -316,7 +316,7 @@
             <a:fld id="{B61BEF0D-F0BB-DE4B-95CE-6DB70DBA9567}" type="datetimeFigureOut">
               <a:rPr lang="en-US" dirty="0"/>
               <a:pPr/>
-              <a:t>4/19/2020</a:t>
+              <a:t>4/20/2020</a:t>
             </a:fld>
             <a:endParaRPr lang="en-US" dirty="0"/>
           </a:p>
@@ -651,7 +651,7 @@
             <a:fld id="{B61BEF0D-F0BB-DE4B-95CE-6DB70DBA9567}" type="datetimeFigureOut">
               <a:rPr lang="en-US" dirty="0"/>
               <a:pPr/>
-              <a:t>4/19/2020</a:t>
+              <a:t>4/20/2020</a:t>
             </a:fld>
             <a:endParaRPr lang="en-US" dirty="0"/>
           </a:p>
@@ -1049,7 +1049,7 @@
             <a:fld id="{B61BEF0D-F0BB-DE4B-95CE-6DB70DBA9567}" type="datetimeFigureOut">
               <a:rPr lang="en-US" dirty="0"/>
               <a:pPr/>
-              <a:t>4/19/2020</a:t>
+              <a:t>4/20/2020</a:t>
             </a:fld>
             <a:endParaRPr lang="en-US" dirty="0"/>
           </a:p>
@@ -1382,7 +1382,7 @@
             <a:fld id="{B61BEF0D-F0BB-DE4B-95CE-6DB70DBA9567}" type="datetimeFigureOut">
               <a:rPr lang="en-US" dirty="0"/>
               <a:pPr/>
-              <a:t>4/19/2020</a:t>
+              <a:t>4/20/2020</a:t>
             </a:fld>
             <a:endParaRPr lang="en-US" dirty="0"/>
           </a:p>
@@ -1699,7 +1699,7 @@
             <a:fld id="{B61BEF0D-F0BB-DE4B-95CE-6DB70DBA9567}" type="datetimeFigureOut">
               <a:rPr lang="en-US" dirty="0"/>
               <a:pPr/>
-              <a:t>4/19/2020</a:t>
+              <a:t>4/20/2020</a:t>
             </a:fld>
             <a:endParaRPr lang="en-US" dirty="0"/>
           </a:p>
@@ -2092,7 +2092,7 @@
             <a:fld id="{B61BEF0D-F0BB-DE4B-95CE-6DB70DBA9567}" type="datetimeFigureOut">
               <a:rPr lang="en-US" dirty="0"/>
               <a:pPr/>
-              <a:t>4/19/2020</a:t>
+              <a:t>4/20/2020</a:t>
             </a:fld>
             <a:endParaRPr lang="en-US" dirty="0"/>
           </a:p>
@@ -2346,7 +2346,7 @@
             <a:fld id="{B61BEF0D-F0BB-DE4B-95CE-6DB70DBA9567}" type="datetimeFigureOut">
               <a:rPr lang="en-US" dirty="0"/>
               <a:pPr/>
-              <a:t>4/19/2020</a:t>
+              <a:t>4/20/2020</a:t>
             </a:fld>
             <a:endParaRPr lang="en-US" dirty="0"/>
           </a:p>
@@ -2605,7 +2605,7 @@
             <a:fld id="{B61BEF0D-F0BB-DE4B-95CE-6DB70DBA9567}" type="datetimeFigureOut">
               <a:rPr lang="en-US" dirty="0"/>
               <a:pPr/>
-              <a:t>4/19/2020</a:t>
+              <a:t>4/20/2020</a:t>
             </a:fld>
             <a:endParaRPr lang="en-US" dirty="0"/>
           </a:p>
@@ -2864,7 +2864,7 @@
             <a:fld id="{B61BEF0D-F0BB-DE4B-95CE-6DB70DBA9567}" type="datetimeFigureOut">
               <a:rPr lang="en-US" dirty="0"/>
               <a:pPr/>
-              <a:t>4/19/2020</a:t>
+              <a:t>4/20/2020</a:t>
             </a:fld>
             <a:endParaRPr lang="en-US" dirty="0"/>
           </a:p>
@@ -3190,7 +3190,7 @@
             <a:fld id="{B61BEF0D-F0BB-DE4B-95CE-6DB70DBA9567}" type="datetimeFigureOut">
               <a:rPr lang="en-US" dirty="0"/>
               <a:pPr/>
-              <a:t>4/19/2020</a:t>
+              <a:t>4/20/2020</a:t>
             </a:fld>
             <a:endParaRPr lang="en-US" dirty="0"/>
           </a:p>
@@ -3510,7 +3510,7 @@
             <a:fld id="{B61BEF0D-F0BB-DE4B-95CE-6DB70DBA9567}" type="datetimeFigureOut">
               <a:rPr lang="en-US" dirty="0"/>
               <a:pPr/>
-              <a:t>4/19/2020</a:t>
+              <a:t>4/20/2020</a:t>
             </a:fld>
             <a:endParaRPr lang="en-US" dirty="0"/>
           </a:p>
@@ -3964,7 +3964,7 @@
             <a:fld id="{B61BEF0D-F0BB-DE4B-95CE-6DB70DBA9567}" type="datetimeFigureOut">
               <a:rPr lang="en-US" dirty="0"/>
               <a:pPr/>
-              <a:t>4/19/2020</a:t>
+              <a:t>4/20/2020</a:t>
             </a:fld>
             <a:endParaRPr lang="en-US" dirty="0"/>
           </a:p>
@@ -4166,7 +4166,7 @@
             <a:fld id="{B61BEF0D-F0BB-DE4B-95CE-6DB70DBA9567}" type="datetimeFigureOut">
               <a:rPr lang="en-US" dirty="0"/>
               <a:pPr/>
-              <a:t>4/19/2020</a:t>
+              <a:t>4/20/2020</a:t>
             </a:fld>
             <a:endParaRPr lang="en-US" dirty="0"/>
           </a:p>
@@ -4340,7 +4340,7 @@
             <a:fld id="{B61BEF0D-F0BB-DE4B-95CE-6DB70DBA9567}" type="datetimeFigureOut">
               <a:rPr lang="en-US" dirty="0"/>
               <a:pPr/>
-              <a:t>4/19/2020</a:t>
+              <a:t>4/20/2020</a:t>
             </a:fld>
             <a:endParaRPr lang="en-US" dirty="0"/>
           </a:p>
@@ -4670,7 +4670,7 @@
             <a:fld id="{B61BEF0D-F0BB-DE4B-95CE-6DB70DBA9567}" type="datetimeFigureOut">
               <a:rPr lang="en-US" dirty="0"/>
               <a:pPr/>
-              <a:t>4/19/2020</a:t>
+              <a:t>4/20/2020</a:t>
             </a:fld>
             <a:endParaRPr lang="en-US" dirty="0"/>
           </a:p>
@@ -5012,7 +5012,7 @@
             <a:fld id="{B61BEF0D-F0BB-DE4B-95CE-6DB70DBA9567}" type="datetimeFigureOut">
               <a:rPr lang="en-US" dirty="0"/>
               <a:pPr/>
-              <a:t>4/19/2020</a:t>
+              <a:t>4/20/2020</a:t>
             </a:fld>
             <a:endParaRPr lang="en-US" dirty="0"/>
           </a:p>
@@ -7126,7 +7126,7 @@
             <a:fld id="{B61BEF0D-F0BB-DE4B-95CE-6DB70DBA9567}" type="datetimeFigureOut">
               <a:rPr lang="en-US" dirty="0"/>
               <a:pPr/>
-              <a:t>4/19/2020</a:t>
+              <a:t>4/20/2020</a:t>
             </a:fld>
             <a:endParaRPr lang="en-US" dirty="0"/>
           </a:p>
@@ -7772,114 +7772,6 @@
 </file>
 
 <file path=ppt/slides/slide10.xml><?xml version="1.0" encoding="utf-8"?>
-<p:sld xmlns:a="http://schemas.openxmlformats.org/drawingml/2006/main" xmlns:r="http://schemas.openxmlformats.org/officeDocument/2006/relationships" xmlns:p="http://schemas.openxmlformats.org/presentationml/2006/main">
-  <p:cSld>
-    <p:spTree>
-      <p:nvGrpSpPr>
-        <p:cNvPr id="1" name=""/>
-        <p:cNvGrpSpPr/>
-        <p:nvPr/>
-      </p:nvGrpSpPr>
-      <p:grpSpPr>
-        <a:xfrm>
-          <a:off x="0" y="0"/>
-          <a:ext cx="0" cy="0"/>
-          <a:chOff x="0" y="0"/>
-          <a:chExt cx="0" cy="0"/>
-        </a:xfrm>
-      </p:grpSpPr>
-      <p:sp>
-        <p:nvSpPr>
-          <p:cNvPr id="2" name="Title 1">
-            <a:extLst>
-              <a:ext uri="{FF2B5EF4-FFF2-40B4-BE49-F238E27FC236}">
-                <a16:creationId xmlns:a16="http://schemas.microsoft.com/office/drawing/2014/main" id="{4BC98F3B-622F-4905-ADF2-BF6344942AD9}"/>
-              </a:ext>
-            </a:extLst>
-          </p:cNvPr>
-          <p:cNvSpPr>
-            <a:spLocks noGrp="1"/>
-          </p:cNvSpPr>
-          <p:nvPr>
-            <p:ph type="title"/>
-          </p:nvPr>
-        </p:nvSpPr>
-        <p:spPr/>
-        <p:txBody>
-          <a:bodyPr/>
-          <a:lstStyle/>
-          <a:p>
-            <a:r>
-              <a:rPr lang="es-GT" dirty="0"/>
-              <a:t>Regresiones lineales con XGBoost</a:t>
-            </a:r>
-          </a:p>
-        </p:txBody>
-      </p:sp>
-      <p:sp>
-        <p:nvSpPr>
-          <p:cNvPr id="3" name="Content Placeholder 2">
-            <a:extLst>
-              <a:ext uri="{FF2B5EF4-FFF2-40B4-BE49-F238E27FC236}">
-                <a16:creationId xmlns:a16="http://schemas.microsoft.com/office/drawing/2014/main" id="{6D974A9D-0F30-43B5-891B-9B0D3D6F43D3}"/>
-              </a:ext>
-            </a:extLst>
-          </p:cNvPr>
-          <p:cNvSpPr>
-            <a:spLocks noGrp="1"/>
-          </p:cNvSpPr>
-          <p:nvPr>
-            <p:ph sz="half" idx="1"/>
-          </p:nvPr>
-        </p:nvSpPr>
-        <p:spPr/>
-        <p:txBody>
-          <a:bodyPr/>
-          <a:lstStyle/>
-          <a:p>
-            <a:endParaRPr lang="es-GT"/>
-          </a:p>
-        </p:txBody>
-      </p:sp>
-      <p:sp>
-        <p:nvSpPr>
-          <p:cNvPr id="4" name="Content Placeholder 3">
-            <a:extLst>
-              <a:ext uri="{FF2B5EF4-FFF2-40B4-BE49-F238E27FC236}">
-                <a16:creationId xmlns:a16="http://schemas.microsoft.com/office/drawing/2014/main" id="{27B09841-70A6-404F-9F7B-8C73C178621F}"/>
-              </a:ext>
-            </a:extLst>
-          </p:cNvPr>
-          <p:cNvSpPr>
-            <a:spLocks noGrp="1"/>
-          </p:cNvSpPr>
-          <p:nvPr>
-            <p:ph sz="half" idx="2"/>
-          </p:nvPr>
-        </p:nvSpPr>
-        <p:spPr/>
-        <p:txBody>
-          <a:bodyPr/>
-          <a:lstStyle/>
-          <a:p>
-            <a:endParaRPr lang="es-GT"/>
-          </a:p>
-        </p:txBody>
-      </p:sp>
-    </p:spTree>
-    <p:extLst>
-      <p:ext uri="{BB962C8B-B14F-4D97-AF65-F5344CB8AC3E}">
-        <p14:creationId xmlns:p14="http://schemas.microsoft.com/office/powerpoint/2010/main" val="2030563057"/>
-      </p:ext>
-    </p:extLst>
-  </p:cSld>
-  <p:clrMapOvr>
-    <a:masterClrMapping/>
-  </p:clrMapOvr>
-</p:sld>
-</file>
-
-<file path=ppt/slides/slide11.xml><?xml version="1.0" encoding="utf-8"?>
 <p:sld xmlns:a="http://schemas.openxmlformats.org/drawingml/2006/main" xmlns:r="http://schemas.openxmlformats.org/officeDocument/2006/relationships" xmlns:p="http://schemas.openxmlformats.org/presentationml/2006/main">
   <p:cSld>
     <p:bg>
@@ -11257,21 +11149,6 @@
             </a:pPr>
             <a:r>
               <a:rPr lang="es-GT" sz="2200" dirty="0" err="1"/>
-              <a:t>Epochs</a:t>
-            </a:r>
-            <a:r>
-              <a:rPr lang="es-GT" sz="2200" dirty="0"/>
-              <a:t>: 475</a:t>
-            </a:r>
-            <a:endParaRPr lang="en-US" sz="2200" dirty="0"/>
-          </a:p>
-          <a:p>
-            <a:pPr lvl="1">
-              <a:buFont typeface="Wingdings" panose="05000000000000000000" pitchFamily="2" charset="2"/>
-              <a:buChar char="§"/>
-            </a:pPr>
-            <a:r>
-              <a:rPr lang="es-GT" sz="2200" dirty="0" err="1"/>
               <a:t>Batch</a:t>
             </a:r>
             <a:r>
@@ -11285,21 +11162,6 @@
             <a:r>
               <a:rPr lang="es-GT" sz="2200" dirty="0"/>
               <a:t>: 32</a:t>
-            </a:r>
-            <a:endParaRPr lang="en-US" sz="2200" dirty="0"/>
-          </a:p>
-          <a:p>
-            <a:pPr lvl="1">
-              <a:buFont typeface="Wingdings" panose="05000000000000000000" pitchFamily="2" charset="2"/>
-              <a:buChar char="§"/>
-            </a:pPr>
-            <a:r>
-              <a:rPr lang="es-GT" sz="2200" dirty="0"/>
-              <a:t>Optimizador: </a:t>
-            </a:r>
-            <a:r>
-              <a:rPr lang="es-GT" sz="2200" dirty="0" err="1"/>
-              <a:t>Adamax</a:t>
             </a:r>
             <a:endParaRPr lang="en-US" sz="2200" dirty="0"/>
           </a:p>
@@ -11350,6 +11212,323 @@
           </a:p>
         </p:txBody>
       </p:sp>
+      <p:sp>
+        <p:nvSpPr>
+          <p:cNvPr id="48" name="Intro">
+            <a:extLst>
+              <a:ext uri="{FF2B5EF4-FFF2-40B4-BE49-F238E27FC236}">
+                <a16:creationId xmlns:a16="http://schemas.microsoft.com/office/drawing/2014/main" id="{6850F1F4-3DE1-412C-83AC-449763BE9C64}"/>
+              </a:ext>
+            </a:extLst>
+          </p:cNvPr>
+          <p:cNvSpPr txBox="1">
+            <a:spLocks/>
+          </p:cNvSpPr>
+          <p:nvPr/>
+        </p:nvSpPr>
+        <p:spPr>
+          <a:xfrm>
+            <a:off x="525739" y="1336156"/>
+            <a:ext cx="7929530" cy="5436420"/>
+          </a:xfrm>
+          <a:prstGeom prst="rect">
+            <a:avLst/>
+          </a:prstGeom>
+        </p:spPr>
+        <p:txBody>
+          <a:bodyPr vert="horz" lIns="91440" tIns="45720" rIns="91440" bIns="45720" rtlCol="0">
+            <a:normAutofit/>
+          </a:bodyPr>
+          <a:lstStyle>
+            <a:lvl1pPr marL="342900" indent="-342900" algn="l" defTabSz="457200" rtl="0" eaLnBrk="1" latinLnBrk="0" hangingPunct="1">
+              <a:spcBef>
+                <a:spcPts val="1000"/>
+              </a:spcBef>
+              <a:spcAft>
+                <a:spcPts val="0"/>
+              </a:spcAft>
+              <a:buClr>
+                <a:schemeClr val="accent1"/>
+              </a:buClr>
+              <a:buFont typeface="Wingdings 3" charset="2"/>
+              <a:buChar char=""/>
+              <a:defRPr sz="1800" kern="1200">
+                <a:solidFill>
+                  <a:schemeClr val="tx1">
+                    <a:lumMod val="75000"/>
+                    <a:lumOff val="25000"/>
+                  </a:schemeClr>
+                </a:solidFill>
+                <a:latin typeface="+mn-lt"/>
+                <a:ea typeface="+mn-ea"/>
+                <a:cs typeface="+mn-cs"/>
+              </a:defRPr>
+            </a:lvl1pPr>
+            <a:lvl2pPr marL="742950" indent="-285750" algn="l" defTabSz="457200" rtl="0" eaLnBrk="1" latinLnBrk="0" hangingPunct="1">
+              <a:spcBef>
+                <a:spcPts val="1000"/>
+              </a:spcBef>
+              <a:spcAft>
+                <a:spcPts val="0"/>
+              </a:spcAft>
+              <a:buClr>
+                <a:schemeClr val="accent1"/>
+              </a:buClr>
+              <a:buFont typeface="Wingdings 3" charset="2"/>
+              <a:buChar char=""/>
+              <a:defRPr sz="1600" kern="1200">
+                <a:solidFill>
+                  <a:schemeClr val="tx1">
+                    <a:lumMod val="75000"/>
+                    <a:lumOff val="25000"/>
+                  </a:schemeClr>
+                </a:solidFill>
+                <a:latin typeface="+mn-lt"/>
+                <a:ea typeface="+mn-ea"/>
+                <a:cs typeface="+mn-cs"/>
+              </a:defRPr>
+            </a:lvl2pPr>
+            <a:lvl3pPr marL="1143000" indent="-228600" algn="l" defTabSz="457200" rtl="0" eaLnBrk="1" latinLnBrk="0" hangingPunct="1">
+              <a:spcBef>
+                <a:spcPts val="1000"/>
+              </a:spcBef>
+              <a:spcAft>
+                <a:spcPts val="0"/>
+              </a:spcAft>
+              <a:buClr>
+                <a:schemeClr val="accent1"/>
+              </a:buClr>
+              <a:buFont typeface="Wingdings 3" charset="2"/>
+              <a:buChar char=""/>
+              <a:defRPr sz="1400" kern="1200">
+                <a:solidFill>
+                  <a:schemeClr val="tx1">
+                    <a:lumMod val="75000"/>
+                    <a:lumOff val="25000"/>
+                  </a:schemeClr>
+                </a:solidFill>
+                <a:latin typeface="+mn-lt"/>
+                <a:ea typeface="+mn-ea"/>
+                <a:cs typeface="+mn-cs"/>
+              </a:defRPr>
+            </a:lvl3pPr>
+            <a:lvl4pPr marL="1600200" indent="-228600" algn="l" defTabSz="457200" rtl="0" eaLnBrk="1" latinLnBrk="0" hangingPunct="1">
+              <a:spcBef>
+                <a:spcPts val="1000"/>
+              </a:spcBef>
+              <a:spcAft>
+                <a:spcPts val="0"/>
+              </a:spcAft>
+              <a:buClr>
+                <a:schemeClr val="accent1"/>
+              </a:buClr>
+              <a:buFont typeface="Wingdings 3" charset="2"/>
+              <a:buChar char=""/>
+              <a:defRPr sz="1200" kern="1200">
+                <a:solidFill>
+                  <a:schemeClr val="tx1">
+                    <a:lumMod val="75000"/>
+                    <a:lumOff val="25000"/>
+                  </a:schemeClr>
+                </a:solidFill>
+                <a:latin typeface="+mn-lt"/>
+                <a:ea typeface="+mn-ea"/>
+                <a:cs typeface="+mn-cs"/>
+              </a:defRPr>
+            </a:lvl4pPr>
+            <a:lvl5pPr marL="2057400" indent="-228600" algn="l" defTabSz="457200" rtl="0" eaLnBrk="1" latinLnBrk="0" hangingPunct="1">
+              <a:spcBef>
+                <a:spcPts val="1000"/>
+              </a:spcBef>
+              <a:spcAft>
+                <a:spcPts val="0"/>
+              </a:spcAft>
+              <a:buClr>
+                <a:schemeClr val="accent1"/>
+              </a:buClr>
+              <a:buFont typeface="Wingdings 3" charset="2"/>
+              <a:buChar char=""/>
+              <a:defRPr sz="1200" kern="1200">
+                <a:solidFill>
+                  <a:schemeClr val="tx1">
+                    <a:lumMod val="75000"/>
+                    <a:lumOff val="25000"/>
+                  </a:schemeClr>
+                </a:solidFill>
+                <a:latin typeface="+mn-lt"/>
+                <a:ea typeface="+mn-ea"/>
+                <a:cs typeface="+mn-cs"/>
+              </a:defRPr>
+            </a:lvl5pPr>
+            <a:lvl6pPr marL="2514600" indent="-228600" algn="l" defTabSz="457200" rtl="0" eaLnBrk="1" latinLnBrk="0" hangingPunct="1">
+              <a:spcBef>
+                <a:spcPts val="1000"/>
+              </a:spcBef>
+              <a:spcAft>
+                <a:spcPts val="0"/>
+              </a:spcAft>
+              <a:buClr>
+                <a:schemeClr val="accent1"/>
+              </a:buClr>
+              <a:buFont typeface="Wingdings 3" charset="2"/>
+              <a:buChar char=""/>
+              <a:defRPr sz="1200" kern="1200">
+                <a:solidFill>
+                  <a:schemeClr val="tx1">
+                    <a:lumMod val="75000"/>
+                    <a:lumOff val="25000"/>
+                  </a:schemeClr>
+                </a:solidFill>
+                <a:latin typeface="+mn-lt"/>
+                <a:ea typeface="+mn-ea"/>
+                <a:cs typeface="+mn-cs"/>
+              </a:defRPr>
+            </a:lvl6pPr>
+            <a:lvl7pPr marL="2971800" indent="-228600" algn="l" defTabSz="457200" rtl="0" eaLnBrk="1" latinLnBrk="0" hangingPunct="1">
+              <a:spcBef>
+                <a:spcPts val="1000"/>
+              </a:spcBef>
+              <a:spcAft>
+                <a:spcPts val="0"/>
+              </a:spcAft>
+              <a:buClr>
+                <a:schemeClr val="accent1"/>
+              </a:buClr>
+              <a:buFont typeface="Wingdings 3" charset="2"/>
+              <a:buChar char=""/>
+              <a:defRPr sz="1200" kern="1200">
+                <a:solidFill>
+                  <a:schemeClr val="tx1">
+                    <a:lumMod val="75000"/>
+                    <a:lumOff val="25000"/>
+                  </a:schemeClr>
+                </a:solidFill>
+                <a:latin typeface="+mn-lt"/>
+                <a:ea typeface="+mn-ea"/>
+                <a:cs typeface="+mn-cs"/>
+              </a:defRPr>
+            </a:lvl7pPr>
+            <a:lvl8pPr marL="3429000" indent="-228600" algn="l" defTabSz="457200" rtl="0" eaLnBrk="1" latinLnBrk="0" hangingPunct="1">
+              <a:spcBef>
+                <a:spcPts val="1000"/>
+              </a:spcBef>
+              <a:spcAft>
+                <a:spcPts val="0"/>
+              </a:spcAft>
+              <a:buClr>
+                <a:schemeClr val="accent1"/>
+              </a:buClr>
+              <a:buFont typeface="Wingdings 3" charset="2"/>
+              <a:buChar char=""/>
+              <a:defRPr sz="1200" kern="1200">
+                <a:solidFill>
+                  <a:schemeClr val="tx1">
+                    <a:lumMod val="75000"/>
+                    <a:lumOff val="25000"/>
+                  </a:schemeClr>
+                </a:solidFill>
+                <a:latin typeface="+mn-lt"/>
+                <a:ea typeface="+mn-ea"/>
+                <a:cs typeface="+mn-cs"/>
+              </a:defRPr>
+            </a:lvl8pPr>
+            <a:lvl9pPr marL="3886200" indent="-228600" algn="l" defTabSz="457200" rtl="0" eaLnBrk="1" latinLnBrk="0" hangingPunct="1">
+              <a:spcBef>
+                <a:spcPts val="1000"/>
+              </a:spcBef>
+              <a:spcAft>
+                <a:spcPts val="0"/>
+              </a:spcAft>
+              <a:buClr>
+                <a:schemeClr val="accent1"/>
+              </a:buClr>
+              <a:buFont typeface="Wingdings 3" charset="2"/>
+              <a:buChar char=""/>
+              <a:defRPr sz="1200" kern="1200">
+                <a:solidFill>
+                  <a:schemeClr val="tx1">
+                    <a:lumMod val="75000"/>
+                    <a:lumOff val="25000"/>
+                  </a:schemeClr>
+                </a:solidFill>
+                <a:latin typeface="+mn-lt"/>
+                <a:ea typeface="+mn-ea"/>
+                <a:cs typeface="+mn-cs"/>
+              </a:defRPr>
+            </a:lvl9pPr>
+          </a:lstStyle>
+          <a:p>
+            <a:r>
+              <a:rPr lang="es-GT" sz="2400" dirty="0" err="1"/>
+              <a:t>Tensorflow</a:t>
+            </a:r>
+            <a:endParaRPr lang="es-GT" sz="2400" dirty="0"/>
+          </a:p>
+          <a:p>
+            <a:r>
+              <a:rPr lang="en-US" sz="2400" dirty="0" err="1"/>
+              <a:t>Arma</a:t>
+            </a:r>
+            <a:r>
+              <a:rPr lang="en-US" sz="2400" dirty="0"/>
+              <a:t> de doble filo</a:t>
+            </a:r>
+          </a:p>
+          <a:p>
+            <a:r>
+              <a:rPr lang="en-US" sz="2400" dirty="0" err="1"/>
+              <a:t>Eficaz</a:t>
+            </a:r>
+            <a:r>
+              <a:rPr lang="en-US" sz="2400" dirty="0"/>
+              <a:t> al </a:t>
+            </a:r>
+            <a:r>
+              <a:rPr lang="en-US" sz="2400" dirty="0" err="1"/>
+              <a:t>Inicio</a:t>
+            </a:r>
+            <a:endParaRPr lang="en-US" sz="2400" dirty="0"/>
+          </a:p>
+          <a:p>
+            <a:r>
+              <a:rPr lang="en-US" sz="2400" dirty="0" err="1"/>
+              <a:t>Estancamiento</a:t>
+            </a:r>
+            <a:endParaRPr lang="en-US" sz="2400" dirty="0"/>
+          </a:p>
+          <a:p>
+            <a:r>
+              <a:rPr lang="en-US" sz="2400" dirty="0" err="1"/>
+              <a:t>Tarda</a:t>
+            </a:r>
+            <a:r>
+              <a:rPr lang="en-US" sz="2400" dirty="0"/>
+              <a:t> </a:t>
+            </a:r>
+            <a:r>
+              <a:rPr lang="en-US" sz="2400" dirty="0" err="1"/>
+              <a:t>mucho</a:t>
+            </a:r>
+            <a:r>
+              <a:rPr lang="en-US" sz="2400" dirty="0"/>
+              <a:t> </a:t>
+            </a:r>
+            <a:r>
+              <a:rPr lang="en-US" sz="2400" dirty="0" err="1"/>
+              <a:t>en</a:t>
+            </a:r>
+            <a:r>
+              <a:rPr lang="en-US" sz="2400" dirty="0"/>
+              <a:t> </a:t>
+            </a:r>
+            <a:r>
+              <a:rPr lang="en-US" sz="2400" dirty="0" err="1"/>
+              <a:t>entrenar</a:t>
+            </a:r>
+            <a:endParaRPr lang="en-US" sz="2400" dirty="0"/>
+          </a:p>
+        </p:txBody>
+      </p:sp>
     </p:spTree>
     <p:extLst>
       <p:ext uri="{BB962C8B-B14F-4D97-AF65-F5344CB8AC3E}">
@@ -11381,7 +11560,7 @@
                             </p:stCondLst>
                             <p:childTnLst>
                               <p:par>
-                                <p:cTn id="5" presetID="10" presetClass="entr" presetSubtype="0" fill="hold" nodeType="clickEffect">
+                                <p:cTn id="5" presetID="10" presetClass="entr" presetSubtype="0" fill="hold" grpId="0" nodeType="clickEffect">
                                   <p:stCondLst>
                                     <p:cond delay="0"/>
                                   </p:stCondLst>
@@ -11389,6 +11568,86 @@
                                     <p:set>
                                       <p:cBhvr>
                                         <p:cTn id="6" dur="1" fill="hold">
+                                          <p:stCondLst>
+                                            <p:cond delay="0"/>
+                                          </p:stCondLst>
+                                        </p:cTn>
+                                        <p:tgtEl>
+                                          <p:spTgt spid="48"/>
+                                        </p:tgtEl>
+                                        <p:attrNameLst>
+                                          <p:attrName>style.visibility</p:attrName>
+                                        </p:attrNameLst>
+                                      </p:cBhvr>
+                                      <p:to>
+                                        <p:strVal val="visible"/>
+                                      </p:to>
+                                    </p:set>
+                                    <p:animEffect transition="in" filter="fade">
+                                      <p:cBhvr>
+                                        <p:cTn id="7" dur="500"/>
+                                        <p:tgtEl>
+                                          <p:spTgt spid="48"/>
+                                        </p:tgtEl>
+                                      </p:cBhvr>
+                                    </p:animEffect>
+                                  </p:childTnLst>
+                                </p:cTn>
+                              </p:par>
+                            </p:childTnLst>
+                          </p:cTn>
+                        </p:par>
+                      </p:childTnLst>
+                    </p:cTn>
+                  </p:par>
+                  <p:par>
+                    <p:cTn id="8" fill="hold">
+                      <p:stCondLst>
+                        <p:cond delay="indefinite"/>
+                      </p:stCondLst>
+                      <p:childTnLst>
+                        <p:par>
+                          <p:cTn id="9" fill="hold">
+                            <p:stCondLst>
+                              <p:cond delay="0"/>
+                            </p:stCondLst>
+                            <p:childTnLst>
+                              <p:par>
+                                <p:cTn id="10" presetID="1" presetClass="exit" presetSubtype="0" fill="hold" grpId="1" nodeType="clickEffect">
+                                  <p:stCondLst>
+                                    <p:cond delay="0"/>
+                                  </p:stCondLst>
+                                  <p:childTnLst>
+                                    <p:set>
+                                      <p:cBhvr>
+                                        <p:cTn id="11" dur="1" fill="hold">
+                                          <p:stCondLst>
+                                            <p:cond delay="0"/>
+                                          </p:stCondLst>
+                                        </p:cTn>
+                                        <p:tgtEl>
+                                          <p:spTgt spid="48"/>
+                                        </p:tgtEl>
+                                        <p:attrNameLst>
+                                          <p:attrName>style.visibility</p:attrName>
+                                        </p:attrNameLst>
+                                      </p:cBhvr>
+                                      <p:to>
+                                        <p:strVal val="hidden"/>
+                                      </p:to>
+                                    </p:set>
+                                  </p:childTnLst>
+                                </p:cTn>
+                              </p:par>
+                              <p:par>
+                                <p:cTn id="12" presetID="10" presetClass="entr" presetSubtype="0" fill="hold" nodeType="withEffect">
+                                  <p:stCondLst>
+                                    <p:cond delay="0"/>
+                                  </p:stCondLst>
+                                  <p:childTnLst>
+                                    <p:set>
+                                      <p:cBhvr>
+                                        <p:cTn id="13" dur="1" fill="hold">
                                           <p:stCondLst>
                                             <p:cond delay="0"/>
                                           </p:stCondLst>
@@ -11410,7 +11669,7 @@
                                     </p:set>
                                     <p:animEffect transition="in" filter="fade">
                                       <p:cBhvr>
-                                        <p:cTn id="7" dur="500"/>
+                                        <p:cTn id="14" dur="500"/>
                                         <p:tgtEl>
                                           <p:spTgt spid="46">
                                             <p:txEl>
@@ -11427,20 +11686,20 @@
                           </p:cTn>
                         </p:par>
                         <p:par>
-                          <p:cTn id="8" fill="hold">
+                          <p:cTn id="15" fill="hold">
                             <p:stCondLst>
                               <p:cond delay="500"/>
                             </p:stCondLst>
                             <p:childTnLst>
                               <p:par>
-                                <p:cTn id="9" presetID="10" presetClass="entr" presetSubtype="0" fill="hold" nodeType="afterEffect">
+                                <p:cTn id="16" presetID="10" presetClass="entr" presetSubtype="0" fill="hold" nodeType="afterEffect">
                                   <p:stCondLst>
                                     <p:cond delay="0"/>
                                   </p:stCondLst>
                                   <p:childTnLst>
                                     <p:set>
                                       <p:cBhvr>
-                                        <p:cTn id="10" dur="1" fill="hold">
+                                        <p:cTn id="17" dur="1" fill="hold">
                                           <p:stCondLst>
                                             <p:cond delay="0"/>
                                           </p:stCondLst>
@@ -11462,7 +11721,7 @@
                                     </p:set>
                                     <p:animEffect transition="in" filter="fade">
                                       <p:cBhvr>
-                                        <p:cTn id="11" dur="500"/>
+                                        <p:cTn id="18" dur="500"/>
                                         <p:tgtEl>
                                           <p:spTgt spid="46">
                                             <p:txEl>
@@ -11479,20 +11738,20 @@
                           </p:cTn>
                         </p:par>
                         <p:par>
-                          <p:cTn id="12" fill="hold">
+                          <p:cTn id="19" fill="hold">
                             <p:stCondLst>
                               <p:cond delay="1000"/>
                             </p:stCondLst>
                             <p:childTnLst>
                               <p:par>
-                                <p:cTn id="13" presetID="10" presetClass="entr" presetSubtype="0" fill="hold" nodeType="afterEffect">
+                                <p:cTn id="20" presetID="10" presetClass="entr" presetSubtype="0" fill="hold" nodeType="afterEffect">
                                   <p:stCondLst>
                                     <p:cond delay="0"/>
                                   </p:stCondLst>
                                   <p:childTnLst>
                                     <p:set>
                                       <p:cBhvr>
-                                        <p:cTn id="14" dur="1" fill="hold">
+                                        <p:cTn id="21" dur="1" fill="hold">
                                           <p:stCondLst>
                                             <p:cond delay="0"/>
                                           </p:stCondLst>
@@ -11514,7 +11773,7 @@
                                     </p:set>
                                     <p:animEffect transition="in" filter="fade">
                                       <p:cBhvr>
-                                        <p:cTn id="15" dur="500"/>
+                                        <p:cTn id="22" dur="500"/>
                                         <p:tgtEl>
                                           <p:spTgt spid="46">
                                             <p:txEl>
@@ -11531,20 +11790,20 @@
                           </p:cTn>
                         </p:par>
                         <p:par>
-                          <p:cTn id="16" fill="hold">
+                          <p:cTn id="23" fill="hold">
                             <p:stCondLst>
                               <p:cond delay="1500"/>
                             </p:stCondLst>
                             <p:childTnLst>
                               <p:par>
-                                <p:cTn id="17" presetID="10" presetClass="entr" presetSubtype="0" fill="hold" nodeType="afterEffect">
+                                <p:cTn id="24" presetID="10" presetClass="entr" presetSubtype="0" fill="hold" nodeType="afterEffect">
                                   <p:stCondLst>
                                     <p:cond delay="0"/>
                                   </p:stCondLst>
                                   <p:childTnLst>
                                     <p:set>
                                       <p:cBhvr>
-                                        <p:cTn id="18" dur="1" fill="hold">
+                                        <p:cTn id="25" dur="1" fill="hold">
                                           <p:stCondLst>
                                             <p:cond delay="0"/>
                                           </p:stCondLst>
@@ -11566,7 +11825,7 @@
                                     </p:set>
                                     <p:animEffect transition="in" filter="fade">
                                       <p:cBhvr>
-                                        <p:cTn id="19" dur="500"/>
+                                        <p:cTn id="26" dur="500"/>
                                         <p:tgtEl>
                                           <p:spTgt spid="46">
                                             <p:txEl>
@@ -11583,20 +11842,20 @@
                           </p:cTn>
                         </p:par>
                         <p:par>
-                          <p:cTn id="20" fill="hold">
+                          <p:cTn id="27" fill="hold">
                             <p:stCondLst>
                               <p:cond delay="2000"/>
                             </p:stCondLst>
                             <p:childTnLst>
                               <p:par>
-                                <p:cTn id="21" presetID="10" presetClass="entr" presetSubtype="0" fill="hold" nodeType="afterEffect">
+                                <p:cTn id="28" presetID="10" presetClass="entr" presetSubtype="0" fill="hold" nodeType="afterEffect">
                                   <p:stCondLst>
                                     <p:cond delay="0"/>
                                   </p:stCondLst>
                                   <p:childTnLst>
                                     <p:set>
                                       <p:cBhvr>
-                                        <p:cTn id="22" dur="1" fill="hold">
+                                        <p:cTn id="29" dur="1" fill="hold">
                                           <p:stCondLst>
                                             <p:cond delay="0"/>
                                           </p:stCondLst>
@@ -11618,7 +11877,7 @@
                                     </p:set>
                                     <p:animEffect transition="in" filter="fade">
                                       <p:cBhvr>
-                                        <p:cTn id="23" dur="500"/>
+                                        <p:cTn id="30" dur="500"/>
                                         <p:tgtEl>
                                           <p:spTgt spid="46">
                                             <p:txEl>
@@ -11635,20 +11894,20 @@
                           </p:cTn>
                         </p:par>
                         <p:par>
-                          <p:cTn id="24" fill="hold">
+                          <p:cTn id="31" fill="hold">
                             <p:stCondLst>
                               <p:cond delay="2500"/>
                             </p:stCondLst>
                             <p:childTnLst>
                               <p:par>
-                                <p:cTn id="25" presetID="10" presetClass="entr" presetSubtype="0" fill="hold" nodeType="afterEffect">
+                                <p:cTn id="32" presetID="10" presetClass="entr" presetSubtype="0" fill="hold" nodeType="afterEffect">
                                   <p:stCondLst>
                                     <p:cond delay="0"/>
                                   </p:stCondLst>
                                   <p:childTnLst>
                                     <p:set>
                                       <p:cBhvr>
-                                        <p:cTn id="26" dur="1" fill="hold">
+                                        <p:cTn id="33" dur="1" fill="hold">
                                           <p:stCondLst>
                                             <p:cond delay="0"/>
                                           </p:stCondLst>
@@ -11670,7 +11929,7 @@
                                     </p:set>
                                     <p:animEffect transition="in" filter="fade">
                                       <p:cBhvr>
-                                        <p:cTn id="27" dur="500"/>
+                                        <p:cTn id="34" dur="500"/>
                                         <p:tgtEl>
                                           <p:spTgt spid="46">
                                             <p:txEl>
@@ -11687,20 +11946,20 @@
                           </p:cTn>
                         </p:par>
                         <p:par>
-                          <p:cTn id="28" fill="hold">
+                          <p:cTn id="35" fill="hold">
                             <p:stCondLst>
                               <p:cond delay="3000"/>
                             </p:stCondLst>
                             <p:childTnLst>
                               <p:par>
-                                <p:cTn id="29" presetID="10" presetClass="entr" presetSubtype="0" fill="hold" nodeType="afterEffect">
+                                <p:cTn id="36" presetID="10" presetClass="entr" presetSubtype="0" fill="hold" nodeType="afterEffect">
                                   <p:stCondLst>
                                     <p:cond delay="0"/>
                                   </p:stCondLst>
                                   <p:childTnLst>
                                     <p:set>
                                       <p:cBhvr>
-                                        <p:cTn id="30" dur="1" fill="hold">
+                                        <p:cTn id="37" dur="1" fill="hold">
                                           <p:stCondLst>
                                             <p:cond delay="0"/>
                                           </p:stCondLst>
@@ -11722,7 +11981,7 @@
                                     </p:set>
                                     <p:animEffect transition="in" filter="fade">
                                       <p:cBhvr>
-                                        <p:cTn id="31" dur="500"/>
+                                        <p:cTn id="38" dur="500"/>
                                         <p:tgtEl>
                                           <p:spTgt spid="46">
                                             <p:txEl>
@@ -11739,20 +11998,20 @@
                           </p:cTn>
                         </p:par>
                         <p:par>
-                          <p:cTn id="32" fill="hold">
+                          <p:cTn id="39" fill="hold">
                             <p:stCondLst>
                               <p:cond delay="3500"/>
                             </p:stCondLst>
                             <p:childTnLst>
                               <p:par>
-                                <p:cTn id="33" presetID="10" presetClass="entr" presetSubtype="0" fill="hold" nodeType="afterEffect">
+                                <p:cTn id="40" presetID="10" presetClass="entr" presetSubtype="0" fill="hold" nodeType="afterEffect">
                                   <p:stCondLst>
                                     <p:cond delay="0"/>
                                   </p:stCondLst>
                                   <p:childTnLst>
                                     <p:set>
                                       <p:cBhvr>
-                                        <p:cTn id="34" dur="1" fill="hold">
+                                        <p:cTn id="41" dur="1" fill="hold">
                                           <p:stCondLst>
                                             <p:cond delay="0"/>
                                           </p:stCondLst>
@@ -11774,7 +12033,7 @@
                                     </p:set>
                                     <p:animEffect transition="in" filter="fade">
                                       <p:cBhvr>
-                                        <p:cTn id="35" dur="500"/>
+                                        <p:cTn id="42" dur="500"/>
                                         <p:tgtEl>
                                           <p:spTgt spid="46">
                                             <p:txEl>
@@ -11791,20 +12050,20 @@
                           </p:cTn>
                         </p:par>
                         <p:par>
-                          <p:cTn id="36" fill="hold">
+                          <p:cTn id="43" fill="hold">
                             <p:stCondLst>
                               <p:cond delay="4000"/>
                             </p:stCondLst>
                             <p:childTnLst>
                               <p:par>
-                                <p:cTn id="37" presetID="10" presetClass="entr" presetSubtype="0" fill="hold" nodeType="afterEffect">
+                                <p:cTn id="44" presetID="10" presetClass="entr" presetSubtype="0" fill="hold" nodeType="afterEffect">
                                   <p:stCondLst>
                                     <p:cond delay="0"/>
                                   </p:stCondLst>
                                   <p:childTnLst>
                                     <p:set>
                                       <p:cBhvr>
-                                        <p:cTn id="38" dur="1" fill="hold">
+                                        <p:cTn id="45" dur="1" fill="hold">
                                           <p:stCondLst>
                                             <p:cond delay="0"/>
                                           </p:stCondLst>
@@ -11826,115 +12085,11 @@
                                     </p:set>
                                     <p:animEffect transition="in" filter="fade">
                                       <p:cBhvr>
-                                        <p:cTn id="39" dur="500"/>
+                                        <p:cTn id="46" dur="500"/>
                                         <p:tgtEl>
                                           <p:spTgt spid="46">
                                             <p:txEl>
                                               <p:pRg st="8" end="8"/>
-                                            </p:txEl>
-                                          </p:spTgt>
-                                        </p:tgtEl>
-                                      </p:cBhvr>
-                                    </p:animEffect>
-                                  </p:childTnLst>
-                                </p:cTn>
-                              </p:par>
-                            </p:childTnLst>
-                          </p:cTn>
-                        </p:par>
-                        <p:par>
-                          <p:cTn id="40" fill="hold">
-                            <p:stCondLst>
-                              <p:cond delay="4500"/>
-                            </p:stCondLst>
-                            <p:childTnLst>
-                              <p:par>
-                                <p:cTn id="41" presetID="10" presetClass="entr" presetSubtype="0" fill="hold" nodeType="afterEffect">
-                                  <p:stCondLst>
-                                    <p:cond delay="0"/>
-                                  </p:stCondLst>
-                                  <p:childTnLst>
-                                    <p:set>
-                                      <p:cBhvr>
-                                        <p:cTn id="42" dur="1" fill="hold">
-                                          <p:stCondLst>
-                                            <p:cond delay="0"/>
-                                          </p:stCondLst>
-                                        </p:cTn>
-                                        <p:tgtEl>
-                                          <p:spTgt spid="46">
-                                            <p:txEl>
-                                              <p:pRg st="9" end="9"/>
-                                            </p:txEl>
-                                          </p:spTgt>
-                                        </p:tgtEl>
-                                        <p:attrNameLst>
-                                          <p:attrName>style.visibility</p:attrName>
-                                        </p:attrNameLst>
-                                      </p:cBhvr>
-                                      <p:to>
-                                        <p:strVal val="visible"/>
-                                      </p:to>
-                                    </p:set>
-                                    <p:animEffect transition="in" filter="fade">
-                                      <p:cBhvr>
-                                        <p:cTn id="43" dur="500"/>
-                                        <p:tgtEl>
-                                          <p:spTgt spid="46">
-                                            <p:txEl>
-                                              <p:pRg st="9" end="9"/>
-                                            </p:txEl>
-                                          </p:spTgt>
-                                        </p:tgtEl>
-                                      </p:cBhvr>
-                                    </p:animEffect>
-                                  </p:childTnLst>
-                                </p:cTn>
-                              </p:par>
-                            </p:childTnLst>
-                          </p:cTn>
-                        </p:par>
-                        <p:par>
-                          <p:cTn id="44" fill="hold">
-                            <p:stCondLst>
-                              <p:cond delay="5000"/>
-                            </p:stCondLst>
-                            <p:childTnLst>
-                              <p:par>
-                                <p:cTn id="45" presetID="10" presetClass="entr" presetSubtype="0" fill="hold" nodeType="afterEffect">
-                                  <p:stCondLst>
-                                    <p:cond delay="0"/>
-                                  </p:stCondLst>
-                                  <p:childTnLst>
-                                    <p:set>
-                                      <p:cBhvr>
-                                        <p:cTn id="46" dur="1" fill="hold">
-                                          <p:stCondLst>
-                                            <p:cond delay="0"/>
-                                          </p:stCondLst>
-                                        </p:cTn>
-                                        <p:tgtEl>
-                                          <p:spTgt spid="46">
-                                            <p:txEl>
-                                              <p:pRg st="10" end="10"/>
-                                            </p:txEl>
-                                          </p:spTgt>
-                                        </p:tgtEl>
-                                        <p:attrNameLst>
-                                          <p:attrName>style.visibility</p:attrName>
-                                        </p:attrNameLst>
-                                      </p:cBhvr>
-                                      <p:to>
-                                        <p:strVal val="visible"/>
-                                      </p:to>
-                                    </p:set>
-                                    <p:animEffect transition="in" filter="fade">
-                                      <p:cBhvr>
-                                        <p:cTn id="47" dur="500"/>
-                                        <p:tgtEl>
-                                          <p:spTgt spid="46">
-                                            <p:txEl>
-                                              <p:pRg st="10" end="10"/>
                                             </p:txEl>
                                           </p:spTgt>
                                         </p:tgtEl>
@@ -11970,7 +12125,119 @@
         </p:cTn>
       </p:par>
     </p:tnLst>
+    <p:bldLst>
+      <p:bldP spid="48" grpId="0"/>
+      <p:bldP spid="48" grpId="1"/>
+    </p:bldLst>
   </p:timing>
+</p:sld>
+</file>
+
+<file path=ppt/slides/slide11.xml><?xml version="1.0" encoding="utf-8"?>
+<p:sld xmlns:a="http://schemas.openxmlformats.org/drawingml/2006/main" xmlns:r="http://schemas.openxmlformats.org/officeDocument/2006/relationships" xmlns:p="http://schemas.openxmlformats.org/presentationml/2006/main">
+  <p:cSld>
+    <p:spTree>
+      <p:nvGrpSpPr>
+        <p:cNvPr id="1" name=""/>
+        <p:cNvGrpSpPr/>
+        <p:nvPr/>
+      </p:nvGrpSpPr>
+      <p:grpSpPr>
+        <a:xfrm>
+          <a:off x="0" y="0"/>
+          <a:ext cx="0" cy="0"/>
+          <a:chOff x="0" y="0"/>
+          <a:chExt cx="0" cy="0"/>
+        </a:xfrm>
+      </p:grpSpPr>
+      <p:sp>
+        <p:nvSpPr>
+          <p:cNvPr id="2" name="Title 1">
+            <a:extLst>
+              <a:ext uri="{FF2B5EF4-FFF2-40B4-BE49-F238E27FC236}">
+                <a16:creationId xmlns:a16="http://schemas.microsoft.com/office/drawing/2014/main" id="{4BC98F3B-622F-4905-ADF2-BF6344942AD9}"/>
+              </a:ext>
+            </a:extLst>
+          </p:cNvPr>
+          <p:cNvSpPr>
+            <a:spLocks noGrp="1"/>
+          </p:cNvSpPr>
+          <p:nvPr>
+            <p:ph type="title"/>
+          </p:nvPr>
+        </p:nvSpPr>
+        <p:spPr/>
+        <p:txBody>
+          <a:bodyPr/>
+          <a:lstStyle/>
+          <a:p>
+            <a:r>
+              <a:rPr lang="es-GT" dirty="0"/>
+              <a:t>Regresiones lineales con XGBoost</a:t>
+            </a:r>
+          </a:p>
+        </p:txBody>
+      </p:sp>
+      <p:sp>
+        <p:nvSpPr>
+          <p:cNvPr id="3" name="Content Placeholder 2">
+            <a:extLst>
+              <a:ext uri="{FF2B5EF4-FFF2-40B4-BE49-F238E27FC236}">
+                <a16:creationId xmlns:a16="http://schemas.microsoft.com/office/drawing/2014/main" id="{6D974A9D-0F30-43B5-891B-9B0D3D6F43D3}"/>
+              </a:ext>
+            </a:extLst>
+          </p:cNvPr>
+          <p:cNvSpPr>
+            <a:spLocks noGrp="1"/>
+          </p:cNvSpPr>
+          <p:nvPr>
+            <p:ph sz="half" idx="1"/>
+          </p:nvPr>
+        </p:nvSpPr>
+        <p:spPr/>
+        <p:txBody>
+          <a:bodyPr/>
+          <a:lstStyle/>
+          <a:p>
+            <a:endParaRPr lang="es-GT"/>
+          </a:p>
+        </p:txBody>
+      </p:sp>
+      <p:sp>
+        <p:nvSpPr>
+          <p:cNvPr id="4" name="Content Placeholder 3">
+            <a:extLst>
+              <a:ext uri="{FF2B5EF4-FFF2-40B4-BE49-F238E27FC236}">
+                <a16:creationId xmlns:a16="http://schemas.microsoft.com/office/drawing/2014/main" id="{27B09841-70A6-404F-9F7B-8C73C178621F}"/>
+              </a:ext>
+            </a:extLst>
+          </p:cNvPr>
+          <p:cNvSpPr>
+            <a:spLocks noGrp="1"/>
+          </p:cNvSpPr>
+          <p:nvPr>
+            <p:ph sz="half" idx="2"/>
+          </p:nvPr>
+        </p:nvSpPr>
+        <p:spPr/>
+        <p:txBody>
+          <a:bodyPr/>
+          <a:lstStyle/>
+          <a:p>
+            <a:endParaRPr lang="es-GT"/>
+          </a:p>
+        </p:txBody>
+      </p:sp>
+    </p:spTree>
+    <p:extLst>
+      <p:ext uri="{BB962C8B-B14F-4D97-AF65-F5344CB8AC3E}">
+        <p14:creationId xmlns:p14="http://schemas.microsoft.com/office/powerpoint/2010/main" val="2030563057"/>
+      </p:ext>
+    </p:extLst>
+  </p:cSld>
+  <p:clrMapOvr>
+    <a:masterClrMapping/>
+  </p:clrMapOvr>
 </p:sld>
 </file>
 
@@ -16028,7 +16295,7 @@
         </p:nvSpPr>
         <p:spPr>
           <a:xfrm>
-            <a:off x="2592923" y="4362451"/>
+            <a:off x="2592925" y="5014691"/>
             <a:ext cx="7446424" cy="1219199"/>
           </a:xfrm>
           <a:prstGeom prst="rect">
@@ -16303,14 +16570,285 @@
         </p:blipFill>
         <p:spPr>
           <a:xfrm>
-            <a:off x="8276316" y="4155861"/>
-            <a:ext cx="1534434" cy="1632377"/>
+            <a:off x="7663758" y="5075314"/>
+            <a:ext cx="1032074" cy="1097951"/>
           </a:xfrm>
           <a:prstGeom prst="rect">
             <a:avLst/>
           </a:prstGeom>
         </p:spPr>
       </p:pic>
+      <p:sp>
+        <p:nvSpPr>
+          <p:cNvPr id="7" name="Supuestos">
+            <a:extLst>
+              <a:ext uri="{FF2B5EF4-FFF2-40B4-BE49-F238E27FC236}">
+                <a16:creationId xmlns:a16="http://schemas.microsoft.com/office/drawing/2014/main" id="{027D0DD6-07CF-4B6C-BB56-BDD3B13373F4}"/>
+              </a:ext>
+            </a:extLst>
+          </p:cNvPr>
+          <p:cNvSpPr txBox="1">
+            <a:spLocks/>
+          </p:cNvSpPr>
+          <p:nvPr/>
+        </p:nvSpPr>
+        <p:spPr>
+          <a:xfrm>
+            <a:off x="2572052" y="3748088"/>
+            <a:ext cx="7446425" cy="2409825"/>
+          </a:xfrm>
+          <a:prstGeom prst="rect">
+            <a:avLst/>
+          </a:prstGeom>
+        </p:spPr>
+        <p:txBody>
+          <a:bodyPr vert="horz" lIns="91440" tIns="45720" rIns="91440" bIns="45720" rtlCol="0">
+            <a:normAutofit/>
+          </a:bodyPr>
+          <a:lstStyle>
+            <a:lvl1pPr marL="342900" indent="-342900" algn="l" defTabSz="457200" rtl="0" eaLnBrk="1" latinLnBrk="0" hangingPunct="1">
+              <a:spcBef>
+                <a:spcPts val="1000"/>
+              </a:spcBef>
+              <a:spcAft>
+                <a:spcPts val="0"/>
+              </a:spcAft>
+              <a:buClr>
+                <a:schemeClr val="accent1"/>
+              </a:buClr>
+              <a:buFont typeface="Wingdings 3" charset="2"/>
+              <a:buChar char=""/>
+              <a:defRPr sz="1800" kern="1200">
+                <a:solidFill>
+                  <a:schemeClr val="tx1">
+                    <a:lumMod val="75000"/>
+                    <a:lumOff val="25000"/>
+                  </a:schemeClr>
+                </a:solidFill>
+                <a:latin typeface="+mn-lt"/>
+                <a:ea typeface="+mn-ea"/>
+                <a:cs typeface="+mn-cs"/>
+              </a:defRPr>
+            </a:lvl1pPr>
+            <a:lvl2pPr marL="742950" indent="-285750" algn="l" defTabSz="457200" rtl="0" eaLnBrk="1" latinLnBrk="0" hangingPunct="1">
+              <a:spcBef>
+                <a:spcPts val="1000"/>
+              </a:spcBef>
+              <a:spcAft>
+                <a:spcPts val="0"/>
+              </a:spcAft>
+              <a:buClr>
+                <a:schemeClr val="accent1"/>
+              </a:buClr>
+              <a:buFont typeface="Wingdings 3" charset="2"/>
+              <a:buChar char=""/>
+              <a:defRPr sz="1600" kern="1200">
+                <a:solidFill>
+                  <a:schemeClr val="tx1">
+                    <a:lumMod val="75000"/>
+                    <a:lumOff val="25000"/>
+                  </a:schemeClr>
+                </a:solidFill>
+                <a:latin typeface="+mn-lt"/>
+                <a:ea typeface="+mn-ea"/>
+                <a:cs typeface="+mn-cs"/>
+              </a:defRPr>
+            </a:lvl2pPr>
+            <a:lvl3pPr marL="1143000" indent="-228600" algn="l" defTabSz="457200" rtl="0" eaLnBrk="1" latinLnBrk="0" hangingPunct="1">
+              <a:spcBef>
+                <a:spcPts val="1000"/>
+              </a:spcBef>
+              <a:spcAft>
+                <a:spcPts val="0"/>
+              </a:spcAft>
+              <a:buClr>
+                <a:schemeClr val="accent1"/>
+              </a:buClr>
+              <a:buFont typeface="Wingdings 3" charset="2"/>
+              <a:buChar char=""/>
+              <a:defRPr sz="1400" kern="1200">
+                <a:solidFill>
+                  <a:schemeClr val="tx1">
+                    <a:lumMod val="75000"/>
+                    <a:lumOff val="25000"/>
+                  </a:schemeClr>
+                </a:solidFill>
+                <a:latin typeface="+mn-lt"/>
+                <a:ea typeface="+mn-ea"/>
+                <a:cs typeface="+mn-cs"/>
+              </a:defRPr>
+            </a:lvl3pPr>
+            <a:lvl4pPr marL="1600200" indent="-228600" algn="l" defTabSz="457200" rtl="0" eaLnBrk="1" latinLnBrk="0" hangingPunct="1">
+              <a:spcBef>
+                <a:spcPts val="1000"/>
+              </a:spcBef>
+              <a:spcAft>
+                <a:spcPts val="0"/>
+              </a:spcAft>
+              <a:buClr>
+                <a:schemeClr val="accent1"/>
+              </a:buClr>
+              <a:buFont typeface="Wingdings 3" charset="2"/>
+              <a:buChar char=""/>
+              <a:defRPr sz="1200" kern="1200">
+                <a:solidFill>
+                  <a:schemeClr val="tx1">
+                    <a:lumMod val="75000"/>
+                    <a:lumOff val="25000"/>
+                  </a:schemeClr>
+                </a:solidFill>
+                <a:latin typeface="+mn-lt"/>
+                <a:ea typeface="+mn-ea"/>
+                <a:cs typeface="+mn-cs"/>
+              </a:defRPr>
+            </a:lvl4pPr>
+            <a:lvl5pPr marL="2057400" indent="-228600" algn="l" defTabSz="457200" rtl="0" eaLnBrk="1" latinLnBrk="0" hangingPunct="1">
+              <a:spcBef>
+                <a:spcPts val="1000"/>
+              </a:spcBef>
+              <a:spcAft>
+                <a:spcPts val="0"/>
+              </a:spcAft>
+              <a:buClr>
+                <a:schemeClr val="accent1"/>
+              </a:buClr>
+              <a:buFont typeface="Wingdings 3" charset="2"/>
+              <a:buChar char=""/>
+              <a:defRPr sz="1200" kern="1200">
+                <a:solidFill>
+                  <a:schemeClr val="tx1">
+                    <a:lumMod val="75000"/>
+                    <a:lumOff val="25000"/>
+                  </a:schemeClr>
+                </a:solidFill>
+                <a:latin typeface="+mn-lt"/>
+                <a:ea typeface="+mn-ea"/>
+                <a:cs typeface="+mn-cs"/>
+              </a:defRPr>
+            </a:lvl5pPr>
+            <a:lvl6pPr marL="2514600" indent="-228600" algn="l" defTabSz="457200" rtl="0" eaLnBrk="1" latinLnBrk="0" hangingPunct="1">
+              <a:spcBef>
+                <a:spcPts val="1000"/>
+              </a:spcBef>
+              <a:spcAft>
+                <a:spcPts val="0"/>
+              </a:spcAft>
+              <a:buClr>
+                <a:schemeClr val="accent1"/>
+              </a:buClr>
+              <a:buFont typeface="Wingdings 3" charset="2"/>
+              <a:buChar char=""/>
+              <a:defRPr sz="1200" kern="1200">
+                <a:solidFill>
+                  <a:schemeClr val="tx1">
+                    <a:lumMod val="75000"/>
+                    <a:lumOff val="25000"/>
+                  </a:schemeClr>
+                </a:solidFill>
+                <a:latin typeface="+mn-lt"/>
+                <a:ea typeface="+mn-ea"/>
+                <a:cs typeface="+mn-cs"/>
+              </a:defRPr>
+            </a:lvl6pPr>
+            <a:lvl7pPr marL="2971800" indent="-228600" algn="l" defTabSz="457200" rtl="0" eaLnBrk="1" latinLnBrk="0" hangingPunct="1">
+              <a:spcBef>
+                <a:spcPts val="1000"/>
+              </a:spcBef>
+              <a:spcAft>
+                <a:spcPts val="0"/>
+              </a:spcAft>
+              <a:buClr>
+                <a:schemeClr val="accent1"/>
+              </a:buClr>
+              <a:buFont typeface="Wingdings 3" charset="2"/>
+              <a:buChar char=""/>
+              <a:defRPr sz="1200" kern="1200">
+                <a:solidFill>
+                  <a:schemeClr val="tx1">
+                    <a:lumMod val="75000"/>
+                    <a:lumOff val="25000"/>
+                  </a:schemeClr>
+                </a:solidFill>
+                <a:latin typeface="+mn-lt"/>
+                <a:ea typeface="+mn-ea"/>
+                <a:cs typeface="+mn-cs"/>
+              </a:defRPr>
+            </a:lvl7pPr>
+            <a:lvl8pPr marL="3429000" indent="-228600" algn="l" defTabSz="457200" rtl="0" eaLnBrk="1" latinLnBrk="0" hangingPunct="1">
+              <a:spcBef>
+                <a:spcPts val="1000"/>
+              </a:spcBef>
+              <a:spcAft>
+                <a:spcPts val="0"/>
+              </a:spcAft>
+              <a:buClr>
+                <a:schemeClr val="accent1"/>
+              </a:buClr>
+              <a:buFont typeface="Wingdings 3" charset="2"/>
+              <a:buChar char=""/>
+              <a:defRPr sz="1200" kern="1200">
+                <a:solidFill>
+                  <a:schemeClr val="tx1">
+                    <a:lumMod val="75000"/>
+                    <a:lumOff val="25000"/>
+                  </a:schemeClr>
+                </a:solidFill>
+                <a:latin typeface="+mn-lt"/>
+                <a:ea typeface="+mn-ea"/>
+                <a:cs typeface="+mn-cs"/>
+              </a:defRPr>
+            </a:lvl8pPr>
+            <a:lvl9pPr marL="3886200" indent="-228600" algn="l" defTabSz="457200" rtl="0" eaLnBrk="1" latinLnBrk="0" hangingPunct="1">
+              <a:spcBef>
+                <a:spcPts val="1000"/>
+              </a:spcBef>
+              <a:spcAft>
+                <a:spcPts val="0"/>
+              </a:spcAft>
+              <a:buClr>
+                <a:schemeClr val="accent1"/>
+              </a:buClr>
+              <a:buFont typeface="Wingdings 3" charset="2"/>
+              <a:buChar char=""/>
+              <a:defRPr sz="1200" kern="1200">
+                <a:solidFill>
+                  <a:schemeClr val="tx1">
+                    <a:lumMod val="75000"/>
+                    <a:lumOff val="25000"/>
+                  </a:schemeClr>
+                </a:solidFill>
+                <a:latin typeface="+mn-lt"/>
+                <a:ea typeface="+mn-ea"/>
+                <a:cs typeface="+mn-cs"/>
+              </a:defRPr>
+            </a:lvl9pPr>
+          </a:lstStyle>
+          <a:p>
+            <a:r>
+              <a:rPr lang="es-GT" sz="2200" dirty="0"/>
+              <a:t>Objetivo: Predecir el costo de una casa</a:t>
+            </a:r>
+          </a:p>
+          <a:p>
+            <a:pPr lvl="1"/>
+            <a:r>
+              <a:rPr lang="es-GT" sz="2000" dirty="0"/>
+              <a:t>Variable Objetivo: </a:t>
+            </a:r>
+            <a:r>
+              <a:rPr lang="es-GT" sz="2000" dirty="0" err="1"/>
+              <a:t>SalePrice</a:t>
+            </a:r>
+            <a:endParaRPr lang="es-GT" sz="2000" dirty="0"/>
+          </a:p>
+          <a:p>
+            <a:endParaRPr lang="es-GT" sz="2200" dirty="0"/>
+          </a:p>
+          <a:p>
+            <a:endParaRPr lang="es-GT" sz="2200" dirty="0"/>
+          </a:p>
+        </p:txBody>
+      </p:sp>
     </p:spTree>
     <p:extLst>
       <p:ext uri="{BB962C8B-B14F-4D97-AF65-F5344CB8AC3E}">
@@ -16660,7 +17198,7 @@
                                           </p:stCondLst>
                                         </p:cTn>
                                         <p:tgtEl>
-                                          <p:spTgt spid="8"/>
+                                          <p:spTgt spid="7"/>
                                         </p:tgtEl>
                                         <p:attrNameLst>
                                           <p:attrName>style.visibility</p:attrName>
@@ -16674,6 +17212,59 @@
                                       <p:cBhvr>
                                         <p:cTn id="32" dur="500"/>
                                         <p:tgtEl>
+                                          <p:spTgt spid="7"/>
+                                        </p:tgtEl>
+                                      </p:cBhvr>
+                                    </p:animEffect>
+                                  </p:childTnLst>
+                                </p:cTn>
+                              </p:par>
+                            </p:childTnLst>
+                          </p:cTn>
+                        </p:par>
+                      </p:childTnLst>
+                    </p:cTn>
+                  </p:par>
+                  <p:par>
+                    <p:cTn id="33" fill="hold">
+                      <p:stCondLst>
+                        <p:cond delay="indefinite"/>
+                      </p:stCondLst>
+                      <p:childTnLst>
+                        <p:par>
+                          <p:cTn id="34" fill="hold">
+                            <p:stCondLst>
+                              <p:cond delay="0"/>
+                            </p:stCondLst>
+                            <p:childTnLst>
+                              <p:par>
+                                <p:cTn id="35" presetID="10" presetClass="entr" presetSubtype="0" fill="hold" grpId="0" nodeType="clickEffect">
+                                  <p:stCondLst>
+                                    <p:cond delay="0"/>
+                                  </p:stCondLst>
+                                  <p:childTnLst>
+                                    <p:set>
+                                      <p:cBhvr>
+                                        <p:cTn id="36" dur="1" fill="hold">
+                                          <p:stCondLst>
+                                            <p:cond delay="0"/>
+                                          </p:stCondLst>
+                                        </p:cTn>
+                                        <p:tgtEl>
+                                          <p:spTgt spid="8"/>
+                                        </p:tgtEl>
+                                        <p:attrNameLst>
+                                          <p:attrName>style.visibility</p:attrName>
+                                        </p:attrNameLst>
+                                      </p:cBhvr>
+                                      <p:to>
+                                        <p:strVal val="visible"/>
+                                      </p:to>
+                                    </p:set>
+                                    <p:animEffect transition="in" filter="fade">
+                                      <p:cBhvr>
+                                        <p:cTn id="37" dur="500"/>
+                                        <p:tgtEl>
                                           <p:spTgt spid="8"/>
                                         </p:tgtEl>
                                       </p:cBhvr>
@@ -16682,14 +17273,14 @@
                                 </p:cTn>
                               </p:par>
                               <p:par>
-                                <p:cTn id="33" presetID="10" presetClass="entr" presetSubtype="0" fill="hold" nodeType="withEffect">
+                                <p:cTn id="38" presetID="10" presetClass="entr" presetSubtype="0" fill="hold" nodeType="withEffect">
                                   <p:stCondLst>
                                     <p:cond delay="0"/>
                                   </p:stCondLst>
                                   <p:childTnLst>
                                     <p:set>
                                       <p:cBhvr>
-                                        <p:cTn id="34" dur="1" fill="hold">
+                                        <p:cTn id="39" dur="1" fill="hold">
                                           <p:stCondLst>
                                             <p:cond delay="0"/>
                                           </p:stCondLst>
@@ -16707,7 +17298,7 @@
                                     </p:set>
                                     <p:animEffect transition="in" filter="fade">
                                       <p:cBhvr>
-                                        <p:cTn id="35" dur="500"/>
+                                        <p:cTn id="40" dur="500"/>
                                         <p:tgtEl>
                                           <p:spTgt spid="10"/>
                                         </p:tgtEl>
@@ -16723,26 +17314,26 @@
                     </p:cTn>
                   </p:par>
                   <p:par>
-                    <p:cTn id="36" fill="hold">
+                    <p:cTn id="41" fill="hold">
                       <p:stCondLst>
                         <p:cond delay="indefinite"/>
                       </p:stCondLst>
                       <p:childTnLst>
                         <p:par>
-                          <p:cTn id="37" fill="hold">
+                          <p:cTn id="42" fill="hold">
                             <p:stCondLst>
                               <p:cond delay="0"/>
                             </p:stCondLst>
                             <p:childTnLst>
                               <p:par>
-                                <p:cTn id="38" presetID="1" presetClass="exit" presetSubtype="0" fill="hold" grpId="0" nodeType="clickEffect">
+                                <p:cTn id="43" presetID="1" presetClass="exit" presetSubtype="0" fill="hold" grpId="0" nodeType="clickEffect">
                                   <p:stCondLst>
                                     <p:cond delay="0"/>
                                   </p:stCondLst>
                                   <p:childTnLst>
                                     <p:set>
                                       <p:cBhvr>
-                                        <p:cTn id="39" dur="1" fill="hold">
+                                        <p:cTn id="44" dur="1" fill="hold">
                                           <p:stCondLst>
                                             <p:cond delay="0"/>
                                           </p:stCondLst>
@@ -16766,14 +17357,14 @@
                                 </p:cTn>
                               </p:par>
                               <p:par>
-                                <p:cTn id="40" presetID="1" presetClass="exit" presetSubtype="0" fill="hold" grpId="0" nodeType="withEffect">
+                                <p:cTn id="45" presetID="1" presetClass="exit" presetSubtype="0" fill="hold" grpId="0" nodeType="withEffect">
                                   <p:stCondLst>
                                     <p:cond delay="0"/>
                                   </p:stCondLst>
                                   <p:childTnLst>
                                     <p:set>
                                       <p:cBhvr>
-                                        <p:cTn id="41" dur="1" fill="hold">
+                                        <p:cTn id="46" dur="1" fill="hold">
                                           <p:stCondLst>
                                             <p:cond delay="0"/>
                                           </p:stCondLst>
@@ -16797,14 +17388,14 @@
                                 </p:cTn>
                               </p:par>
                               <p:par>
-                                <p:cTn id="42" presetID="1" presetClass="exit" presetSubtype="0" fill="hold" grpId="0" nodeType="withEffect">
+                                <p:cTn id="47" presetID="1" presetClass="exit" presetSubtype="0" fill="hold" grpId="0" nodeType="withEffect">
                                   <p:stCondLst>
                                     <p:cond delay="0"/>
                                   </p:stCondLst>
                                   <p:childTnLst>
                                     <p:set>
                                       <p:cBhvr>
-                                        <p:cTn id="43" dur="1" fill="hold">
+                                        <p:cTn id="48" dur="1" fill="hold">
                                           <p:stCondLst>
                                             <p:cond delay="0"/>
                                           </p:stCondLst>
@@ -16828,14 +17419,14 @@
                                 </p:cTn>
                               </p:par>
                               <p:par>
-                                <p:cTn id="44" presetID="1" presetClass="exit" presetSubtype="0" fill="hold" grpId="0" nodeType="withEffect">
+                                <p:cTn id="49" presetID="1" presetClass="exit" presetSubtype="0" fill="hold" grpId="0" nodeType="withEffect">
                                   <p:stCondLst>
                                     <p:cond delay="0"/>
                                   </p:stCondLst>
                                   <p:childTnLst>
                                     <p:set>
                                       <p:cBhvr>
-                                        <p:cTn id="45" dur="1" fill="hold">
+                                        <p:cTn id="50" dur="1" fill="hold">
                                           <p:stCondLst>
                                             <p:cond delay="0"/>
                                           </p:stCondLst>
@@ -16859,14 +17450,14 @@
                                 </p:cTn>
                               </p:par>
                               <p:par>
-                                <p:cTn id="46" presetID="1" presetClass="exit" presetSubtype="0" fill="hold" grpId="0" nodeType="withEffect">
+                                <p:cTn id="51" presetID="1" presetClass="exit" presetSubtype="0" fill="hold" grpId="0" nodeType="withEffect">
                                   <p:stCondLst>
                                     <p:cond delay="0"/>
                                   </p:stCondLst>
                                   <p:childTnLst>
                                     <p:set>
                                       <p:cBhvr>
-                                        <p:cTn id="47" dur="1" fill="hold">
+                                        <p:cTn id="52" dur="1" fill="hold">
                                           <p:stCondLst>
                                             <p:cond delay="0"/>
                                           </p:stCondLst>
@@ -16890,14 +17481,14 @@
                                 </p:cTn>
                               </p:par>
                               <p:par>
-                                <p:cTn id="48" presetID="10" presetClass="entr" presetSubtype="0" fill="hold" grpId="0" nodeType="withEffect">
+                                <p:cTn id="53" presetID="10" presetClass="entr" presetSubtype="0" fill="hold" grpId="0" nodeType="withEffect">
                                   <p:stCondLst>
                                     <p:cond delay="0"/>
                                   </p:stCondLst>
                                   <p:childTnLst>
                                     <p:set>
                                       <p:cBhvr>
-                                        <p:cTn id="49" dur="1" fill="hold">
+                                        <p:cTn id="54" dur="1" fill="hold">
                                           <p:stCondLst>
                                             <p:cond delay="0"/>
                                           </p:stCondLst>
@@ -16915,7 +17506,7 @@
                                     </p:set>
                                     <p:animEffect transition="in" filter="fade">
                                       <p:cBhvr>
-                                        <p:cTn id="50" dur="500"/>
+                                        <p:cTn id="55" dur="500"/>
                                         <p:tgtEl>
                                           <p:spTgt spid="4"/>
                                         </p:tgtEl>
@@ -16955,6 +17546,7 @@
       <p:bldP spid="3" grpId="0" build="p"/>
       <p:bldP spid="4" grpId="0"/>
       <p:bldP spid="8" grpId="0"/>
+      <p:bldP spid="7" grpId="0"/>
     </p:bldLst>
   </p:timing>
 </p:sld>
@@ -21533,8 +22125,8 @@
           </a:fontRef>
         </p:style>
       </p:sp>
-      <mc:AlternateContent xmlns:mc="http://schemas.openxmlformats.org/markup-compatibility/2006">
-        <mc:Choice xmlns:a14="http://schemas.microsoft.com/office/drawing/2010/main" Requires="a14">
+      <mc:AlternateContent xmlns:mc="http://schemas.openxmlformats.org/markup-compatibility/2006" xmlns:a14="http://schemas.microsoft.com/office/drawing/2010/main">
+        <mc:Choice Requires="a14">
           <p:sp>
             <p:nvSpPr>
               <p:cNvPr id="10" name="Content Placeholder 9">
@@ -22419,7 +23011,7 @@
             </p:txBody>
           </p:sp>
         </mc:Choice>
-        <mc:Fallback>
+        <mc:Fallback xmlns="">
           <p:sp>
             <p:nvSpPr>
               <p:cNvPr id="10" name="Content Placeholder 9">

--- a/Docs/House Prices.pptx
+++ b/Docs/House Prices.pptx
@@ -316,7 +316,7 @@
             <a:fld id="{B61BEF0D-F0BB-DE4B-95CE-6DB70DBA9567}" type="datetimeFigureOut">
               <a:rPr lang="en-US" dirty="0"/>
               <a:pPr/>
-              <a:t>4/20/2020</a:t>
+              <a:t>4/21/2020</a:t>
             </a:fld>
             <a:endParaRPr lang="en-US" dirty="0"/>
           </a:p>
@@ -651,7 +651,7 @@
             <a:fld id="{B61BEF0D-F0BB-DE4B-95CE-6DB70DBA9567}" type="datetimeFigureOut">
               <a:rPr lang="en-US" dirty="0"/>
               <a:pPr/>
-              <a:t>4/20/2020</a:t>
+              <a:t>4/21/2020</a:t>
             </a:fld>
             <a:endParaRPr lang="en-US" dirty="0"/>
           </a:p>
@@ -1049,7 +1049,7 @@
             <a:fld id="{B61BEF0D-F0BB-DE4B-95CE-6DB70DBA9567}" type="datetimeFigureOut">
               <a:rPr lang="en-US" dirty="0"/>
               <a:pPr/>
-              <a:t>4/20/2020</a:t>
+              <a:t>4/21/2020</a:t>
             </a:fld>
             <a:endParaRPr lang="en-US" dirty="0"/>
           </a:p>
@@ -1382,7 +1382,7 @@
             <a:fld id="{B61BEF0D-F0BB-DE4B-95CE-6DB70DBA9567}" type="datetimeFigureOut">
               <a:rPr lang="en-US" dirty="0"/>
               <a:pPr/>
-              <a:t>4/20/2020</a:t>
+              <a:t>4/21/2020</a:t>
             </a:fld>
             <a:endParaRPr lang="en-US" dirty="0"/>
           </a:p>
@@ -1699,7 +1699,7 @@
             <a:fld id="{B61BEF0D-F0BB-DE4B-95CE-6DB70DBA9567}" type="datetimeFigureOut">
               <a:rPr lang="en-US" dirty="0"/>
               <a:pPr/>
-              <a:t>4/20/2020</a:t>
+              <a:t>4/21/2020</a:t>
             </a:fld>
             <a:endParaRPr lang="en-US" dirty="0"/>
           </a:p>
@@ -2092,7 +2092,7 @@
             <a:fld id="{B61BEF0D-F0BB-DE4B-95CE-6DB70DBA9567}" type="datetimeFigureOut">
               <a:rPr lang="en-US" dirty="0"/>
               <a:pPr/>
-              <a:t>4/20/2020</a:t>
+              <a:t>4/21/2020</a:t>
             </a:fld>
             <a:endParaRPr lang="en-US" dirty="0"/>
           </a:p>
@@ -2346,7 +2346,7 @@
             <a:fld id="{B61BEF0D-F0BB-DE4B-95CE-6DB70DBA9567}" type="datetimeFigureOut">
               <a:rPr lang="en-US" dirty="0"/>
               <a:pPr/>
-              <a:t>4/20/2020</a:t>
+              <a:t>4/21/2020</a:t>
             </a:fld>
             <a:endParaRPr lang="en-US" dirty="0"/>
           </a:p>
@@ -2605,7 +2605,7 @@
             <a:fld id="{B61BEF0D-F0BB-DE4B-95CE-6DB70DBA9567}" type="datetimeFigureOut">
               <a:rPr lang="en-US" dirty="0"/>
               <a:pPr/>
-              <a:t>4/20/2020</a:t>
+              <a:t>4/21/2020</a:t>
             </a:fld>
             <a:endParaRPr lang="en-US" dirty="0"/>
           </a:p>
@@ -2864,7 +2864,7 @@
             <a:fld id="{B61BEF0D-F0BB-DE4B-95CE-6DB70DBA9567}" type="datetimeFigureOut">
               <a:rPr lang="en-US" dirty="0"/>
               <a:pPr/>
-              <a:t>4/20/2020</a:t>
+              <a:t>4/21/2020</a:t>
             </a:fld>
             <a:endParaRPr lang="en-US" dirty="0"/>
           </a:p>
@@ -3190,7 +3190,7 @@
             <a:fld id="{B61BEF0D-F0BB-DE4B-95CE-6DB70DBA9567}" type="datetimeFigureOut">
               <a:rPr lang="en-US" dirty="0"/>
               <a:pPr/>
-              <a:t>4/20/2020</a:t>
+              <a:t>4/21/2020</a:t>
             </a:fld>
             <a:endParaRPr lang="en-US" dirty="0"/>
           </a:p>
@@ -3510,7 +3510,7 @@
             <a:fld id="{B61BEF0D-F0BB-DE4B-95CE-6DB70DBA9567}" type="datetimeFigureOut">
               <a:rPr lang="en-US" dirty="0"/>
               <a:pPr/>
-              <a:t>4/20/2020</a:t>
+              <a:t>4/21/2020</a:t>
             </a:fld>
             <a:endParaRPr lang="en-US" dirty="0"/>
           </a:p>
@@ -3964,7 +3964,7 @@
             <a:fld id="{B61BEF0D-F0BB-DE4B-95CE-6DB70DBA9567}" type="datetimeFigureOut">
               <a:rPr lang="en-US" dirty="0"/>
               <a:pPr/>
-              <a:t>4/20/2020</a:t>
+              <a:t>4/21/2020</a:t>
             </a:fld>
             <a:endParaRPr lang="en-US" dirty="0"/>
           </a:p>
@@ -4166,7 +4166,7 @@
             <a:fld id="{B61BEF0D-F0BB-DE4B-95CE-6DB70DBA9567}" type="datetimeFigureOut">
               <a:rPr lang="en-US" dirty="0"/>
               <a:pPr/>
-              <a:t>4/20/2020</a:t>
+              <a:t>4/21/2020</a:t>
             </a:fld>
             <a:endParaRPr lang="en-US" dirty="0"/>
           </a:p>
@@ -4340,7 +4340,7 @@
             <a:fld id="{B61BEF0D-F0BB-DE4B-95CE-6DB70DBA9567}" type="datetimeFigureOut">
               <a:rPr lang="en-US" dirty="0"/>
               <a:pPr/>
-              <a:t>4/20/2020</a:t>
+              <a:t>4/21/2020</a:t>
             </a:fld>
             <a:endParaRPr lang="en-US" dirty="0"/>
           </a:p>
@@ -4670,7 +4670,7 @@
             <a:fld id="{B61BEF0D-F0BB-DE4B-95CE-6DB70DBA9567}" type="datetimeFigureOut">
               <a:rPr lang="en-US" dirty="0"/>
               <a:pPr/>
-              <a:t>4/20/2020</a:t>
+              <a:t>4/21/2020</a:t>
             </a:fld>
             <a:endParaRPr lang="en-US" dirty="0"/>
           </a:p>
@@ -5012,7 +5012,7 @@
             <a:fld id="{B61BEF0D-F0BB-DE4B-95CE-6DB70DBA9567}" type="datetimeFigureOut">
               <a:rPr lang="en-US" dirty="0"/>
               <a:pPr/>
-              <a:t>4/20/2020</a:t>
+              <a:t>4/21/2020</a:t>
             </a:fld>
             <a:endParaRPr lang="en-US" dirty="0"/>
           </a:p>
@@ -7126,7 +7126,7 @@
             <a:fld id="{B61BEF0D-F0BB-DE4B-95CE-6DB70DBA9567}" type="datetimeFigureOut">
               <a:rPr lang="en-US" dirty="0"/>
               <a:pPr/>
-              <a:t>4/20/2020</a:t>
+              <a:t>4/21/2020</a:t>
             </a:fld>
             <a:endParaRPr lang="en-US" dirty="0"/>
           </a:p>
@@ -11138,7 +11138,7 @@
             </a:r>
             <a:r>
               <a:rPr lang="es-GT" sz="2200" dirty="0"/>
-              <a:t>: 0.1</a:t>
+              <a:t>: 0.1 y -0.1</a:t>
             </a:r>
             <a:endParaRPr lang="en-US" sz="2200" dirty="0"/>
           </a:p>
@@ -11187,7 +11187,7 @@
             </a:r>
             <a:r>
               <a:rPr lang="es-GT" sz="2200" dirty="0"/>
-              <a:t>: 0.07929326593875885</a:t>
+              <a:t>: 0.079</a:t>
             </a:r>
             <a:endParaRPr lang="en-US" sz="2200" dirty="0"/>
           </a:p>
@@ -11206,9 +11206,19 @@
             </a:r>
             <a:r>
               <a:rPr lang="es-GT" sz="2200" b="1" dirty="0"/>
-              <a:t>0.13637</a:t>
+              <a:t>0.136</a:t>
             </a:r>
-            <a:endParaRPr lang="en-US" sz="2200" b="1" dirty="0"/>
+          </a:p>
+          <a:p>
+            <a:pPr lvl="1">
+              <a:buFont typeface="Wingdings" panose="05000000000000000000" pitchFamily="2" charset="2"/>
+              <a:buChar char="§"/>
+            </a:pPr>
+            <a:r>
+              <a:rPr lang="es-GT" sz="2200" dirty="0"/>
+              <a:t>Posición: 1,832 de 4,524</a:t>
+            </a:r>
+            <a:endParaRPr lang="en-US" sz="2200" dirty="0"/>
           </a:p>
         </p:txBody>
       </p:sp>
@@ -12090,6 +12100,58 @@
                                           <p:spTgt spid="46">
                                             <p:txEl>
                                               <p:pRg st="8" end="8"/>
+                                            </p:txEl>
+                                          </p:spTgt>
+                                        </p:tgtEl>
+                                      </p:cBhvr>
+                                    </p:animEffect>
+                                  </p:childTnLst>
+                                </p:cTn>
+                              </p:par>
+                            </p:childTnLst>
+                          </p:cTn>
+                        </p:par>
+                        <p:par>
+                          <p:cTn id="47" fill="hold">
+                            <p:stCondLst>
+                              <p:cond delay="4500"/>
+                            </p:stCondLst>
+                            <p:childTnLst>
+                              <p:par>
+                                <p:cTn id="48" presetID="10" presetClass="entr" presetSubtype="0" fill="hold" nodeType="afterEffect">
+                                  <p:stCondLst>
+                                    <p:cond delay="0"/>
+                                  </p:stCondLst>
+                                  <p:childTnLst>
+                                    <p:set>
+                                      <p:cBhvr>
+                                        <p:cTn id="49" dur="1" fill="hold">
+                                          <p:stCondLst>
+                                            <p:cond delay="0"/>
+                                          </p:stCondLst>
+                                        </p:cTn>
+                                        <p:tgtEl>
+                                          <p:spTgt spid="46">
+                                            <p:txEl>
+                                              <p:pRg st="9" end="9"/>
+                                            </p:txEl>
+                                          </p:spTgt>
+                                        </p:tgtEl>
+                                        <p:attrNameLst>
+                                          <p:attrName>style.visibility</p:attrName>
+                                        </p:attrNameLst>
+                                      </p:cBhvr>
+                                      <p:to>
+                                        <p:strVal val="visible"/>
+                                      </p:to>
+                                    </p:set>
+                                    <p:animEffect transition="in" filter="fade">
+                                      <p:cBhvr>
+                                        <p:cTn id="50" dur="500"/>
+                                        <p:tgtEl>
+                                          <p:spTgt spid="46">
+                                            <p:txEl>
+                                              <p:pRg st="9" end="9"/>
                                             </p:txEl>
                                           </p:spTgt>
                                         </p:tgtEl>

--- a/Docs/House Prices.pptx
+++ b/Docs/House Prices.pptx
@@ -17,10 +17,11 @@
     <p:sldId id="266" r:id="rId11"/>
     <p:sldId id="265" r:id="rId12"/>
     <p:sldId id="268" r:id="rId13"/>
-    <p:sldId id="269" r:id="rId14"/>
-    <p:sldId id="270" r:id="rId15"/>
-    <p:sldId id="271" r:id="rId16"/>
-    <p:sldId id="272" r:id="rId17"/>
+    <p:sldId id="273" r:id="rId14"/>
+    <p:sldId id="269" r:id="rId15"/>
+    <p:sldId id="270" r:id="rId16"/>
+    <p:sldId id="271" r:id="rId17"/>
+    <p:sldId id="272" r:id="rId18"/>
   </p:sldIdLst>
   <p:sldSz cx="12192000" cy="6858000"/>
   <p:notesSz cx="6858000" cy="9144000"/>
@@ -446,7 +447,7 @@
             <a:fld id="{D57F1E4F-1CFF-5643-939E-217C01CDF565}" type="slidenum">
               <a:rPr lang="en-US" dirty="0"/>
               <a:pPr/>
-              <a:t>‹#›</a:t>
+              <a:t>‹Nº›</a:t>
             </a:fld>
             <a:endParaRPr lang="en-US" dirty="0"/>
           </a:p>
@@ -781,7 +782,7 @@
             <a:fld id="{D57F1E4F-1CFF-5643-939E-217C01CDF565}" type="slidenum">
               <a:rPr lang="en-US" dirty="0"/>
               <a:pPr/>
-              <a:t>‹#›</a:t>
+              <a:t>‹Nº›</a:t>
             </a:fld>
             <a:endParaRPr lang="en-US" dirty="0"/>
           </a:p>
@@ -1179,7 +1180,7 @@
             <a:fld id="{D57F1E4F-1CFF-5643-939E-217C01CDF565}" type="slidenum">
               <a:rPr lang="en-US" dirty="0"/>
               <a:pPr/>
-              <a:t>‹#›</a:t>
+              <a:t>‹Nº›</a:t>
             </a:fld>
             <a:endParaRPr lang="en-US" dirty="0"/>
           </a:p>
@@ -1512,7 +1513,7 @@
             <a:fld id="{D57F1E4F-1CFF-5643-939E-217C01CDF565}" type="slidenum">
               <a:rPr lang="en-US" dirty="0"/>
               <a:pPr/>
-              <a:t>‹#›</a:t>
+              <a:t>‹Nº›</a:t>
             </a:fld>
             <a:endParaRPr lang="en-US" dirty="0"/>
           </a:p>
@@ -1829,7 +1830,7 @@
             <a:fld id="{D57F1E4F-1CFF-5643-939E-217C01CDF565}" type="slidenum">
               <a:rPr lang="en-US" dirty="0"/>
               <a:pPr/>
-              <a:t>‹#›</a:t>
+              <a:t>‹Nº›</a:t>
             </a:fld>
             <a:endParaRPr lang="en-US" dirty="0"/>
           </a:p>
@@ -2222,7 +2223,7 @@
             <a:fld id="{D57F1E4F-1CFF-5643-939E-217C01CDF565}" type="slidenum">
               <a:rPr lang="en-US" dirty="0"/>
               <a:pPr/>
-              <a:t>‹#›</a:t>
+              <a:t>‹Nº›</a:t>
             </a:fld>
             <a:endParaRPr lang="en-US" dirty="0"/>
           </a:p>
@@ -2471,7 +2472,7 @@
             <a:fld id="{D57F1E4F-1CFF-5643-939E-217C01CDF565}" type="slidenum">
               <a:rPr lang="en-US" dirty="0"/>
               <a:pPr/>
-              <a:t>‹#›</a:t>
+              <a:t>‹Nº›</a:t>
             </a:fld>
             <a:endParaRPr lang="en-US" dirty="0"/>
           </a:p>
@@ -2730,7 +2731,7 @@
             <a:fld id="{D57F1E4F-1CFF-5643-939E-217C01CDF565}" type="slidenum">
               <a:rPr lang="en-US" dirty="0"/>
               <a:pPr/>
-              <a:t>‹#›</a:t>
+              <a:t>‹Nº›</a:t>
             </a:fld>
             <a:endParaRPr lang="en-US" dirty="0"/>
           </a:p>
@@ -2989,7 +2990,7 @@
             <a:fld id="{D57F1E4F-1CFF-5643-939E-217C01CDF565}" type="slidenum">
               <a:rPr lang="en-US" dirty="0"/>
               <a:pPr/>
-              <a:t>‹#›</a:t>
+              <a:t>‹Nº›</a:t>
             </a:fld>
             <a:endParaRPr lang="en-US" dirty="0"/>
           </a:p>
@@ -3320,7 +3321,7 @@
             <a:fld id="{D57F1E4F-1CFF-5643-939E-217C01CDF565}" type="slidenum">
               <a:rPr lang="en-US" dirty="0"/>
               <a:pPr/>
-              <a:t>‹#›</a:t>
+              <a:t>‹Nº›</a:t>
             </a:fld>
             <a:endParaRPr lang="en-US" dirty="0"/>
           </a:p>
@@ -3640,7 +3641,7 @@
             <a:fld id="{D57F1E4F-1CFF-5643-939E-217C01CDF565}" type="slidenum">
               <a:rPr lang="en-US" dirty="0"/>
               <a:pPr/>
-              <a:t>‹#›</a:t>
+              <a:t>‹Nº›</a:t>
             </a:fld>
             <a:endParaRPr lang="en-US" dirty="0"/>
           </a:p>
@@ -4094,7 +4095,7 @@
             <a:fld id="{D57F1E4F-1CFF-5643-939E-217C01CDF565}" type="slidenum">
               <a:rPr lang="en-US" dirty="0"/>
               <a:pPr/>
-              <a:t>‹#›</a:t>
+              <a:t>‹Nº›</a:t>
             </a:fld>
             <a:endParaRPr lang="en-US" dirty="0"/>
           </a:p>
@@ -4291,7 +4292,7 @@
             <a:fld id="{D57F1E4F-1CFF-5643-939E-217C01CDF565}" type="slidenum">
               <a:rPr lang="en-US" dirty="0"/>
               <a:pPr/>
-              <a:t>‹#›</a:t>
+              <a:t>‹Nº›</a:t>
             </a:fld>
             <a:endParaRPr lang="en-US" dirty="0"/>
           </a:p>
@@ -4465,7 +4466,7 @@
             <a:fld id="{D57F1E4F-1CFF-5643-939E-217C01CDF565}" type="slidenum">
               <a:rPr lang="en-US" dirty="0"/>
               <a:pPr/>
-              <a:t>‹#›</a:t>
+              <a:t>‹Nº›</a:t>
             </a:fld>
             <a:endParaRPr lang="en-US" dirty="0"/>
           </a:p>
@@ -4795,7 +4796,7 @@
             <a:fld id="{D57F1E4F-1CFF-5643-939E-217C01CDF565}" type="slidenum">
               <a:rPr lang="en-US" dirty="0"/>
               <a:pPr/>
-              <a:t>‹#›</a:t>
+              <a:t>‹Nº›</a:t>
             </a:fld>
             <a:endParaRPr lang="en-US" dirty="0"/>
           </a:p>
@@ -5142,7 +5143,7 @@
             <a:fld id="{D57F1E4F-1CFF-5643-939E-217C01CDF565}" type="slidenum">
               <a:rPr lang="en-US" dirty="0"/>
               <a:pPr/>
-              <a:t>‹#›</a:t>
+              <a:t>‹Nº›</a:t>
             </a:fld>
             <a:endParaRPr lang="en-US" dirty="0"/>
           </a:p>
@@ -7203,7 +7204,7 @@
             <a:fld id="{D57F1E4F-1CFF-5643-939E-217C01CDF565}" type="slidenum">
               <a:rPr lang="en-US" dirty="0"/>
               <a:pPr/>
-              <a:t>‹#›</a:t>
+              <a:t>‹Nº›</a:t>
             </a:fld>
             <a:endParaRPr lang="en-US" dirty="0"/>
           </a:p>
@@ -12198,6 +12199,32 @@
 <file path=ppt/slides/slide11.xml><?xml version="1.0" encoding="utf-8"?>
 <p:sld xmlns:a="http://schemas.openxmlformats.org/drawingml/2006/main" xmlns:r="http://schemas.openxmlformats.org/officeDocument/2006/relationships" xmlns:p="http://schemas.openxmlformats.org/presentationml/2006/main">
   <p:cSld>
+    <p:bg>
+      <p:bgPr>
+        <a:gradFill rotWithShape="1">
+          <a:gsLst>
+            <a:gs pos="0">
+              <a:schemeClr val="bg2">
+                <a:tint val="90000"/>
+                <a:satMod val="92000"/>
+                <a:lumMod val="120000"/>
+              </a:schemeClr>
+            </a:gs>
+            <a:gs pos="100000">
+              <a:schemeClr val="bg2">
+                <a:shade val="98000"/>
+                <a:satMod val="120000"/>
+                <a:lumMod val="98000"/>
+              </a:schemeClr>
+            </a:gs>
+          </a:gsLst>
+          <a:path path="circle">
+            <a:fillToRect l="50000" t="50000" r="100000" b="100000"/>
+          </a:path>
+        </a:gradFill>
+        <a:effectLst/>
+      </p:bgPr>
+    </p:bg>
     <p:spTree>
       <p:nvGrpSpPr>
         <p:cNvPr id="1" name=""/>
@@ -12212,6 +12239,2393 @@
           <a:chExt cx="0" cy="0"/>
         </a:xfrm>
       </p:grpSpPr>
+      <p:grpSp>
+        <p:nvGrpSpPr>
+          <p:cNvPr id="10" name="Group 9">
+            <a:extLst>
+              <a:ext uri="{FF2B5EF4-FFF2-40B4-BE49-F238E27FC236}">
+                <a16:creationId xmlns:a16="http://schemas.microsoft.com/office/drawing/2014/main" id="{166BF9EE-F7AC-4FA5-AC7E-001B3A642F75}"/>
+              </a:ext>
+              <a:ext uri="{C183D7F6-B498-43B3-948B-1728B52AA6E4}">
+                <adec:decorative xmlns:adec="http://schemas.microsoft.com/office/drawing/2017/decorative" val="1"/>
+              </a:ext>
+            </a:extLst>
+          </p:cNvPr>
+          <p:cNvGrpSpPr>
+            <a:grpSpLocks noGrp="1" noUngrp="1" noRot="1" noChangeAspect="1" noMove="1" noResize="1"/>
+          </p:cNvGrpSpPr>
+          <p:nvPr>
+            <p:extLst>
+              <p:ext uri="{386F3935-93C4-4BCD-93E2-E3B085C9AB24}">
+                <p16:designElem xmlns:p16="http://schemas.microsoft.com/office/powerpoint/2015/main" val="1"/>
+              </p:ext>
+            </p:extLst>
+          </p:nvPr>
+        </p:nvGrpSpPr>
+        <p:grpSpPr>
+          <a:xfrm>
+            <a:off x="9" y="228600"/>
+            <a:ext cx="2851523" cy="6638625"/>
+            <a:chOff x="2487613" y="285750"/>
+            <a:chExt cx="2428875" cy="5654676"/>
+          </a:xfrm>
+        </p:grpSpPr>
+        <p:sp>
+          <p:nvSpPr>
+            <p:cNvPr id="11" name="Freeform 11">
+              <a:extLst>
+                <a:ext uri="{FF2B5EF4-FFF2-40B4-BE49-F238E27FC236}">
+                  <a16:creationId xmlns:a16="http://schemas.microsoft.com/office/drawing/2014/main" id="{3B48D182-44E3-4D8B-ACEF-F1A900BE4430}"/>
+                </a:ext>
+                <a:ext uri="{C183D7F6-B498-43B3-948B-1728B52AA6E4}">
+                  <adec:decorative xmlns:adec="http://schemas.microsoft.com/office/drawing/2017/decorative" val="1"/>
+                </a:ext>
+              </a:extLst>
+            </p:cNvPr>
+            <p:cNvSpPr/>
+            <p:nvPr>
+              <p:extLst>
+                <p:ext uri="{386F3935-93C4-4BCD-93E2-E3B085C9AB24}">
+                  <p16:designElem xmlns:p16="http://schemas.microsoft.com/office/powerpoint/2015/main" val="1"/>
+                </p:ext>
+              </p:extLst>
+            </p:nvPr>
+          </p:nvSpPr>
+          <p:spPr bwMode="auto">
+            <a:xfrm>
+              <a:off x="2487613" y="2284413"/>
+              <a:ext cx="85725" cy="533400"/>
+            </a:xfrm>
+            <a:custGeom>
+              <a:avLst/>
+              <a:gdLst/>
+              <a:ahLst/>
+              <a:cxnLst/>
+              <a:rect l="0" t="0" r="r" b="b"/>
+              <a:pathLst>
+                <a:path w="22" h="136">
+                  <a:moveTo>
+                    <a:pt x="22" y="136"/>
+                  </a:moveTo>
+                  <a:cubicBezTo>
+                    <a:pt x="20" y="117"/>
+                    <a:pt x="19" y="99"/>
+                    <a:pt x="17" y="80"/>
+                  </a:cubicBezTo>
+                  <a:cubicBezTo>
+                    <a:pt x="11" y="54"/>
+                    <a:pt x="6" y="27"/>
+                    <a:pt x="0" y="0"/>
+                  </a:cubicBezTo>
+                  <a:cubicBezTo>
+                    <a:pt x="0" y="35"/>
+                    <a:pt x="0" y="35"/>
+                    <a:pt x="0" y="35"/>
+                  </a:cubicBezTo>
+                  <a:cubicBezTo>
+                    <a:pt x="6" y="64"/>
+                    <a:pt x="13" y="94"/>
+                    <a:pt x="20" y="124"/>
+                  </a:cubicBezTo>
+                  <a:cubicBezTo>
+                    <a:pt x="20" y="128"/>
+                    <a:pt x="21" y="132"/>
+                    <a:pt x="22" y="136"/>
+                  </a:cubicBezTo>
+                  <a:close/>
+                </a:path>
+              </a:pathLst>
+            </a:custGeom>
+            <a:solidFill>
+              <a:schemeClr val="tx2">
+                <a:alpha val="20000"/>
+              </a:schemeClr>
+            </a:solidFill>
+            <a:ln>
+              <a:noFill/>
+            </a:ln>
+          </p:spPr>
+        </p:sp>
+        <p:sp>
+          <p:nvSpPr>
+            <p:cNvPr id="12" name="Freeform 12">
+              <a:extLst>
+                <a:ext uri="{FF2B5EF4-FFF2-40B4-BE49-F238E27FC236}">
+                  <a16:creationId xmlns:a16="http://schemas.microsoft.com/office/drawing/2014/main" id="{355A535A-A489-477F-A314-593AA8CAFB21}"/>
+                </a:ext>
+                <a:ext uri="{C183D7F6-B498-43B3-948B-1728B52AA6E4}">
+                  <adec:decorative xmlns:adec="http://schemas.microsoft.com/office/drawing/2017/decorative" val="1"/>
+                </a:ext>
+              </a:extLst>
+            </p:cNvPr>
+            <p:cNvSpPr/>
+            <p:nvPr>
+              <p:extLst>
+                <p:ext uri="{386F3935-93C4-4BCD-93E2-E3B085C9AB24}">
+                  <p16:designElem xmlns:p16="http://schemas.microsoft.com/office/powerpoint/2015/main" val="1"/>
+                </p:ext>
+              </p:extLst>
+            </p:nvPr>
+          </p:nvSpPr>
+          <p:spPr bwMode="auto">
+            <a:xfrm>
+              <a:off x="2597151" y="2779713"/>
+              <a:ext cx="550863" cy="1978025"/>
+            </a:xfrm>
+            <a:custGeom>
+              <a:avLst/>
+              <a:gdLst/>
+              <a:ahLst/>
+              <a:cxnLst/>
+              <a:rect l="0" t="0" r="r" b="b"/>
+              <a:pathLst>
+                <a:path w="140" h="504">
+                  <a:moveTo>
+                    <a:pt x="86" y="350"/>
+                  </a:moveTo>
+                  <a:cubicBezTo>
+                    <a:pt x="103" y="402"/>
+                    <a:pt x="120" y="453"/>
+                    <a:pt x="139" y="504"/>
+                  </a:cubicBezTo>
+                  <a:cubicBezTo>
+                    <a:pt x="139" y="495"/>
+                    <a:pt x="139" y="487"/>
+                    <a:pt x="140" y="478"/>
+                  </a:cubicBezTo>
+                  <a:cubicBezTo>
+                    <a:pt x="124" y="435"/>
+                    <a:pt x="109" y="391"/>
+                    <a:pt x="95" y="347"/>
+                  </a:cubicBezTo>
+                  <a:cubicBezTo>
+                    <a:pt x="58" y="233"/>
+                    <a:pt x="27" y="117"/>
+                    <a:pt x="0" y="0"/>
+                  </a:cubicBezTo>
+                  <a:cubicBezTo>
+                    <a:pt x="2" y="20"/>
+                    <a:pt x="4" y="41"/>
+                    <a:pt x="6" y="61"/>
+                  </a:cubicBezTo>
+                  <a:cubicBezTo>
+                    <a:pt x="30" y="158"/>
+                    <a:pt x="56" y="255"/>
+                    <a:pt x="86" y="350"/>
+                  </a:cubicBezTo>
+                  <a:close/>
+                </a:path>
+              </a:pathLst>
+            </a:custGeom>
+            <a:solidFill>
+              <a:schemeClr val="tx2">
+                <a:alpha val="20000"/>
+              </a:schemeClr>
+            </a:solidFill>
+            <a:ln>
+              <a:noFill/>
+            </a:ln>
+          </p:spPr>
+        </p:sp>
+        <p:sp>
+          <p:nvSpPr>
+            <p:cNvPr id="13" name="Freeform 13">
+              <a:extLst>
+                <a:ext uri="{FF2B5EF4-FFF2-40B4-BE49-F238E27FC236}">
+                  <a16:creationId xmlns:a16="http://schemas.microsoft.com/office/drawing/2014/main" id="{954C2D4C-FD83-4EF4-9312-04442ABD66BF}"/>
+                </a:ext>
+                <a:ext uri="{C183D7F6-B498-43B3-948B-1728B52AA6E4}">
+                  <adec:decorative xmlns:adec="http://schemas.microsoft.com/office/drawing/2017/decorative" val="1"/>
+                </a:ext>
+              </a:extLst>
+            </p:cNvPr>
+            <p:cNvSpPr/>
+            <p:nvPr>
+              <p:extLst>
+                <p:ext uri="{386F3935-93C4-4BCD-93E2-E3B085C9AB24}">
+                  <p16:designElem xmlns:p16="http://schemas.microsoft.com/office/powerpoint/2015/main" val="1"/>
+                </p:ext>
+              </p:extLst>
+            </p:nvPr>
+          </p:nvSpPr>
+          <p:spPr bwMode="auto">
+            <a:xfrm>
+              <a:off x="3175001" y="4730750"/>
+              <a:ext cx="519113" cy="1209675"/>
+            </a:xfrm>
+            <a:custGeom>
+              <a:avLst/>
+              <a:gdLst/>
+              <a:ahLst/>
+              <a:cxnLst/>
+              <a:rect l="0" t="0" r="r" b="b"/>
+              <a:pathLst>
+                <a:path w="132" h="308">
+                  <a:moveTo>
+                    <a:pt x="8" y="22"/>
+                  </a:moveTo>
+                  <a:cubicBezTo>
+                    <a:pt x="5" y="15"/>
+                    <a:pt x="2" y="8"/>
+                    <a:pt x="0" y="0"/>
+                  </a:cubicBezTo>
+                  <a:cubicBezTo>
+                    <a:pt x="0" y="10"/>
+                    <a:pt x="0" y="19"/>
+                    <a:pt x="0" y="29"/>
+                  </a:cubicBezTo>
+                  <a:cubicBezTo>
+                    <a:pt x="21" y="85"/>
+                    <a:pt x="44" y="140"/>
+                    <a:pt x="68" y="194"/>
+                  </a:cubicBezTo>
+                  <a:cubicBezTo>
+                    <a:pt x="85" y="232"/>
+                    <a:pt x="104" y="270"/>
+                    <a:pt x="123" y="308"/>
+                  </a:cubicBezTo>
+                  <a:cubicBezTo>
+                    <a:pt x="132" y="308"/>
+                    <a:pt x="132" y="308"/>
+                    <a:pt x="132" y="308"/>
+                  </a:cubicBezTo>
+                  <a:cubicBezTo>
+                    <a:pt x="113" y="269"/>
+                    <a:pt x="94" y="230"/>
+                    <a:pt x="77" y="190"/>
+                  </a:cubicBezTo>
+                  <a:cubicBezTo>
+                    <a:pt x="52" y="135"/>
+                    <a:pt x="29" y="79"/>
+                    <a:pt x="8" y="22"/>
+                  </a:cubicBezTo>
+                  <a:close/>
+                </a:path>
+              </a:pathLst>
+            </a:custGeom>
+            <a:solidFill>
+              <a:schemeClr val="tx2">
+                <a:alpha val="20000"/>
+              </a:schemeClr>
+            </a:solidFill>
+            <a:ln>
+              <a:noFill/>
+            </a:ln>
+          </p:spPr>
+        </p:sp>
+        <p:sp>
+          <p:nvSpPr>
+            <p:cNvPr id="14" name="Freeform 14">
+              <a:extLst>
+                <a:ext uri="{FF2B5EF4-FFF2-40B4-BE49-F238E27FC236}">
+                  <a16:creationId xmlns:a16="http://schemas.microsoft.com/office/drawing/2014/main" id="{C20701C2-CD9A-4698-BC97-E1085820C2C9}"/>
+                </a:ext>
+                <a:ext uri="{C183D7F6-B498-43B3-948B-1728B52AA6E4}">
+                  <adec:decorative xmlns:adec="http://schemas.microsoft.com/office/drawing/2017/decorative" val="1"/>
+                </a:ext>
+              </a:extLst>
+            </p:cNvPr>
+            <p:cNvSpPr/>
+            <p:nvPr>
+              <p:extLst>
+                <p:ext uri="{386F3935-93C4-4BCD-93E2-E3B085C9AB24}">
+                  <p16:designElem xmlns:p16="http://schemas.microsoft.com/office/powerpoint/2015/main" val="1"/>
+                </p:ext>
+              </p:extLst>
+            </p:nvPr>
+          </p:nvSpPr>
+          <p:spPr bwMode="auto">
+            <a:xfrm>
+              <a:off x="3305176" y="5630863"/>
+              <a:ext cx="146050" cy="309563"/>
+            </a:xfrm>
+            <a:custGeom>
+              <a:avLst/>
+              <a:gdLst/>
+              <a:ahLst/>
+              <a:cxnLst/>
+              <a:rect l="0" t="0" r="r" b="b"/>
+              <a:pathLst>
+                <a:path w="37" h="79">
+                  <a:moveTo>
+                    <a:pt x="28" y="79"/>
+                  </a:moveTo>
+                  <a:cubicBezTo>
+                    <a:pt x="37" y="79"/>
+                    <a:pt x="37" y="79"/>
+                    <a:pt x="37" y="79"/>
+                  </a:cubicBezTo>
+                  <a:cubicBezTo>
+                    <a:pt x="24" y="53"/>
+                    <a:pt x="12" y="27"/>
+                    <a:pt x="0" y="0"/>
+                  </a:cubicBezTo>
+                  <a:cubicBezTo>
+                    <a:pt x="8" y="27"/>
+                    <a:pt x="17" y="53"/>
+                    <a:pt x="28" y="79"/>
+                  </a:cubicBezTo>
+                  <a:close/>
+                </a:path>
+              </a:pathLst>
+            </a:custGeom>
+            <a:solidFill>
+              <a:schemeClr val="tx2">
+                <a:alpha val="20000"/>
+              </a:schemeClr>
+            </a:solidFill>
+            <a:ln>
+              <a:noFill/>
+            </a:ln>
+          </p:spPr>
+        </p:sp>
+        <p:sp>
+          <p:nvSpPr>
+            <p:cNvPr id="15" name="Freeform 15">
+              <a:extLst>
+                <a:ext uri="{FF2B5EF4-FFF2-40B4-BE49-F238E27FC236}">
+                  <a16:creationId xmlns:a16="http://schemas.microsoft.com/office/drawing/2014/main" id="{62575C35-466F-42AE-87A1-D691849AB8CF}"/>
+                </a:ext>
+                <a:ext uri="{C183D7F6-B498-43B3-948B-1728B52AA6E4}">
+                  <adec:decorative xmlns:adec="http://schemas.microsoft.com/office/drawing/2017/decorative" val="1"/>
+                </a:ext>
+              </a:extLst>
+            </p:cNvPr>
+            <p:cNvSpPr/>
+            <p:nvPr>
+              <p:extLst>
+                <p:ext uri="{386F3935-93C4-4BCD-93E2-E3B085C9AB24}">
+                  <p16:designElem xmlns:p16="http://schemas.microsoft.com/office/powerpoint/2015/main" val="1"/>
+                </p:ext>
+              </p:extLst>
+            </p:nvPr>
+          </p:nvSpPr>
+          <p:spPr bwMode="auto">
+            <a:xfrm>
+              <a:off x="2573338" y="2817813"/>
+              <a:ext cx="700088" cy="2835275"/>
+            </a:xfrm>
+            <a:custGeom>
+              <a:avLst/>
+              <a:gdLst/>
+              <a:ahLst/>
+              <a:cxnLst/>
+              <a:rect l="0" t="0" r="r" b="b"/>
+              <a:pathLst>
+                <a:path w="178" h="722">
+                  <a:moveTo>
+                    <a:pt x="162" y="660"/>
+                  </a:moveTo>
+                  <a:cubicBezTo>
+                    <a:pt x="145" y="618"/>
+                    <a:pt x="130" y="576"/>
+                    <a:pt x="116" y="534"/>
+                  </a:cubicBezTo>
+                  <a:cubicBezTo>
+                    <a:pt x="84" y="437"/>
+                    <a:pt x="59" y="337"/>
+                    <a:pt x="40" y="236"/>
+                  </a:cubicBezTo>
+                  <a:cubicBezTo>
+                    <a:pt x="29" y="175"/>
+                    <a:pt x="20" y="113"/>
+                    <a:pt x="12" y="51"/>
+                  </a:cubicBezTo>
+                  <a:cubicBezTo>
+                    <a:pt x="8" y="34"/>
+                    <a:pt x="4" y="17"/>
+                    <a:pt x="0" y="0"/>
+                  </a:cubicBezTo>
+                  <a:cubicBezTo>
+                    <a:pt x="8" y="79"/>
+                    <a:pt x="19" y="159"/>
+                    <a:pt x="33" y="237"/>
+                  </a:cubicBezTo>
+                  <a:cubicBezTo>
+                    <a:pt x="51" y="339"/>
+                    <a:pt x="76" y="439"/>
+                    <a:pt x="107" y="537"/>
+                  </a:cubicBezTo>
+                  <a:cubicBezTo>
+                    <a:pt x="123" y="586"/>
+                    <a:pt x="141" y="634"/>
+                    <a:pt x="160" y="681"/>
+                  </a:cubicBezTo>
+                  <a:cubicBezTo>
+                    <a:pt x="166" y="695"/>
+                    <a:pt x="172" y="708"/>
+                    <a:pt x="178" y="722"/>
+                  </a:cubicBezTo>
+                  <a:cubicBezTo>
+                    <a:pt x="176" y="717"/>
+                    <a:pt x="175" y="713"/>
+                    <a:pt x="174" y="708"/>
+                  </a:cubicBezTo>
+                  <a:cubicBezTo>
+                    <a:pt x="169" y="692"/>
+                    <a:pt x="165" y="676"/>
+                    <a:pt x="162" y="660"/>
+                  </a:cubicBezTo>
+                  <a:close/>
+                </a:path>
+              </a:pathLst>
+            </a:custGeom>
+            <a:solidFill>
+              <a:schemeClr val="tx2">
+                <a:alpha val="20000"/>
+              </a:schemeClr>
+            </a:solidFill>
+            <a:ln>
+              <a:noFill/>
+            </a:ln>
+          </p:spPr>
+        </p:sp>
+        <p:sp>
+          <p:nvSpPr>
+            <p:cNvPr id="16" name="Freeform 16">
+              <a:extLst>
+                <a:ext uri="{FF2B5EF4-FFF2-40B4-BE49-F238E27FC236}">
+                  <a16:creationId xmlns:a16="http://schemas.microsoft.com/office/drawing/2014/main" id="{58236F37-6119-45AC-80A0-CD2C311B5051}"/>
+                </a:ext>
+                <a:ext uri="{C183D7F6-B498-43B3-948B-1728B52AA6E4}">
+                  <adec:decorative xmlns:adec="http://schemas.microsoft.com/office/drawing/2017/decorative" val="1"/>
+                </a:ext>
+              </a:extLst>
+            </p:cNvPr>
+            <p:cNvSpPr/>
+            <p:nvPr>
+              <p:extLst>
+                <p:ext uri="{386F3935-93C4-4BCD-93E2-E3B085C9AB24}">
+                  <p16:designElem xmlns:p16="http://schemas.microsoft.com/office/powerpoint/2015/main" val="1"/>
+                </p:ext>
+              </p:extLst>
+            </p:nvPr>
+          </p:nvSpPr>
+          <p:spPr bwMode="auto">
+            <a:xfrm>
+              <a:off x="2506663" y="285750"/>
+              <a:ext cx="90488" cy="2493963"/>
+            </a:xfrm>
+            <a:custGeom>
+              <a:avLst/>
+              <a:gdLst/>
+              <a:ahLst/>
+              <a:cxnLst/>
+              <a:rect l="0" t="0" r="r" b="b"/>
+              <a:pathLst>
+                <a:path w="23" h="635">
+                  <a:moveTo>
+                    <a:pt x="11" y="577"/>
+                  </a:moveTo>
+                  <a:cubicBezTo>
+                    <a:pt x="12" y="581"/>
+                    <a:pt x="12" y="585"/>
+                    <a:pt x="12" y="589"/>
+                  </a:cubicBezTo>
+                  <a:cubicBezTo>
+                    <a:pt x="15" y="603"/>
+                    <a:pt x="19" y="617"/>
+                    <a:pt x="22" y="632"/>
+                  </a:cubicBezTo>
+                  <a:cubicBezTo>
+                    <a:pt x="22" y="633"/>
+                    <a:pt x="22" y="634"/>
+                    <a:pt x="23" y="635"/>
+                  </a:cubicBezTo>
+                  <a:cubicBezTo>
+                    <a:pt x="21" y="615"/>
+                    <a:pt x="19" y="596"/>
+                    <a:pt x="17" y="576"/>
+                  </a:cubicBezTo>
+                  <a:cubicBezTo>
+                    <a:pt x="9" y="474"/>
+                    <a:pt x="5" y="372"/>
+                    <a:pt x="5" y="269"/>
+                  </a:cubicBezTo>
+                  <a:cubicBezTo>
+                    <a:pt x="6" y="179"/>
+                    <a:pt x="9" y="90"/>
+                    <a:pt x="15" y="0"/>
+                  </a:cubicBezTo>
+                  <a:cubicBezTo>
+                    <a:pt x="12" y="0"/>
+                    <a:pt x="12" y="0"/>
+                    <a:pt x="12" y="0"/>
+                  </a:cubicBezTo>
+                  <a:cubicBezTo>
+                    <a:pt x="5" y="89"/>
+                    <a:pt x="2" y="179"/>
+                    <a:pt x="1" y="269"/>
+                  </a:cubicBezTo>
+                  <a:cubicBezTo>
+                    <a:pt x="0" y="372"/>
+                    <a:pt x="3" y="474"/>
+                    <a:pt x="11" y="577"/>
+                  </a:cubicBezTo>
+                  <a:close/>
+                </a:path>
+              </a:pathLst>
+            </a:custGeom>
+            <a:solidFill>
+              <a:schemeClr val="tx2">
+                <a:alpha val="20000"/>
+              </a:schemeClr>
+            </a:solidFill>
+            <a:ln>
+              <a:noFill/>
+            </a:ln>
+          </p:spPr>
+        </p:sp>
+        <p:sp>
+          <p:nvSpPr>
+            <p:cNvPr id="17" name="Freeform 17">
+              <a:extLst>
+                <a:ext uri="{FF2B5EF4-FFF2-40B4-BE49-F238E27FC236}">
+                  <a16:creationId xmlns:a16="http://schemas.microsoft.com/office/drawing/2014/main" id="{F3FDD799-39FE-4D6F-9A64-2F472B215078}"/>
+                </a:ext>
+                <a:ext uri="{C183D7F6-B498-43B3-948B-1728B52AA6E4}">
+                  <adec:decorative xmlns:adec="http://schemas.microsoft.com/office/drawing/2017/decorative" val="1"/>
+                </a:ext>
+              </a:extLst>
+            </p:cNvPr>
+            <p:cNvSpPr/>
+            <p:nvPr>
+              <p:extLst>
+                <p:ext uri="{386F3935-93C4-4BCD-93E2-E3B085C9AB24}">
+                  <p16:designElem xmlns:p16="http://schemas.microsoft.com/office/powerpoint/2015/main" val="1"/>
+                </p:ext>
+              </p:extLst>
+            </p:nvPr>
+          </p:nvSpPr>
+          <p:spPr bwMode="auto">
+            <a:xfrm>
+              <a:off x="2554288" y="2598738"/>
+              <a:ext cx="66675" cy="420688"/>
+            </a:xfrm>
+            <a:custGeom>
+              <a:avLst/>
+              <a:gdLst/>
+              <a:ahLst/>
+              <a:cxnLst/>
+              <a:rect l="0" t="0" r="r" b="b"/>
+              <a:pathLst>
+                <a:path w="17" h="107">
+                  <a:moveTo>
+                    <a:pt x="0" y="0"/>
+                  </a:moveTo>
+                  <a:cubicBezTo>
+                    <a:pt x="2" y="19"/>
+                    <a:pt x="3" y="37"/>
+                    <a:pt x="5" y="56"/>
+                  </a:cubicBezTo>
+                  <a:cubicBezTo>
+                    <a:pt x="9" y="73"/>
+                    <a:pt x="13" y="90"/>
+                    <a:pt x="17" y="107"/>
+                  </a:cubicBezTo>
+                  <a:cubicBezTo>
+                    <a:pt x="15" y="87"/>
+                    <a:pt x="13" y="66"/>
+                    <a:pt x="11" y="46"/>
+                  </a:cubicBezTo>
+                  <a:cubicBezTo>
+                    <a:pt x="10" y="45"/>
+                    <a:pt x="10" y="44"/>
+                    <a:pt x="10" y="43"/>
+                  </a:cubicBezTo>
+                  <a:cubicBezTo>
+                    <a:pt x="7" y="28"/>
+                    <a:pt x="3" y="14"/>
+                    <a:pt x="0" y="0"/>
+                  </a:cubicBezTo>
+                  <a:close/>
+                </a:path>
+              </a:pathLst>
+            </a:custGeom>
+            <a:solidFill>
+              <a:schemeClr val="tx2">
+                <a:alpha val="20000"/>
+              </a:schemeClr>
+            </a:solidFill>
+            <a:ln>
+              <a:noFill/>
+            </a:ln>
+          </p:spPr>
+        </p:sp>
+        <p:sp>
+          <p:nvSpPr>
+            <p:cNvPr id="18" name="Freeform 18">
+              <a:extLst>
+                <a:ext uri="{FF2B5EF4-FFF2-40B4-BE49-F238E27FC236}">
+                  <a16:creationId xmlns:a16="http://schemas.microsoft.com/office/drawing/2014/main" id="{9820D241-1D49-442C-A95A-00BC1BF9E295}"/>
+                </a:ext>
+                <a:ext uri="{C183D7F6-B498-43B3-948B-1728B52AA6E4}">
+                  <adec:decorative xmlns:adec="http://schemas.microsoft.com/office/drawing/2017/decorative" val="1"/>
+                </a:ext>
+              </a:extLst>
+            </p:cNvPr>
+            <p:cNvSpPr/>
+            <p:nvPr>
+              <p:extLst>
+                <p:ext uri="{386F3935-93C4-4BCD-93E2-E3B085C9AB24}">
+                  <p16:designElem xmlns:p16="http://schemas.microsoft.com/office/powerpoint/2015/main" val="1"/>
+                </p:ext>
+              </p:extLst>
+            </p:nvPr>
+          </p:nvSpPr>
+          <p:spPr bwMode="auto">
+            <a:xfrm>
+              <a:off x="3143251" y="4757738"/>
+              <a:ext cx="161925" cy="873125"/>
+            </a:xfrm>
+            <a:custGeom>
+              <a:avLst/>
+              <a:gdLst/>
+              <a:ahLst/>
+              <a:cxnLst/>
+              <a:rect l="0" t="0" r="r" b="b"/>
+              <a:pathLst>
+                <a:path w="41" h="222">
+                  <a:moveTo>
+                    <a:pt x="0" y="0"/>
+                  </a:moveTo>
+                  <a:cubicBezTo>
+                    <a:pt x="0" y="31"/>
+                    <a:pt x="2" y="62"/>
+                    <a:pt x="5" y="93"/>
+                  </a:cubicBezTo>
+                  <a:cubicBezTo>
+                    <a:pt x="8" y="117"/>
+                    <a:pt x="12" y="142"/>
+                    <a:pt x="17" y="166"/>
+                  </a:cubicBezTo>
+                  <a:cubicBezTo>
+                    <a:pt x="19" y="172"/>
+                    <a:pt x="22" y="178"/>
+                    <a:pt x="24" y="184"/>
+                  </a:cubicBezTo>
+                  <a:cubicBezTo>
+                    <a:pt x="30" y="197"/>
+                    <a:pt x="35" y="209"/>
+                    <a:pt x="41" y="222"/>
+                  </a:cubicBezTo>
+                  <a:cubicBezTo>
+                    <a:pt x="40" y="219"/>
+                    <a:pt x="39" y="215"/>
+                    <a:pt x="38" y="212"/>
+                  </a:cubicBezTo>
+                  <a:cubicBezTo>
+                    <a:pt x="26" y="172"/>
+                    <a:pt x="18" y="132"/>
+                    <a:pt x="13" y="92"/>
+                  </a:cubicBezTo>
+                  <a:cubicBezTo>
+                    <a:pt x="11" y="68"/>
+                    <a:pt x="9" y="45"/>
+                    <a:pt x="8" y="22"/>
+                  </a:cubicBezTo>
+                  <a:cubicBezTo>
+                    <a:pt x="8" y="21"/>
+                    <a:pt x="7" y="20"/>
+                    <a:pt x="7" y="18"/>
+                  </a:cubicBezTo>
+                  <a:cubicBezTo>
+                    <a:pt x="5" y="12"/>
+                    <a:pt x="2" y="6"/>
+                    <a:pt x="0" y="0"/>
+                  </a:cubicBezTo>
+                  <a:close/>
+                </a:path>
+              </a:pathLst>
+            </a:custGeom>
+            <a:solidFill>
+              <a:schemeClr val="tx2">
+                <a:alpha val="20000"/>
+              </a:schemeClr>
+            </a:solidFill>
+            <a:ln>
+              <a:noFill/>
+            </a:ln>
+          </p:spPr>
+        </p:sp>
+        <p:sp>
+          <p:nvSpPr>
+            <p:cNvPr id="19" name="Freeform 19">
+              <a:extLst>
+                <a:ext uri="{FF2B5EF4-FFF2-40B4-BE49-F238E27FC236}">
+                  <a16:creationId xmlns:a16="http://schemas.microsoft.com/office/drawing/2014/main" id="{EBC2197C-B383-4866-8ABD-74222400BE8E}"/>
+                </a:ext>
+                <a:ext uri="{C183D7F6-B498-43B3-948B-1728B52AA6E4}">
+                  <adec:decorative xmlns:adec="http://schemas.microsoft.com/office/drawing/2017/decorative" val="1"/>
+                </a:ext>
+              </a:extLst>
+            </p:cNvPr>
+            <p:cNvSpPr/>
+            <p:nvPr>
+              <p:extLst>
+                <p:ext uri="{386F3935-93C4-4BCD-93E2-E3B085C9AB24}">
+                  <p16:designElem xmlns:p16="http://schemas.microsoft.com/office/powerpoint/2015/main" val="1"/>
+                </p:ext>
+              </p:extLst>
+            </p:nvPr>
+          </p:nvSpPr>
+          <p:spPr bwMode="auto">
+            <a:xfrm>
+              <a:off x="3148013" y="1282700"/>
+              <a:ext cx="1768475" cy="3448050"/>
+            </a:xfrm>
+            <a:custGeom>
+              <a:avLst/>
+              <a:gdLst/>
+              <a:ahLst/>
+              <a:cxnLst/>
+              <a:rect l="0" t="0" r="r" b="b"/>
+              <a:pathLst>
+                <a:path w="450" h="878">
+                  <a:moveTo>
+                    <a:pt x="7" y="854"/>
+                  </a:moveTo>
+                  <a:cubicBezTo>
+                    <a:pt x="10" y="772"/>
+                    <a:pt x="26" y="691"/>
+                    <a:pt x="50" y="613"/>
+                  </a:cubicBezTo>
+                  <a:cubicBezTo>
+                    <a:pt x="75" y="535"/>
+                    <a:pt x="109" y="460"/>
+                    <a:pt x="149" y="388"/>
+                  </a:cubicBezTo>
+                  <a:cubicBezTo>
+                    <a:pt x="189" y="316"/>
+                    <a:pt x="235" y="248"/>
+                    <a:pt x="285" y="183"/>
+                  </a:cubicBezTo>
+                  <a:cubicBezTo>
+                    <a:pt x="310" y="151"/>
+                    <a:pt x="337" y="119"/>
+                    <a:pt x="364" y="89"/>
+                  </a:cubicBezTo>
+                  <a:cubicBezTo>
+                    <a:pt x="378" y="74"/>
+                    <a:pt x="392" y="58"/>
+                    <a:pt x="406" y="44"/>
+                  </a:cubicBezTo>
+                  <a:cubicBezTo>
+                    <a:pt x="421" y="29"/>
+                    <a:pt x="435" y="15"/>
+                    <a:pt x="450" y="1"/>
+                  </a:cubicBezTo>
+                  <a:cubicBezTo>
+                    <a:pt x="450" y="0"/>
+                    <a:pt x="450" y="0"/>
+                    <a:pt x="450" y="0"/>
+                  </a:cubicBezTo>
+                  <a:cubicBezTo>
+                    <a:pt x="434" y="14"/>
+                    <a:pt x="420" y="28"/>
+                    <a:pt x="405" y="43"/>
+                  </a:cubicBezTo>
+                  <a:cubicBezTo>
+                    <a:pt x="391" y="57"/>
+                    <a:pt x="377" y="72"/>
+                    <a:pt x="363" y="88"/>
+                  </a:cubicBezTo>
+                  <a:cubicBezTo>
+                    <a:pt x="335" y="118"/>
+                    <a:pt x="308" y="149"/>
+                    <a:pt x="283" y="181"/>
+                  </a:cubicBezTo>
+                  <a:cubicBezTo>
+                    <a:pt x="232" y="246"/>
+                    <a:pt x="185" y="314"/>
+                    <a:pt x="145" y="386"/>
+                  </a:cubicBezTo>
+                  <a:cubicBezTo>
+                    <a:pt x="104" y="457"/>
+                    <a:pt x="70" y="533"/>
+                    <a:pt x="45" y="611"/>
+                  </a:cubicBezTo>
+                  <a:cubicBezTo>
+                    <a:pt x="19" y="690"/>
+                    <a:pt x="3" y="771"/>
+                    <a:pt x="0" y="854"/>
+                  </a:cubicBezTo>
+                  <a:cubicBezTo>
+                    <a:pt x="0" y="856"/>
+                    <a:pt x="0" y="857"/>
+                    <a:pt x="0" y="859"/>
+                  </a:cubicBezTo>
+                  <a:cubicBezTo>
+                    <a:pt x="2" y="865"/>
+                    <a:pt x="4" y="872"/>
+                    <a:pt x="7" y="878"/>
+                  </a:cubicBezTo>
+                  <a:cubicBezTo>
+                    <a:pt x="7" y="870"/>
+                    <a:pt x="7" y="862"/>
+                    <a:pt x="7" y="854"/>
+                  </a:cubicBezTo>
+                  <a:close/>
+                </a:path>
+              </a:pathLst>
+            </a:custGeom>
+            <a:solidFill>
+              <a:schemeClr val="tx2">
+                <a:alpha val="20000"/>
+              </a:schemeClr>
+            </a:solidFill>
+            <a:ln>
+              <a:noFill/>
+            </a:ln>
+          </p:spPr>
+        </p:sp>
+        <p:sp>
+          <p:nvSpPr>
+            <p:cNvPr id="20" name="Freeform 20">
+              <a:extLst>
+                <a:ext uri="{FF2B5EF4-FFF2-40B4-BE49-F238E27FC236}">
+                  <a16:creationId xmlns:a16="http://schemas.microsoft.com/office/drawing/2014/main" id="{404B06AA-FC93-4471-9DE4-56A401E70A50}"/>
+                </a:ext>
+                <a:ext uri="{C183D7F6-B498-43B3-948B-1728B52AA6E4}">
+                  <adec:decorative xmlns:adec="http://schemas.microsoft.com/office/drawing/2017/decorative" val="1"/>
+                </a:ext>
+              </a:extLst>
+            </p:cNvPr>
+            <p:cNvSpPr/>
+            <p:nvPr>
+              <p:extLst>
+                <p:ext uri="{386F3935-93C4-4BCD-93E2-E3B085C9AB24}">
+                  <p16:designElem xmlns:p16="http://schemas.microsoft.com/office/powerpoint/2015/main" val="1"/>
+                </p:ext>
+              </p:extLst>
+            </p:nvPr>
+          </p:nvSpPr>
+          <p:spPr bwMode="auto">
+            <a:xfrm>
+              <a:off x="3273426" y="5653088"/>
+              <a:ext cx="138113" cy="287338"/>
+            </a:xfrm>
+            <a:custGeom>
+              <a:avLst/>
+              <a:gdLst/>
+              <a:ahLst/>
+              <a:cxnLst/>
+              <a:rect l="0" t="0" r="r" b="b"/>
+              <a:pathLst>
+                <a:path w="35" h="73">
+                  <a:moveTo>
+                    <a:pt x="0" y="0"/>
+                  </a:moveTo>
+                  <a:cubicBezTo>
+                    <a:pt x="7" y="24"/>
+                    <a:pt x="16" y="49"/>
+                    <a:pt x="26" y="73"/>
+                  </a:cubicBezTo>
+                  <a:cubicBezTo>
+                    <a:pt x="35" y="73"/>
+                    <a:pt x="35" y="73"/>
+                    <a:pt x="35" y="73"/>
+                  </a:cubicBezTo>
+                  <a:cubicBezTo>
+                    <a:pt x="23" y="49"/>
+                    <a:pt x="11" y="24"/>
+                    <a:pt x="0" y="0"/>
+                  </a:cubicBezTo>
+                  <a:close/>
+                </a:path>
+              </a:pathLst>
+            </a:custGeom>
+            <a:solidFill>
+              <a:schemeClr val="tx2">
+                <a:alpha val="20000"/>
+              </a:schemeClr>
+            </a:solidFill>
+            <a:ln>
+              <a:noFill/>
+            </a:ln>
+          </p:spPr>
+        </p:sp>
+        <p:sp>
+          <p:nvSpPr>
+            <p:cNvPr id="21" name="Freeform 21">
+              <a:extLst>
+                <a:ext uri="{FF2B5EF4-FFF2-40B4-BE49-F238E27FC236}">
+                  <a16:creationId xmlns:a16="http://schemas.microsoft.com/office/drawing/2014/main" id="{E580600C-013F-4FAF-8FB7-4CC0FA80A92B}"/>
+                </a:ext>
+                <a:ext uri="{C183D7F6-B498-43B3-948B-1728B52AA6E4}">
+                  <adec:decorative xmlns:adec="http://schemas.microsoft.com/office/drawing/2017/decorative" val="1"/>
+                </a:ext>
+              </a:extLst>
+            </p:cNvPr>
+            <p:cNvSpPr/>
+            <p:nvPr>
+              <p:extLst>
+                <p:ext uri="{386F3935-93C4-4BCD-93E2-E3B085C9AB24}">
+                  <p16:designElem xmlns:p16="http://schemas.microsoft.com/office/powerpoint/2015/main" val="1"/>
+                </p:ext>
+              </p:extLst>
+            </p:nvPr>
+          </p:nvSpPr>
+          <p:spPr bwMode="auto">
+            <a:xfrm>
+              <a:off x="3143251" y="4656138"/>
+              <a:ext cx="31750" cy="188913"/>
+            </a:xfrm>
+            <a:custGeom>
+              <a:avLst/>
+              <a:gdLst/>
+              <a:ahLst/>
+              <a:cxnLst/>
+              <a:rect l="0" t="0" r="r" b="b"/>
+              <a:pathLst>
+                <a:path w="8" h="48">
+                  <a:moveTo>
+                    <a:pt x="7" y="44"/>
+                  </a:moveTo>
+                  <a:cubicBezTo>
+                    <a:pt x="7" y="46"/>
+                    <a:pt x="8" y="47"/>
+                    <a:pt x="8" y="48"/>
+                  </a:cubicBezTo>
+                  <a:cubicBezTo>
+                    <a:pt x="8" y="38"/>
+                    <a:pt x="8" y="29"/>
+                    <a:pt x="8" y="19"/>
+                  </a:cubicBezTo>
+                  <a:cubicBezTo>
+                    <a:pt x="5" y="13"/>
+                    <a:pt x="3" y="6"/>
+                    <a:pt x="1" y="0"/>
+                  </a:cubicBezTo>
+                  <a:cubicBezTo>
+                    <a:pt x="0" y="9"/>
+                    <a:pt x="0" y="17"/>
+                    <a:pt x="0" y="26"/>
+                  </a:cubicBezTo>
+                  <a:cubicBezTo>
+                    <a:pt x="2" y="32"/>
+                    <a:pt x="5" y="38"/>
+                    <a:pt x="7" y="44"/>
+                  </a:cubicBezTo>
+                  <a:close/>
+                </a:path>
+              </a:pathLst>
+            </a:custGeom>
+            <a:solidFill>
+              <a:schemeClr val="tx2">
+                <a:alpha val="20000"/>
+              </a:schemeClr>
+            </a:solidFill>
+            <a:ln>
+              <a:noFill/>
+            </a:ln>
+          </p:spPr>
+        </p:sp>
+        <p:sp>
+          <p:nvSpPr>
+            <p:cNvPr id="22" name="Freeform 22">
+              <a:extLst>
+                <a:ext uri="{FF2B5EF4-FFF2-40B4-BE49-F238E27FC236}">
+                  <a16:creationId xmlns:a16="http://schemas.microsoft.com/office/drawing/2014/main" id="{9BFCF199-64B2-4AEE-88C4-E954ABF36278}"/>
+                </a:ext>
+                <a:ext uri="{C183D7F6-B498-43B3-948B-1728B52AA6E4}">
+                  <adec:decorative xmlns:adec="http://schemas.microsoft.com/office/drawing/2017/decorative" val="1"/>
+                </a:ext>
+              </a:extLst>
+            </p:cNvPr>
+            <p:cNvSpPr/>
+            <p:nvPr>
+              <p:extLst>
+                <p:ext uri="{386F3935-93C4-4BCD-93E2-E3B085C9AB24}">
+                  <p16:designElem xmlns:p16="http://schemas.microsoft.com/office/powerpoint/2015/main" val="1"/>
+                </p:ext>
+              </p:extLst>
+            </p:nvPr>
+          </p:nvSpPr>
+          <p:spPr bwMode="auto">
+            <a:xfrm>
+              <a:off x="3211513" y="5410200"/>
+              <a:ext cx="203200" cy="530225"/>
+            </a:xfrm>
+            <a:custGeom>
+              <a:avLst/>
+              <a:gdLst/>
+              <a:ahLst/>
+              <a:cxnLst/>
+              <a:rect l="0" t="0" r="r" b="b"/>
+              <a:pathLst>
+                <a:path w="52" h="135">
+                  <a:moveTo>
+                    <a:pt x="7" y="18"/>
+                  </a:moveTo>
+                  <a:cubicBezTo>
+                    <a:pt x="5" y="12"/>
+                    <a:pt x="2" y="6"/>
+                    <a:pt x="0" y="0"/>
+                  </a:cubicBezTo>
+                  <a:cubicBezTo>
+                    <a:pt x="3" y="16"/>
+                    <a:pt x="7" y="32"/>
+                    <a:pt x="12" y="48"/>
+                  </a:cubicBezTo>
+                  <a:cubicBezTo>
+                    <a:pt x="13" y="53"/>
+                    <a:pt x="14" y="57"/>
+                    <a:pt x="16" y="62"/>
+                  </a:cubicBezTo>
+                  <a:cubicBezTo>
+                    <a:pt x="27" y="86"/>
+                    <a:pt x="39" y="111"/>
+                    <a:pt x="51" y="135"/>
+                  </a:cubicBezTo>
+                  <a:cubicBezTo>
+                    <a:pt x="52" y="135"/>
+                    <a:pt x="52" y="135"/>
+                    <a:pt x="52" y="135"/>
+                  </a:cubicBezTo>
+                  <a:cubicBezTo>
+                    <a:pt x="41" y="109"/>
+                    <a:pt x="32" y="83"/>
+                    <a:pt x="24" y="56"/>
+                  </a:cubicBezTo>
+                  <a:cubicBezTo>
+                    <a:pt x="18" y="43"/>
+                    <a:pt x="13" y="31"/>
+                    <a:pt x="7" y="18"/>
+                  </a:cubicBezTo>
+                  <a:close/>
+                </a:path>
+              </a:pathLst>
+            </a:custGeom>
+            <a:solidFill>
+              <a:schemeClr val="tx2">
+                <a:alpha val="20000"/>
+              </a:schemeClr>
+            </a:solidFill>
+            <a:ln>
+              <a:noFill/>
+            </a:ln>
+          </p:spPr>
+        </p:sp>
+      </p:grpSp>
+      <p:grpSp>
+        <p:nvGrpSpPr>
+          <p:cNvPr id="24" name="Group 23">
+            <a:extLst>
+              <a:ext uri="{FF2B5EF4-FFF2-40B4-BE49-F238E27FC236}">
+                <a16:creationId xmlns:a16="http://schemas.microsoft.com/office/drawing/2014/main" id="{E312DBA5-56D8-42B2-BA94-28168C2A6703}"/>
+              </a:ext>
+              <a:ext uri="{C183D7F6-B498-43B3-948B-1728B52AA6E4}">
+                <adec:decorative xmlns:adec="http://schemas.microsoft.com/office/drawing/2017/decorative" val="1"/>
+              </a:ext>
+            </a:extLst>
+          </p:cNvPr>
+          <p:cNvGrpSpPr>
+            <a:grpSpLocks noGrp="1" noUngrp="1" noRot="1" noChangeAspect="1" noMove="1" noResize="1"/>
+          </p:cNvGrpSpPr>
+          <p:nvPr>
+            <p:extLst>
+              <p:ext uri="{386F3935-93C4-4BCD-93E2-E3B085C9AB24}">
+                <p16:designElem xmlns:p16="http://schemas.microsoft.com/office/powerpoint/2015/main" val="1"/>
+              </p:ext>
+            </p:extLst>
+          </p:nvPr>
+        </p:nvGrpSpPr>
+        <p:grpSpPr>
+          <a:xfrm>
+            <a:off x="27224" y="-786"/>
+            <a:ext cx="2356675" cy="6854040"/>
+            <a:chOff x="6627813" y="194833"/>
+            <a:chExt cx="1952625" cy="5678918"/>
+          </a:xfrm>
+        </p:grpSpPr>
+        <p:sp>
+          <p:nvSpPr>
+            <p:cNvPr id="25" name="Freeform 27">
+              <a:extLst>
+                <a:ext uri="{FF2B5EF4-FFF2-40B4-BE49-F238E27FC236}">
+                  <a16:creationId xmlns:a16="http://schemas.microsoft.com/office/drawing/2014/main" id="{7AD46C74-3117-46B0-B267-0F61B57CACE3}"/>
+                </a:ext>
+                <a:ext uri="{C183D7F6-B498-43B3-948B-1728B52AA6E4}">
+                  <adec:decorative xmlns:adec="http://schemas.microsoft.com/office/drawing/2017/decorative" val="1"/>
+                </a:ext>
+              </a:extLst>
+            </p:cNvPr>
+            <p:cNvSpPr/>
+            <p:nvPr>
+              <p:extLst>
+                <p:ext uri="{386F3935-93C4-4BCD-93E2-E3B085C9AB24}">
+                  <p16:designElem xmlns:p16="http://schemas.microsoft.com/office/powerpoint/2015/main" val="1"/>
+                </p:ext>
+              </p:extLst>
+            </p:nvPr>
+          </p:nvSpPr>
+          <p:spPr bwMode="auto">
+            <a:xfrm>
+              <a:off x="6627813" y="194833"/>
+              <a:ext cx="409575" cy="3646488"/>
+            </a:xfrm>
+            <a:custGeom>
+              <a:avLst/>
+              <a:gdLst/>
+              <a:ahLst/>
+              <a:cxnLst/>
+              <a:rect l="0" t="0" r="r" b="b"/>
+              <a:pathLst>
+                <a:path w="103" h="920">
+                  <a:moveTo>
+                    <a:pt x="7" y="210"/>
+                  </a:moveTo>
+                  <a:cubicBezTo>
+                    <a:pt x="11" y="288"/>
+                    <a:pt x="17" y="367"/>
+                    <a:pt x="26" y="445"/>
+                  </a:cubicBezTo>
+                  <a:cubicBezTo>
+                    <a:pt x="34" y="523"/>
+                    <a:pt x="44" y="601"/>
+                    <a:pt x="57" y="679"/>
+                  </a:cubicBezTo>
+                  <a:cubicBezTo>
+                    <a:pt x="69" y="757"/>
+                    <a:pt x="84" y="834"/>
+                    <a:pt x="101" y="911"/>
+                  </a:cubicBezTo>
+                  <a:cubicBezTo>
+                    <a:pt x="102" y="914"/>
+                    <a:pt x="103" y="917"/>
+                    <a:pt x="103" y="920"/>
+                  </a:cubicBezTo>
+                  <a:cubicBezTo>
+                    <a:pt x="102" y="905"/>
+                    <a:pt x="100" y="889"/>
+                    <a:pt x="99" y="874"/>
+                  </a:cubicBezTo>
+                  <a:cubicBezTo>
+                    <a:pt x="99" y="871"/>
+                    <a:pt x="99" y="868"/>
+                    <a:pt x="99" y="866"/>
+                  </a:cubicBezTo>
+                  <a:cubicBezTo>
+                    <a:pt x="85" y="803"/>
+                    <a:pt x="73" y="741"/>
+                    <a:pt x="63" y="678"/>
+                  </a:cubicBezTo>
+                  <a:cubicBezTo>
+                    <a:pt x="50" y="600"/>
+                    <a:pt x="39" y="523"/>
+                    <a:pt x="30" y="444"/>
+                  </a:cubicBezTo>
+                  <a:cubicBezTo>
+                    <a:pt x="21" y="366"/>
+                    <a:pt x="14" y="288"/>
+                    <a:pt x="9" y="209"/>
+                  </a:cubicBezTo>
+                  <a:cubicBezTo>
+                    <a:pt x="7" y="170"/>
+                    <a:pt x="5" y="131"/>
+                    <a:pt x="3" y="92"/>
+                  </a:cubicBezTo>
+                  <a:cubicBezTo>
+                    <a:pt x="2" y="61"/>
+                    <a:pt x="1" y="31"/>
+                    <a:pt x="1" y="0"/>
+                  </a:cubicBezTo>
+                  <a:cubicBezTo>
+                    <a:pt x="0" y="0"/>
+                    <a:pt x="0" y="0"/>
+                    <a:pt x="0" y="0"/>
+                  </a:cubicBezTo>
+                  <a:cubicBezTo>
+                    <a:pt x="0" y="31"/>
+                    <a:pt x="1" y="61"/>
+                    <a:pt x="1" y="92"/>
+                  </a:cubicBezTo>
+                  <a:cubicBezTo>
+                    <a:pt x="3" y="131"/>
+                    <a:pt x="4" y="170"/>
+                    <a:pt x="7" y="210"/>
+                  </a:cubicBezTo>
+                  <a:close/>
+                </a:path>
+              </a:pathLst>
+            </a:custGeom>
+            <a:solidFill>
+              <a:schemeClr val="tx2"/>
+            </a:solidFill>
+            <a:ln>
+              <a:noFill/>
+            </a:ln>
+          </p:spPr>
+        </p:sp>
+        <p:sp>
+          <p:nvSpPr>
+            <p:cNvPr id="26" name="Freeform 28">
+              <a:extLst>
+                <a:ext uri="{FF2B5EF4-FFF2-40B4-BE49-F238E27FC236}">
+                  <a16:creationId xmlns:a16="http://schemas.microsoft.com/office/drawing/2014/main" id="{8C13B810-9664-45D8-8510-D6ED0ADD7217}"/>
+                </a:ext>
+                <a:ext uri="{C183D7F6-B498-43B3-948B-1728B52AA6E4}">
+                  <adec:decorative xmlns:adec="http://schemas.microsoft.com/office/drawing/2017/decorative" val="1"/>
+                </a:ext>
+              </a:extLst>
+            </p:cNvPr>
+            <p:cNvSpPr/>
+            <p:nvPr>
+              <p:extLst>
+                <p:ext uri="{386F3935-93C4-4BCD-93E2-E3B085C9AB24}">
+                  <p16:designElem xmlns:p16="http://schemas.microsoft.com/office/powerpoint/2015/main" val="1"/>
+                </p:ext>
+              </p:extLst>
+            </p:nvPr>
+          </p:nvSpPr>
+          <p:spPr bwMode="auto">
+            <a:xfrm>
+              <a:off x="7061201" y="3771900"/>
+              <a:ext cx="350838" cy="1309688"/>
+            </a:xfrm>
+            <a:custGeom>
+              <a:avLst/>
+              <a:gdLst/>
+              <a:ahLst/>
+              <a:cxnLst/>
+              <a:rect l="0" t="0" r="r" b="b"/>
+              <a:pathLst>
+                <a:path w="88" h="330">
+                  <a:moveTo>
+                    <a:pt x="53" y="229"/>
+                  </a:moveTo>
+                  <a:cubicBezTo>
+                    <a:pt x="64" y="263"/>
+                    <a:pt x="75" y="297"/>
+                    <a:pt x="88" y="330"/>
+                  </a:cubicBezTo>
+                  <a:cubicBezTo>
+                    <a:pt x="88" y="323"/>
+                    <a:pt x="88" y="315"/>
+                    <a:pt x="88" y="308"/>
+                  </a:cubicBezTo>
+                  <a:cubicBezTo>
+                    <a:pt x="88" y="307"/>
+                    <a:pt x="88" y="305"/>
+                    <a:pt x="88" y="304"/>
+                  </a:cubicBezTo>
+                  <a:cubicBezTo>
+                    <a:pt x="79" y="278"/>
+                    <a:pt x="70" y="252"/>
+                    <a:pt x="62" y="226"/>
+                  </a:cubicBezTo>
+                  <a:cubicBezTo>
+                    <a:pt x="38" y="152"/>
+                    <a:pt x="17" y="76"/>
+                    <a:pt x="0" y="0"/>
+                  </a:cubicBezTo>
+                  <a:cubicBezTo>
+                    <a:pt x="2" y="21"/>
+                    <a:pt x="4" y="42"/>
+                    <a:pt x="7" y="63"/>
+                  </a:cubicBezTo>
+                  <a:cubicBezTo>
+                    <a:pt x="21" y="119"/>
+                    <a:pt x="36" y="174"/>
+                    <a:pt x="53" y="229"/>
+                  </a:cubicBezTo>
+                  <a:close/>
+                </a:path>
+              </a:pathLst>
+            </a:custGeom>
+            <a:solidFill>
+              <a:schemeClr val="tx2"/>
+            </a:solidFill>
+            <a:ln>
+              <a:noFill/>
+            </a:ln>
+          </p:spPr>
+        </p:sp>
+        <p:sp>
+          <p:nvSpPr>
+            <p:cNvPr id="27" name="Freeform 29">
+              <a:extLst>
+                <a:ext uri="{FF2B5EF4-FFF2-40B4-BE49-F238E27FC236}">
+                  <a16:creationId xmlns:a16="http://schemas.microsoft.com/office/drawing/2014/main" id="{10306E52-A922-4458-BCCE-C3C840CC7556}"/>
+                </a:ext>
+                <a:ext uri="{C183D7F6-B498-43B3-948B-1728B52AA6E4}">
+                  <adec:decorative xmlns:adec="http://schemas.microsoft.com/office/drawing/2017/decorative" val="1"/>
+                </a:ext>
+              </a:extLst>
+            </p:cNvPr>
+            <p:cNvSpPr/>
+            <p:nvPr>
+              <p:extLst>
+                <p:ext uri="{386F3935-93C4-4BCD-93E2-E3B085C9AB24}">
+                  <p16:designElem xmlns:p16="http://schemas.microsoft.com/office/powerpoint/2015/main" val="1"/>
+                </p:ext>
+              </p:extLst>
+            </p:nvPr>
+          </p:nvSpPr>
+          <p:spPr bwMode="auto">
+            <a:xfrm>
+              <a:off x="7439026" y="5053013"/>
+              <a:ext cx="357188" cy="820738"/>
+            </a:xfrm>
+            <a:custGeom>
+              <a:avLst/>
+              <a:gdLst/>
+              <a:ahLst/>
+              <a:cxnLst/>
+              <a:rect l="0" t="0" r="r" b="b"/>
+              <a:pathLst>
+                <a:path w="90" h="207">
+                  <a:moveTo>
+                    <a:pt x="6" y="15"/>
+                  </a:moveTo>
+                  <a:cubicBezTo>
+                    <a:pt x="4" y="10"/>
+                    <a:pt x="2" y="5"/>
+                    <a:pt x="0" y="0"/>
+                  </a:cubicBezTo>
+                  <a:cubicBezTo>
+                    <a:pt x="0" y="9"/>
+                    <a:pt x="0" y="19"/>
+                    <a:pt x="1" y="29"/>
+                  </a:cubicBezTo>
+                  <a:cubicBezTo>
+                    <a:pt x="14" y="62"/>
+                    <a:pt x="27" y="95"/>
+                    <a:pt x="42" y="127"/>
+                  </a:cubicBezTo>
+                  <a:cubicBezTo>
+                    <a:pt x="54" y="154"/>
+                    <a:pt x="67" y="181"/>
+                    <a:pt x="80" y="207"/>
+                  </a:cubicBezTo>
+                  <a:cubicBezTo>
+                    <a:pt x="90" y="207"/>
+                    <a:pt x="90" y="207"/>
+                    <a:pt x="90" y="207"/>
+                  </a:cubicBezTo>
+                  <a:cubicBezTo>
+                    <a:pt x="76" y="180"/>
+                    <a:pt x="63" y="152"/>
+                    <a:pt x="50" y="123"/>
+                  </a:cubicBezTo>
+                  <a:cubicBezTo>
+                    <a:pt x="34" y="88"/>
+                    <a:pt x="20" y="51"/>
+                    <a:pt x="6" y="15"/>
+                  </a:cubicBezTo>
+                  <a:close/>
+                </a:path>
+              </a:pathLst>
+            </a:custGeom>
+            <a:solidFill>
+              <a:schemeClr val="tx2"/>
+            </a:solidFill>
+            <a:ln>
+              <a:noFill/>
+            </a:ln>
+          </p:spPr>
+        </p:sp>
+        <p:sp>
+          <p:nvSpPr>
+            <p:cNvPr id="28" name="Freeform 30">
+              <a:extLst>
+                <a:ext uri="{FF2B5EF4-FFF2-40B4-BE49-F238E27FC236}">
+                  <a16:creationId xmlns:a16="http://schemas.microsoft.com/office/drawing/2014/main" id="{CB578819-B7E7-4250-932F-52AE2A2A9A57}"/>
+                </a:ext>
+                <a:ext uri="{C183D7F6-B498-43B3-948B-1728B52AA6E4}">
+                  <adec:decorative xmlns:adec="http://schemas.microsoft.com/office/drawing/2017/decorative" val="1"/>
+                </a:ext>
+              </a:extLst>
+            </p:cNvPr>
+            <p:cNvSpPr/>
+            <p:nvPr>
+              <p:extLst>
+                <p:ext uri="{386F3935-93C4-4BCD-93E2-E3B085C9AB24}">
+                  <p16:designElem xmlns:p16="http://schemas.microsoft.com/office/powerpoint/2015/main" val="1"/>
+                </p:ext>
+              </p:extLst>
+            </p:nvPr>
+          </p:nvSpPr>
+          <p:spPr bwMode="auto">
+            <a:xfrm>
+              <a:off x="7037388" y="3811588"/>
+              <a:ext cx="457200" cy="1852613"/>
+            </a:xfrm>
+            <a:custGeom>
+              <a:avLst/>
+              <a:gdLst/>
+              <a:ahLst/>
+              <a:cxnLst/>
+              <a:rect l="0" t="0" r="r" b="b"/>
+              <a:pathLst>
+                <a:path w="115" h="467">
+                  <a:moveTo>
+                    <a:pt x="101" y="409"/>
+                  </a:moveTo>
+                  <a:cubicBezTo>
+                    <a:pt x="93" y="388"/>
+                    <a:pt x="85" y="366"/>
+                    <a:pt x="78" y="344"/>
+                  </a:cubicBezTo>
+                  <a:cubicBezTo>
+                    <a:pt x="57" y="281"/>
+                    <a:pt x="41" y="216"/>
+                    <a:pt x="29" y="151"/>
+                  </a:cubicBezTo>
+                  <a:cubicBezTo>
+                    <a:pt x="22" y="119"/>
+                    <a:pt x="17" y="86"/>
+                    <a:pt x="13" y="53"/>
+                  </a:cubicBezTo>
+                  <a:cubicBezTo>
+                    <a:pt x="9" y="35"/>
+                    <a:pt x="4" y="18"/>
+                    <a:pt x="0" y="0"/>
+                  </a:cubicBezTo>
+                  <a:cubicBezTo>
+                    <a:pt x="5" y="51"/>
+                    <a:pt x="12" y="102"/>
+                    <a:pt x="21" y="152"/>
+                  </a:cubicBezTo>
+                  <a:cubicBezTo>
+                    <a:pt x="33" y="218"/>
+                    <a:pt x="49" y="283"/>
+                    <a:pt x="69" y="347"/>
+                  </a:cubicBezTo>
+                  <a:cubicBezTo>
+                    <a:pt x="79" y="378"/>
+                    <a:pt x="90" y="410"/>
+                    <a:pt x="103" y="441"/>
+                  </a:cubicBezTo>
+                  <a:cubicBezTo>
+                    <a:pt x="107" y="449"/>
+                    <a:pt x="111" y="458"/>
+                    <a:pt x="115" y="467"/>
+                  </a:cubicBezTo>
+                  <a:cubicBezTo>
+                    <a:pt x="114" y="464"/>
+                    <a:pt x="113" y="461"/>
+                    <a:pt x="112" y="458"/>
+                  </a:cubicBezTo>
+                  <a:cubicBezTo>
+                    <a:pt x="108" y="442"/>
+                    <a:pt x="104" y="425"/>
+                    <a:pt x="101" y="409"/>
+                  </a:cubicBezTo>
+                  <a:close/>
+                </a:path>
+              </a:pathLst>
+            </a:custGeom>
+            <a:solidFill>
+              <a:schemeClr val="tx2"/>
+            </a:solidFill>
+            <a:ln>
+              <a:noFill/>
+            </a:ln>
+          </p:spPr>
+        </p:sp>
+        <p:sp>
+          <p:nvSpPr>
+            <p:cNvPr id="29" name="Freeform 31">
+              <a:extLst>
+                <a:ext uri="{FF2B5EF4-FFF2-40B4-BE49-F238E27FC236}">
+                  <a16:creationId xmlns:a16="http://schemas.microsoft.com/office/drawing/2014/main" id="{454B9C91-B623-424A-B16E-F764F189D300}"/>
+                </a:ext>
+                <a:ext uri="{C183D7F6-B498-43B3-948B-1728B52AA6E4}">
+                  <adec:decorative xmlns:adec="http://schemas.microsoft.com/office/drawing/2017/decorative" val="1"/>
+                </a:ext>
+              </a:extLst>
+            </p:cNvPr>
+            <p:cNvSpPr/>
+            <p:nvPr>
+              <p:extLst>
+                <p:ext uri="{386F3935-93C4-4BCD-93E2-E3B085C9AB24}">
+                  <p16:designElem xmlns:p16="http://schemas.microsoft.com/office/powerpoint/2015/main" val="1"/>
+                </p:ext>
+              </p:extLst>
+            </p:nvPr>
+          </p:nvSpPr>
+          <p:spPr bwMode="auto">
+            <a:xfrm>
+              <a:off x="6992938" y="1263650"/>
+              <a:ext cx="144463" cy="2508250"/>
+            </a:xfrm>
+            <a:custGeom>
+              <a:avLst/>
+              <a:gdLst/>
+              <a:ahLst/>
+              <a:cxnLst/>
+              <a:rect l="0" t="0" r="r" b="b"/>
+              <a:pathLst>
+                <a:path w="36" h="633">
+                  <a:moveTo>
+                    <a:pt x="17" y="633"/>
+                  </a:moveTo>
+                  <a:cubicBezTo>
+                    <a:pt x="15" y="621"/>
+                    <a:pt x="14" y="609"/>
+                    <a:pt x="13" y="597"/>
+                  </a:cubicBezTo>
+                  <a:cubicBezTo>
+                    <a:pt x="8" y="530"/>
+                    <a:pt x="5" y="464"/>
+                    <a:pt x="5" y="398"/>
+                  </a:cubicBezTo>
+                  <a:cubicBezTo>
+                    <a:pt x="5" y="331"/>
+                    <a:pt x="8" y="265"/>
+                    <a:pt x="13" y="198"/>
+                  </a:cubicBezTo>
+                  <a:cubicBezTo>
+                    <a:pt x="15" y="165"/>
+                    <a:pt x="18" y="132"/>
+                    <a:pt x="22" y="99"/>
+                  </a:cubicBezTo>
+                  <a:cubicBezTo>
+                    <a:pt x="26" y="66"/>
+                    <a:pt x="30" y="33"/>
+                    <a:pt x="36" y="0"/>
+                  </a:cubicBezTo>
+                  <a:cubicBezTo>
+                    <a:pt x="35" y="0"/>
+                    <a:pt x="35" y="0"/>
+                    <a:pt x="35" y="0"/>
+                  </a:cubicBezTo>
+                  <a:cubicBezTo>
+                    <a:pt x="29" y="33"/>
+                    <a:pt x="24" y="66"/>
+                    <a:pt x="20" y="99"/>
+                  </a:cubicBezTo>
+                  <a:cubicBezTo>
+                    <a:pt x="16" y="132"/>
+                    <a:pt x="13" y="165"/>
+                    <a:pt x="10" y="198"/>
+                  </a:cubicBezTo>
+                  <a:cubicBezTo>
+                    <a:pt x="4" y="264"/>
+                    <a:pt x="1" y="331"/>
+                    <a:pt x="1" y="398"/>
+                  </a:cubicBezTo>
+                  <a:cubicBezTo>
+                    <a:pt x="0" y="461"/>
+                    <a:pt x="2" y="525"/>
+                    <a:pt x="7" y="589"/>
+                  </a:cubicBezTo>
+                  <a:cubicBezTo>
+                    <a:pt x="10" y="603"/>
+                    <a:pt x="13" y="618"/>
+                    <a:pt x="16" y="632"/>
+                  </a:cubicBezTo>
+                  <a:cubicBezTo>
+                    <a:pt x="16" y="632"/>
+                    <a:pt x="17" y="633"/>
+                    <a:pt x="17" y="633"/>
+                  </a:cubicBezTo>
+                  <a:close/>
+                </a:path>
+              </a:pathLst>
+            </a:custGeom>
+            <a:solidFill>
+              <a:schemeClr val="tx2"/>
+            </a:solidFill>
+            <a:ln>
+              <a:noFill/>
+            </a:ln>
+          </p:spPr>
+        </p:sp>
+        <p:sp>
+          <p:nvSpPr>
+            <p:cNvPr id="30" name="Freeform 32">
+              <a:extLst>
+                <a:ext uri="{FF2B5EF4-FFF2-40B4-BE49-F238E27FC236}">
+                  <a16:creationId xmlns:a16="http://schemas.microsoft.com/office/drawing/2014/main" id="{EFD03C4A-8484-41E6-B458-032F1DCA70AA}"/>
+                </a:ext>
+                <a:ext uri="{C183D7F6-B498-43B3-948B-1728B52AA6E4}">
+                  <adec:decorative xmlns:adec="http://schemas.microsoft.com/office/drawing/2017/decorative" val="1"/>
+                </a:ext>
+              </a:extLst>
+            </p:cNvPr>
+            <p:cNvSpPr/>
+            <p:nvPr>
+              <p:extLst>
+                <p:ext uri="{386F3935-93C4-4BCD-93E2-E3B085C9AB24}">
+                  <p16:designElem xmlns:p16="http://schemas.microsoft.com/office/powerpoint/2015/main" val="1"/>
+                </p:ext>
+              </p:extLst>
+            </p:nvPr>
+          </p:nvSpPr>
+          <p:spPr bwMode="auto">
+            <a:xfrm>
+              <a:off x="7526338" y="5640388"/>
+              <a:ext cx="111125" cy="233363"/>
+            </a:xfrm>
+            <a:custGeom>
+              <a:avLst/>
+              <a:gdLst/>
+              <a:ahLst/>
+              <a:cxnLst/>
+              <a:rect l="0" t="0" r="r" b="b"/>
+              <a:pathLst>
+                <a:path w="28" h="59">
+                  <a:moveTo>
+                    <a:pt x="22" y="59"/>
+                  </a:moveTo>
+                  <a:cubicBezTo>
+                    <a:pt x="28" y="59"/>
+                    <a:pt x="28" y="59"/>
+                    <a:pt x="28" y="59"/>
+                  </a:cubicBezTo>
+                  <a:cubicBezTo>
+                    <a:pt x="18" y="40"/>
+                    <a:pt x="9" y="20"/>
+                    <a:pt x="0" y="0"/>
+                  </a:cubicBezTo>
+                  <a:cubicBezTo>
+                    <a:pt x="6" y="20"/>
+                    <a:pt x="13" y="40"/>
+                    <a:pt x="22" y="59"/>
+                  </a:cubicBezTo>
+                  <a:close/>
+                </a:path>
+              </a:pathLst>
+            </a:custGeom>
+            <a:solidFill>
+              <a:schemeClr val="tx2"/>
+            </a:solidFill>
+            <a:ln>
+              <a:noFill/>
+            </a:ln>
+          </p:spPr>
+        </p:sp>
+        <p:sp>
+          <p:nvSpPr>
+            <p:cNvPr id="31" name="Freeform 33">
+              <a:extLst>
+                <a:ext uri="{FF2B5EF4-FFF2-40B4-BE49-F238E27FC236}">
+                  <a16:creationId xmlns:a16="http://schemas.microsoft.com/office/drawing/2014/main" id="{DDC2F3C3-1D4E-4913-9C5C-F9A65B47E5CA}"/>
+                </a:ext>
+                <a:ext uri="{C183D7F6-B498-43B3-948B-1728B52AA6E4}">
+                  <adec:decorative xmlns:adec="http://schemas.microsoft.com/office/drawing/2017/decorative" val="1"/>
+                </a:ext>
+              </a:extLst>
+            </p:cNvPr>
+            <p:cNvSpPr/>
+            <p:nvPr>
+              <p:extLst>
+                <p:ext uri="{386F3935-93C4-4BCD-93E2-E3B085C9AB24}">
+                  <p16:designElem xmlns:p16="http://schemas.microsoft.com/office/powerpoint/2015/main" val="1"/>
+                </p:ext>
+              </p:extLst>
+            </p:nvPr>
+          </p:nvSpPr>
+          <p:spPr bwMode="auto">
+            <a:xfrm>
+              <a:off x="7021513" y="3598863"/>
+              <a:ext cx="68263" cy="423863"/>
+            </a:xfrm>
+            <a:custGeom>
+              <a:avLst/>
+              <a:gdLst/>
+              <a:ahLst/>
+              <a:cxnLst/>
+              <a:rect l="0" t="0" r="r" b="b"/>
+              <a:pathLst>
+                <a:path w="17" h="107">
+                  <a:moveTo>
+                    <a:pt x="4" y="54"/>
+                  </a:moveTo>
+                  <a:cubicBezTo>
+                    <a:pt x="8" y="72"/>
+                    <a:pt x="13" y="89"/>
+                    <a:pt x="17" y="107"/>
+                  </a:cubicBezTo>
+                  <a:cubicBezTo>
+                    <a:pt x="14" y="86"/>
+                    <a:pt x="12" y="65"/>
+                    <a:pt x="10" y="44"/>
+                  </a:cubicBezTo>
+                  <a:cubicBezTo>
+                    <a:pt x="10" y="44"/>
+                    <a:pt x="9" y="43"/>
+                    <a:pt x="9" y="43"/>
+                  </a:cubicBezTo>
+                  <a:cubicBezTo>
+                    <a:pt x="6" y="29"/>
+                    <a:pt x="3" y="14"/>
+                    <a:pt x="0" y="0"/>
+                  </a:cubicBezTo>
+                  <a:cubicBezTo>
+                    <a:pt x="0" y="2"/>
+                    <a:pt x="0" y="5"/>
+                    <a:pt x="0" y="8"/>
+                  </a:cubicBezTo>
+                  <a:cubicBezTo>
+                    <a:pt x="1" y="23"/>
+                    <a:pt x="3" y="39"/>
+                    <a:pt x="4" y="54"/>
+                  </a:cubicBezTo>
+                  <a:close/>
+                </a:path>
+              </a:pathLst>
+            </a:custGeom>
+            <a:solidFill>
+              <a:schemeClr val="tx2"/>
+            </a:solidFill>
+            <a:ln>
+              <a:noFill/>
+            </a:ln>
+          </p:spPr>
+        </p:sp>
+        <p:sp>
+          <p:nvSpPr>
+            <p:cNvPr id="32" name="Freeform 34">
+              <a:extLst>
+                <a:ext uri="{FF2B5EF4-FFF2-40B4-BE49-F238E27FC236}">
+                  <a16:creationId xmlns:a16="http://schemas.microsoft.com/office/drawing/2014/main" id="{1E15BCA2-2420-4C53-ADE9-40FBAC238443}"/>
+                </a:ext>
+                <a:ext uri="{C183D7F6-B498-43B3-948B-1728B52AA6E4}">
+                  <adec:decorative xmlns:adec="http://schemas.microsoft.com/office/drawing/2017/decorative" val="1"/>
+                </a:ext>
+              </a:extLst>
+            </p:cNvPr>
+            <p:cNvSpPr/>
+            <p:nvPr>
+              <p:extLst>
+                <p:ext uri="{386F3935-93C4-4BCD-93E2-E3B085C9AB24}">
+                  <p16:designElem xmlns:p16="http://schemas.microsoft.com/office/powerpoint/2015/main" val="1"/>
+                </p:ext>
+              </p:extLst>
+            </p:nvPr>
+          </p:nvSpPr>
+          <p:spPr bwMode="auto">
+            <a:xfrm>
+              <a:off x="7412038" y="2801938"/>
+              <a:ext cx="1168400" cy="2251075"/>
+            </a:xfrm>
+            <a:custGeom>
+              <a:avLst/>
+              <a:gdLst/>
+              <a:ahLst/>
+              <a:cxnLst/>
+              <a:rect l="0" t="0" r="r" b="b"/>
+              <a:pathLst>
+                <a:path w="294" h="568">
+                  <a:moveTo>
+                    <a:pt x="8" y="553"/>
+                  </a:moveTo>
+                  <a:cubicBezTo>
+                    <a:pt x="9" y="501"/>
+                    <a:pt x="19" y="448"/>
+                    <a:pt x="35" y="397"/>
+                  </a:cubicBezTo>
+                  <a:cubicBezTo>
+                    <a:pt x="51" y="347"/>
+                    <a:pt x="73" y="298"/>
+                    <a:pt x="99" y="252"/>
+                  </a:cubicBezTo>
+                  <a:cubicBezTo>
+                    <a:pt x="124" y="205"/>
+                    <a:pt x="154" y="161"/>
+                    <a:pt x="187" y="119"/>
+                  </a:cubicBezTo>
+                  <a:cubicBezTo>
+                    <a:pt x="203" y="98"/>
+                    <a:pt x="220" y="77"/>
+                    <a:pt x="238" y="58"/>
+                  </a:cubicBezTo>
+                  <a:cubicBezTo>
+                    <a:pt x="247" y="48"/>
+                    <a:pt x="256" y="38"/>
+                    <a:pt x="265" y="28"/>
+                  </a:cubicBezTo>
+                  <a:cubicBezTo>
+                    <a:pt x="274" y="19"/>
+                    <a:pt x="284" y="9"/>
+                    <a:pt x="294" y="0"/>
+                  </a:cubicBezTo>
+                  <a:cubicBezTo>
+                    <a:pt x="293" y="0"/>
+                    <a:pt x="293" y="0"/>
+                    <a:pt x="293" y="0"/>
+                  </a:cubicBezTo>
+                  <a:cubicBezTo>
+                    <a:pt x="283" y="9"/>
+                    <a:pt x="273" y="18"/>
+                    <a:pt x="264" y="27"/>
+                  </a:cubicBezTo>
+                  <a:cubicBezTo>
+                    <a:pt x="255" y="37"/>
+                    <a:pt x="246" y="47"/>
+                    <a:pt x="237" y="56"/>
+                  </a:cubicBezTo>
+                  <a:cubicBezTo>
+                    <a:pt x="218" y="76"/>
+                    <a:pt x="201" y="96"/>
+                    <a:pt x="185" y="117"/>
+                  </a:cubicBezTo>
+                  <a:cubicBezTo>
+                    <a:pt x="151" y="159"/>
+                    <a:pt x="121" y="203"/>
+                    <a:pt x="95" y="249"/>
+                  </a:cubicBezTo>
+                  <a:cubicBezTo>
+                    <a:pt x="68" y="296"/>
+                    <a:pt x="46" y="345"/>
+                    <a:pt x="30" y="396"/>
+                  </a:cubicBezTo>
+                  <a:cubicBezTo>
+                    <a:pt x="13" y="445"/>
+                    <a:pt x="3" y="497"/>
+                    <a:pt x="0" y="549"/>
+                  </a:cubicBezTo>
+                  <a:cubicBezTo>
+                    <a:pt x="3" y="555"/>
+                    <a:pt x="5" y="561"/>
+                    <a:pt x="7" y="568"/>
+                  </a:cubicBezTo>
+                  <a:cubicBezTo>
+                    <a:pt x="7" y="563"/>
+                    <a:pt x="7" y="558"/>
+                    <a:pt x="8" y="553"/>
+                  </a:cubicBezTo>
+                  <a:close/>
+                </a:path>
+              </a:pathLst>
+            </a:custGeom>
+            <a:solidFill>
+              <a:schemeClr val="tx2"/>
+            </a:solidFill>
+            <a:ln>
+              <a:noFill/>
+            </a:ln>
+          </p:spPr>
+        </p:sp>
+        <p:sp>
+          <p:nvSpPr>
+            <p:cNvPr id="33" name="Freeform 35">
+              <a:extLst>
+                <a:ext uri="{FF2B5EF4-FFF2-40B4-BE49-F238E27FC236}">
+                  <a16:creationId xmlns:a16="http://schemas.microsoft.com/office/drawing/2014/main" id="{73D5FBF4-7129-4C51-B603-E3BC3341951B}"/>
+                </a:ext>
+                <a:ext uri="{C183D7F6-B498-43B3-948B-1728B52AA6E4}">
+                  <adec:decorative xmlns:adec="http://schemas.microsoft.com/office/drawing/2017/decorative" val="1"/>
+                </a:ext>
+              </a:extLst>
+            </p:cNvPr>
+            <p:cNvSpPr/>
+            <p:nvPr>
+              <p:extLst>
+                <p:ext uri="{386F3935-93C4-4BCD-93E2-E3B085C9AB24}">
+                  <p16:designElem xmlns:p16="http://schemas.microsoft.com/office/powerpoint/2015/main" val="1"/>
+                </p:ext>
+              </p:extLst>
+            </p:nvPr>
+          </p:nvSpPr>
+          <p:spPr bwMode="auto">
+            <a:xfrm>
+              <a:off x="7494588" y="5664200"/>
+              <a:ext cx="100013" cy="209550"/>
+            </a:xfrm>
+            <a:custGeom>
+              <a:avLst/>
+              <a:gdLst/>
+              <a:ahLst/>
+              <a:cxnLst/>
+              <a:rect l="0" t="0" r="r" b="b"/>
+              <a:pathLst>
+                <a:path w="25" h="53">
+                  <a:moveTo>
+                    <a:pt x="0" y="0"/>
+                  </a:moveTo>
+                  <a:cubicBezTo>
+                    <a:pt x="5" y="18"/>
+                    <a:pt x="12" y="36"/>
+                    <a:pt x="19" y="53"/>
+                  </a:cubicBezTo>
+                  <a:cubicBezTo>
+                    <a:pt x="25" y="53"/>
+                    <a:pt x="25" y="53"/>
+                    <a:pt x="25" y="53"/>
+                  </a:cubicBezTo>
+                  <a:cubicBezTo>
+                    <a:pt x="16" y="36"/>
+                    <a:pt x="8" y="18"/>
+                    <a:pt x="0" y="0"/>
+                  </a:cubicBezTo>
+                  <a:close/>
+                </a:path>
+              </a:pathLst>
+            </a:custGeom>
+            <a:solidFill>
+              <a:schemeClr val="tx2"/>
+            </a:solidFill>
+            <a:ln>
+              <a:noFill/>
+            </a:ln>
+          </p:spPr>
+        </p:sp>
+        <p:sp>
+          <p:nvSpPr>
+            <p:cNvPr id="34" name="Freeform 36">
+              <a:extLst>
+                <a:ext uri="{FF2B5EF4-FFF2-40B4-BE49-F238E27FC236}">
+                  <a16:creationId xmlns:a16="http://schemas.microsoft.com/office/drawing/2014/main" id="{0165B164-CE2A-494C-88FC-507232B37C08}"/>
+                </a:ext>
+                <a:ext uri="{C183D7F6-B498-43B3-948B-1728B52AA6E4}">
+                  <adec:decorative xmlns:adec="http://schemas.microsoft.com/office/drawing/2017/decorative" val="1"/>
+                </a:ext>
+              </a:extLst>
+            </p:cNvPr>
+            <p:cNvSpPr/>
+            <p:nvPr>
+              <p:extLst>
+                <p:ext uri="{386F3935-93C4-4BCD-93E2-E3B085C9AB24}">
+                  <p16:designElem xmlns:p16="http://schemas.microsoft.com/office/powerpoint/2015/main" val="1"/>
+                </p:ext>
+              </p:extLst>
+            </p:nvPr>
+          </p:nvSpPr>
+          <p:spPr bwMode="auto">
+            <a:xfrm>
+              <a:off x="7412038" y="5081588"/>
+              <a:ext cx="114300" cy="558800"/>
+            </a:xfrm>
+            <a:custGeom>
+              <a:avLst/>
+              <a:gdLst/>
+              <a:ahLst/>
+              <a:cxnLst/>
+              <a:rect l="0" t="0" r="r" b="b"/>
+              <a:pathLst>
+                <a:path w="29" h="141">
+                  <a:moveTo>
+                    <a:pt x="0" y="0"/>
+                  </a:moveTo>
+                  <a:cubicBezTo>
+                    <a:pt x="0" y="30"/>
+                    <a:pt x="2" y="60"/>
+                    <a:pt x="7" y="89"/>
+                  </a:cubicBezTo>
+                  <a:cubicBezTo>
+                    <a:pt x="11" y="98"/>
+                    <a:pt x="14" y="108"/>
+                    <a:pt x="18" y="117"/>
+                  </a:cubicBezTo>
+                  <a:cubicBezTo>
+                    <a:pt x="22" y="125"/>
+                    <a:pt x="25" y="133"/>
+                    <a:pt x="29" y="141"/>
+                  </a:cubicBezTo>
+                  <a:cubicBezTo>
+                    <a:pt x="28" y="139"/>
+                    <a:pt x="28" y="137"/>
+                    <a:pt x="27" y="135"/>
+                  </a:cubicBezTo>
+                  <a:cubicBezTo>
+                    <a:pt x="16" y="98"/>
+                    <a:pt x="10" y="60"/>
+                    <a:pt x="8" y="22"/>
+                  </a:cubicBezTo>
+                  <a:cubicBezTo>
+                    <a:pt x="7" y="18"/>
+                    <a:pt x="5" y="15"/>
+                    <a:pt x="4" y="11"/>
+                  </a:cubicBezTo>
+                  <a:cubicBezTo>
+                    <a:pt x="2" y="7"/>
+                    <a:pt x="1" y="3"/>
+                    <a:pt x="0" y="0"/>
+                  </a:cubicBezTo>
+                  <a:close/>
+                </a:path>
+              </a:pathLst>
+            </a:custGeom>
+            <a:solidFill>
+              <a:schemeClr val="tx2"/>
+            </a:solidFill>
+            <a:ln>
+              <a:noFill/>
+            </a:ln>
+          </p:spPr>
+        </p:sp>
+        <p:sp>
+          <p:nvSpPr>
+            <p:cNvPr id="35" name="Freeform 37">
+              <a:extLst>
+                <a:ext uri="{FF2B5EF4-FFF2-40B4-BE49-F238E27FC236}">
+                  <a16:creationId xmlns:a16="http://schemas.microsoft.com/office/drawing/2014/main" id="{87F127E5-B10B-4D18-BCF0-E7C3C7F401EC}"/>
+                </a:ext>
+                <a:ext uri="{C183D7F6-B498-43B3-948B-1728B52AA6E4}">
+                  <adec:decorative xmlns:adec="http://schemas.microsoft.com/office/drawing/2017/decorative" val="1"/>
+                </a:ext>
+              </a:extLst>
+            </p:cNvPr>
+            <p:cNvSpPr/>
+            <p:nvPr>
+              <p:extLst>
+                <p:ext uri="{386F3935-93C4-4BCD-93E2-E3B085C9AB24}">
+                  <p16:designElem xmlns:p16="http://schemas.microsoft.com/office/powerpoint/2015/main" val="1"/>
+                </p:ext>
+              </p:extLst>
+            </p:nvPr>
+          </p:nvSpPr>
+          <p:spPr bwMode="auto">
+            <a:xfrm>
+              <a:off x="7412038" y="4978400"/>
+              <a:ext cx="31750" cy="188913"/>
+            </a:xfrm>
+            <a:custGeom>
+              <a:avLst/>
+              <a:gdLst/>
+              <a:ahLst/>
+              <a:cxnLst/>
+              <a:rect l="0" t="0" r="r" b="b"/>
+              <a:pathLst>
+                <a:path w="8" h="48">
+                  <a:moveTo>
+                    <a:pt x="0" y="26"/>
+                  </a:moveTo>
+                  <a:cubicBezTo>
+                    <a:pt x="1" y="29"/>
+                    <a:pt x="2" y="33"/>
+                    <a:pt x="4" y="37"/>
+                  </a:cubicBezTo>
+                  <a:cubicBezTo>
+                    <a:pt x="5" y="41"/>
+                    <a:pt x="7" y="44"/>
+                    <a:pt x="8" y="48"/>
+                  </a:cubicBezTo>
+                  <a:cubicBezTo>
+                    <a:pt x="7" y="38"/>
+                    <a:pt x="7" y="28"/>
+                    <a:pt x="7" y="19"/>
+                  </a:cubicBezTo>
+                  <a:cubicBezTo>
+                    <a:pt x="5" y="12"/>
+                    <a:pt x="3" y="6"/>
+                    <a:pt x="0" y="0"/>
+                  </a:cubicBezTo>
+                  <a:cubicBezTo>
+                    <a:pt x="0" y="1"/>
+                    <a:pt x="0" y="3"/>
+                    <a:pt x="0" y="4"/>
+                  </a:cubicBezTo>
+                  <a:cubicBezTo>
+                    <a:pt x="0" y="11"/>
+                    <a:pt x="0" y="19"/>
+                    <a:pt x="0" y="26"/>
+                  </a:cubicBezTo>
+                  <a:close/>
+                </a:path>
+              </a:pathLst>
+            </a:custGeom>
+            <a:solidFill>
+              <a:schemeClr val="tx2"/>
+            </a:solidFill>
+            <a:ln>
+              <a:noFill/>
+            </a:ln>
+          </p:spPr>
+        </p:sp>
+        <p:sp>
+          <p:nvSpPr>
+            <p:cNvPr id="36" name="Freeform 38">
+              <a:extLst>
+                <a:ext uri="{FF2B5EF4-FFF2-40B4-BE49-F238E27FC236}">
+                  <a16:creationId xmlns:a16="http://schemas.microsoft.com/office/drawing/2014/main" id="{FC692D59-F28D-4E42-B435-225F2C6CFA31}"/>
+                </a:ext>
+                <a:ext uri="{C183D7F6-B498-43B3-948B-1728B52AA6E4}">
+                  <adec:decorative xmlns:adec="http://schemas.microsoft.com/office/drawing/2017/decorative" val="1"/>
+                </a:ext>
+              </a:extLst>
+            </p:cNvPr>
+            <p:cNvSpPr/>
+            <p:nvPr>
+              <p:extLst>
+                <p:ext uri="{386F3935-93C4-4BCD-93E2-E3B085C9AB24}">
+                  <p16:designElem xmlns:p16="http://schemas.microsoft.com/office/powerpoint/2015/main" val="1"/>
+                </p:ext>
+              </p:extLst>
+            </p:nvPr>
+          </p:nvSpPr>
+          <p:spPr bwMode="auto">
+            <a:xfrm>
+              <a:off x="7439026" y="5434013"/>
+              <a:ext cx="174625" cy="439738"/>
+            </a:xfrm>
+            <a:custGeom>
+              <a:avLst/>
+              <a:gdLst/>
+              <a:ahLst/>
+              <a:cxnLst/>
+              <a:rect l="0" t="0" r="r" b="b"/>
+              <a:pathLst>
+                <a:path w="44" h="111">
+                  <a:moveTo>
+                    <a:pt x="11" y="28"/>
+                  </a:moveTo>
+                  <a:cubicBezTo>
+                    <a:pt x="7" y="19"/>
+                    <a:pt x="4" y="9"/>
+                    <a:pt x="0" y="0"/>
+                  </a:cubicBezTo>
+                  <a:cubicBezTo>
+                    <a:pt x="3" y="16"/>
+                    <a:pt x="7" y="33"/>
+                    <a:pt x="11" y="49"/>
+                  </a:cubicBezTo>
+                  <a:cubicBezTo>
+                    <a:pt x="12" y="52"/>
+                    <a:pt x="13" y="55"/>
+                    <a:pt x="14" y="58"/>
+                  </a:cubicBezTo>
+                  <a:cubicBezTo>
+                    <a:pt x="22" y="76"/>
+                    <a:pt x="30" y="94"/>
+                    <a:pt x="39" y="111"/>
+                  </a:cubicBezTo>
+                  <a:cubicBezTo>
+                    <a:pt x="44" y="111"/>
+                    <a:pt x="44" y="111"/>
+                    <a:pt x="44" y="111"/>
+                  </a:cubicBezTo>
+                  <a:cubicBezTo>
+                    <a:pt x="35" y="92"/>
+                    <a:pt x="28" y="72"/>
+                    <a:pt x="22" y="52"/>
+                  </a:cubicBezTo>
+                  <a:cubicBezTo>
+                    <a:pt x="18" y="44"/>
+                    <a:pt x="15" y="36"/>
+                    <a:pt x="11" y="28"/>
+                  </a:cubicBezTo>
+                  <a:close/>
+                </a:path>
+              </a:pathLst>
+            </a:custGeom>
+            <a:solidFill>
+              <a:schemeClr val="tx2"/>
+            </a:solidFill>
+            <a:ln>
+              <a:noFill/>
+            </a:ln>
+          </p:spPr>
+        </p:sp>
+      </p:grpSp>
+      <p:sp>
+        <p:nvSpPr>
+          <p:cNvPr id="38" name="Rectangle 37">
+            <a:extLst>
+              <a:ext uri="{FF2B5EF4-FFF2-40B4-BE49-F238E27FC236}">
+                <a16:creationId xmlns:a16="http://schemas.microsoft.com/office/drawing/2014/main" id="{1996130F-9AB5-4DE9-8574-3AF891C5C172}"/>
+              </a:ext>
+              <a:ext uri="{C183D7F6-B498-43B3-948B-1728B52AA6E4}">
+                <adec:decorative xmlns:adec="http://schemas.microsoft.com/office/drawing/2017/decorative" val="1"/>
+              </a:ext>
+            </a:extLst>
+          </p:cNvPr>
+          <p:cNvSpPr>
+            <a:spLocks noGrp="1" noRot="1" noChangeAspect="1" noMove="1" noResize="1" noEditPoints="1" noAdjustHandles="1" noChangeArrowheads="1" noChangeShapeType="1" noTextEdit="1"/>
+          </p:cNvSpPr>
+          <p:nvPr>
+            <p:extLst>
+              <p:ext uri="{386F3935-93C4-4BCD-93E2-E3B085C9AB24}">
+                <p16:designElem xmlns:p16="http://schemas.microsoft.com/office/powerpoint/2015/main" val="1"/>
+              </p:ext>
+            </p:extLst>
+          </p:nvPr>
+        </p:nvSpPr>
+        <p:spPr>
+          <a:xfrm>
+            <a:off x="0" y="0"/>
+            <a:ext cx="182880" cy="6858000"/>
+          </a:xfrm>
+          <a:prstGeom prst="rect">
+            <a:avLst/>
+          </a:prstGeom>
+          <a:solidFill>
+            <a:schemeClr val="tx2"/>
+          </a:solidFill>
+          <a:ln>
+            <a:noFill/>
+          </a:ln>
+          <a:effectLst/>
+        </p:spPr>
+        <p:style>
+          <a:lnRef idx="1">
+            <a:schemeClr val="accent1"/>
+          </a:lnRef>
+          <a:fillRef idx="3">
+            <a:schemeClr val="accent1"/>
+          </a:fillRef>
+          <a:effectRef idx="2">
+            <a:schemeClr val="accent1"/>
+          </a:effectRef>
+          <a:fontRef idx="minor">
+            <a:schemeClr val="lt1"/>
+          </a:fontRef>
+        </p:style>
+      </p:sp>
+      <p:sp>
+        <p:nvSpPr>
+          <p:cNvPr id="40" name="Freeform 11">
+            <a:extLst>
+              <a:ext uri="{FF2B5EF4-FFF2-40B4-BE49-F238E27FC236}">
+                <a16:creationId xmlns:a16="http://schemas.microsoft.com/office/drawing/2014/main" id="{7326F4E6-9131-42DA-97B2-0BA8D1E258AD}"/>
+              </a:ext>
+              <a:ext uri="{C183D7F6-B498-43B3-948B-1728B52AA6E4}">
+                <adec:decorative xmlns:adec="http://schemas.microsoft.com/office/drawing/2017/decorative" val="1"/>
+              </a:ext>
+            </a:extLst>
+          </p:cNvPr>
+          <p:cNvSpPr>
+            <a:spLocks noGrp="1" noRot="1" noChangeAspect="1" noMove="1" noResize="1" noEditPoints="1" noAdjustHandles="1" noChangeArrowheads="1" noChangeShapeType="1" noTextEdit="1"/>
+          </p:cNvSpPr>
+          <p:nvPr>
+            <p:extLst>
+              <p:ext uri="{386F3935-93C4-4BCD-93E2-E3B085C9AB24}">
+                <p16:designElem xmlns:p16="http://schemas.microsoft.com/office/powerpoint/2015/main" val="1"/>
+              </p:ext>
+            </p:extLst>
+          </p:nvPr>
+        </p:nvSpPr>
+        <p:spPr bwMode="auto">
+          <a:xfrm flipV="1">
+            <a:off x="-4189" y="714375"/>
+            <a:ext cx="1588527" cy="507297"/>
+          </a:xfrm>
+          <a:custGeom>
+            <a:avLst/>
+            <a:gdLst/>
+            <a:ahLst/>
+            <a:cxnLst/>
+            <a:rect l="l" t="t" r="r" b="b"/>
+            <a:pathLst>
+              <a:path w="9248" h="10000">
+                <a:moveTo>
+                  <a:pt x="9248" y="4701"/>
+                </a:moveTo>
+                <a:lnTo>
+                  <a:pt x="7915" y="188"/>
+                </a:lnTo>
+                <a:cubicBezTo>
+                  <a:pt x="7906" y="156"/>
+                  <a:pt x="7895" y="126"/>
+                  <a:pt x="7886" y="94"/>
+                </a:cubicBezTo>
+                <a:cubicBezTo>
+                  <a:pt x="7859" y="0"/>
+                  <a:pt x="7831" y="0"/>
+                  <a:pt x="7803" y="0"/>
+                </a:cubicBezTo>
+                <a:lnTo>
+                  <a:pt x="7275" y="0"/>
+                </a:lnTo>
+                <a:lnTo>
+                  <a:pt x="0" y="70"/>
+                </a:lnTo>
+                <a:cubicBezTo>
+                  <a:pt x="8" y="3380"/>
+                  <a:pt x="17" y="6690"/>
+                  <a:pt x="25" y="10000"/>
+                </a:cubicBezTo>
+                <a:lnTo>
+                  <a:pt x="7275" y="9966"/>
+                </a:lnTo>
+                <a:lnTo>
+                  <a:pt x="7803" y="9966"/>
+                </a:lnTo>
+                <a:cubicBezTo>
+                  <a:pt x="7831" y="9966"/>
+                  <a:pt x="7859" y="9872"/>
+                  <a:pt x="7886" y="9872"/>
+                </a:cubicBezTo>
+                <a:cubicBezTo>
+                  <a:pt x="7886" y="9778"/>
+                  <a:pt x="7915" y="9778"/>
+                  <a:pt x="7915" y="9778"/>
+                </a:cubicBezTo>
+                <a:lnTo>
+                  <a:pt x="9248" y="5265"/>
+                </a:lnTo>
+                <a:cubicBezTo>
+                  <a:pt x="9303" y="5077"/>
+                  <a:pt x="9303" y="4889"/>
+                  <a:pt x="9248" y="4701"/>
+                </a:cubicBezTo>
+                <a:close/>
+              </a:path>
+            </a:pathLst>
+          </a:custGeom>
+          <a:solidFill>
+            <a:schemeClr val="accent1"/>
+          </a:solidFill>
+          <a:ln>
+            <a:noFill/>
+          </a:ln>
+        </p:spPr>
+      </p:sp>
+      <p:sp useBgFill="1">
+        <p:nvSpPr>
+          <p:cNvPr id="42" name="Rectangle 41">
+            <a:extLst>
+              <a:ext uri="{FF2B5EF4-FFF2-40B4-BE49-F238E27FC236}">
+                <a16:creationId xmlns:a16="http://schemas.microsoft.com/office/drawing/2014/main" id="{1EDD21E1-BAF0-4314-AB31-82ECB8AC9EA9}"/>
+              </a:ext>
+              <a:ext uri="{C183D7F6-B498-43B3-948B-1728B52AA6E4}">
+                <adec:decorative xmlns:adec="http://schemas.microsoft.com/office/drawing/2017/decorative" val="1"/>
+              </a:ext>
+            </a:extLst>
+          </p:cNvPr>
+          <p:cNvSpPr>
+            <a:spLocks noGrp="1" noRot="1" noChangeAspect="1" noMove="1" noResize="1" noEditPoints="1" noAdjustHandles="1" noChangeArrowheads="1" noChangeShapeType="1" noTextEdit="1"/>
+          </p:cNvSpPr>
+          <p:nvPr>
+            <p:extLst>
+              <p:ext uri="{386F3935-93C4-4BCD-93E2-E3B085C9AB24}">
+                <p16:designElem xmlns:p16="http://schemas.microsoft.com/office/powerpoint/2015/main" val="1"/>
+              </p:ext>
+            </p:extLst>
+          </p:nvPr>
+        </p:nvSpPr>
+        <p:spPr>
+          <a:xfrm>
+            <a:off x="0" y="-786"/>
+            <a:ext cx="12192000" cy="6854038"/>
+          </a:xfrm>
+          <a:prstGeom prst="rect">
+            <a:avLst/>
+          </a:prstGeom>
+          <a:ln>
+            <a:noFill/>
+          </a:ln>
+        </p:spPr>
+        <p:style>
+          <a:lnRef idx="2">
+            <a:schemeClr val="accent1">
+              <a:shade val="50000"/>
+            </a:schemeClr>
+          </a:lnRef>
+          <a:fillRef idx="1">
+            <a:schemeClr val="accent1"/>
+          </a:fillRef>
+          <a:effectRef idx="0">
+            <a:schemeClr val="accent1"/>
+          </a:effectRef>
+          <a:fontRef idx="minor">
+            <a:schemeClr val="lt1"/>
+          </a:fontRef>
+        </p:style>
+        <p:txBody>
+          <a:bodyPr rtlCol="0" anchor="ctr"/>
+          <a:lstStyle/>
+          <a:p>
+            <a:pPr algn="ctr"/>
+            <a:endParaRPr lang="en-US"/>
+          </a:p>
+        </p:txBody>
+      </p:sp>
       <p:sp>
         <p:nvSpPr>
           <p:cNvPr id="2" name="Title 1">
@@ -12228,68 +14642,603 @@
             <p:ph type="title"/>
           </p:nvPr>
         </p:nvSpPr>
-        <p:spPr/>
+        <p:spPr>
+          <a:xfrm>
+            <a:off x="642259" y="106806"/>
+            <a:ext cx="5122652" cy="1259894"/>
+          </a:xfrm>
+        </p:spPr>
         <p:txBody>
-          <a:bodyPr/>
+          <a:bodyPr vert="horz" lIns="91440" tIns="45720" rIns="91440" bIns="45720" rtlCol="0" anchor="t">
+            <a:normAutofit/>
+          </a:bodyPr>
           <a:lstStyle/>
           <a:p>
             <a:r>
-              <a:rPr lang="es-GT" dirty="0"/>
-              <a:t>Regresiones lineales con XGBoost</a:t>
+              <a:rPr lang="en-US" dirty="0" err="1"/>
+              <a:t>Regresiones</a:t>
             </a:r>
+            <a:r>
+              <a:rPr lang="en-US" dirty="0"/>
+              <a:t> </a:t>
+            </a:r>
+            <a:r>
+              <a:rPr lang="en-US" dirty="0" err="1"/>
+              <a:t>lineales</a:t>
+            </a:r>
+            <a:r>
+              <a:rPr lang="en-US" dirty="0"/>
+              <a:t> con </a:t>
+            </a:r>
+            <a:r>
+              <a:rPr lang="en-US" dirty="0" err="1"/>
+              <a:t>XGBoost</a:t>
+            </a:r>
+            <a:endParaRPr lang="en-US" dirty="0"/>
           </a:p>
         </p:txBody>
       </p:sp>
       <p:sp>
         <p:nvSpPr>
-          <p:cNvPr id="3" name="Content Placeholder 2">
+          <p:cNvPr id="44" name="Rectangle 43">
             <a:extLst>
               <a:ext uri="{FF2B5EF4-FFF2-40B4-BE49-F238E27FC236}">
-                <a16:creationId xmlns:a16="http://schemas.microsoft.com/office/drawing/2014/main" id="{6D974A9D-0F30-43B5-891B-9B0D3D6F43D3}"/>
+                <a16:creationId xmlns:a16="http://schemas.microsoft.com/office/drawing/2014/main" id="{FDC8619C-F25D-468E-95FA-2A2151D7DDD2}"/>
+              </a:ext>
+              <a:ext uri="{C183D7F6-B498-43B3-948B-1728B52AA6E4}">
+                <adec:decorative xmlns:adec="http://schemas.microsoft.com/office/drawing/2017/decorative" val="1"/>
               </a:ext>
             </a:extLst>
           </p:cNvPr>
           <p:cNvSpPr>
-            <a:spLocks noGrp="1"/>
+            <a:spLocks noGrp="1" noRot="1" noChangeAspect="1" noMove="1" noResize="1" noEditPoints="1" noAdjustHandles="1" noChangeArrowheads="1" noChangeShapeType="1" noTextEdit="1"/>
           </p:cNvSpPr>
           <p:nvPr>
-            <p:ph sz="half" idx="1"/>
+            <p:extLst>
+              <p:ext uri="{386F3935-93C4-4BCD-93E2-E3B085C9AB24}">
+                <p16:designElem xmlns:p16="http://schemas.microsoft.com/office/powerpoint/2015/main" val="1"/>
+              </p:ext>
+            </p:extLst>
           </p:nvPr>
         </p:nvSpPr>
-        <p:spPr/>
-        <p:txBody>
-          <a:bodyPr/>
-          <a:lstStyle/>
-          <a:p>
-            <a:endParaRPr lang="es-GT"/>
-          </a:p>
-        </p:txBody>
+        <p:spPr>
+          <a:xfrm>
+            <a:off x="0" y="0"/>
+            <a:ext cx="182880" cy="6858000"/>
+          </a:xfrm>
+          <a:prstGeom prst="rect">
+            <a:avLst/>
+          </a:prstGeom>
+          <a:solidFill>
+            <a:schemeClr val="tx2"/>
+          </a:solidFill>
+          <a:ln>
+            <a:noFill/>
+          </a:ln>
+          <a:effectLst/>
+        </p:spPr>
+        <p:style>
+          <a:lnRef idx="1">
+            <a:schemeClr val="accent1"/>
+          </a:lnRef>
+          <a:fillRef idx="3">
+            <a:schemeClr val="accent1"/>
+          </a:fillRef>
+          <a:effectRef idx="2">
+            <a:schemeClr val="accent1"/>
+          </a:effectRef>
+          <a:fontRef idx="minor">
+            <a:schemeClr val="lt1"/>
+          </a:fontRef>
+        </p:style>
       </p:sp>
       <p:sp>
         <p:nvSpPr>
-          <p:cNvPr id="4" name="Content Placeholder 3">
+          <p:cNvPr id="46" name="Freeform 12">
             <a:extLst>
               <a:ext uri="{FF2B5EF4-FFF2-40B4-BE49-F238E27FC236}">
-                <a16:creationId xmlns:a16="http://schemas.microsoft.com/office/drawing/2014/main" id="{27B09841-70A6-404F-9F7B-8C73C178621F}"/>
+                <a16:creationId xmlns:a16="http://schemas.microsoft.com/office/drawing/2014/main" id="{7D9439D6-DEAD-4CEB-A61B-BE3D64D1B598}"/>
+              </a:ext>
+              <a:ext uri="{C183D7F6-B498-43B3-948B-1728B52AA6E4}">
+                <adec:decorative xmlns:adec="http://schemas.microsoft.com/office/drawing/2017/decorative" val="1"/>
               </a:ext>
             </a:extLst>
           </p:cNvPr>
           <p:cNvSpPr>
-            <a:spLocks noGrp="1"/>
+            <a:spLocks noGrp="1" noRot="1" noChangeAspect="1" noMove="1" noResize="1" noEditPoints="1" noAdjustHandles="1" noChangeArrowheads="1" noChangeShapeType="1" noTextEdit="1"/>
           </p:cNvSpPr>
           <p:nvPr>
-            <p:ph sz="half" idx="2"/>
+            <p:extLst>
+              <p:ext uri="{386F3935-93C4-4BCD-93E2-E3B085C9AB24}">
+                <p16:designElem xmlns:p16="http://schemas.microsoft.com/office/powerpoint/2015/main" val="1"/>
+              </p:ext>
+            </p:extLst>
           </p:nvPr>
         </p:nvSpPr>
-        <p:spPr/>
+        <p:spPr>
+          <a:xfrm>
+            <a:off x="-1" y="6061223"/>
+            <a:ext cx="1038036" cy="506277"/>
+          </a:xfrm>
+          <a:custGeom>
+            <a:avLst/>
+            <a:gdLst>
+              <a:gd name="connsiteX0" fmla="*/ 0 w 1038036"/>
+              <a:gd name="connsiteY0" fmla="*/ 0 h 506277"/>
+              <a:gd name="connsiteX1" fmla="*/ 182880 w 1038036"/>
+              <a:gd name="connsiteY1" fmla="*/ 0 h 506277"/>
+              <a:gd name="connsiteX2" fmla="*/ 291705 w 1038036"/>
+              <a:gd name="connsiteY2" fmla="*/ 0 h 506277"/>
+              <a:gd name="connsiteX3" fmla="*/ 291705 w 1038036"/>
+              <a:gd name="connsiteY3" fmla="*/ 151 h 506277"/>
+              <a:gd name="connsiteX4" fmla="*/ 692049 w 1038036"/>
+              <a:gd name="connsiteY4" fmla="*/ 705 h 506277"/>
+              <a:gd name="connsiteX5" fmla="*/ 782744 w 1038036"/>
+              <a:gd name="connsiteY5" fmla="*/ 705 h 506277"/>
+              <a:gd name="connsiteX6" fmla="*/ 797001 w 1038036"/>
+              <a:gd name="connsiteY6" fmla="*/ 5473 h 506277"/>
+              <a:gd name="connsiteX7" fmla="*/ 801982 w 1038036"/>
+              <a:gd name="connsiteY7" fmla="*/ 10242 h 506277"/>
+              <a:gd name="connsiteX8" fmla="*/ 1030951 w 1038036"/>
+              <a:gd name="connsiteY8" fmla="*/ 239185 h 506277"/>
+              <a:gd name="connsiteX9" fmla="*/ 1030951 w 1038036"/>
+              <a:gd name="connsiteY9" fmla="*/ 267797 h 506277"/>
+              <a:gd name="connsiteX10" fmla="*/ 801982 w 1038036"/>
+              <a:gd name="connsiteY10" fmla="*/ 496740 h 506277"/>
+              <a:gd name="connsiteX11" fmla="*/ 797001 w 1038036"/>
+              <a:gd name="connsiteY11" fmla="*/ 501508 h 506277"/>
+              <a:gd name="connsiteX12" fmla="*/ 782744 w 1038036"/>
+              <a:gd name="connsiteY12" fmla="*/ 506277 h 506277"/>
+              <a:gd name="connsiteX13" fmla="*/ 692049 w 1038036"/>
+              <a:gd name="connsiteY13" fmla="*/ 506277 h 506277"/>
+              <a:gd name="connsiteX14" fmla="*/ 291705 w 1038036"/>
+              <a:gd name="connsiteY14" fmla="*/ 505140 h 506277"/>
+              <a:gd name="connsiteX15" fmla="*/ 291705 w 1038036"/>
+              <a:gd name="connsiteY15" fmla="*/ 506277 h 506277"/>
+              <a:gd name="connsiteX16" fmla="*/ 0 w 1038036"/>
+              <a:gd name="connsiteY16" fmla="*/ 506277 h 506277"/>
+            </a:gdLst>
+            <a:ahLst/>
+            <a:cxnLst>
+              <a:cxn ang="0">
+                <a:pos x="connsiteX0" y="connsiteY0"/>
+              </a:cxn>
+              <a:cxn ang="0">
+                <a:pos x="connsiteX1" y="connsiteY1"/>
+              </a:cxn>
+              <a:cxn ang="0">
+                <a:pos x="connsiteX2" y="connsiteY2"/>
+              </a:cxn>
+              <a:cxn ang="0">
+                <a:pos x="connsiteX3" y="connsiteY3"/>
+              </a:cxn>
+              <a:cxn ang="0">
+                <a:pos x="connsiteX4" y="connsiteY4"/>
+              </a:cxn>
+              <a:cxn ang="0">
+                <a:pos x="connsiteX5" y="connsiteY5"/>
+              </a:cxn>
+              <a:cxn ang="0">
+                <a:pos x="connsiteX6" y="connsiteY6"/>
+              </a:cxn>
+              <a:cxn ang="0">
+                <a:pos x="connsiteX7" y="connsiteY7"/>
+              </a:cxn>
+              <a:cxn ang="0">
+                <a:pos x="connsiteX8" y="connsiteY8"/>
+              </a:cxn>
+              <a:cxn ang="0">
+                <a:pos x="connsiteX9" y="connsiteY9"/>
+              </a:cxn>
+              <a:cxn ang="0">
+                <a:pos x="connsiteX10" y="connsiteY10"/>
+              </a:cxn>
+              <a:cxn ang="0">
+                <a:pos x="connsiteX11" y="connsiteY11"/>
+              </a:cxn>
+              <a:cxn ang="0">
+                <a:pos x="connsiteX12" y="connsiteY12"/>
+              </a:cxn>
+              <a:cxn ang="0">
+                <a:pos x="connsiteX13" y="connsiteY13"/>
+              </a:cxn>
+              <a:cxn ang="0">
+                <a:pos x="connsiteX14" y="connsiteY14"/>
+              </a:cxn>
+              <a:cxn ang="0">
+                <a:pos x="connsiteX15" y="connsiteY15"/>
+              </a:cxn>
+              <a:cxn ang="0">
+                <a:pos x="connsiteX16" y="connsiteY16"/>
+              </a:cxn>
+            </a:cxnLst>
+            <a:rect l="l" t="t" r="r" b="b"/>
+            <a:pathLst>
+              <a:path w="1038036" h="506277">
+                <a:moveTo>
+                  <a:pt x="0" y="0"/>
+                </a:moveTo>
+                <a:lnTo>
+                  <a:pt x="182880" y="0"/>
+                </a:lnTo>
+                <a:lnTo>
+                  <a:pt x="291705" y="0"/>
+                </a:lnTo>
+                <a:lnTo>
+                  <a:pt x="291705" y="151"/>
+                </a:lnTo>
+                <a:lnTo>
+                  <a:pt x="692049" y="705"/>
+                </a:lnTo>
+                <a:lnTo>
+                  <a:pt x="782744" y="705"/>
+                </a:lnTo>
+                <a:cubicBezTo>
+                  <a:pt x="787553" y="705"/>
+                  <a:pt x="792363" y="5473"/>
+                  <a:pt x="797001" y="5473"/>
+                </a:cubicBezTo>
+                <a:cubicBezTo>
+                  <a:pt x="797001" y="10242"/>
+                  <a:pt x="801982" y="10242"/>
+                  <a:pt x="801982" y="10242"/>
+                </a:cubicBezTo>
+                <a:lnTo>
+                  <a:pt x="1030951" y="239185"/>
+                </a:lnTo>
+                <a:cubicBezTo>
+                  <a:pt x="1040398" y="248722"/>
+                  <a:pt x="1040398" y="258259"/>
+                  <a:pt x="1030951" y="267797"/>
+                </a:cubicBezTo>
+                <a:lnTo>
+                  <a:pt x="801982" y="496740"/>
+                </a:lnTo>
+                <a:cubicBezTo>
+                  <a:pt x="800436" y="498363"/>
+                  <a:pt x="798547" y="499885"/>
+                  <a:pt x="797001" y="501508"/>
+                </a:cubicBezTo>
+                <a:cubicBezTo>
+                  <a:pt x="792363" y="506277"/>
+                  <a:pt x="787553" y="506277"/>
+                  <a:pt x="782744" y="506277"/>
+                </a:cubicBezTo>
+                <a:lnTo>
+                  <a:pt x="692049" y="506277"/>
+                </a:lnTo>
+                <a:lnTo>
+                  <a:pt x="291705" y="505140"/>
+                </a:lnTo>
+                <a:lnTo>
+                  <a:pt x="291705" y="506277"/>
+                </a:lnTo>
+                <a:lnTo>
+                  <a:pt x="0" y="506277"/>
+                </a:lnTo>
+                <a:close/>
+              </a:path>
+            </a:pathLst>
+          </a:custGeom>
+          <a:ln>
+            <a:noFill/>
+          </a:ln>
+        </p:spPr>
+        <p:style>
+          <a:lnRef idx="2">
+            <a:schemeClr val="accent1">
+              <a:shade val="50000"/>
+            </a:schemeClr>
+          </a:lnRef>
+          <a:fillRef idx="1">
+            <a:schemeClr val="accent1"/>
+          </a:fillRef>
+          <a:effectRef idx="0">
+            <a:schemeClr val="accent1"/>
+          </a:effectRef>
+          <a:fontRef idx="minor">
+            <a:schemeClr val="lt1"/>
+          </a:fontRef>
+        </p:style>
         <p:txBody>
-          <a:bodyPr/>
+          <a:bodyPr rtlCol="0" anchor="ctr"/>
           <a:lstStyle/>
           <a:p>
-            <a:endParaRPr lang="es-GT"/>
+            <a:pPr algn="ctr"/>
+            <a:endParaRPr lang="en-US"/>
           </a:p>
         </p:txBody>
       </p:sp>
+      <mc:AlternateContent xmlns:mc="http://schemas.openxmlformats.org/markup-compatibility/2006">
+        <mc:Choice xmlns:a14="http://schemas.microsoft.com/office/drawing/2010/main" Requires="a14">
+          <p:sp>
+            <p:nvSpPr>
+              <p:cNvPr id="37" name="Content Placeholder 9">
+                <a:extLst>
+                  <a:ext uri="{FF2B5EF4-FFF2-40B4-BE49-F238E27FC236}">
+                    <a16:creationId xmlns:a16="http://schemas.microsoft.com/office/drawing/2014/main" id="{46DFC633-4FB8-459B-8BA2-C569FAF7804E}"/>
+                  </a:ext>
+                </a:extLst>
+              </p:cNvPr>
+              <p:cNvSpPr>
+                <a:spLocks noGrp="1"/>
+              </p:cNvSpPr>
+              <p:nvPr>
+                <p:ph sz="half" idx="1"/>
+              </p:nvPr>
+            </p:nvSpPr>
+            <p:spPr>
+              <a:xfrm>
+                <a:off x="525740" y="1299458"/>
+                <a:ext cx="6783388" cy="5473572"/>
+              </a:xfrm>
+            </p:spPr>
+            <p:txBody>
+              <a:bodyPr vert="horz" lIns="91440" tIns="45720" rIns="91440" bIns="45720" rtlCol="0">
+                <a:noAutofit/>
+              </a:bodyPr>
+              <a:lstStyle/>
+              <a:p>
+                <a14:m>
+                  <m:oMath xmlns:m="http://schemas.openxmlformats.org/officeDocument/2006/math">
+                    <m:r>
+                      <a:rPr lang="en-US" sz="2200" i="1" smtClean="0">
+                        <a:latin typeface="Cambria Math" panose="02040503050406030204" pitchFamily="18" charset="0"/>
+                      </a:rPr>
+                      <m:t>𝑅𝑀𝑆𝐸</m:t>
+                    </m:r>
+                    <m:r>
+                      <a:rPr lang="en-US" sz="2200" i="1" smtClean="0">
+                        <a:latin typeface="Cambria Math" panose="02040503050406030204" pitchFamily="18" charset="0"/>
+                      </a:rPr>
+                      <m:t>=0.1167371</m:t>
+                    </m:r>
+                  </m:oMath>
+                </a14:m>
+                <a:endParaRPr lang="en-US" sz="2200" dirty="0"/>
+              </a:p>
+              <a:p>
+                <a:r>
+                  <a:rPr lang="en-US" sz="2000" dirty="0" err="1"/>
+                  <a:t>xgb.train</a:t>
+                </a:r>
+                <a:r>
+                  <a:rPr lang="en-US" sz="2000" dirty="0"/>
+                  <a:t>(data=</a:t>
+                </a:r>
+                <a:r>
+                  <a:rPr lang="en-US" sz="2000" dirty="0" err="1"/>
+                  <a:t>dtrain,booster</a:t>
+                </a:r>
+                <a:r>
+                  <a:rPr lang="en-US" sz="2000" dirty="0"/>
+                  <a:t>='</a:t>
+                </a:r>
+                <a:r>
+                  <a:rPr lang="en-US" sz="2000" dirty="0" err="1"/>
+                  <a:t>gbtree</a:t>
+                </a:r>
+                <a:r>
+                  <a:rPr lang="en-US" sz="2000" dirty="0"/>
+                  <a:t>',</a:t>
+                </a:r>
+              </a:p>
+              <a:p>
+                <a:pPr marL="0" indent="0">
+                  <a:buNone/>
+                </a:pPr>
+                <a:r>
+                  <a:rPr lang="en-US" sz="2000" dirty="0"/>
+                  <a:t>                        </a:t>
+                </a:r>
+                <a:r>
+                  <a:rPr lang="en-US" sz="2000" dirty="0" err="1"/>
+                  <a:t>nrounds</a:t>
+                </a:r>
+                <a:r>
+                  <a:rPr lang="en-US" sz="2000" dirty="0"/>
+                  <a:t>=8000,</a:t>
+                </a:r>
+              </a:p>
+              <a:p>
+                <a:pPr marL="0" indent="0">
+                  <a:buNone/>
+                </a:pPr>
+                <a:r>
+                  <a:rPr lang="en-US" sz="2000" dirty="0"/>
+                  <a:t>                        </a:t>
+                </a:r>
+                <a:r>
+                  <a:rPr lang="en-US" sz="2000" dirty="0" err="1"/>
+                  <a:t>max_depth</a:t>
+                </a:r>
+                <a:r>
+                  <a:rPr lang="en-US" sz="2000" dirty="0"/>
+                  <a:t>=60,</a:t>
+                </a:r>
+              </a:p>
+              <a:p>
+                <a:pPr marL="0" indent="0">
+                  <a:buNone/>
+                </a:pPr>
+                <a:r>
+                  <a:rPr lang="en-US" sz="2000" dirty="0"/>
+                  <a:t>                        </a:t>
+                </a:r>
+                <a:r>
+                  <a:rPr lang="en-US" sz="2000" dirty="0" err="1"/>
+                  <a:t>eval_metric</a:t>
+                </a:r>
+                <a:r>
+                  <a:rPr lang="en-US" sz="2000" dirty="0"/>
+                  <a:t>='</a:t>
+                </a:r>
+                <a:r>
+                  <a:rPr lang="en-US" sz="2000" dirty="0" err="1"/>
+                  <a:t>rmse</a:t>
+                </a:r>
+                <a:r>
+                  <a:rPr lang="en-US" sz="2000" dirty="0"/>
+                  <a:t>',</a:t>
+                </a:r>
+              </a:p>
+              <a:p>
+                <a:pPr marL="0" indent="0">
+                  <a:buNone/>
+                </a:pPr>
+                <a:r>
+                  <a:rPr lang="en-US" sz="2000" dirty="0"/>
+                  <a:t>                        eta=0.001,</a:t>
+                </a:r>
+              </a:p>
+              <a:p>
+                <a:pPr marL="0" indent="0">
+                  <a:buNone/>
+                </a:pPr>
+                <a:r>
+                  <a:rPr lang="en-US" sz="2000" dirty="0"/>
+                  <a:t>                        watchlist=watch,</a:t>
+                </a:r>
+              </a:p>
+              <a:p>
+                <a:pPr marL="0" indent="0">
+                  <a:buNone/>
+                </a:pPr>
+                <a:r>
+                  <a:rPr lang="en-US" sz="2000" dirty="0"/>
+                  <a:t>                        lambda = 0.2,</a:t>
+                </a:r>
+              </a:p>
+              <a:p>
+                <a:pPr marL="0" indent="0">
+                  <a:buNone/>
+                </a:pPr>
+                <a:r>
+                  <a:rPr lang="en-US" sz="2000" dirty="0"/>
+                  <a:t>                        verbose = 0,</a:t>
+                </a:r>
+              </a:p>
+              <a:p>
+                <a:pPr marL="0" indent="0">
+                  <a:buNone/>
+                </a:pPr>
+                <a:r>
+                  <a:rPr lang="en-US" sz="2000" dirty="0"/>
+                  <a:t>                        subsample = 0.065,</a:t>
+                </a:r>
+              </a:p>
+              <a:p>
+                <a:pPr marL="0" indent="0">
+                  <a:buNone/>
+                </a:pPr>
+                <a:r>
+                  <a:rPr lang="en-US" sz="2000" dirty="0"/>
+                  <a:t>                        alfa = 5.26,</a:t>
+                </a:r>
+              </a:p>
+              <a:p>
+                <a:pPr marL="0" indent="0">
+                  <a:buNone/>
+                </a:pPr>
+                <a:r>
+                  <a:rPr lang="en-US" sz="2000" dirty="0"/>
+                  <a:t>                        gamma = 0) </a:t>
+                </a:r>
+              </a:p>
+            </p:txBody>
+          </p:sp>
+        </mc:Choice>
+        <mc:Fallback>
+          <p:sp>
+            <p:nvSpPr>
+              <p:cNvPr id="37" name="Content Placeholder 9">
+                <a:extLst>
+                  <a:ext uri="{FF2B5EF4-FFF2-40B4-BE49-F238E27FC236}">
+                    <a16:creationId xmlns:a16="http://schemas.microsoft.com/office/drawing/2014/main" id="{46DFC633-4FB8-459B-8BA2-C569FAF7804E}"/>
+                  </a:ext>
+                </a:extLst>
+              </p:cNvPr>
+              <p:cNvSpPr>
+                <a:spLocks noGrp="1" noRot="1" noChangeAspect="1" noMove="1" noResize="1" noEditPoints="1" noAdjustHandles="1" noChangeArrowheads="1" noChangeShapeType="1" noTextEdit="1"/>
+              </p:cNvSpPr>
+              <p:nvPr>
+                <p:ph sz="half" idx="1"/>
+              </p:nvPr>
+            </p:nvSpPr>
+            <p:spPr>
+              <a:xfrm>
+                <a:off x="525740" y="1299458"/>
+                <a:ext cx="6783388" cy="5473572"/>
+              </a:xfrm>
+              <a:blipFill>
+                <a:blip r:embed="rId2"/>
+                <a:stretch>
+                  <a:fillRect l="-1078" t="-445"/>
+                </a:stretch>
+              </a:blipFill>
+            </p:spPr>
+            <p:txBody>
+              <a:bodyPr/>
+              <a:lstStyle/>
+              <a:p>
+                <a:r>
+                  <a:rPr lang="es-GT">
+                    <a:noFill/>
+                  </a:rPr>
+                  <a:t> </a:t>
+                </a:r>
+              </a:p>
+            </p:txBody>
+          </p:sp>
+        </mc:Fallback>
+      </mc:AlternateContent>
+      <p:pic>
+        <p:nvPicPr>
+          <p:cNvPr id="1028" name="Picture 4" descr="ML_python_Ensemble_XGB: xgboost &amp; sklearn_XGBoost 1 – Journey to ...">
+            <a:extLst>
+              <a:ext uri="{FF2B5EF4-FFF2-40B4-BE49-F238E27FC236}">
+                <a16:creationId xmlns:a16="http://schemas.microsoft.com/office/drawing/2014/main" id="{2E85C060-A455-4019-9327-4E16146EA904}"/>
+              </a:ext>
+            </a:extLst>
+          </p:cNvPr>
+          <p:cNvPicPr>
+            <a:picLocks noChangeAspect="1" noChangeArrowheads="1"/>
+          </p:cNvPicPr>
+          <p:nvPr/>
+        </p:nvPicPr>
+        <p:blipFill>
+          <a:blip r:embed="rId3">
+            <a:extLst>
+              <a:ext uri="{28A0092B-C50C-407E-A947-70E740481C1C}">
+                <a14:useLocalDpi xmlns:a14="http://schemas.microsoft.com/office/drawing/2010/main" val="0"/>
+              </a:ext>
+            </a:extLst>
+          </a:blip>
+          <a:srcRect/>
+          <a:stretch>
+            <a:fillRect/>
+          </a:stretch>
+        </p:blipFill>
+        <p:spPr bwMode="auto">
+          <a:xfrm>
+            <a:off x="4937773" y="3349072"/>
+            <a:ext cx="7058441" cy="1934801"/>
+          </a:xfrm>
+          <a:prstGeom prst="rect">
+            <a:avLst/>
+          </a:prstGeom>
+          <a:noFill/>
+          <a:extLst>
+            <a:ext uri="{909E8E84-426E-40DD-AFC4-6F175D3DCCD1}">
+              <a14:hiddenFill xmlns:a14="http://schemas.microsoft.com/office/drawing/2010/main">
+                <a:solidFill>
+                  <a:srgbClr val="FFFFFF"/>
+                </a:solidFill>
+              </a14:hiddenFill>
+            </a:ext>
+          </a:extLst>
+        </p:spPr>
+      </p:pic>
     </p:spTree>
     <p:extLst>
       <p:ext uri="{BB962C8B-B14F-4D97-AF65-F5344CB8AC3E}">
@@ -12844,24 +15793,30 @@
             <p:ph type="title"/>
           </p:nvPr>
         </p:nvSpPr>
-        <p:spPr/>
+        <p:spPr>
+          <a:xfrm>
+            <a:off x="1640156" y="633210"/>
+            <a:ext cx="8911687" cy="661765"/>
+          </a:xfrm>
+        </p:spPr>
         <p:txBody>
           <a:bodyPr/>
           <a:lstStyle/>
           <a:p>
             <a:r>
-              <a:rPr lang="es-GT" b="1" dirty="0"/>
-              <a:t>Interpretación de los Resultados</a:t>
+              <a:rPr lang="es-GT" b="1"/>
+              <a:t>Mejor Modelo</a:t>
             </a:r>
+            <a:endParaRPr lang="es-GT" b="1" dirty="0"/>
           </a:p>
         </p:txBody>
       </p:sp>
       <p:sp>
         <p:nvSpPr>
-          <p:cNvPr id="4" name="Content Placeholder 3">
+          <p:cNvPr id="5" name="Content Placeholder 4">
             <a:extLst>
               <a:ext uri="{FF2B5EF4-FFF2-40B4-BE49-F238E27FC236}">
-                <a16:creationId xmlns:a16="http://schemas.microsoft.com/office/drawing/2014/main" id="{1A7A7F90-A949-49BC-B232-990A6C5FAD9B}"/>
+                <a16:creationId xmlns:a16="http://schemas.microsoft.com/office/drawing/2014/main" id="{8D8B1593-9A83-40D9-B5D1-CEAC770547F2}"/>
               </a:ext>
             </a:extLst>
           </p:cNvPr>
@@ -12872,15 +15827,383 @@
             <p:ph idx="1"/>
           </p:nvPr>
         </p:nvSpPr>
+        <p:spPr>
+          <a:xfrm>
+            <a:off x="1515155" y="1661744"/>
+            <a:ext cx="8915400" cy="661765"/>
+          </a:xfrm>
+        </p:spPr>
+        <p:txBody>
+          <a:bodyPr>
+            <a:normAutofit/>
+          </a:bodyPr>
+          <a:lstStyle/>
+          <a:p>
+            <a:r>
+              <a:rPr lang="es-GT" sz="2200" dirty="0" err="1"/>
+              <a:t>XGBoost</a:t>
+            </a:r>
+            <a:r>
+              <a:rPr lang="es-GT" sz="2200" dirty="0"/>
+              <a:t>: modelo 23</a:t>
+            </a:r>
+            <a:endParaRPr lang="en-US" sz="2200" dirty="0"/>
+          </a:p>
+        </p:txBody>
+      </p:sp>
+      <p:pic>
+        <p:nvPicPr>
+          <p:cNvPr id="3" name="Imagen 2">
+            <a:extLst>
+              <a:ext uri="{FF2B5EF4-FFF2-40B4-BE49-F238E27FC236}">
+                <a16:creationId xmlns:a16="http://schemas.microsoft.com/office/drawing/2014/main" id="{C3169AD8-437D-4C10-A3EF-EABC1D39579B}"/>
+              </a:ext>
+            </a:extLst>
+          </p:cNvPr>
+          <p:cNvPicPr>
+            <a:picLocks noChangeAspect="1"/>
+          </p:cNvPicPr>
+          <p:nvPr/>
+        </p:nvPicPr>
+        <p:blipFill rotWithShape="1">
+          <a:blip r:embed="rId2"/>
+          <a:srcRect l="10714" t="50000" r="20119" b="19350"/>
+          <a:stretch/>
+        </p:blipFill>
+        <p:spPr>
+          <a:xfrm>
+            <a:off x="420913" y="3846286"/>
+            <a:ext cx="11683031" cy="2910705"/>
+          </a:xfrm>
+          <a:prstGeom prst="rect">
+            <a:avLst/>
+          </a:prstGeom>
+        </p:spPr>
+      </p:pic>
+      <p:pic>
+        <p:nvPicPr>
+          <p:cNvPr id="4" name="Imagen 3">
+            <a:extLst>
+              <a:ext uri="{FF2B5EF4-FFF2-40B4-BE49-F238E27FC236}">
+                <a16:creationId xmlns:a16="http://schemas.microsoft.com/office/drawing/2014/main" id="{6C1ED806-86A1-4AAE-AD2D-86185C423AC9}"/>
+              </a:ext>
+            </a:extLst>
+          </p:cNvPr>
+          <p:cNvPicPr>
+            <a:picLocks noChangeAspect="1"/>
+          </p:cNvPicPr>
+          <p:nvPr/>
+        </p:nvPicPr>
+        <p:blipFill rotWithShape="1">
+          <a:blip r:embed="rId3"/>
+          <a:srcRect l="10238" t="20726" r="54524" b="46621"/>
+          <a:stretch/>
+        </p:blipFill>
+        <p:spPr>
+          <a:xfrm>
+            <a:off x="5229863" y="800732"/>
+            <a:ext cx="6962137" cy="3627102"/>
+          </a:xfrm>
+          <a:prstGeom prst="rect">
+            <a:avLst/>
+          </a:prstGeom>
+        </p:spPr>
+      </p:pic>
+      <p:pic>
+        <p:nvPicPr>
+          <p:cNvPr id="7" name="Imagen 6">
+            <a:extLst>
+              <a:ext uri="{FF2B5EF4-FFF2-40B4-BE49-F238E27FC236}">
+                <a16:creationId xmlns:a16="http://schemas.microsoft.com/office/drawing/2014/main" id="{D093571E-B6E3-4289-86F6-957C3C1B581D}"/>
+              </a:ext>
+            </a:extLst>
+          </p:cNvPr>
+          <p:cNvPicPr>
+            <a:picLocks noChangeAspect="1"/>
+          </p:cNvPicPr>
+          <p:nvPr/>
+        </p:nvPicPr>
+        <p:blipFill rotWithShape="1">
+          <a:blip r:embed="rId3"/>
+          <a:srcRect l="10238" t="72504" r="54524" b="9081"/>
+          <a:stretch/>
+        </p:blipFill>
+        <p:spPr>
+          <a:xfrm>
+            <a:off x="5259731" y="4136571"/>
+            <a:ext cx="6932269" cy="2036813"/>
+          </a:xfrm>
+          <a:prstGeom prst="rect">
+            <a:avLst/>
+          </a:prstGeom>
+        </p:spPr>
+      </p:pic>
+    </p:spTree>
+    <p:extLst>
+      <p:ext uri="{BB962C8B-B14F-4D97-AF65-F5344CB8AC3E}">
+        <p14:creationId xmlns:p14="http://schemas.microsoft.com/office/powerpoint/2010/main" val="1706840767"/>
+      </p:ext>
+    </p:extLst>
+  </p:cSld>
+  <p:clrMapOvr>
+    <a:masterClrMapping/>
+  </p:clrMapOvr>
+  <p:timing>
+    <p:tnLst>
+      <p:par>
+        <p:cTn id="1" dur="indefinite" restart="never" nodeType="tmRoot">
+          <p:childTnLst>
+            <p:seq concurrent="1" nextAc="seek">
+              <p:cTn id="2" dur="indefinite" nodeType="mainSeq">
+                <p:childTnLst>
+                  <p:par>
+                    <p:cTn id="3" fill="hold">
+                      <p:stCondLst>
+                        <p:cond delay="indefinite"/>
+                      </p:stCondLst>
+                      <p:childTnLst>
+                        <p:par>
+                          <p:cTn id="4" fill="hold">
+                            <p:stCondLst>
+                              <p:cond delay="0"/>
+                            </p:stCondLst>
+                            <p:childTnLst>
+                              <p:par>
+                                <p:cTn id="5" presetID="10" presetClass="entr" presetSubtype="0" fill="hold" nodeType="clickEffect">
+                                  <p:stCondLst>
+                                    <p:cond delay="0"/>
+                                  </p:stCondLst>
+                                  <p:childTnLst>
+                                    <p:set>
+                                      <p:cBhvr>
+                                        <p:cTn id="6" dur="1" fill="hold">
+                                          <p:stCondLst>
+                                            <p:cond delay="0"/>
+                                          </p:stCondLst>
+                                        </p:cTn>
+                                        <p:tgtEl>
+                                          <p:spTgt spid="5">
+                                            <p:txEl>
+                                              <p:pRg st="0" end="0"/>
+                                            </p:txEl>
+                                          </p:spTgt>
+                                        </p:tgtEl>
+                                        <p:attrNameLst>
+                                          <p:attrName>style.visibility</p:attrName>
+                                        </p:attrNameLst>
+                                      </p:cBhvr>
+                                      <p:to>
+                                        <p:strVal val="visible"/>
+                                      </p:to>
+                                    </p:set>
+                                    <p:animEffect transition="in" filter="fade">
+                                      <p:cBhvr>
+                                        <p:cTn id="7" dur="500"/>
+                                        <p:tgtEl>
+                                          <p:spTgt spid="5">
+                                            <p:txEl>
+                                              <p:pRg st="0" end="0"/>
+                                            </p:txEl>
+                                          </p:spTgt>
+                                        </p:tgtEl>
+                                      </p:cBhvr>
+                                    </p:animEffect>
+                                  </p:childTnLst>
+                                </p:cTn>
+                              </p:par>
+                            </p:childTnLst>
+                          </p:cTn>
+                        </p:par>
+                      </p:childTnLst>
+                    </p:cTn>
+                  </p:par>
+                </p:childTnLst>
+              </p:cTn>
+              <p:prevCondLst>
+                <p:cond evt="onPrev" delay="0">
+                  <p:tgtEl>
+                    <p:sldTgt/>
+                  </p:tgtEl>
+                </p:cond>
+              </p:prevCondLst>
+              <p:nextCondLst>
+                <p:cond evt="onNext" delay="0">
+                  <p:tgtEl>
+                    <p:sldTgt/>
+                  </p:tgtEl>
+                </p:cond>
+              </p:nextCondLst>
+            </p:seq>
+          </p:childTnLst>
+        </p:cTn>
+      </p:par>
+    </p:tnLst>
+  </p:timing>
+</p:sld>
+</file>
+
+<file path=ppt/slides/slide14.xml><?xml version="1.0" encoding="utf-8"?>
+<p:sld xmlns:a="http://schemas.openxmlformats.org/drawingml/2006/main" xmlns:r="http://schemas.openxmlformats.org/officeDocument/2006/relationships" xmlns:p="http://schemas.openxmlformats.org/presentationml/2006/main">
+  <p:cSld>
+    <p:spTree>
+      <p:nvGrpSpPr>
+        <p:cNvPr id="1" name=""/>
+        <p:cNvGrpSpPr/>
+        <p:nvPr/>
+      </p:nvGrpSpPr>
+      <p:grpSpPr>
+        <a:xfrm>
+          <a:off x="0" y="0"/>
+          <a:ext cx="0" cy="0"/>
+          <a:chOff x="0" y="0"/>
+          <a:chExt cx="0" cy="0"/>
+        </a:xfrm>
+      </p:grpSpPr>
+      <p:sp>
+        <p:nvSpPr>
+          <p:cNvPr id="2" name="Title 1">
+            <a:extLst>
+              <a:ext uri="{FF2B5EF4-FFF2-40B4-BE49-F238E27FC236}">
+                <a16:creationId xmlns:a16="http://schemas.microsoft.com/office/drawing/2014/main" id="{F926ECA3-47AD-4885-A6D2-762F0D1A99AA}"/>
+              </a:ext>
+            </a:extLst>
+          </p:cNvPr>
+          <p:cNvSpPr>
+            <a:spLocks noGrp="1"/>
+          </p:cNvSpPr>
+          <p:nvPr>
+            <p:ph type="title"/>
+          </p:nvPr>
+        </p:nvSpPr>
         <p:spPr/>
         <p:txBody>
           <a:bodyPr/>
           <a:lstStyle/>
           <a:p>
-            <a:endParaRPr lang="en-US"/>
+            <a:r>
+              <a:rPr lang="es-GT" b="1"/>
+              <a:t>Interpretación de los Resultados</a:t>
+            </a:r>
+            <a:endParaRPr lang="es-GT" b="1" dirty="0"/>
           </a:p>
         </p:txBody>
       </p:sp>
+      <p:pic>
+        <p:nvPicPr>
+          <p:cNvPr id="3" name="Imagen 2">
+            <a:extLst>
+              <a:ext uri="{FF2B5EF4-FFF2-40B4-BE49-F238E27FC236}">
+                <a16:creationId xmlns:a16="http://schemas.microsoft.com/office/drawing/2014/main" id="{2CFBD4EE-48F0-47D7-BD12-4EBD5875B3E6}"/>
+              </a:ext>
+            </a:extLst>
+          </p:cNvPr>
+          <p:cNvPicPr>
+            <a:picLocks noChangeAspect="1"/>
+          </p:cNvPicPr>
+          <p:nvPr/>
+        </p:nvPicPr>
+        <p:blipFill rotWithShape="1">
+          <a:blip r:embed="rId2"/>
+          <a:srcRect l="32987" t="33168" r="53117" b="20944"/>
+          <a:stretch/>
+        </p:blipFill>
+        <p:spPr>
+          <a:xfrm>
+            <a:off x="3730172" y="1796143"/>
+            <a:ext cx="2516103" cy="4671427"/>
+          </a:xfrm>
+          <a:prstGeom prst="rect">
+            <a:avLst/>
+          </a:prstGeom>
+        </p:spPr>
+      </p:pic>
+      <p:pic>
+        <p:nvPicPr>
+          <p:cNvPr id="5" name="Imagen 4">
+            <a:extLst>
+              <a:ext uri="{FF2B5EF4-FFF2-40B4-BE49-F238E27FC236}">
+                <a16:creationId xmlns:a16="http://schemas.microsoft.com/office/drawing/2014/main" id="{7860D347-2874-4336-87F6-18ADD0E0EDA9}"/>
+              </a:ext>
+            </a:extLst>
+          </p:cNvPr>
+          <p:cNvPicPr>
+            <a:picLocks noChangeAspect="1"/>
+          </p:cNvPicPr>
+          <p:nvPr/>
+        </p:nvPicPr>
+        <p:blipFill rotWithShape="1">
+          <a:blip r:embed="rId3"/>
+          <a:srcRect l="37068" t="41168" r="45833" b="13421"/>
+          <a:stretch/>
+        </p:blipFill>
+        <p:spPr>
+          <a:xfrm>
+            <a:off x="6362389" y="1810657"/>
+            <a:ext cx="3100925" cy="4630004"/>
+          </a:xfrm>
+          <a:prstGeom prst="rect">
+            <a:avLst/>
+          </a:prstGeom>
+        </p:spPr>
+      </p:pic>
+      <p:pic>
+        <p:nvPicPr>
+          <p:cNvPr id="7" name="Imagen 6">
+            <a:extLst>
+              <a:ext uri="{FF2B5EF4-FFF2-40B4-BE49-F238E27FC236}">
+                <a16:creationId xmlns:a16="http://schemas.microsoft.com/office/drawing/2014/main" id="{1DC1D008-FC21-405A-A168-CB29EBF4FED1}"/>
+              </a:ext>
+            </a:extLst>
+          </p:cNvPr>
+          <p:cNvPicPr>
+            <a:picLocks noChangeAspect="1"/>
+          </p:cNvPicPr>
+          <p:nvPr/>
+        </p:nvPicPr>
+        <p:blipFill rotWithShape="1">
+          <a:blip r:embed="rId4"/>
+          <a:srcRect l="4286" t="46771" r="69405" b="42853"/>
+          <a:stretch/>
+        </p:blipFill>
+        <p:spPr>
+          <a:xfrm>
+            <a:off x="6414923" y="1905000"/>
+            <a:ext cx="5777077" cy="1280890"/>
+          </a:xfrm>
+          <a:prstGeom prst="rect">
+            <a:avLst/>
+          </a:prstGeom>
+        </p:spPr>
+      </p:pic>
+      <p:pic>
+        <p:nvPicPr>
+          <p:cNvPr id="39" name="Imagen 38">
+            <a:extLst>
+              <a:ext uri="{FF2B5EF4-FFF2-40B4-BE49-F238E27FC236}">
+                <a16:creationId xmlns:a16="http://schemas.microsoft.com/office/drawing/2014/main" id="{CCE94EF2-4324-4269-B113-7F3BA947E900}"/>
+              </a:ext>
+            </a:extLst>
+          </p:cNvPr>
+          <p:cNvPicPr>
+            <a:picLocks noChangeAspect="1"/>
+          </p:cNvPicPr>
+          <p:nvPr/>
+        </p:nvPicPr>
+        <p:blipFill rotWithShape="1">
+          <a:blip r:embed="rId5"/>
+          <a:srcRect l="3173" t="37876" r="70161" b="51114"/>
+          <a:stretch/>
+        </p:blipFill>
+        <p:spPr>
+          <a:xfrm>
+            <a:off x="329663" y="1905000"/>
+            <a:ext cx="6032726" cy="1400453"/>
+          </a:xfrm>
+          <a:prstGeom prst="rect">
+            <a:avLst/>
+          </a:prstGeom>
+        </p:spPr>
+      </p:pic>
     </p:spTree>
     <p:extLst>
       <p:ext uri="{BB962C8B-B14F-4D97-AF65-F5344CB8AC3E}">
@@ -12894,7 +16217,7 @@
 </p:sld>
 </file>
 
-<file path=ppt/slides/slide14.xml><?xml version="1.0" encoding="utf-8"?>
+<file path=ppt/slides/slide15.xml><?xml version="1.0" encoding="utf-8"?>
 <p:sld xmlns:a="http://schemas.openxmlformats.org/drawingml/2006/main" xmlns:r="http://schemas.openxmlformats.org/officeDocument/2006/relationships" xmlns:p="http://schemas.openxmlformats.org/presentationml/2006/main">
   <p:cSld>
     <p:spTree>
@@ -13295,7 +16618,7 @@
 </p:sld>
 </file>
 
-<file path=ppt/slides/slide15.xml><?xml version="1.0" encoding="utf-8"?>
+<file path=ppt/slides/slide16.xml><?xml version="1.0" encoding="utf-8"?>
 <p:sld xmlns:a="http://schemas.openxmlformats.org/drawingml/2006/main" xmlns:r="http://schemas.openxmlformats.org/officeDocument/2006/relationships" xmlns:p="http://schemas.openxmlformats.org/presentationml/2006/main">
   <p:cSld>
     <p:spTree>
@@ -13358,7 +16681,7 @@
 </p:sld>
 </file>
 
-<file path=ppt/slides/slide16.xml><?xml version="1.0" encoding="utf-8"?>
+<file path=ppt/slides/slide17.xml><?xml version="1.0" encoding="utf-8"?>
 <p:sld xmlns:a="http://schemas.openxmlformats.org/drawingml/2006/main" xmlns:r="http://schemas.openxmlformats.org/officeDocument/2006/relationships" xmlns:p="http://schemas.openxmlformats.org/presentationml/2006/main">
   <p:cSld>
     <p:spTree>

--- a/Docs/House Prices.pptx
+++ b/Docs/House Prices.pptx
@@ -447,7 +447,7 @@
             <a:fld id="{D57F1E4F-1CFF-5643-939E-217C01CDF565}" type="slidenum">
               <a:rPr lang="en-US" dirty="0"/>
               <a:pPr/>
-              <a:t>‹Nº›</a:t>
+              <a:t>‹#›</a:t>
             </a:fld>
             <a:endParaRPr lang="en-US" dirty="0"/>
           </a:p>
@@ -782,7 +782,7 @@
             <a:fld id="{D57F1E4F-1CFF-5643-939E-217C01CDF565}" type="slidenum">
               <a:rPr lang="en-US" dirty="0"/>
               <a:pPr/>
-              <a:t>‹Nº›</a:t>
+              <a:t>‹#›</a:t>
             </a:fld>
             <a:endParaRPr lang="en-US" dirty="0"/>
           </a:p>
@@ -1180,7 +1180,7 @@
             <a:fld id="{D57F1E4F-1CFF-5643-939E-217C01CDF565}" type="slidenum">
               <a:rPr lang="en-US" dirty="0"/>
               <a:pPr/>
-              <a:t>‹Nº›</a:t>
+              <a:t>‹#›</a:t>
             </a:fld>
             <a:endParaRPr lang="en-US" dirty="0"/>
           </a:p>
@@ -1513,7 +1513,7 @@
             <a:fld id="{D57F1E4F-1CFF-5643-939E-217C01CDF565}" type="slidenum">
               <a:rPr lang="en-US" dirty="0"/>
               <a:pPr/>
-              <a:t>‹Nº›</a:t>
+              <a:t>‹#›</a:t>
             </a:fld>
             <a:endParaRPr lang="en-US" dirty="0"/>
           </a:p>
@@ -1830,7 +1830,7 @@
             <a:fld id="{D57F1E4F-1CFF-5643-939E-217C01CDF565}" type="slidenum">
               <a:rPr lang="en-US" dirty="0"/>
               <a:pPr/>
-              <a:t>‹Nº›</a:t>
+              <a:t>‹#›</a:t>
             </a:fld>
             <a:endParaRPr lang="en-US" dirty="0"/>
           </a:p>
@@ -2223,7 +2223,7 @@
             <a:fld id="{D57F1E4F-1CFF-5643-939E-217C01CDF565}" type="slidenum">
               <a:rPr lang="en-US" dirty="0"/>
               <a:pPr/>
-              <a:t>‹Nº›</a:t>
+              <a:t>‹#›</a:t>
             </a:fld>
             <a:endParaRPr lang="en-US" dirty="0"/>
           </a:p>
@@ -2472,7 +2472,7 @@
             <a:fld id="{D57F1E4F-1CFF-5643-939E-217C01CDF565}" type="slidenum">
               <a:rPr lang="en-US" dirty="0"/>
               <a:pPr/>
-              <a:t>‹Nº›</a:t>
+              <a:t>‹#›</a:t>
             </a:fld>
             <a:endParaRPr lang="en-US" dirty="0"/>
           </a:p>
@@ -2731,7 +2731,7 @@
             <a:fld id="{D57F1E4F-1CFF-5643-939E-217C01CDF565}" type="slidenum">
               <a:rPr lang="en-US" dirty="0"/>
               <a:pPr/>
-              <a:t>‹Nº›</a:t>
+              <a:t>‹#›</a:t>
             </a:fld>
             <a:endParaRPr lang="en-US" dirty="0"/>
           </a:p>
@@ -2990,7 +2990,7 @@
             <a:fld id="{D57F1E4F-1CFF-5643-939E-217C01CDF565}" type="slidenum">
               <a:rPr lang="en-US" dirty="0"/>
               <a:pPr/>
-              <a:t>‹Nº›</a:t>
+              <a:t>‹#›</a:t>
             </a:fld>
             <a:endParaRPr lang="en-US" dirty="0"/>
           </a:p>
@@ -3321,7 +3321,7 @@
             <a:fld id="{D57F1E4F-1CFF-5643-939E-217C01CDF565}" type="slidenum">
               <a:rPr lang="en-US" dirty="0"/>
               <a:pPr/>
-              <a:t>‹Nº›</a:t>
+              <a:t>‹#›</a:t>
             </a:fld>
             <a:endParaRPr lang="en-US" dirty="0"/>
           </a:p>
@@ -3641,7 +3641,7 @@
             <a:fld id="{D57F1E4F-1CFF-5643-939E-217C01CDF565}" type="slidenum">
               <a:rPr lang="en-US" dirty="0"/>
               <a:pPr/>
-              <a:t>‹Nº›</a:t>
+              <a:t>‹#›</a:t>
             </a:fld>
             <a:endParaRPr lang="en-US" dirty="0"/>
           </a:p>
@@ -4095,7 +4095,7 @@
             <a:fld id="{D57F1E4F-1CFF-5643-939E-217C01CDF565}" type="slidenum">
               <a:rPr lang="en-US" dirty="0"/>
               <a:pPr/>
-              <a:t>‹Nº›</a:t>
+              <a:t>‹#›</a:t>
             </a:fld>
             <a:endParaRPr lang="en-US" dirty="0"/>
           </a:p>
@@ -4292,7 +4292,7 @@
             <a:fld id="{D57F1E4F-1CFF-5643-939E-217C01CDF565}" type="slidenum">
               <a:rPr lang="en-US" dirty="0"/>
               <a:pPr/>
-              <a:t>‹Nº›</a:t>
+              <a:t>‹#›</a:t>
             </a:fld>
             <a:endParaRPr lang="en-US" dirty="0"/>
           </a:p>
@@ -4466,7 +4466,7 @@
             <a:fld id="{D57F1E4F-1CFF-5643-939E-217C01CDF565}" type="slidenum">
               <a:rPr lang="en-US" dirty="0"/>
               <a:pPr/>
-              <a:t>‹Nº›</a:t>
+              <a:t>‹#›</a:t>
             </a:fld>
             <a:endParaRPr lang="en-US" dirty="0"/>
           </a:p>
@@ -4796,7 +4796,7 @@
             <a:fld id="{D57F1E4F-1CFF-5643-939E-217C01CDF565}" type="slidenum">
               <a:rPr lang="en-US" dirty="0"/>
               <a:pPr/>
-              <a:t>‹Nº›</a:t>
+              <a:t>‹#›</a:t>
             </a:fld>
             <a:endParaRPr lang="en-US" dirty="0"/>
           </a:p>
@@ -5143,7 +5143,7 @@
             <a:fld id="{D57F1E4F-1CFF-5643-939E-217C01CDF565}" type="slidenum">
               <a:rPr lang="en-US" dirty="0"/>
               <a:pPr/>
-              <a:t>‹Nº›</a:t>
+              <a:t>‹#›</a:t>
             </a:fld>
             <a:endParaRPr lang="en-US" dirty="0"/>
           </a:p>
@@ -7204,7 +7204,7 @@
             <a:fld id="{D57F1E4F-1CFF-5643-939E-217C01CDF565}" type="slidenum">
               <a:rPr lang="en-US" dirty="0"/>
               <a:pPr/>
-              <a:t>‹Nº›</a:t>
+              <a:t>‹#›</a:t>
             </a:fld>
             <a:endParaRPr lang="en-US" dirty="0"/>
           </a:p>
@@ -14949,8 +14949,8 @@
           </a:p>
         </p:txBody>
       </p:sp>
-      <mc:AlternateContent xmlns:mc="http://schemas.openxmlformats.org/markup-compatibility/2006">
-        <mc:Choice xmlns:a14="http://schemas.microsoft.com/office/drawing/2010/main" Requires="a14">
+      <mc:AlternateContent xmlns:mc="http://schemas.openxmlformats.org/markup-compatibility/2006" xmlns:a14="http://schemas.microsoft.com/office/drawing/2010/main">
+        <mc:Choice Requires="a14">
           <p:sp>
             <p:nvSpPr>
               <p:cNvPr id="37" name="Content Placeholder 9">
@@ -15148,7 +15148,7 @@
             </p:txBody>
           </p:sp>
         </mc:Choice>
-        <mc:Fallback>
+        <mc:Fallback xmlns="">
           <p:sp>
             <p:nvSpPr>
               <p:cNvPr id="37" name="Content Placeholder 9">
@@ -19680,7 +19680,7 @@
         </p:nvSpPr>
         <p:spPr>
           <a:xfrm>
-            <a:off x="2592925" y="5014691"/>
+            <a:off x="2592925" y="5337932"/>
             <a:ext cx="7446424" cy="1219199"/>
           </a:xfrm>
           <a:prstGeom prst="rect">
@@ -19922,15 +19922,6 @@
               <a:t>descripcion.txt</a:t>
             </a:r>
           </a:p>
-          <a:p>
-            <a:pPr marL="0" indent="0">
-              <a:buNone/>
-            </a:pPr>
-            <a:r>
-              <a:rPr lang="es-GT" sz="2200" dirty="0"/>
-              <a:t>&lt;Link aquí, pero un short URL&gt;</a:t>
-            </a:r>
-          </a:p>
         </p:txBody>
       </p:sp>
       <p:pic>
@@ -19980,7 +19971,7 @@
         <p:spPr>
           <a:xfrm>
             <a:off x="2572052" y="3748088"/>
-            <a:ext cx="7446425" cy="2409825"/>
+            <a:ext cx="7446425" cy="965955"/>
           </a:xfrm>
           <a:prstGeom prst="rect">
             <a:avLst/>
@@ -21323,10 +21314,10 @@
         </p:nvGrpSpPr>
         <p:grpSpPr>
           <a:xfrm>
-            <a:off x="5631400" y="5485956"/>
-            <a:ext cx="7446424" cy="1281334"/>
-            <a:chOff x="2592925" y="4952556"/>
-            <a:chExt cx="7446424" cy="1281334"/>
+            <a:off x="5578133" y="5485956"/>
+            <a:ext cx="7446424" cy="1485521"/>
+            <a:chOff x="2539658" y="4952556"/>
+            <a:chExt cx="7446424" cy="1485521"/>
           </a:xfrm>
         </p:grpSpPr>
         <p:sp>
@@ -21345,7 +21336,7 @@
           </p:nvSpPr>
           <p:spPr>
             <a:xfrm>
-              <a:off x="2592925" y="5014691"/>
+              <a:off x="2539658" y="5218878"/>
               <a:ext cx="7446424" cy="1219199"/>
             </a:xfrm>
             <a:prstGeom prst="rect">
@@ -21583,19 +21574,15 @@
                 <a:t>Material de apoyo: </a:t>
               </a:r>
               <a:r>
-                <a:rPr lang="es-GT" sz="2200" b="1" i="1" dirty="0" err="1"/>
-                <a:t>metodologia.svg</a:t>
+                <a:rPr lang="es-GT" sz="2200" b="1" i="1" dirty="0"/>
+                <a:t>metodologia.png</a:t>
               </a:r>
-              <a:endParaRPr lang="es-GT" sz="2200" b="1" i="1" dirty="0"/>
             </a:p>
             <a:p>
               <a:pPr marL="0" indent="0">
                 <a:buNone/>
               </a:pPr>
-              <a:r>
-                <a:rPr lang="es-GT" sz="2200" dirty="0"/>
-                <a:t>&lt;Link aquí, pero un short URL&gt;</a:t>
-              </a:r>
+              <a:endParaRPr lang="es-GT" sz="2200" dirty="0"/>
             </a:p>
           </p:txBody>
         </p:sp>
@@ -22097,10 +22084,10 @@
         </p:nvGrpSpPr>
         <p:grpSpPr>
           <a:xfrm>
-            <a:off x="2589212" y="4583204"/>
-            <a:ext cx="7313075" cy="1219199"/>
-            <a:chOff x="2592925" y="5014691"/>
-            <a:chExt cx="7446424" cy="1219199"/>
+            <a:off x="2802276" y="4682203"/>
+            <a:ext cx="7313075" cy="1315509"/>
+            <a:chOff x="2809874" y="5113690"/>
+            <a:chExt cx="7446424" cy="1315509"/>
           </a:xfrm>
         </p:grpSpPr>
         <p:sp>
@@ -22119,7 +22106,7 @@
           </p:nvSpPr>
           <p:spPr>
             <a:xfrm>
-              <a:off x="2592925" y="5014691"/>
+              <a:off x="2809874" y="5210000"/>
               <a:ext cx="7446424" cy="1219199"/>
             </a:xfrm>
             <a:prstGeom prst="rect">
@@ -22128,7 +22115,7 @@
           </p:spPr>
           <p:txBody>
             <a:bodyPr vert="horz" lIns="91440" tIns="45720" rIns="91440" bIns="45720" rtlCol="0">
-              <a:normAutofit fontScale="92500" lnSpcReduction="10000"/>
+              <a:normAutofit/>
             </a:bodyPr>
             <a:lstStyle>
               <a:lvl1pPr marL="342900" indent="-342900" algn="l" defTabSz="457200" rtl="0" eaLnBrk="1" latinLnBrk="0" hangingPunct="1">
@@ -22359,15 +22346,6 @@
               <a:r>
                 <a:rPr lang="es-GT" sz="2200" b="1" i="1" dirty="0"/>
                 <a:t>heatmap.png</a:t>
-              </a:r>
-            </a:p>
-            <a:p>
-              <a:pPr marL="0" indent="0">
-                <a:buNone/>
-              </a:pPr>
-              <a:r>
-                <a:rPr lang="es-GT" sz="2200" dirty="0"/>
-                <a:t>&lt;Link aquí, pero un short URL&gt;</a:t>
               </a:r>
             </a:p>
             <a:p>
